--- a/Documentation/Presentation.pptx
+++ b/Documentation/Presentation.pptx
@@ -5,7 +5,7 @@
     <p:sldMasterId id="2147483651" r:id="rId1"/>
   </p:sldMasterIdLst>
   <p:notesMasterIdLst>
-    <p:notesMasterId r:id="rId18"/>
+    <p:notesMasterId r:id="rId19"/>
   </p:notesMasterIdLst>
   <p:sldIdLst>
     <p:sldId id="256" r:id="rId2"/>
@@ -20,10 +20,11 @@
     <p:sldId id="265" r:id="rId11"/>
     <p:sldId id="3703" r:id="rId12"/>
     <p:sldId id="3704" r:id="rId13"/>
-    <p:sldId id="3705" r:id="rId14"/>
-    <p:sldId id="3706" r:id="rId15"/>
-    <p:sldId id="266" r:id="rId16"/>
-    <p:sldId id="267" r:id="rId17"/>
+    <p:sldId id="3708" r:id="rId14"/>
+    <p:sldId id="3709" r:id="rId15"/>
+    <p:sldId id="257" r:id="rId16"/>
+    <p:sldId id="266" r:id="rId17"/>
+    <p:sldId id="267" r:id="rId18"/>
   </p:sldIdLst>
   <p:sldSz cx="12192000" cy="6858000"/>
   <p:notesSz cx="6858000" cy="9144000"/>
@@ -273,6 +274,3648 @@
     </p:ext>
   </p:extLst>
 </p:presentation>
+</file>
+
+<file path=ppt/diagrams/colors1.xml><?xml version="1.0" encoding="utf-8"?>
+<dgm:colorsDef xmlns:dgm="http://schemas.openxmlformats.org/drawingml/2006/diagram" xmlns:a="http://schemas.openxmlformats.org/drawingml/2006/main" uniqueId="urn:microsoft.com/office/officeart/2005/8/colors/accent1_2">
+  <dgm:title val=""/>
+  <dgm:desc val=""/>
+  <dgm:catLst>
+    <dgm:cat type="accent1" pri="11200"/>
+  </dgm:catLst>
+  <dgm:styleLbl name="node0">
+    <dgm:fillClrLst meth="repeat">
+      <a:schemeClr val="accent1"/>
+    </dgm:fillClrLst>
+    <dgm:linClrLst meth="repeat">
+      <a:schemeClr val="lt1"/>
+    </dgm:linClrLst>
+    <dgm:effectClrLst/>
+    <dgm:txLinClrLst/>
+    <dgm:txFillClrLst/>
+    <dgm:txEffectClrLst/>
+  </dgm:styleLbl>
+  <dgm:styleLbl name="alignNode1">
+    <dgm:fillClrLst meth="repeat">
+      <a:schemeClr val="accent1"/>
+    </dgm:fillClrLst>
+    <dgm:linClrLst meth="repeat">
+      <a:schemeClr val="accent1"/>
+    </dgm:linClrLst>
+    <dgm:effectClrLst/>
+    <dgm:txLinClrLst/>
+    <dgm:txFillClrLst/>
+    <dgm:txEffectClrLst/>
+  </dgm:styleLbl>
+  <dgm:styleLbl name="node1">
+    <dgm:fillClrLst meth="repeat">
+      <a:schemeClr val="accent1"/>
+    </dgm:fillClrLst>
+    <dgm:linClrLst meth="repeat">
+      <a:schemeClr val="lt1"/>
+    </dgm:linClrLst>
+    <dgm:effectClrLst/>
+    <dgm:txLinClrLst/>
+    <dgm:txFillClrLst/>
+    <dgm:txEffectClrLst/>
+  </dgm:styleLbl>
+  <dgm:styleLbl name="lnNode1">
+    <dgm:fillClrLst meth="repeat">
+      <a:schemeClr val="accent1"/>
+    </dgm:fillClrLst>
+    <dgm:linClrLst meth="repeat">
+      <a:schemeClr val="lt1"/>
+    </dgm:linClrLst>
+    <dgm:effectClrLst/>
+    <dgm:txLinClrLst/>
+    <dgm:txFillClrLst/>
+    <dgm:txEffectClrLst/>
+  </dgm:styleLbl>
+  <dgm:styleLbl name="vennNode1">
+    <dgm:fillClrLst meth="repeat">
+      <a:schemeClr val="accent1">
+        <a:alpha val="50000"/>
+      </a:schemeClr>
+    </dgm:fillClrLst>
+    <dgm:linClrLst meth="repeat">
+      <a:schemeClr val="lt1"/>
+    </dgm:linClrLst>
+    <dgm:effectClrLst/>
+    <dgm:txLinClrLst/>
+    <dgm:txFillClrLst/>
+    <dgm:txEffectClrLst/>
+  </dgm:styleLbl>
+  <dgm:styleLbl name="node2">
+    <dgm:fillClrLst meth="repeat">
+      <a:schemeClr val="accent1"/>
+    </dgm:fillClrLst>
+    <dgm:linClrLst meth="repeat">
+      <a:schemeClr val="lt1"/>
+    </dgm:linClrLst>
+    <dgm:effectClrLst/>
+    <dgm:txLinClrLst/>
+    <dgm:txFillClrLst/>
+    <dgm:txEffectClrLst/>
+  </dgm:styleLbl>
+  <dgm:styleLbl name="node3">
+    <dgm:fillClrLst meth="repeat">
+      <a:schemeClr val="accent1"/>
+    </dgm:fillClrLst>
+    <dgm:linClrLst meth="repeat">
+      <a:schemeClr val="lt1"/>
+    </dgm:linClrLst>
+    <dgm:effectClrLst/>
+    <dgm:txLinClrLst/>
+    <dgm:txFillClrLst/>
+    <dgm:txEffectClrLst/>
+  </dgm:styleLbl>
+  <dgm:styleLbl name="node4">
+    <dgm:fillClrLst meth="repeat">
+      <a:schemeClr val="accent1"/>
+    </dgm:fillClrLst>
+    <dgm:linClrLst meth="repeat">
+      <a:schemeClr val="lt1"/>
+    </dgm:linClrLst>
+    <dgm:effectClrLst/>
+    <dgm:txLinClrLst/>
+    <dgm:txFillClrLst/>
+    <dgm:txEffectClrLst/>
+  </dgm:styleLbl>
+  <dgm:styleLbl name="fgImgPlace1">
+    <dgm:fillClrLst meth="repeat">
+      <a:schemeClr val="accent1">
+        <a:tint val="50000"/>
+      </a:schemeClr>
+    </dgm:fillClrLst>
+    <dgm:linClrLst meth="repeat">
+      <a:schemeClr val="lt1"/>
+    </dgm:linClrLst>
+    <dgm:effectClrLst/>
+    <dgm:txLinClrLst/>
+    <dgm:txFillClrLst meth="repeat">
+      <a:schemeClr val="lt1"/>
+    </dgm:txFillClrLst>
+    <dgm:txEffectClrLst/>
+  </dgm:styleLbl>
+  <dgm:styleLbl name="alignImgPlace1">
+    <dgm:fillClrLst meth="repeat">
+      <a:schemeClr val="accent1">
+        <a:tint val="50000"/>
+      </a:schemeClr>
+    </dgm:fillClrLst>
+    <dgm:linClrLst meth="repeat">
+      <a:schemeClr val="lt1"/>
+    </dgm:linClrLst>
+    <dgm:effectClrLst/>
+    <dgm:txLinClrLst/>
+    <dgm:txFillClrLst meth="repeat">
+      <a:schemeClr val="lt1"/>
+    </dgm:txFillClrLst>
+    <dgm:txEffectClrLst/>
+  </dgm:styleLbl>
+  <dgm:styleLbl name="bgImgPlace1">
+    <dgm:fillClrLst meth="repeat">
+      <a:schemeClr val="accent1">
+        <a:tint val="50000"/>
+      </a:schemeClr>
+    </dgm:fillClrLst>
+    <dgm:linClrLst meth="repeat">
+      <a:schemeClr val="lt1"/>
+    </dgm:linClrLst>
+    <dgm:effectClrLst/>
+    <dgm:txLinClrLst/>
+    <dgm:txFillClrLst meth="repeat">
+      <a:schemeClr val="lt1"/>
+    </dgm:txFillClrLst>
+    <dgm:txEffectClrLst/>
+  </dgm:styleLbl>
+  <dgm:styleLbl name="sibTrans2D1">
+    <dgm:fillClrLst meth="repeat">
+      <a:schemeClr val="accent1">
+        <a:tint val="60000"/>
+      </a:schemeClr>
+    </dgm:fillClrLst>
+    <dgm:linClrLst meth="repeat">
+      <a:schemeClr val="accent1">
+        <a:tint val="60000"/>
+      </a:schemeClr>
+    </dgm:linClrLst>
+    <dgm:effectClrLst/>
+    <dgm:txLinClrLst/>
+    <dgm:txFillClrLst/>
+    <dgm:txEffectClrLst/>
+  </dgm:styleLbl>
+  <dgm:styleLbl name="fgSibTrans2D1">
+    <dgm:fillClrLst meth="repeat">
+      <a:schemeClr val="accent1">
+        <a:tint val="60000"/>
+      </a:schemeClr>
+    </dgm:fillClrLst>
+    <dgm:linClrLst meth="repeat">
+      <a:schemeClr val="accent1">
+        <a:tint val="60000"/>
+      </a:schemeClr>
+    </dgm:linClrLst>
+    <dgm:effectClrLst/>
+    <dgm:txLinClrLst/>
+    <dgm:txFillClrLst/>
+    <dgm:txEffectClrLst/>
+  </dgm:styleLbl>
+  <dgm:styleLbl name="bgSibTrans2D1">
+    <dgm:fillClrLst meth="repeat">
+      <a:schemeClr val="accent1">
+        <a:tint val="60000"/>
+      </a:schemeClr>
+    </dgm:fillClrLst>
+    <dgm:linClrLst meth="repeat">
+      <a:schemeClr val="accent1">
+        <a:tint val="60000"/>
+      </a:schemeClr>
+    </dgm:linClrLst>
+    <dgm:effectClrLst/>
+    <dgm:txLinClrLst/>
+    <dgm:txFillClrLst/>
+    <dgm:txEffectClrLst/>
+  </dgm:styleLbl>
+  <dgm:styleLbl name="sibTrans1D1">
+    <dgm:fillClrLst meth="repeat">
+      <a:schemeClr val="accent1"/>
+    </dgm:fillClrLst>
+    <dgm:linClrLst meth="repeat">
+      <a:schemeClr val="accent1"/>
+    </dgm:linClrLst>
+    <dgm:effectClrLst/>
+    <dgm:txLinClrLst/>
+    <dgm:txFillClrLst meth="repeat">
+      <a:schemeClr val="tx1"/>
+    </dgm:txFillClrLst>
+    <dgm:txEffectClrLst/>
+  </dgm:styleLbl>
+  <dgm:styleLbl name="callout">
+    <dgm:fillClrLst meth="repeat">
+      <a:schemeClr val="accent1"/>
+    </dgm:fillClrLst>
+    <dgm:linClrLst meth="repeat">
+      <a:schemeClr val="accent1">
+        <a:tint val="50000"/>
+      </a:schemeClr>
+    </dgm:linClrLst>
+    <dgm:effectClrLst/>
+    <dgm:txLinClrLst/>
+    <dgm:txFillClrLst meth="repeat">
+      <a:schemeClr val="tx1"/>
+    </dgm:txFillClrLst>
+    <dgm:txEffectClrLst/>
+  </dgm:styleLbl>
+  <dgm:styleLbl name="asst0">
+    <dgm:fillClrLst meth="repeat">
+      <a:schemeClr val="accent1"/>
+    </dgm:fillClrLst>
+    <dgm:linClrLst meth="repeat">
+      <a:schemeClr val="lt1"/>
+    </dgm:linClrLst>
+    <dgm:effectClrLst/>
+    <dgm:txLinClrLst/>
+    <dgm:txFillClrLst/>
+    <dgm:txEffectClrLst/>
+  </dgm:styleLbl>
+  <dgm:styleLbl name="asst1">
+    <dgm:fillClrLst meth="repeat">
+      <a:schemeClr val="accent1"/>
+    </dgm:fillClrLst>
+    <dgm:linClrLst meth="repeat">
+      <a:schemeClr val="lt1"/>
+    </dgm:linClrLst>
+    <dgm:effectClrLst/>
+    <dgm:txLinClrLst/>
+    <dgm:txFillClrLst/>
+    <dgm:txEffectClrLst/>
+  </dgm:styleLbl>
+  <dgm:styleLbl name="asst2">
+    <dgm:fillClrLst meth="repeat">
+      <a:schemeClr val="accent1"/>
+    </dgm:fillClrLst>
+    <dgm:linClrLst meth="repeat">
+      <a:schemeClr val="lt1"/>
+    </dgm:linClrLst>
+    <dgm:effectClrLst/>
+    <dgm:txLinClrLst/>
+    <dgm:txFillClrLst/>
+    <dgm:txEffectClrLst/>
+  </dgm:styleLbl>
+  <dgm:styleLbl name="asst3">
+    <dgm:fillClrLst meth="repeat">
+      <a:schemeClr val="accent1"/>
+    </dgm:fillClrLst>
+    <dgm:linClrLst meth="repeat">
+      <a:schemeClr val="lt1"/>
+    </dgm:linClrLst>
+    <dgm:effectClrLst/>
+    <dgm:txLinClrLst/>
+    <dgm:txFillClrLst/>
+    <dgm:txEffectClrLst/>
+  </dgm:styleLbl>
+  <dgm:styleLbl name="asst4">
+    <dgm:fillClrLst meth="repeat">
+      <a:schemeClr val="accent1"/>
+    </dgm:fillClrLst>
+    <dgm:linClrLst meth="repeat">
+      <a:schemeClr val="lt1"/>
+    </dgm:linClrLst>
+    <dgm:effectClrLst/>
+    <dgm:txLinClrLst/>
+    <dgm:txFillClrLst/>
+    <dgm:txEffectClrLst/>
+  </dgm:styleLbl>
+  <dgm:styleLbl name="parChTrans2D1">
+    <dgm:fillClrLst meth="repeat">
+      <a:schemeClr val="accent1">
+        <a:tint val="60000"/>
+      </a:schemeClr>
+    </dgm:fillClrLst>
+    <dgm:linClrLst meth="repeat">
+      <a:schemeClr val="accent1">
+        <a:tint val="60000"/>
+      </a:schemeClr>
+    </dgm:linClrLst>
+    <dgm:effectClrLst/>
+    <dgm:txLinClrLst/>
+    <dgm:txFillClrLst meth="repeat">
+      <a:schemeClr val="lt1"/>
+    </dgm:txFillClrLst>
+    <dgm:txEffectClrLst/>
+  </dgm:styleLbl>
+  <dgm:styleLbl name="parChTrans2D2">
+    <dgm:fillClrLst meth="repeat">
+      <a:schemeClr val="accent1"/>
+    </dgm:fillClrLst>
+    <dgm:linClrLst meth="repeat">
+      <a:schemeClr val="accent1"/>
+    </dgm:linClrLst>
+    <dgm:effectClrLst/>
+    <dgm:txLinClrLst/>
+    <dgm:txFillClrLst meth="repeat">
+      <a:schemeClr val="lt1"/>
+    </dgm:txFillClrLst>
+    <dgm:txEffectClrLst/>
+  </dgm:styleLbl>
+  <dgm:styleLbl name="parChTrans2D3">
+    <dgm:fillClrLst meth="repeat">
+      <a:schemeClr val="accent1"/>
+    </dgm:fillClrLst>
+    <dgm:linClrLst meth="repeat">
+      <a:schemeClr val="accent1"/>
+    </dgm:linClrLst>
+    <dgm:effectClrLst/>
+    <dgm:txLinClrLst/>
+    <dgm:txFillClrLst meth="repeat">
+      <a:schemeClr val="lt1"/>
+    </dgm:txFillClrLst>
+    <dgm:txEffectClrLst/>
+  </dgm:styleLbl>
+  <dgm:styleLbl name="parChTrans2D4">
+    <dgm:fillClrLst meth="repeat">
+      <a:schemeClr val="accent1"/>
+    </dgm:fillClrLst>
+    <dgm:linClrLst meth="repeat">
+      <a:schemeClr val="accent1"/>
+    </dgm:linClrLst>
+    <dgm:effectClrLst/>
+    <dgm:txLinClrLst/>
+    <dgm:txFillClrLst meth="repeat">
+      <a:schemeClr val="lt1"/>
+    </dgm:txFillClrLst>
+    <dgm:txEffectClrLst/>
+  </dgm:styleLbl>
+  <dgm:styleLbl name="parChTrans1D1">
+    <dgm:fillClrLst meth="repeat">
+      <a:schemeClr val="accent1"/>
+    </dgm:fillClrLst>
+    <dgm:linClrLst meth="repeat">
+      <a:schemeClr val="accent1">
+        <a:shade val="60000"/>
+      </a:schemeClr>
+    </dgm:linClrLst>
+    <dgm:effectClrLst/>
+    <dgm:txLinClrLst/>
+    <dgm:txFillClrLst meth="repeat">
+      <a:schemeClr val="tx1"/>
+    </dgm:txFillClrLst>
+    <dgm:txEffectClrLst/>
+  </dgm:styleLbl>
+  <dgm:styleLbl name="parChTrans1D2">
+    <dgm:fillClrLst meth="repeat">
+      <a:schemeClr val="accent1"/>
+    </dgm:fillClrLst>
+    <dgm:linClrLst meth="repeat">
+      <a:schemeClr val="accent1">
+        <a:shade val="60000"/>
+      </a:schemeClr>
+    </dgm:linClrLst>
+    <dgm:effectClrLst/>
+    <dgm:txLinClrLst/>
+    <dgm:txFillClrLst meth="repeat">
+      <a:schemeClr val="tx1"/>
+    </dgm:txFillClrLst>
+    <dgm:txEffectClrLst/>
+  </dgm:styleLbl>
+  <dgm:styleLbl name="parChTrans1D3">
+    <dgm:fillClrLst meth="repeat">
+      <a:schemeClr val="accent1"/>
+    </dgm:fillClrLst>
+    <dgm:linClrLst meth="repeat">
+      <a:schemeClr val="accent1">
+        <a:shade val="80000"/>
+      </a:schemeClr>
+    </dgm:linClrLst>
+    <dgm:effectClrLst/>
+    <dgm:txLinClrLst/>
+    <dgm:txFillClrLst meth="repeat">
+      <a:schemeClr val="tx1"/>
+    </dgm:txFillClrLst>
+    <dgm:txEffectClrLst/>
+  </dgm:styleLbl>
+  <dgm:styleLbl name="parChTrans1D4">
+    <dgm:fillClrLst meth="repeat">
+      <a:schemeClr val="accent1"/>
+    </dgm:fillClrLst>
+    <dgm:linClrLst meth="repeat">
+      <a:schemeClr val="accent1">
+        <a:shade val="80000"/>
+      </a:schemeClr>
+    </dgm:linClrLst>
+    <dgm:effectClrLst/>
+    <dgm:txLinClrLst/>
+    <dgm:txFillClrLst meth="repeat">
+      <a:schemeClr val="tx1"/>
+    </dgm:txFillClrLst>
+    <dgm:txEffectClrLst/>
+  </dgm:styleLbl>
+  <dgm:styleLbl name="fgAcc1">
+    <dgm:fillClrLst meth="repeat">
+      <a:schemeClr val="lt1">
+        <a:alpha val="90000"/>
+      </a:schemeClr>
+    </dgm:fillClrLst>
+    <dgm:linClrLst meth="repeat">
+      <a:schemeClr val="accent1"/>
+    </dgm:linClrLst>
+    <dgm:effectClrLst/>
+    <dgm:txLinClrLst/>
+    <dgm:txFillClrLst meth="repeat">
+      <a:schemeClr val="dk1"/>
+    </dgm:txFillClrLst>
+    <dgm:txEffectClrLst/>
+  </dgm:styleLbl>
+  <dgm:styleLbl name="conFgAcc1">
+    <dgm:fillClrLst meth="repeat">
+      <a:schemeClr val="lt1">
+        <a:alpha val="90000"/>
+      </a:schemeClr>
+    </dgm:fillClrLst>
+    <dgm:linClrLst meth="repeat">
+      <a:schemeClr val="accent1"/>
+    </dgm:linClrLst>
+    <dgm:effectClrLst/>
+    <dgm:txLinClrLst/>
+    <dgm:txFillClrLst meth="repeat">
+      <a:schemeClr val="dk1"/>
+    </dgm:txFillClrLst>
+    <dgm:txEffectClrLst/>
+  </dgm:styleLbl>
+  <dgm:styleLbl name="alignAcc1">
+    <dgm:fillClrLst meth="repeat">
+      <a:schemeClr val="lt1">
+        <a:alpha val="90000"/>
+      </a:schemeClr>
+    </dgm:fillClrLst>
+    <dgm:linClrLst meth="repeat">
+      <a:schemeClr val="accent1"/>
+    </dgm:linClrLst>
+    <dgm:effectClrLst/>
+    <dgm:txLinClrLst/>
+    <dgm:txFillClrLst meth="repeat">
+      <a:schemeClr val="dk1"/>
+    </dgm:txFillClrLst>
+    <dgm:txEffectClrLst/>
+  </dgm:styleLbl>
+  <dgm:styleLbl name="trAlignAcc1">
+    <dgm:fillClrLst meth="repeat">
+      <a:schemeClr val="lt1">
+        <a:alpha val="40000"/>
+      </a:schemeClr>
+    </dgm:fillClrLst>
+    <dgm:linClrLst meth="repeat">
+      <a:schemeClr val="accent1"/>
+    </dgm:linClrLst>
+    <dgm:effectClrLst/>
+    <dgm:txLinClrLst/>
+    <dgm:txFillClrLst meth="repeat">
+      <a:schemeClr val="dk1"/>
+    </dgm:txFillClrLst>
+    <dgm:txEffectClrLst/>
+  </dgm:styleLbl>
+  <dgm:styleLbl name="bgAcc1">
+    <dgm:fillClrLst meth="repeat">
+      <a:schemeClr val="lt1">
+        <a:alpha val="90000"/>
+      </a:schemeClr>
+    </dgm:fillClrLst>
+    <dgm:linClrLst meth="repeat">
+      <a:schemeClr val="accent1"/>
+    </dgm:linClrLst>
+    <dgm:effectClrLst/>
+    <dgm:txLinClrLst/>
+    <dgm:txFillClrLst meth="repeat">
+      <a:schemeClr val="dk1"/>
+    </dgm:txFillClrLst>
+    <dgm:txEffectClrLst/>
+  </dgm:styleLbl>
+  <dgm:styleLbl name="solidFgAcc1">
+    <dgm:fillClrLst meth="repeat">
+      <a:schemeClr val="lt1"/>
+    </dgm:fillClrLst>
+    <dgm:linClrLst meth="repeat">
+      <a:schemeClr val="accent1"/>
+    </dgm:linClrLst>
+    <dgm:effectClrLst/>
+    <dgm:txLinClrLst/>
+    <dgm:txFillClrLst meth="repeat">
+      <a:schemeClr val="dk1"/>
+    </dgm:txFillClrLst>
+    <dgm:txEffectClrLst/>
+  </dgm:styleLbl>
+  <dgm:styleLbl name="solidAlignAcc1">
+    <dgm:fillClrLst meth="repeat">
+      <a:schemeClr val="lt1"/>
+    </dgm:fillClrLst>
+    <dgm:linClrLst meth="repeat">
+      <a:schemeClr val="accent1"/>
+    </dgm:linClrLst>
+    <dgm:effectClrLst/>
+    <dgm:txLinClrLst/>
+    <dgm:txFillClrLst meth="repeat">
+      <a:schemeClr val="dk1"/>
+    </dgm:txFillClrLst>
+    <dgm:txEffectClrLst/>
+  </dgm:styleLbl>
+  <dgm:styleLbl name="solidBgAcc1">
+    <dgm:fillClrLst meth="repeat">
+      <a:schemeClr val="lt1"/>
+    </dgm:fillClrLst>
+    <dgm:linClrLst meth="repeat">
+      <a:schemeClr val="accent1"/>
+    </dgm:linClrLst>
+    <dgm:effectClrLst/>
+    <dgm:txLinClrLst/>
+    <dgm:txFillClrLst meth="repeat">
+      <a:schemeClr val="dk1"/>
+    </dgm:txFillClrLst>
+    <dgm:txEffectClrLst/>
+  </dgm:styleLbl>
+  <dgm:styleLbl name="fgAccFollowNode1">
+    <dgm:fillClrLst meth="repeat">
+      <a:schemeClr val="accent1">
+        <a:alpha val="90000"/>
+        <a:tint val="40000"/>
+      </a:schemeClr>
+    </dgm:fillClrLst>
+    <dgm:linClrLst meth="repeat">
+      <a:schemeClr val="accent1">
+        <a:alpha val="90000"/>
+        <a:tint val="40000"/>
+      </a:schemeClr>
+    </dgm:linClrLst>
+    <dgm:effectClrLst/>
+    <dgm:txLinClrLst/>
+    <dgm:txFillClrLst meth="repeat">
+      <a:schemeClr val="dk1"/>
+    </dgm:txFillClrLst>
+    <dgm:txEffectClrLst/>
+  </dgm:styleLbl>
+  <dgm:styleLbl name="alignAccFollowNode1">
+    <dgm:fillClrLst meth="repeat">
+      <a:schemeClr val="accent1">
+        <a:alpha val="90000"/>
+        <a:tint val="40000"/>
+      </a:schemeClr>
+    </dgm:fillClrLst>
+    <dgm:linClrLst meth="repeat">
+      <a:schemeClr val="accent1">
+        <a:alpha val="90000"/>
+        <a:tint val="40000"/>
+      </a:schemeClr>
+    </dgm:linClrLst>
+    <dgm:effectClrLst/>
+    <dgm:txLinClrLst/>
+    <dgm:txFillClrLst meth="repeat">
+      <a:schemeClr val="dk1"/>
+    </dgm:txFillClrLst>
+    <dgm:txEffectClrLst/>
+  </dgm:styleLbl>
+  <dgm:styleLbl name="bgAccFollowNode1">
+    <dgm:fillClrLst meth="repeat">
+      <a:schemeClr val="accent1">
+        <a:alpha val="90000"/>
+        <a:tint val="40000"/>
+      </a:schemeClr>
+    </dgm:fillClrLst>
+    <dgm:linClrLst meth="repeat">
+      <a:schemeClr val="accent1">
+        <a:alpha val="90000"/>
+        <a:tint val="40000"/>
+      </a:schemeClr>
+    </dgm:linClrLst>
+    <dgm:effectClrLst/>
+    <dgm:txLinClrLst/>
+    <dgm:txFillClrLst meth="repeat">
+      <a:schemeClr val="dk1"/>
+    </dgm:txFillClrLst>
+    <dgm:txEffectClrLst/>
+  </dgm:styleLbl>
+  <dgm:styleLbl name="fgAcc0">
+    <dgm:fillClrLst meth="repeat">
+      <a:schemeClr val="lt1">
+        <a:alpha val="90000"/>
+      </a:schemeClr>
+    </dgm:fillClrLst>
+    <dgm:linClrLst meth="repeat">
+      <a:schemeClr val="accent1"/>
+    </dgm:linClrLst>
+    <dgm:effectClrLst/>
+    <dgm:txLinClrLst/>
+    <dgm:txFillClrLst meth="repeat">
+      <a:schemeClr val="dk1"/>
+    </dgm:txFillClrLst>
+    <dgm:txEffectClrLst/>
+  </dgm:styleLbl>
+  <dgm:styleLbl name="fgAcc2">
+    <dgm:fillClrLst meth="repeat">
+      <a:schemeClr val="lt1">
+        <a:alpha val="90000"/>
+      </a:schemeClr>
+    </dgm:fillClrLst>
+    <dgm:linClrLst meth="repeat">
+      <a:schemeClr val="accent1"/>
+    </dgm:linClrLst>
+    <dgm:effectClrLst/>
+    <dgm:txLinClrLst/>
+    <dgm:txFillClrLst meth="repeat">
+      <a:schemeClr val="dk1"/>
+    </dgm:txFillClrLst>
+    <dgm:txEffectClrLst/>
+  </dgm:styleLbl>
+  <dgm:styleLbl name="fgAcc3">
+    <dgm:fillClrLst meth="repeat">
+      <a:schemeClr val="lt1">
+        <a:alpha val="90000"/>
+      </a:schemeClr>
+    </dgm:fillClrLst>
+    <dgm:linClrLst meth="repeat">
+      <a:schemeClr val="accent1"/>
+    </dgm:linClrLst>
+    <dgm:effectClrLst/>
+    <dgm:txLinClrLst/>
+    <dgm:txFillClrLst meth="repeat">
+      <a:schemeClr val="dk1"/>
+    </dgm:txFillClrLst>
+    <dgm:txEffectClrLst/>
+  </dgm:styleLbl>
+  <dgm:styleLbl name="fgAcc4">
+    <dgm:fillClrLst meth="repeat">
+      <a:schemeClr val="lt1">
+        <a:alpha val="90000"/>
+      </a:schemeClr>
+    </dgm:fillClrLst>
+    <dgm:linClrLst meth="repeat">
+      <a:schemeClr val="accent1"/>
+    </dgm:linClrLst>
+    <dgm:effectClrLst/>
+    <dgm:txLinClrLst/>
+    <dgm:txFillClrLst meth="repeat">
+      <a:schemeClr val="dk1"/>
+    </dgm:txFillClrLst>
+    <dgm:txEffectClrLst/>
+  </dgm:styleLbl>
+  <dgm:styleLbl name="bgShp">
+    <dgm:fillClrLst meth="repeat">
+      <a:schemeClr val="accent1">
+        <a:tint val="40000"/>
+      </a:schemeClr>
+    </dgm:fillClrLst>
+    <dgm:linClrLst meth="repeat">
+      <a:schemeClr val="accent1"/>
+    </dgm:linClrLst>
+    <dgm:effectClrLst/>
+    <dgm:txLinClrLst/>
+    <dgm:txFillClrLst meth="repeat">
+      <a:schemeClr val="dk1"/>
+    </dgm:txFillClrLst>
+    <dgm:txEffectClrLst/>
+  </dgm:styleLbl>
+  <dgm:styleLbl name="dkBgShp">
+    <dgm:fillClrLst meth="repeat">
+      <a:schemeClr val="accent1">
+        <a:shade val="80000"/>
+      </a:schemeClr>
+    </dgm:fillClrLst>
+    <dgm:linClrLst meth="repeat">
+      <a:schemeClr val="accent1"/>
+    </dgm:linClrLst>
+    <dgm:effectClrLst/>
+    <dgm:txLinClrLst/>
+    <dgm:txFillClrLst meth="repeat">
+      <a:schemeClr val="lt1"/>
+    </dgm:txFillClrLst>
+    <dgm:txEffectClrLst/>
+  </dgm:styleLbl>
+  <dgm:styleLbl name="trBgShp">
+    <dgm:fillClrLst meth="repeat">
+      <a:schemeClr val="accent1">
+        <a:tint val="50000"/>
+        <a:alpha val="40000"/>
+      </a:schemeClr>
+    </dgm:fillClrLst>
+    <dgm:linClrLst meth="repeat">
+      <a:schemeClr val="accent1"/>
+    </dgm:linClrLst>
+    <dgm:effectClrLst/>
+    <dgm:txLinClrLst/>
+    <dgm:txFillClrLst meth="repeat">
+      <a:schemeClr val="lt1"/>
+    </dgm:txFillClrLst>
+    <dgm:txEffectClrLst/>
+  </dgm:styleLbl>
+  <dgm:styleLbl name="fgShp">
+    <dgm:fillClrLst meth="repeat">
+      <a:schemeClr val="accent1">
+        <a:tint val="60000"/>
+      </a:schemeClr>
+    </dgm:fillClrLst>
+    <dgm:linClrLst meth="repeat">
+      <a:schemeClr val="lt1"/>
+    </dgm:linClrLst>
+    <dgm:effectClrLst/>
+    <dgm:txLinClrLst/>
+    <dgm:txFillClrLst meth="repeat">
+      <a:schemeClr val="dk1"/>
+    </dgm:txFillClrLst>
+    <dgm:txEffectClrLst/>
+  </dgm:styleLbl>
+  <dgm:styleLbl name="revTx">
+    <dgm:fillClrLst meth="repeat">
+      <a:schemeClr val="lt1">
+        <a:alpha val="0"/>
+      </a:schemeClr>
+    </dgm:fillClrLst>
+    <dgm:linClrLst meth="repeat">
+      <a:schemeClr val="dk1">
+        <a:alpha val="0"/>
+      </a:schemeClr>
+    </dgm:linClrLst>
+    <dgm:effectClrLst/>
+    <dgm:txLinClrLst/>
+    <dgm:txFillClrLst meth="repeat">
+      <a:schemeClr val="tx1"/>
+    </dgm:txFillClrLst>
+    <dgm:txEffectClrLst/>
+  </dgm:styleLbl>
+</dgm:colorsDef>
+</file>
+
+<file path=ppt/diagrams/data1.xml><?xml version="1.0" encoding="utf-8"?>
+<dgm:dataModel xmlns:dgm="http://schemas.openxmlformats.org/drawingml/2006/diagram" xmlns:a="http://schemas.openxmlformats.org/drawingml/2006/main">
+  <dgm:ptLst>
+    <dgm:pt modelId="{0AA4A67A-9717-44CE-974F-54B8E0E50AEC}" type="doc">
+      <dgm:prSet loTypeId="urn:microsoft.com/office/officeart/2005/8/layout/chevron2" loCatId="process" qsTypeId="urn:microsoft.com/office/officeart/2005/8/quickstyle/simple1" qsCatId="simple" csTypeId="urn:microsoft.com/office/officeart/2005/8/colors/accent1_2" csCatId="accent1" phldr="1"/>
+      <dgm:spPr/>
+      <dgm:t>
+        <a:bodyPr/>
+        <a:lstStyle/>
+        <a:p>
+          <a:endParaRPr lang="en-IN"/>
+        </a:p>
+      </dgm:t>
+    </dgm:pt>
+    <dgm:pt modelId="{37B74B1B-4216-411E-85CA-4B9347140824}">
+      <dgm:prSet phldrT="[Text]"/>
+      <dgm:spPr/>
+      <dgm:t>
+        <a:bodyPr/>
+        <a:lstStyle/>
+        <a:p>
+          <a:r>
+            <a:rPr lang="en-IN" dirty="0"/>
+            <a:t>Data Collection</a:t>
+          </a:r>
+        </a:p>
+      </dgm:t>
+    </dgm:pt>
+    <dgm:pt modelId="{B47882AA-943F-44B2-A5E7-0501F8AA86CB}" type="parTrans" cxnId="{62EC7C38-DB85-48B5-A120-590086E12423}">
+      <dgm:prSet/>
+      <dgm:spPr/>
+      <dgm:t>
+        <a:bodyPr/>
+        <a:lstStyle/>
+        <a:p>
+          <a:endParaRPr lang="en-IN"/>
+        </a:p>
+      </dgm:t>
+    </dgm:pt>
+    <dgm:pt modelId="{DD3F24AA-52A6-4B92-ADD2-33CC30027DA2}" type="sibTrans" cxnId="{62EC7C38-DB85-48B5-A120-590086E12423}">
+      <dgm:prSet/>
+      <dgm:spPr/>
+      <dgm:t>
+        <a:bodyPr/>
+        <a:lstStyle/>
+        <a:p>
+          <a:endParaRPr lang="en-IN"/>
+        </a:p>
+      </dgm:t>
+    </dgm:pt>
+    <dgm:pt modelId="{2D3E7229-D3C9-4C58-AD4E-4936CE6A6A9D}">
+      <dgm:prSet phldrT="[Text]"/>
+      <dgm:spPr/>
+      <dgm:t>
+        <a:bodyPr/>
+        <a:lstStyle/>
+        <a:p>
+          <a:r>
+            <a:rPr lang="en-US" b="0" i="0" dirty="0"/>
+            <a:t>Collect historical stock market data, such as open, close, high, and low prices, as well as other relevant data, such as news and economic indicators.</a:t>
+          </a:r>
+          <a:endParaRPr lang="en-IN" dirty="0"/>
+        </a:p>
+      </dgm:t>
+    </dgm:pt>
+    <dgm:pt modelId="{4A894379-2EC1-42DC-898F-C3A9065BCAA6}" type="parTrans" cxnId="{83060950-1BBF-4B74-A17C-ABF93A95A96A}">
+      <dgm:prSet/>
+      <dgm:spPr/>
+      <dgm:t>
+        <a:bodyPr/>
+        <a:lstStyle/>
+        <a:p>
+          <a:endParaRPr lang="en-IN"/>
+        </a:p>
+      </dgm:t>
+    </dgm:pt>
+    <dgm:pt modelId="{4A3F5B48-0B03-4F61-B098-C3D31299AE97}" type="sibTrans" cxnId="{83060950-1BBF-4B74-A17C-ABF93A95A96A}">
+      <dgm:prSet/>
+      <dgm:spPr/>
+      <dgm:t>
+        <a:bodyPr/>
+        <a:lstStyle/>
+        <a:p>
+          <a:endParaRPr lang="en-IN"/>
+        </a:p>
+      </dgm:t>
+    </dgm:pt>
+    <dgm:pt modelId="{E1E203A1-007A-4F95-A1FA-1017CEB36905}">
+      <dgm:prSet phldrT="[Text]"/>
+      <dgm:spPr/>
+      <dgm:t>
+        <a:bodyPr/>
+        <a:lstStyle/>
+        <a:p>
+          <a:r>
+            <a:rPr lang="en-IN" dirty="0"/>
+            <a:t>Pre-processing</a:t>
+          </a:r>
+        </a:p>
+      </dgm:t>
+    </dgm:pt>
+    <dgm:pt modelId="{BABDABA7-197F-4E34-BEA5-EC84AC462735}" type="parTrans" cxnId="{E493429D-0502-41D8-B74A-06FFFFEEC1F3}">
+      <dgm:prSet/>
+      <dgm:spPr/>
+      <dgm:t>
+        <a:bodyPr/>
+        <a:lstStyle/>
+        <a:p>
+          <a:endParaRPr lang="en-IN"/>
+        </a:p>
+      </dgm:t>
+    </dgm:pt>
+    <dgm:pt modelId="{6620A019-0173-4814-9362-A7F5B08C957E}" type="sibTrans" cxnId="{E493429D-0502-41D8-B74A-06FFFFEEC1F3}">
+      <dgm:prSet/>
+      <dgm:spPr/>
+      <dgm:t>
+        <a:bodyPr/>
+        <a:lstStyle/>
+        <a:p>
+          <a:endParaRPr lang="en-IN"/>
+        </a:p>
+      </dgm:t>
+    </dgm:pt>
+    <dgm:pt modelId="{B7736E56-87E8-4308-98CC-9426530A9DD7}">
+      <dgm:prSet phldrT="[Text]"/>
+      <dgm:spPr/>
+      <dgm:t>
+        <a:bodyPr/>
+        <a:lstStyle/>
+        <a:p>
+          <a:r>
+            <a:rPr lang="en-US" b="0" i="0" dirty="0"/>
+            <a:t>Clean and prepare the data for machine learning. This involved tasks such as removing outliers, imputing missing values, and scaling the data.</a:t>
+          </a:r>
+          <a:endParaRPr lang="en-IN" dirty="0"/>
+        </a:p>
+      </dgm:t>
+    </dgm:pt>
+    <dgm:pt modelId="{A0038A36-58BC-4E8A-8DA6-5A3102B491CD}" type="parTrans" cxnId="{77877893-357B-4A6A-8220-6D7FD7DBAAE4}">
+      <dgm:prSet/>
+      <dgm:spPr/>
+      <dgm:t>
+        <a:bodyPr/>
+        <a:lstStyle/>
+        <a:p>
+          <a:endParaRPr lang="en-IN"/>
+        </a:p>
+      </dgm:t>
+    </dgm:pt>
+    <dgm:pt modelId="{C1A956F9-3A86-470D-8C88-DB717400221A}" type="sibTrans" cxnId="{77877893-357B-4A6A-8220-6D7FD7DBAAE4}">
+      <dgm:prSet/>
+      <dgm:spPr/>
+      <dgm:t>
+        <a:bodyPr/>
+        <a:lstStyle/>
+        <a:p>
+          <a:endParaRPr lang="en-IN"/>
+        </a:p>
+      </dgm:t>
+    </dgm:pt>
+    <dgm:pt modelId="{B2468874-5996-4ED9-9BCB-70C907053F71}">
+      <dgm:prSet phldrT="[Text]"/>
+      <dgm:spPr/>
+      <dgm:t>
+        <a:bodyPr/>
+        <a:lstStyle/>
+        <a:p>
+          <a:r>
+            <a:rPr lang="en-IN" dirty="0"/>
+            <a:t>Model Selection</a:t>
+          </a:r>
+        </a:p>
+      </dgm:t>
+    </dgm:pt>
+    <dgm:pt modelId="{EB5C45AF-E1FE-4C90-A6AC-3E94C64FED25}" type="parTrans" cxnId="{CEC8356B-6532-40A6-BCE4-093620B3B171}">
+      <dgm:prSet/>
+      <dgm:spPr/>
+      <dgm:t>
+        <a:bodyPr/>
+        <a:lstStyle/>
+        <a:p>
+          <a:endParaRPr lang="en-IN"/>
+        </a:p>
+      </dgm:t>
+    </dgm:pt>
+    <dgm:pt modelId="{8F16E727-83D9-4AA6-9443-642F19FEEDEC}" type="sibTrans" cxnId="{CEC8356B-6532-40A6-BCE4-093620B3B171}">
+      <dgm:prSet/>
+      <dgm:spPr/>
+      <dgm:t>
+        <a:bodyPr/>
+        <a:lstStyle/>
+        <a:p>
+          <a:endParaRPr lang="en-IN"/>
+        </a:p>
+      </dgm:t>
+    </dgm:pt>
+    <dgm:pt modelId="{150E47B4-B1A1-4672-87CC-30C5FB8E3CF2}">
+      <dgm:prSet phldrT="[Text]"/>
+      <dgm:spPr/>
+      <dgm:t>
+        <a:bodyPr/>
+        <a:lstStyle/>
+        <a:p>
+          <a:r>
+            <a:rPr lang="en-US" b="0" i="0" dirty="0"/>
+            <a:t>Select a machine learning model that is appropriate for the task of stock price prediction. There are many different machine learning models that can be used for this task, such as linear regression, support vector machines, and random forests.</a:t>
+          </a:r>
+          <a:endParaRPr lang="en-IN" dirty="0"/>
+        </a:p>
+      </dgm:t>
+    </dgm:pt>
+    <dgm:pt modelId="{E3E3EA4E-1961-4DD5-9397-61F93DBCA297}" type="parTrans" cxnId="{2A4F31E6-3EA3-4805-A77A-923385D2A018}">
+      <dgm:prSet/>
+      <dgm:spPr/>
+      <dgm:t>
+        <a:bodyPr/>
+        <a:lstStyle/>
+        <a:p>
+          <a:endParaRPr lang="en-IN"/>
+        </a:p>
+      </dgm:t>
+    </dgm:pt>
+    <dgm:pt modelId="{06D077CC-773A-414C-80CD-889A20C85C32}" type="sibTrans" cxnId="{2A4F31E6-3EA3-4805-A77A-923385D2A018}">
+      <dgm:prSet/>
+      <dgm:spPr/>
+      <dgm:t>
+        <a:bodyPr/>
+        <a:lstStyle/>
+        <a:p>
+          <a:endParaRPr lang="en-IN"/>
+        </a:p>
+      </dgm:t>
+    </dgm:pt>
+    <dgm:pt modelId="{403C132B-39EF-40E0-8301-A0563E4C1201}">
+      <dgm:prSet phldrT="[Text]"/>
+      <dgm:spPr/>
+      <dgm:t>
+        <a:bodyPr/>
+        <a:lstStyle/>
+        <a:p>
+          <a:r>
+            <a:rPr lang="en-IN" dirty="0"/>
+            <a:t>Model Training</a:t>
+          </a:r>
+        </a:p>
+      </dgm:t>
+    </dgm:pt>
+    <dgm:pt modelId="{DA063579-6763-4D6E-A3B2-26E7BD4FB7F7}" type="parTrans" cxnId="{DAE4B6F8-9F57-40F1-A76E-0A5CD66E4C1A}">
+      <dgm:prSet/>
+      <dgm:spPr/>
+      <dgm:t>
+        <a:bodyPr/>
+        <a:lstStyle/>
+        <a:p>
+          <a:endParaRPr lang="en-IN"/>
+        </a:p>
+      </dgm:t>
+    </dgm:pt>
+    <dgm:pt modelId="{20DC98B1-4F79-4F54-9A95-09639F2A3BB6}" type="sibTrans" cxnId="{DAE4B6F8-9F57-40F1-A76E-0A5CD66E4C1A}">
+      <dgm:prSet/>
+      <dgm:spPr/>
+      <dgm:t>
+        <a:bodyPr/>
+        <a:lstStyle/>
+        <a:p>
+          <a:endParaRPr lang="en-IN"/>
+        </a:p>
+      </dgm:t>
+    </dgm:pt>
+    <dgm:pt modelId="{F58FDF12-8A16-4813-8D91-65BE07FC62BD}">
+      <dgm:prSet phldrT="[Text]"/>
+      <dgm:spPr/>
+      <dgm:t>
+        <a:bodyPr/>
+        <a:lstStyle/>
+        <a:p>
+          <a:r>
+            <a:rPr lang="en-US" b="0" i="0" dirty="0"/>
+            <a:t>Train the selected machine learning model on the pre-processed data. This involves feeding the data into the model and allowing it to learn the relationships between the input features (date) and the target variable (stock prices).</a:t>
+          </a:r>
+          <a:endParaRPr lang="en-IN" dirty="0"/>
+        </a:p>
+      </dgm:t>
+    </dgm:pt>
+    <dgm:pt modelId="{0E924C2B-C1EB-4CED-BC0B-35D243241899}" type="parTrans" cxnId="{DCD0E49E-8436-4E76-8278-7A2D4FF5642D}">
+      <dgm:prSet/>
+      <dgm:spPr/>
+      <dgm:t>
+        <a:bodyPr/>
+        <a:lstStyle/>
+        <a:p>
+          <a:endParaRPr lang="en-IN"/>
+        </a:p>
+      </dgm:t>
+    </dgm:pt>
+    <dgm:pt modelId="{562D847F-EBA0-45F5-8A0A-CE493185ADFD}" type="sibTrans" cxnId="{DCD0E49E-8436-4E76-8278-7A2D4FF5642D}">
+      <dgm:prSet/>
+      <dgm:spPr/>
+      <dgm:t>
+        <a:bodyPr/>
+        <a:lstStyle/>
+        <a:p>
+          <a:endParaRPr lang="en-IN"/>
+        </a:p>
+      </dgm:t>
+    </dgm:pt>
+    <dgm:pt modelId="{33EFC830-9F43-4750-BE45-2C1D4931690F}">
+      <dgm:prSet phldrT="[Text]"/>
+      <dgm:spPr/>
+      <dgm:t>
+        <a:bodyPr/>
+        <a:lstStyle/>
+        <a:p>
+          <a:r>
+            <a:rPr lang="en-IN" dirty="0"/>
+            <a:t>Model Evaluation</a:t>
+          </a:r>
+        </a:p>
+      </dgm:t>
+    </dgm:pt>
+    <dgm:pt modelId="{64B9F7B1-02EF-4729-B714-D875B7C0D89B}" type="parTrans" cxnId="{35AE23F1-6E24-486E-ACF4-E87F64BEBD3F}">
+      <dgm:prSet/>
+      <dgm:spPr/>
+      <dgm:t>
+        <a:bodyPr/>
+        <a:lstStyle/>
+        <a:p>
+          <a:endParaRPr lang="en-IN"/>
+        </a:p>
+      </dgm:t>
+    </dgm:pt>
+    <dgm:pt modelId="{639FE62B-5E75-4681-ACBA-A05DB266CF35}" type="sibTrans" cxnId="{35AE23F1-6E24-486E-ACF4-E87F64BEBD3F}">
+      <dgm:prSet/>
+      <dgm:spPr/>
+      <dgm:t>
+        <a:bodyPr/>
+        <a:lstStyle/>
+        <a:p>
+          <a:endParaRPr lang="en-IN"/>
+        </a:p>
+      </dgm:t>
+    </dgm:pt>
+    <dgm:pt modelId="{9C7589BF-568B-4459-9778-F59C759B5D4C}">
+      <dgm:prSet phldrT="[Text]"/>
+      <dgm:spPr/>
+      <dgm:t>
+        <a:bodyPr/>
+        <a:lstStyle/>
+        <a:p>
+          <a:r>
+            <a:rPr lang="en-US" b="0" i="0" dirty="0"/>
+            <a:t>Evaluate the performance of the trained model on a held-out test set. This helps to ensure that the model is not overfitting the training data.</a:t>
+          </a:r>
+          <a:endParaRPr lang="en-IN" dirty="0"/>
+        </a:p>
+      </dgm:t>
+    </dgm:pt>
+    <dgm:pt modelId="{F9297541-CD62-4383-8919-C708CEAB34A0}" type="parTrans" cxnId="{401C3610-8EE5-4F71-ADD4-39D7172E5DB2}">
+      <dgm:prSet/>
+      <dgm:spPr/>
+      <dgm:t>
+        <a:bodyPr/>
+        <a:lstStyle/>
+        <a:p>
+          <a:endParaRPr lang="en-IN"/>
+        </a:p>
+      </dgm:t>
+    </dgm:pt>
+    <dgm:pt modelId="{EA177887-01AD-4BEF-A2E4-76B02BB828E7}" type="sibTrans" cxnId="{401C3610-8EE5-4F71-ADD4-39D7172E5DB2}">
+      <dgm:prSet/>
+      <dgm:spPr/>
+      <dgm:t>
+        <a:bodyPr/>
+        <a:lstStyle/>
+        <a:p>
+          <a:endParaRPr lang="en-IN"/>
+        </a:p>
+      </dgm:t>
+    </dgm:pt>
+    <dgm:pt modelId="{528E24AA-73A1-4803-A323-9D86F38F13FD}">
+      <dgm:prSet phldrT="[Text]"/>
+      <dgm:spPr/>
+      <dgm:t>
+        <a:bodyPr/>
+        <a:lstStyle/>
+        <a:p>
+          <a:r>
+            <a:rPr lang="en-IN" dirty="0"/>
+            <a:t>Model Utilization</a:t>
+          </a:r>
+        </a:p>
+      </dgm:t>
+    </dgm:pt>
+    <dgm:pt modelId="{189AFB32-3BE8-4128-97B6-294E11FDC497}" type="parTrans" cxnId="{F26D1452-3AA1-457C-8F7A-A98532C5A95D}">
+      <dgm:prSet/>
+      <dgm:spPr/>
+      <dgm:t>
+        <a:bodyPr/>
+        <a:lstStyle/>
+        <a:p>
+          <a:endParaRPr lang="en-IN"/>
+        </a:p>
+      </dgm:t>
+    </dgm:pt>
+    <dgm:pt modelId="{27073545-F3E4-4DB8-A06E-4737DD3C67E7}" type="sibTrans" cxnId="{F26D1452-3AA1-457C-8F7A-A98532C5A95D}">
+      <dgm:prSet/>
+      <dgm:spPr/>
+      <dgm:t>
+        <a:bodyPr/>
+        <a:lstStyle/>
+        <a:p>
+          <a:endParaRPr lang="en-IN"/>
+        </a:p>
+      </dgm:t>
+    </dgm:pt>
+    <dgm:pt modelId="{335151B7-0AA6-4BEE-943B-75D78FEF3B24}">
+      <dgm:prSet phldrT="[Text]"/>
+      <dgm:spPr/>
+      <dgm:t>
+        <a:bodyPr/>
+        <a:lstStyle/>
+        <a:p>
+          <a:r>
+            <a:rPr lang="en-US" b="0" i="0" dirty="0"/>
+            <a:t>Once the model has been trained and evaluated, it can be utilized to production. This involves making the model available to users so that they can generate predictions.</a:t>
+          </a:r>
+          <a:endParaRPr lang="en-IN" dirty="0"/>
+        </a:p>
+      </dgm:t>
+    </dgm:pt>
+    <dgm:pt modelId="{6262AC50-CC8C-4017-BF10-1968E8EFB431}" type="parTrans" cxnId="{617736B9-57D6-400E-8B0A-409E5170B047}">
+      <dgm:prSet/>
+      <dgm:spPr/>
+      <dgm:t>
+        <a:bodyPr/>
+        <a:lstStyle/>
+        <a:p>
+          <a:endParaRPr lang="en-IN"/>
+        </a:p>
+      </dgm:t>
+    </dgm:pt>
+    <dgm:pt modelId="{5C26611A-CFAC-4EC9-8652-3EEA0BAD2246}" type="sibTrans" cxnId="{617736B9-57D6-400E-8B0A-409E5170B047}">
+      <dgm:prSet/>
+      <dgm:spPr/>
+      <dgm:t>
+        <a:bodyPr/>
+        <a:lstStyle/>
+        <a:p>
+          <a:endParaRPr lang="en-IN"/>
+        </a:p>
+      </dgm:t>
+    </dgm:pt>
+    <dgm:pt modelId="{FE3E91B6-6471-4BE3-9A88-1DB95EE99DA0}" type="pres">
+      <dgm:prSet presAssocID="{0AA4A67A-9717-44CE-974F-54B8E0E50AEC}" presName="linearFlow" presStyleCnt="0">
+        <dgm:presLayoutVars>
+          <dgm:dir/>
+          <dgm:animLvl val="lvl"/>
+          <dgm:resizeHandles val="exact"/>
+        </dgm:presLayoutVars>
+      </dgm:prSet>
+      <dgm:spPr/>
+    </dgm:pt>
+    <dgm:pt modelId="{769C0AA9-B768-48BF-8869-AAC4C15D20CC}" type="pres">
+      <dgm:prSet presAssocID="{37B74B1B-4216-411E-85CA-4B9347140824}" presName="composite" presStyleCnt="0"/>
+      <dgm:spPr/>
+    </dgm:pt>
+    <dgm:pt modelId="{5CED5F14-C140-43BD-9D0C-9F38458F408C}" type="pres">
+      <dgm:prSet presAssocID="{37B74B1B-4216-411E-85CA-4B9347140824}" presName="parentText" presStyleLbl="alignNode1" presStyleIdx="0" presStyleCnt="6">
+        <dgm:presLayoutVars>
+          <dgm:chMax val="1"/>
+          <dgm:bulletEnabled val="1"/>
+        </dgm:presLayoutVars>
+      </dgm:prSet>
+      <dgm:spPr/>
+    </dgm:pt>
+    <dgm:pt modelId="{BC1C942E-6423-492F-B3E6-B7E686467F14}" type="pres">
+      <dgm:prSet presAssocID="{37B74B1B-4216-411E-85CA-4B9347140824}" presName="descendantText" presStyleLbl="alignAcc1" presStyleIdx="0" presStyleCnt="6">
+        <dgm:presLayoutVars>
+          <dgm:bulletEnabled val="1"/>
+        </dgm:presLayoutVars>
+      </dgm:prSet>
+      <dgm:spPr/>
+    </dgm:pt>
+    <dgm:pt modelId="{35CDDA4E-671A-469A-B922-9FAE14A7CAF7}" type="pres">
+      <dgm:prSet presAssocID="{DD3F24AA-52A6-4B92-ADD2-33CC30027DA2}" presName="sp" presStyleCnt="0"/>
+      <dgm:spPr/>
+    </dgm:pt>
+    <dgm:pt modelId="{C380E98E-90E1-428C-A433-0C8C73A348C7}" type="pres">
+      <dgm:prSet presAssocID="{E1E203A1-007A-4F95-A1FA-1017CEB36905}" presName="composite" presStyleCnt="0"/>
+      <dgm:spPr/>
+    </dgm:pt>
+    <dgm:pt modelId="{3FE6124B-3D53-41CE-B750-D7D50DEB4EA0}" type="pres">
+      <dgm:prSet presAssocID="{E1E203A1-007A-4F95-A1FA-1017CEB36905}" presName="parentText" presStyleLbl="alignNode1" presStyleIdx="1" presStyleCnt="6">
+        <dgm:presLayoutVars>
+          <dgm:chMax val="1"/>
+          <dgm:bulletEnabled val="1"/>
+        </dgm:presLayoutVars>
+      </dgm:prSet>
+      <dgm:spPr/>
+    </dgm:pt>
+    <dgm:pt modelId="{905682BF-625D-4E3D-B783-0FF69F7EBA85}" type="pres">
+      <dgm:prSet presAssocID="{E1E203A1-007A-4F95-A1FA-1017CEB36905}" presName="descendantText" presStyleLbl="alignAcc1" presStyleIdx="1" presStyleCnt="6">
+        <dgm:presLayoutVars>
+          <dgm:bulletEnabled val="1"/>
+        </dgm:presLayoutVars>
+      </dgm:prSet>
+      <dgm:spPr/>
+    </dgm:pt>
+    <dgm:pt modelId="{470F714A-1106-40AB-A9F9-052650BC2DB3}" type="pres">
+      <dgm:prSet presAssocID="{6620A019-0173-4814-9362-A7F5B08C957E}" presName="sp" presStyleCnt="0"/>
+      <dgm:spPr/>
+    </dgm:pt>
+    <dgm:pt modelId="{45032286-52B7-4D4C-BB6D-1B31FE85A21E}" type="pres">
+      <dgm:prSet presAssocID="{B2468874-5996-4ED9-9BCB-70C907053F71}" presName="composite" presStyleCnt="0"/>
+      <dgm:spPr/>
+    </dgm:pt>
+    <dgm:pt modelId="{48AD6067-B9E1-4D1E-9B8D-D77F1CEE4693}" type="pres">
+      <dgm:prSet presAssocID="{B2468874-5996-4ED9-9BCB-70C907053F71}" presName="parentText" presStyleLbl="alignNode1" presStyleIdx="2" presStyleCnt="6">
+        <dgm:presLayoutVars>
+          <dgm:chMax val="1"/>
+          <dgm:bulletEnabled val="1"/>
+        </dgm:presLayoutVars>
+      </dgm:prSet>
+      <dgm:spPr/>
+    </dgm:pt>
+    <dgm:pt modelId="{292A406C-CB31-4EBF-8676-D09F9D1DEB17}" type="pres">
+      <dgm:prSet presAssocID="{B2468874-5996-4ED9-9BCB-70C907053F71}" presName="descendantText" presStyleLbl="alignAcc1" presStyleIdx="2" presStyleCnt="6">
+        <dgm:presLayoutVars>
+          <dgm:bulletEnabled val="1"/>
+        </dgm:presLayoutVars>
+      </dgm:prSet>
+      <dgm:spPr/>
+    </dgm:pt>
+    <dgm:pt modelId="{5390E576-C14F-4256-B19B-8DB879A35D82}" type="pres">
+      <dgm:prSet presAssocID="{8F16E727-83D9-4AA6-9443-642F19FEEDEC}" presName="sp" presStyleCnt="0"/>
+      <dgm:spPr/>
+    </dgm:pt>
+    <dgm:pt modelId="{09E60A58-7851-457F-8806-293CFDD90123}" type="pres">
+      <dgm:prSet presAssocID="{403C132B-39EF-40E0-8301-A0563E4C1201}" presName="composite" presStyleCnt="0"/>
+      <dgm:spPr/>
+    </dgm:pt>
+    <dgm:pt modelId="{B1A216E1-FF95-4777-A159-FB110CEB2B1A}" type="pres">
+      <dgm:prSet presAssocID="{403C132B-39EF-40E0-8301-A0563E4C1201}" presName="parentText" presStyleLbl="alignNode1" presStyleIdx="3" presStyleCnt="6">
+        <dgm:presLayoutVars>
+          <dgm:chMax val="1"/>
+          <dgm:bulletEnabled val="1"/>
+        </dgm:presLayoutVars>
+      </dgm:prSet>
+      <dgm:spPr/>
+    </dgm:pt>
+    <dgm:pt modelId="{639A82A5-CFCD-433F-A6B9-7094B4D3E57B}" type="pres">
+      <dgm:prSet presAssocID="{403C132B-39EF-40E0-8301-A0563E4C1201}" presName="descendantText" presStyleLbl="alignAcc1" presStyleIdx="3" presStyleCnt="6">
+        <dgm:presLayoutVars>
+          <dgm:bulletEnabled val="1"/>
+        </dgm:presLayoutVars>
+      </dgm:prSet>
+      <dgm:spPr/>
+    </dgm:pt>
+    <dgm:pt modelId="{77A884A6-C7E6-4E7C-AE8B-F99EA5BE3991}" type="pres">
+      <dgm:prSet presAssocID="{20DC98B1-4F79-4F54-9A95-09639F2A3BB6}" presName="sp" presStyleCnt="0"/>
+      <dgm:spPr/>
+    </dgm:pt>
+    <dgm:pt modelId="{7659B6C1-1B20-4637-B75B-94C7B739329D}" type="pres">
+      <dgm:prSet presAssocID="{33EFC830-9F43-4750-BE45-2C1D4931690F}" presName="composite" presStyleCnt="0"/>
+      <dgm:spPr/>
+    </dgm:pt>
+    <dgm:pt modelId="{B4052C43-955A-4094-99F3-014600A8E24A}" type="pres">
+      <dgm:prSet presAssocID="{33EFC830-9F43-4750-BE45-2C1D4931690F}" presName="parentText" presStyleLbl="alignNode1" presStyleIdx="4" presStyleCnt="6">
+        <dgm:presLayoutVars>
+          <dgm:chMax val="1"/>
+          <dgm:bulletEnabled val="1"/>
+        </dgm:presLayoutVars>
+      </dgm:prSet>
+      <dgm:spPr/>
+    </dgm:pt>
+    <dgm:pt modelId="{98A083E4-1EC6-4676-8588-43F46BD7DFB3}" type="pres">
+      <dgm:prSet presAssocID="{33EFC830-9F43-4750-BE45-2C1D4931690F}" presName="descendantText" presStyleLbl="alignAcc1" presStyleIdx="4" presStyleCnt="6">
+        <dgm:presLayoutVars>
+          <dgm:bulletEnabled val="1"/>
+        </dgm:presLayoutVars>
+      </dgm:prSet>
+      <dgm:spPr/>
+    </dgm:pt>
+    <dgm:pt modelId="{6A97AD38-71AA-4F22-9268-7185A61E0D4F}" type="pres">
+      <dgm:prSet presAssocID="{639FE62B-5E75-4681-ACBA-A05DB266CF35}" presName="sp" presStyleCnt="0"/>
+      <dgm:spPr/>
+    </dgm:pt>
+    <dgm:pt modelId="{600D4F60-92A1-4458-8981-ECCC7793107E}" type="pres">
+      <dgm:prSet presAssocID="{528E24AA-73A1-4803-A323-9D86F38F13FD}" presName="composite" presStyleCnt="0"/>
+      <dgm:spPr/>
+    </dgm:pt>
+    <dgm:pt modelId="{22EA929C-6AE1-4D93-8560-0CF0E2289DE9}" type="pres">
+      <dgm:prSet presAssocID="{528E24AA-73A1-4803-A323-9D86F38F13FD}" presName="parentText" presStyleLbl="alignNode1" presStyleIdx="5" presStyleCnt="6">
+        <dgm:presLayoutVars>
+          <dgm:chMax val="1"/>
+          <dgm:bulletEnabled val="1"/>
+        </dgm:presLayoutVars>
+      </dgm:prSet>
+      <dgm:spPr/>
+    </dgm:pt>
+    <dgm:pt modelId="{10C485C8-5339-4719-BCBD-5F55C8E99A67}" type="pres">
+      <dgm:prSet presAssocID="{528E24AA-73A1-4803-A323-9D86F38F13FD}" presName="descendantText" presStyleLbl="alignAcc1" presStyleIdx="5" presStyleCnt="6" custLinFactNeighborX="11311" custLinFactNeighborY="-15941">
+        <dgm:presLayoutVars>
+          <dgm:bulletEnabled val="1"/>
+        </dgm:presLayoutVars>
+      </dgm:prSet>
+      <dgm:spPr/>
+    </dgm:pt>
+  </dgm:ptLst>
+  <dgm:cxnLst>
+    <dgm:cxn modelId="{401C3610-8EE5-4F71-ADD4-39D7172E5DB2}" srcId="{33EFC830-9F43-4750-BE45-2C1D4931690F}" destId="{9C7589BF-568B-4459-9778-F59C759B5D4C}" srcOrd="0" destOrd="0" parTransId="{F9297541-CD62-4383-8919-C708CEAB34A0}" sibTransId="{EA177887-01AD-4BEF-A2E4-76B02BB828E7}"/>
+    <dgm:cxn modelId="{62EC7C38-DB85-48B5-A120-590086E12423}" srcId="{0AA4A67A-9717-44CE-974F-54B8E0E50AEC}" destId="{37B74B1B-4216-411E-85CA-4B9347140824}" srcOrd="0" destOrd="0" parTransId="{B47882AA-943F-44B2-A5E7-0501F8AA86CB}" sibTransId="{DD3F24AA-52A6-4B92-ADD2-33CC30027DA2}"/>
+    <dgm:cxn modelId="{7374ED3D-3FF8-43CE-9679-C8357E556BB9}" type="presOf" srcId="{528E24AA-73A1-4803-A323-9D86F38F13FD}" destId="{22EA929C-6AE1-4D93-8560-0CF0E2289DE9}" srcOrd="0" destOrd="0" presId="urn:microsoft.com/office/officeart/2005/8/layout/chevron2"/>
+    <dgm:cxn modelId="{CEC8356B-6532-40A6-BCE4-093620B3B171}" srcId="{0AA4A67A-9717-44CE-974F-54B8E0E50AEC}" destId="{B2468874-5996-4ED9-9BCB-70C907053F71}" srcOrd="2" destOrd="0" parTransId="{EB5C45AF-E1FE-4C90-A6AC-3E94C64FED25}" sibTransId="{8F16E727-83D9-4AA6-9443-642F19FEEDEC}"/>
+    <dgm:cxn modelId="{8709BC6D-0C0E-4E0F-856A-9506ABDB1D2C}" type="presOf" srcId="{0AA4A67A-9717-44CE-974F-54B8E0E50AEC}" destId="{FE3E91B6-6471-4BE3-9A88-1DB95EE99DA0}" srcOrd="0" destOrd="0" presId="urn:microsoft.com/office/officeart/2005/8/layout/chevron2"/>
+    <dgm:cxn modelId="{A33AD34F-98A8-4D6F-B5FB-5BC13A0800D0}" type="presOf" srcId="{B2468874-5996-4ED9-9BCB-70C907053F71}" destId="{48AD6067-B9E1-4D1E-9B8D-D77F1CEE4693}" srcOrd="0" destOrd="0" presId="urn:microsoft.com/office/officeart/2005/8/layout/chevron2"/>
+    <dgm:cxn modelId="{83060950-1BBF-4B74-A17C-ABF93A95A96A}" srcId="{37B74B1B-4216-411E-85CA-4B9347140824}" destId="{2D3E7229-D3C9-4C58-AD4E-4936CE6A6A9D}" srcOrd="0" destOrd="0" parTransId="{4A894379-2EC1-42DC-898F-C3A9065BCAA6}" sibTransId="{4A3F5B48-0B03-4F61-B098-C3D31299AE97}"/>
+    <dgm:cxn modelId="{7EEE3870-7D24-4D2D-BD84-547FACDEBB73}" type="presOf" srcId="{E1E203A1-007A-4F95-A1FA-1017CEB36905}" destId="{3FE6124B-3D53-41CE-B750-D7D50DEB4EA0}" srcOrd="0" destOrd="0" presId="urn:microsoft.com/office/officeart/2005/8/layout/chevron2"/>
+    <dgm:cxn modelId="{F26D1452-3AA1-457C-8F7A-A98532C5A95D}" srcId="{0AA4A67A-9717-44CE-974F-54B8E0E50AEC}" destId="{528E24AA-73A1-4803-A323-9D86F38F13FD}" srcOrd="5" destOrd="0" parTransId="{189AFB32-3BE8-4128-97B6-294E11FDC497}" sibTransId="{27073545-F3E4-4DB8-A06E-4737DD3C67E7}"/>
+    <dgm:cxn modelId="{344E8552-F129-445A-95C6-5ADAF0E89FB3}" type="presOf" srcId="{37B74B1B-4216-411E-85CA-4B9347140824}" destId="{5CED5F14-C140-43BD-9D0C-9F38458F408C}" srcOrd="0" destOrd="0" presId="urn:microsoft.com/office/officeart/2005/8/layout/chevron2"/>
+    <dgm:cxn modelId="{77877893-357B-4A6A-8220-6D7FD7DBAAE4}" srcId="{E1E203A1-007A-4F95-A1FA-1017CEB36905}" destId="{B7736E56-87E8-4308-98CC-9426530A9DD7}" srcOrd="0" destOrd="0" parTransId="{A0038A36-58BC-4E8A-8DA6-5A3102B491CD}" sibTransId="{C1A956F9-3A86-470D-8C88-DB717400221A}"/>
+    <dgm:cxn modelId="{4300CF96-7500-4838-B797-BFC2A942F97B}" type="presOf" srcId="{33EFC830-9F43-4750-BE45-2C1D4931690F}" destId="{B4052C43-955A-4094-99F3-014600A8E24A}" srcOrd="0" destOrd="0" presId="urn:microsoft.com/office/officeart/2005/8/layout/chevron2"/>
+    <dgm:cxn modelId="{C96F3098-FFAC-4C85-916B-DFD1C10D1600}" type="presOf" srcId="{335151B7-0AA6-4BEE-943B-75D78FEF3B24}" destId="{10C485C8-5339-4719-BCBD-5F55C8E99A67}" srcOrd="0" destOrd="0" presId="urn:microsoft.com/office/officeart/2005/8/layout/chevron2"/>
+    <dgm:cxn modelId="{E493429D-0502-41D8-B74A-06FFFFEEC1F3}" srcId="{0AA4A67A-9717-44CE-974F-54B8E0E50AEC}" destId="{E1E203A1-007A-4F95-A1FA-1017CEB36905}" srcOrd="1" destOrd="0" parTransId="{BABDABA7-197F-4E34-BEA5-EC84AC462735}" sibTransId="{6620A019-0173-4814-9362-A7F5B08C957E}"/>
+    <dgm:cxn modelId="{DCD0E49E-8436-4E76-8278-7A2D4FF5642D}" srcId="{403C132B-39EF-40E0-8301-A0563E4C1201}" destId="{F58FDF12-8A16-4813-8D91-65BE07FC62BD}" srcOrd="0" destOrd="0" parTransId="{0E924C2B-C1EB-4CED-BC0B-35D243241899}" sibTransId="{562D847F-EBA0-45F5-8A0A-CE493185ADFD}"/>
+    <dgm:cxn modelId="{F54B51A6-617E-4429-80BC-84DE6E40DCC6}" type="presOf" srcId="{9C7589BF-568B-4459-9778-F59C759B5D4C}" destId="{98A083E4-1EC6-4676-8588-43F46BD7DFB3}" srcOrd="0" destOrd="0" presId="urn:microsoft.com/office/officeart/2005/8/layout/chevron2"/>
+    <dgm:cxn modelId="{977883AB-97EA-4764-AA2D-E97D3ED65852}" type="presOf" srcId="{F58FDF12-8A16-4813-8D91-65BE07FC62BD}" destId="{639A82A5-CFCD-433F-A6B9-7094B4D3E57B}" srcOrd="0" destOrd="0" presId="urn:microsoft.com/office/officeart/2005/8/layout/chevron2"/>
+    <dgm:cxn modelId="{9B0396B1-9048-4DF0-866C-F31036FECD19}" type="presOf" srcId="{403C132B-39EF-40E0-8301-A0563E4C1201}" destId="{B1A216E1-FF95-4777-A159-FB110CEB2B1A}" srcOrd="0" destOrd="0" presId="urn:microsoft.com/office/officeart/2005/8/layout/chevron2"/>
+    <dgm:cxn modelId="{617736B9-57D6-400E-8B0A-409E5170B047}" srcId="{528E24AA-73A1-4803-A323-9D86F38F13FD}" destId="{335151B7-0AA6-4BEE-943B-75D78FEF3B24}" srcOrd="0" destOrd="0" parTransId="{6262AC50-CC8C-4017-BF10-1968E8EFB431}" sibTransId="{5C26611A-CFAC-4EC9-8652-3EEA0BAD2246}"/>
+    <dgm:cxn modelId="{3A3398DE-4681-4E04-97CF-9523A908AC3C}" type="presOf" srcId="{2D3E7229-D3C9-4C58-AD4E-4936CE6A6A9D}" destId="{BC1C942E-6423-492F-B3E6-B7E686467F14}" srcOrd="0" destOrd="0" presId="urn:microsoft.com/office/officeart/2005/8/layout/chevron2"/>
+    <dgm:cxn modelId="{021500E4-7DEE-4C26-AAB2-780FBA8ABC18}" type="presOf" srcId="{150E47B4-B1A1-4672-87CC-30C5FB8E3CF2}" destId="{292A406C-CB31-4EBF-8676-D09F9D1DEB17}" srcOrd="0" destOrd="0" presId="urn:microsoft.com/office/officeart/2005/8/layout/chevron2"/>
+    <dgm:cxn modelId="{2A4F31E6-3EA3-4805-A77A-923385D2A018}" srcId="{B2468874-5996-4ED9-9BCB-70C907053F71}" destId="{150E47B4-B1A1-4672-87CC-30C5FB8E3CF2}" srcOrd="0" destOrd="0" parTransId="{E3E3EA4E-1961-4DD5-9397-61F93DBCA297}" sibTransId="{06D077CC-773A-414C-80CD-889A20C85C32}"/>
+    <dgm:cxn modelId="{2E7073F0-F884-4D2F-BA37-06FF7690B208}" type="presOf" srcId="{B7736E56-87E8-4308-98CC-9426530A9DD7}" destId="{905682BF-625D-4E3D-B783-0FF69F7EBA85}" srcOrd="0" destOrd="0" presId="urn:microsoft.com/office/officeart/2005/8/layout/chevron2"/>
+    <dgm:cxn modelId="{35AE23F1-6E24-486E-ACF4-E87F64BEBD3F}" srcId="{0AA4A67A-9717-44CE-974F-54B8E0E50AEC}" destId="{33EFC830-9F43-4750-BE45-2C1D4931690F}" srcOrd="4" destOrd="0" parTransId="{64B9F7B1-02EF-4729-B714-D875B7C0D89B}" sibTransId="{639FE62B-5E75-4681-ACBA-A05DB266CF35}"/>
+    <dgm:cxn modelId="{DAE4B6F8-9F57-40F1-A76E-0A5CD66E4C1A}" srcId="{0AA4A67A-9717-44CE-974F-54B8E0E50AEC}" destId="{403C132B-39EF-40E0-8301-A0563E4C1201}" srcOrd="3" destOrd="0" parTransId="{DA063579-6763-4D6E-A3B2-26E7BD4FB7F7}" sibTransId="{20DC98B1-4F79-4F54-9A95-09639F2A3BB6}"/>
+    <dgm:cxn modelId="{6A5DBB43-B62E-42DA-978C-7D89D9873D69}" type="presParOf" srcId="{FE3E91B6-6471-4BE3-9A88-1DB95EE99DA0}" destId="{769C0AA9-B768-48BF-8869-AAC4C15D20CC}" srcOrd="0" destOrd="0" presId="urn:microsoft.com/office/officeart/2005/8/layout/chevron2"/>
+    <dgm:cxn modelId="{81D7F32E-EB70-4190-91D7-919496078140}" type="presParOf" srcId="{769C0AA9-B768-48BF-8869-AAC4C15D20CC}" destId="{5CED5F14-C140-43BD-9D0C-9F38458F408C}" srcOrd="0" destOrd="0" presId="urn:microsoft.com/office/officeart/2005/8/layout/chevron2"/>
+    <dgm:cxn modelId="{C9327833-6F31-4011-8B2E-19A63A2D0813}" type="presParOf" srcId="{769C0AA9-B768-48BF-8869-AAC4C15D20CC}" destId="{BC1C942E-6423-492F-B3E6-B7E686467F14}" srcOrd="1" destOrd="0" presId="urn:microsoft.com/office/officeart/2005/8/layout/chevron2"/>
+    <dgm:cxn modelId="{E2C1ADBB-83FB-4476-809F-E8CFAEF383AB}" type="presParOf" srcId="{FE3E91B6-6471-4BE3-9A88-1DB95EE99DA0}" destId="{35CDDA4E-671A-469A-B922-9FAE14A7CAF7}" srcOrd="1" destOrd="0" presId="urn:microsoft.com/office/officeart/2005/8/layout/chevron2"/>
+    <dgm:cxn modelId="{D0BDAFEE-5C00-48FF-A6E8-074B80167758}" type="presParOf" srcId="{FE3E91B6-6471-4BE3-9A88-1DB95EE99DA0}" destId="{C380E98E-90E1-428C-A433-0C8C73A348C7}" srcOrd="2" destOrd="0" presId="urn:microsoft.com/office/officeart/2005/8/layout/chevron2"/>
+    <dgm:cxn modelId="{8B7F5B0D-02E9-49EF-B359-6FDCDF727CBF}" type="presParOf" srcId="{C380E98E-90E1-428C-A433-0C8C73A348C7}" destId="{3FE6124B-3D53-41CE-B750-D7D50DEB4EA0}" srcOrd="0" destOrd="0" presId="urn:microsoft.com/office/officeart/2005/8/layout/chevron2"/>
+    <dgm:cxn modelId="{1A52C306-E682-4587-9F63-46B81A25D062}" type="presParOf" srcId="{C380E98E-90E1-428C-A433-0C8C73A348C7}" destId="{905682BF-625D-4E3D-B783-0FF69F7EBA85}" srcOrd="1" destOrd="0" presId="urn:microsoft.com/office/officeart/2005/8/layout/chevron2"/>
+    <dgm:cxn modelId="{F25132E1-F784-4048-AD2D-69046E5D1E69}" type="presParOf" srcId="{FE3E91B6-6471-4BE3-9A88-1DB95EE99DA0}" destId="{470F714A-1106-40AB-A9F9-052650BC2DB3}" srcOrd="3" destOrd="0" presId="urn:microsoft.com/office/officeart/2005/8/layout/chevron2"/>
+    <dgm:cxn modelId="{F228A85B-115C-4B2B-8CBE-718F3849D57F}" type="presParOf" srcId="{FE3E91B6-6471-4BE3-9A88-1DB95EE99DA0}" destId="{45032286-52B7-4D4C-BB6D-1B31FE85A21E}" srcOrd="4" destOrd="0" presId="urn:microsoft.com/office/officeart/2005/8/layout/chevron2"/>
+    <dgm:cxn modelId="{2CF3DC63-DB4D-4BFA-A0C2-2A25082D4925}" type="presParOf" srcId="{45032286-52B7-4D4C-BB6D-1B31FE85A21E}" destId="{48AD6067-B9E1-4D1E-9B8D-D77F1CEE4693}" srcOrd="0" destOrd="0" presId="urn:microsoft.com/office/officeart/2005/8/layout/chevron2"/>
+    <dgm:cxn modelId="{7DB34B37-9523-4AED-ADAE-D865CAE60EF0}" type="presParOf" srcId="{45032286-52B7-4D4C-BB6D-1B31FE85A21E}" destId="{292A406C-CB31-4EBF-8676-D09F9D1DEB17}" srcOrd="1" destOrd="0" presId="urn:microsoft.com/office/officeart/2005/8/layout/chevron2"/>
+    <dgm:cxn modelId="{A9D1CC0D-DE12-43F6-AC2A-91BDA3B48E9E}" type="presParOf" srcId="{FE3E91B6-6471-4BE3-9A88-1DB95EE99DA0}" destId="{5390E576-C14F-4256-B19B-8DB879A35D82}" srcOrd="5" destOrd="0" presId="urn:microsoft.com/office/officeart/2005/8/layout/chevron2"/>
+    <dgm:cxn modelId="{3F01E27D-709F-43CD-979C-CB222A329C05}" type="presParOf" srcId="{FE3E91B6-6471-4BE3-9A88-1DB95EE99DA0}" destId="{09E60A58-7851-457F-8806-293CFDD90123}" srcOrd="6" destOrd="0" presId="urn:microsoft.com/office/officeart/2005/8/layout/chevron2"/>
+    <dgm:cxn modelId="{43473934-BDEB-4A06-A492-14E9FCD43B5B}" type="presParOf" srcId="{09E60A58-7851-457F-8806-293CFDD90123}" destId="{B1A216E1-FF95-4777-A159-FB110CEB2B1A}" srcOrd="0" destOrd="0" presId="urn:microsoft.com/office/officeart/2005/8/layout/chevron2"/>
+    <dgm:cxn modelId="{3AEFE602-4377-4C7F-89A5-41EC72ADCAB2}" type="presParOf" srcId="{09E60A58-7851-457F-8806-293CFDD90123}" destId="{639A82A5-CFCD-433F-A6B9-7094B4D3E57B}" srcOrd="1" destOrd="0" presId="urn:microsoft.com/office/officeart/2005/8/layout/chevron2"/>
+    <dgm:cxn modelId="{9BC80FED-1DAD-4DBD-8C2D-AE86464F5739}" type="presParOf" srcId="{FE3E91B6-6471-4BE3-9A88-1DB95EE99DA0}" destId="{77A884A6-C7E6-4E7C-AE8B-F99EA5BE3991}" srcOrd="7" destOrd="0" presId="urn:microsoft.com/office/officeart/2005/8/layout/chevron2"/>
+    <dgm:cxn modelId="{BD6C9B1E-9B70-4AD3-810F-9325A8A486D6}" type="presParOf" srcId="{FE3E91B6-6471-4BE3-9A88-1DB95EE99DA0}" destId="{7659B6C1-1B20-4637-B75B-94C7B739329D}" srcOrd="8" destOrd="0" presId="urn:microsoft.com/office/officeart/2005/8/layout/chevron2"/>
+    <dgm:cxn modelId="{3ECBD7B6-97E2-4E0F-AFB7-D8C7562A6BAF}" type="presParOf" srcId="{7659B6C1-1B20-4637-B75B-94C7B739329D}" destId="{B4052C43-955A-4094-99F3-014600A8E24A}" srcOrd="0" destOrd="0" presId="urn:microsoft.com/office/officeart/2005/8/layout/chevron2"/>
+    <dgm:cxn modelId="{12A4613B-EA49-4B76-B5E1-CCB7C74E612D}" type="presParOf" srcId="{7659B6C1-1B20-4637-B75B-94C7B739329D}" destId="{98A083E4-1EC6-4676-8588-43F46BD7DFB3}" srcOrd="1" destOrd="0" presId="urn:microsoft.com/office/officeart/2005/8/layout/chevron2"/>
+    <dgm:cxn modelId="{2EE337C8-DEAD-4E53-96AF-110ED7FD605F}" type="presParOf" srcId="{FE3E91B6-6471-4BE3-9A88-1DB95EE99DA0}" destId="{6A97AD38-71AA-4F22-9268-7185A61E0D4F}" srcOrd="9" destOrd="0" presId="urn:microsoft.com/office/officeart/2005/8/layout/chevron2"/>
+    <dgm:cxn modelId="{1BABB560-1615-48E2-AF02-6A44110EF619}" type="presParOf" srcId="{FE3E91B6-6471-4BE3-9A88-1DB95EE99DA0}" destId="{600D4F60-92A1-4458-8981-ECCC7793107E}" srcOrd="10" destOrd="0" presId="urn:microsoft.com/office/officeart/2005/8/layout/chevron2"/>
+    <dgm:cxn modelId="{89EECB1B-3F15-46F3-950C-FF1130CD9190}" type="presParOf" srcId="{600D4F60-92A1-4458-8981-ECCC7793107E}" destId="{22EA929C-6AE1-4D93-8560-0CF0E2289DE9}" srcOrd="0" destOrd="0" presId="urn:microsoft.com/office/officeart/2005/8/layout/chevron2"/>
+    <dgm:cxn modelId="{4A74FFED-F8AE-4EC0-859F-8354C96B17A0}" type="presParOf" srcId="{600D4F60-92A1-4458-8981-ECCC7793107E}" destId="{10C485C8-5339-4719-BCBD-5F55C8E99A67}" srcOrd="1" destOrd="0" presId="urn:microsoft.com/office/officeart/2005/8/layout/chevron2"/>
+  </dgm:cxnLst>
+  <dgm:bg/>
+  <dgm:whole/>
+  <dgm:extLst>
+    <a:ext uri="http://schemas.microsoft.com/office/drawing/2008/diagram">
+      <dsp:dataModelExt xmlns:dsp="http://schemas.microsoft.com/office/drawing/2008/diagram" relId="rId7" minVer="http://schemas.openxmlformats.org/drawingml/2006/diagram"/>
+    </a:ext>
+  </dgm:extLst>
+</dgm:dataModel>
+</file>
+
+<file path=ppt/diagrams/drawing1.xml><?xml version="1.0" encoding="utf-8"?>
+<dsp:drawing xmlns:dgm="http://schemas.openxmlformats.org/drawingml/2006/diagram" xmlns:dsp="http://schemas.microsoft.com/office/drawing/2008/diagram" xmlns:a="http://schemas.openxmlformats.org/drawingml/2006/main">
+  <dsp:spTree>
+    <dsp:nvGrpSpPr>
+      <dsp:cNvPr id="0" name=""/>
+      <dsp:cNvGrpSpPr/>
+    </dsp:nvGrpSpPr>
+    <dsp:grpSpPr/>
+    <dsp:sp modelId="{5CED5F14-C140-43BD-9D0C-9F38458F408C}">
+      <dsp:nvSpPr>
+        <dsp:cNvPr id="0" name=""/>
+        <dsp:cNvSpPr/>
+      </dsp:nvSpPr>
+      <dsp:spPr>
+        <a:xfrm rot="5400000">
+          <a:off x="-109169" y="111099"/>
+          <a:ext cx="727795" cy="509456"/>
+        </a:xfrm>
+        <a:prstGeom prst="chevron">
+          <a:avLst/>
+        </a:prstGeom>
+        <a:solidFill>
+          <a:schemeClr val="accent1">
+            <a:hueOff val="0"/>
+            <a:satOff val="0"/>
+            <a:lumOff val="0"/>
+            <a:alphaOff val="0"/>
+          </a:schemeClr>
+        </a:solidFill>
+        <a:ln w="25400" cap="flat" cmpd="sng" algn="ctr">
+          <a:solidFill>
+            <a:schemeClr val="accent1">
+              <a:hueOff val="0"/>
+              <a:satOff val="0"/>
+              <a:lumOff val="0"/>
+              <a:alphaOff val="0"/>
+            </a:schemeClr>
+          </a:solidFill>
+          <a:prstDash val="solid"/>
+        </a:ln>
+        <a:effectLst/>
+      </dsp:spPr>
+      <dsp:style>
+        <a:lnRef idx="2">
+          <a:scrgbClr r="0" g="0" b="0"/>
+        </a:lnRef>
+        <a:fillRef idx="1">
+          <a:scrgbClr r="0" g="0" b="0"/>
+        </a:fillRef>
+        <a:effectRef idx="0">
+          <a:scrgbClr r="0" g="0" b="0"/>
+        </a:effectRef>
+        <a:fontRef idx="minor">
+          <a:schemeClr val="lt1"/>
+        </a:fontRef>
+      </dsp:style>
+      <dsp:txBody>
+        <a:bodyPr spcFirstLastPara="0" vert="horz" wrap="square" lIns="4445" tIns="4445" rIns="4445" bIns="4445" numCol="1" spcCol="1270" anchor="ctr" anchorCtr="0">
+          <a:noAutofit/>
+        </a:bodyPr>
+        <a:lstStyle/>
+        <a:p>
+          <a:pPr marL="0" lvl="0" indent="0" algn="ctr" defTabSz="311150">
+            <a:lnSpc>
+              <a:spcPct val="90000"/>
+            </a:lnSpc>
+            <a:spcBef>
+              <a:spcPct val="0"/>
+            </a:spcBef>
+            <a:spcAft>
+              <a:spcPct val="35000"/>
+            </a:spcAft>
+            <a:buNone/>
+          </a:pPr>
+          <a:r>
+            <a:rPr lang="en-IN" sz="700" kern="1200" dirty="0"/>
+            <a:t>Data Collection</a:t>
+          </a:r>
+        </a:p>
+      </dsp:txBody>
+      <dsp:txXfrm rot="-5400000">
+        <a:off x="1" y="256657"/>
+        <a:ext cx="509456" cy="218339"/>
+      </dsp:txXfrm>
+    </dsp:sp>
+    <dsp:sp modelId="{BC1C942E-6423-492F-B3E6-B7E686467F14}">
+      <dsp:nvSpPr>
+        <dsp:cNvPr id="0" name=""/>
+        <dsp:cNvSpPr/>
+      </dsp:nvSpPr>
+      <dsp:spPr>
+        <a:xfrm rot="5400000">
+          <a:off x="4048415" y="-3537028"/>
+          <a:ext cx="473067" cy="7550985"/>
+        </a:xfrm>
+        <a:prstGeom prst="round2SameRect">
+          <a:avLst/>
+        </a:prstGeom>
+        <a:solidFill>
+          <a:schemeClr val="lt1">
+            <a:alpha val="90000"/>
+            <a:hueOff val="0"/>
+            <a:satOff val="0"/>
+            <a:lumOff val="0"/>
+            <a:alphaOff val="0"/>
+          </a:schemeClr>
+        </a:solidFill>
+        <a:ln w="25400" cap="flat" cmpd="sng" algn="ctr">
+          <a:solidFill>
+            <a:schemeClr val="accent1">
+              <a:hueOff val="0"/>
+              <a:satOff val="0"/>
+              <a:lumOff val="0"/>
+              <a:alphaOff val="0"/>
+            </a:schemeClr>
+          </a:solidFill>
+          <a:prstDash val="solid"/>
+        </a:ln>
+        <a:effectLst/>
+      </dsp:spPr>
+      <dsp:style>
+        <a:lnRef idx="2">
+          <a:scrgbClr r="0" g="0" b="0"/>
+        </a:lnRef>
+        <a:fillRef idx="1">
+          <a:scrgbClr r="0" g="0" b="0"/>
+        </a:fillRef>
+        <a:effectRef idx="0">
+          <a:scrgbClr r="0" g="0" b="0"/>
+        </a:effectRef>
+        <a:fontRef idx="minor"/>
+      </dsp:style>
+      <dsp:txBody>
+        <a:bodyPr spcFirstLastPara="0" vert="horz" wrap="square" lIns="71120" tIns="6350" rIns="6350" bIns="6350" numCol="1" spcCol="1270" anchor="ctr" anchorCtr="0">
+          <a:noAutofit/>
+        </a:bodyPr>
+        <a:lstStyle/>
+        <a:p>
+          <a:pPr marL="57150" lvl="1" indent="-57150" algn="l" defTabSz="444500">
+            <a:lnSpc>
+              <a:spcPct val="90000"/>
+            </a:lnSpc>
+            <a:spcBef>
+              <a:spcPct val="0"/>
+            </a:spcBef>
+            <a:spcAft>
+              <a:spcPct val="15000"/>
+            </a:spcAft>
+            <a:buChar char="•"/>
+          </a:pPr>
+          <a:r>
+            <a:rPr lang="en-US" sz="1000" b="0" i="0" kern="1200" dirty="0"/>
+            <a:t>Collect historical stock market data, such as open, close, high, and low prices, as well as other relevant data, such as news and economic indicators.</a:t>
+          </a:r>
+          <a:endParaRPr lang="en-IN" sz="1000" kern="1200" dirty="0"/>
+        </a:p>
+      </dsp:txBody>
+      <dsp:txXfrm rot="-5400000">
+        <a:off x="509457" y="25023"/>
+        <a:ext cx="7527892" cy="426881"/>
+      </dsp:txXfrm>
+    </dsp:sp>
+    <dsp:sp modelId="{3FE6124B-3D53-41CE-B750-D7D50DEB4EA0}">
+      <dsp:nvSpPr>
+        <dsp:cNvPr id="0" name=""/>
+        <dsp:cNvSpPr/>
+      </dsp:nvSpPr>
+      <dsp:spPr>
+        <a:xfrm rot="5400000">
+          <a:off x="-109169" y="738063"/>
+          <a:ext cx="727795" cy="509456"/>
+        </a:xfrm>
+        <a:prstGeom prst="chevron">
+          <a:avLst/>
+        </a:prstGeom>
+        <a:solidFill>
+          <a:schemeClr val="accent1">
+            <a:hueOff val="0"/>
+            <a:satOff val="0"/>
+            <a:lumOff val="0"/>
+            <a:alphaOff val="0"/>
+          </a:schemeClr>
+        </a:solidFill>
+        <a:ln w="25400" cap="flat" cmpd="sng" algn="ctr">
+          <a:solidFill>
+            <a:schemeClr val="accent1">
+              <a:hueOff val="0"/>
+              <a:satOff val="0"/>
+              <a:lumOff val="0"/>
+              <a:alphaOff val="0"/>
+            </a:schemeClr>
+          </a:solidFill>
+          <a:prstDash val="solid"/>
+        </a:ln>
+        <a:effectLst/>
+      </dsp:spPr>
+      <dsp:style>
+        <a:lnRef idx="2">
+          <a:scrgbClr r="0" g="0" b="0"/>
+        </a:lnRef>
+        <a:fillRef idx="1">
+          <a:scrgbClr r="0" g="0" b="0"/>
+        </a:fillRef>
+        <a:effectRef idx="0">
+          <a:scrgbClr r="0" g="0" b="0"/>
+        </a:effectRef>
+        <a:fontRef idx="minor">
+          <a:schemeClr val="lt1"/>
+        </a:fontRef>
+      </dsp:style>
+      <dsp:txBody>
+        <a:bodyPr spcFirstLastPara="0" vert="horz" wrap="square" lIns="4445" tIns="4445" rIns="4445" bIns="4445" numCol="1" spcCol="1270" anchor="ctr" anchorCtr="0">
+          <a:noAutofit/>
+        </a:bodyPr>
+        <a:lstStyle/>
+        <a:p>
+          <a:pPr marL="0" lvl="0" indent="0" algn="ctr" defTabSz="311150">
+            <a:lnSpc>
+              <a:spcPct val="90000"/>
+            </a:lnSpc>
+            <a:spcBef>
+              <a:spcPct val="0"/>
+            </a:spcBef>
+            <a:spcAft>
+              <a:spcPct val="35000"/>
+            </a:spcAft>
+            <a:buNone/>
+          </a:pPr>
+          <a:r>
+            <a:rPr lang="en-IN" sz="700" kern="1200" dirty="0"/>
+            <a:t>Pre-processing</a:t>
+          </a:r>
+        </a:p>
+      </dsp:txBody>
+      <dsp:txXfrm rot="-5400000">
+        <a:off x="1" y="883621"/>
+        <a:ext cx="509456" cy="218339"/>
+      </dsp:txXfrm>
+    </dsp:sp>
+    <dsp:sp modelId="{905682BF-625D-4E3D-B783-0FF69F7EBA85}">
+      <dsp:nvSpPr>
+        <dsp:cNvPr id="0" name=""/>
+        <dsp:cNvSpPr/>
+      </dsp:nvSpPr>
+      <dsp:spPr>
+        <a:xfrm rot="5400000">
+          <a:off x="4048415" y="-2910065"/>
+          <a:ext cx="473067" cy="7550985"/>
+        </a:xfrm>
+        <a:prstGeom prst="round2SameRect">
+          <a:avLst/>
+        </a:prstGeom>
+        <a:solidFill>
+          <a:schemeClr val="lt1">
+            <a:alpha val="90000"/>
+            <a:hueOff val="0"/>
+            <a:satOff val="0"/>
+            <a:lumOff val="0"/>
+            <a:alphaOff val="0"/>
+          </a:schemeClr>
+        </a:solidFill>
+        <a:ln w="25400" cap="flat" cmpd="sng" algn="ctr">
+          <a:solidFill>
+            <a:schemeClr val="accent1">
+              <a:hueOff val="0"/>
+              <a:satOff val="0"/>
+              <a:lumOff val="0"/>
+              <a:alphaOff val="0"/>
+            </a:schemeClr>
+          </a:solidFill>
+          <a:prstDash val="solid"/>
+        </a:ln>
+        <a:effectLst/>
+      </dsp:spPr>
+      <dsp:style>
+        <a:lnRef idx="2">
+          <a:scrgbClr r="0" g="0" b="0"/>
+        </a:lnRef>
+        <a:fillRef idx="1">
+          <a:scrgbClr r="0" g="0" b="0"/>
+        </a:fillRef>
+        <a:effectRef idx="0">
+          <a:scrgbClr r="0" g="0" b="0"/>
+        </a:effectRef>
+        <a:fontRef idx="minor"/>
+      </dsp:style>
+      <dsp:txBody>
+        <a:bodyPr spcFirstLastPara="0" vert="horz" wrap="square" lIns="71120" tIns="6350" rIns="6350" bIns="6350" numCol="1" spcCol="1270" anchor="ctr" anchorCtr="0">
+          <a:noAutofit/>
+        </a:bodyPr>
+        <a:lstStyle/>
+        <a:p>
+          <a:pPr marL="57150" lvl="1" indent="-57150" algn="l" defTabSz="444500">
+            <a:lnSpc>
+              <a:spcPct val="90000"/>
+            </a:lnSpc>
+            <a:spcBef>
+              <a:spcPct val="0"/>
+            </a:spcBef>
+            <a:spcAft>
+              <a:spcPct val="15000"/>
+            </a:spcAft>
+            <a:buChar char="•"/>
+          </a:pPr>
+          <a:r>
+            <a:rPr lang="en-US" sz="1000" b="0" i="0" kern="1200" dirty="0"/>
+            <a:t>Clean and prepare the data for machine learning. This involved tasks such as removing outliers, imputing missing values, and scaling the data.</a:t>
+          </a:r>
+          <a:endParaRPr lang="en-IN" sz="1000" kern="1200" dirty="0"/>
+        </a:p>
+      </dsp:txBody>
+      <dsp:txXfrm rot="-5400000">
+        <a:off x="509457" y="651986"/>
+        <a:ext cx="7527892" cy="426881"/>
+      </dsp:txXfrm>
+    </dsp:sp>
+    <dsp:sp modelId="{48AD6067-B9E1-4D1E-9B8D-D77F1CEE4693}">
+      <dsp:nvSpPr>
+        <dsp:cNvPr id="0" name=""/>
+        <dsp:cNvSpPr/>
+      </dsp:nvSpPr>
+      <dsp:spPr>
+        <a:xfrm rot="5400000">
+          <a:off x="-109169" y="1365026"/>
+          <a:ext cx="727795" cy="509456"/>
+        </a:xfrm>
+        <a:prstGeom prst="chevron">
+          <a:avLst/>
+        </a:prstGeom>
+        <a:solidFill>
+          <a:schemeClr val="accent1">
+            <a:hueOff val="0"/>
+            <a:satOff val="0"/>
+            <a:lumOff val="0"/>
+            <a:alphaOff val="0"/>
+          </a:schemeClr>
+        </a:solidFill>
+        <a:ln w="25400" cap="flat" cmpd="sng" algn="ctr">
+          <a:solidFill>
+            <a:schemeClr val="accent1">
+              <a:hueOff val="0"/>
+              <a:satOff val="0"/>
+              <a:lumOff val="0"/>
+              <a:alphaOff val="0"/>
+            </a:schemeClr>
+          </a:solidFill>
+          <a:prstDash val="solid"/>
+        </a:ln>
+        <a:effectLst/>
+      </dsp:spPr>
+      <dsp:style>
+        <a:lnRef idx="2">
+          <a:scrgbClr r="0" g="0" b="0"/>
+        </a:lnRef>
+        <a:fillRef idx="1">
+          <a:scrgbClr r="0" g="0" b="0"/>
+        </a:fillRef>
+        <a:effectRef idx="0">
+          <a:scrgbClr r="0" g="0" b="0"/>
+        </a:effectRef>
+        <a:fontRef idx="minor">
+          <a:schemeClr val="lt1"/>
+        </a:fontRef>
+      </dsp:style>
+      <dsp:txBody>
+        <a:bodyPr spcFirstLastPara="0" vert="horz" wrap="square" lIns="4445" tIns="4445" rIns="4445" bIns="4445" numCol="1" spcCol="1270" anchor="ctr" anchorCtr="0">
+          <a:noAutofit/>
+        </a:bodyPr>
+        <a:lstStyle/>
+        <a:p>
+          <a:pPr marL="0" lvl="0" indent="0" algn="ctr" defTabSz="311150">
+            <a:lnSpc>
+              <a:spcPct val="90000"/>
+            </a:lnSpc>
+            <a:spcBef>
+              <a:spcPct val="0"/>
+            </a:spcBef>
+            <a:spcAft>
+              <a:spcPct val="35000"/>
+            </a:spcAft>
+            <a:buNone/>
+          </a:pPr>
+          <a:r>
+            <a:rPr lang="en-IN" sz="700" kern="1200" dirty="0"/>
+            <a:t>Model Selection</a:t>
+          </a:r>
+        </a:p>
+      </dsp:txBody>
+      <dsp:txXfrm rot="-5400000">
+        <a:off x="1" y="1510584"/>
+        <a:ext cx="509456" cy="218339"/>
+      </dsp:txXfrm>
+    </dsp:sp>
+    <dsp:sp modelId="{292A406C-CB31-4EBF-8676-D09F9D1DEB17}">
+      <dsp:nvSpPr>
+        <dsp:cNvPr id="0" name=""/>
+        <dsp:cNvSpPr/>
+      </dsp:nvSpPr>
+      <dsp:spPr>
+        <a:xfrm rot="5400000">
+          <a:off x="4048415" y="-2283101"/>
+          <a:ext cx="473067" cy="7550985"/>
+        </a:xfrm>
+        <a:prstGeom prst="round2SameRect">
+          <a:avLst/>
+        </a:prstGeom>
+        <a:solidFill>
+          <a:schemeClr val="lt1">
+            <a:alpha val="90000"/>
+            <a:hueOff val="0"/>
+            <a:satOff val="0"/>
+            <a:lumOff val="0"/>
+            <a:alphaOff val="0"/>
+          </a:schemeClr>
+        </a:solidFill>
+        <a:ln w="25400" cap="flat" cmpd="sng" algn="ctr">
+          <a:solidFill>
+            <a:schemeClr val="accent1">
+              <a:hueOff val="0"/>
+              <a:satOff val="0"/>
+              <a:lumOff val="0"/>
+              <a:alphaOff val="0"/>
+            </a:schemeClr>
+          </a:solidFill>
+          <a:prstDash val="solid"/>
+        </a:ln>
+        <a:effectLst/>
+      </dsp:spPr>
+      <dsp:style>
+        <a:lnRef idx="2">
+          <a:scrgbClr r="0" g="0" b="0"/>
+        </a:lnRef>
+        <a:fillRef idx="1">
+          <a:scrgbClr r="0" g="0" b="0"/>
+        </a:fillRef>
+        <a:effectRef idx="0">
+          <a:scrgbClr r="0" g="0" b="0"/>
+        </a:effectRef>
+        <a:fontRef idx="minor"/>
+      </dsp:style>
+      <dsp:txBody>
+        <a:bodyPr spcFirstLastPara="0" vert="horz" wrap="square" lIns="71120" tIns="6350" rIns="6350" bIns="6350" numCol="1" spcCol="1270" anchor="ctr" anchorCtr="0">
+          <a:noAutofit/>
+        </a:bodyPr>
+        <a:lstStyle/>
+        <a:p>
+          <a:pPr marL="57150" lvl="1" indent="-57150" algn="l" defTabSz="444500">
+            <a:lnSpc>
+              <a:spcPct val="90000"/>
+            </a:lnSpc>
+            <a:spcBef>
+              <a:spcPct val="0"/>
+            </a:spcBef>
+            <a:spcAft>
+              <a:spcPct val="15000"/>
+            </a:spcAft>
+            <a:buChar char="•"/>
+          </a:pPr>
+          <a:r>
+            <a:rPr lang="en-US" sz="1000" b="0" i="0" kern="1200" dirty="0"/>
+            <a:t>Select a machine learning model that is appropriate for the task of stock price prediction. There are many different machine learning models that can be used for this task, such as linear regression, support vector machines, and random forests.</a:t>
+          </a:r>
+          <a:endParaRPr lang="en-IN" sz="1000" kern="1200" dirty="0"/>
+        </a:p>
+      </dsp:txBody>
+      <dsp:txXfrm rot="-5400000">
+        <a:off x="509457" y="1278950"/>
+        <a:ext cx="7527892" cy="426881"/>
+      </dsp:txXfrm>
+    </dsp:sp>
+    <dsp:sp modelId="{B1A216E1-FF95-4777-A159-FB110CEB2B1A}">
+      <dsp:nvSpPr>
+        <dsp:cNvPr id="0" name=""/>
+        <dsp:cNvSpPr/>
+      </dsp:nvSpPr>
+      <dsp:spPr>
+        <a:xfrm rot="5400000">
+          <a:off x="-109169" y="1991989"/>
+          <a:ext cx="727795" cy="509456"/>
+        </a:xfrm>
+        <a:prstGeom prst="chevron">
+          <a:avLst/>
+        </a:prstGeom>
+        <a:solidFill>
+          <a:schemeClr val="accent1">
+            <a:hueOff val="0"/>
+            <a:satOff val="0"/>
+            <a:lumOff val="0"/>
+            <a:alphaOff val="0"/>
+          </a:schemeClr>
+        </a:solidFill>
+        <a:ln w="25400" cap="flat" cmpd="sng" algn="ctr">
+          <a:solidFill>
+            <a:schemeClr val="accent1">
+              <a:hueOff val="0"/>
+              <a:satOff val="0"/>
+              <a:lumOff val="0"/>
+              <a:alphaOff val="0"/>
+            </a:schemeClr>
+          </a:solidFill>
+          <a:prstDash val="solid"/>
+        </a:ln>
+        <a:effectLst/>
+      </dsp:spPr>
+      <dsp:style>
+        <a:lnRef idx="2">
+          <a:scrgbClr r="0" g="0" b="0"/>
+        </a:lnRef>
+        <a:fillRef idx="1">
+          <a:scrgbClr r="0" g="0" b="0"/>
+        </a:fillRef>
+        <a:effectRef idx="0">
+          <a:scrgbClr r="0" g="0" b="0"/>
+        </a:effectRef>
+        <a:fontRef idx="minor">
+          <a:schemeClr val="lt1"/>
+        </a:fontRef>
+      </dsp:style>
+      <dsp:txBody>
+        <a:bodyPr spcFirstLastPara="0" vert="horz" wrap="square" lIns="4445" tIns="4445" rIns="4445" bIns="4445" numCol="1" spcCol="1270" anchor="ctr" anchorCtr="0">
+          <a:noAutofit/>
+        </a:bodyPr>
+        <a:lstStyle/>
+        <a:p>
+          <a:pPr marL="0" lvl="0" indent="0" algn="ctr" defTabSz="311150">
+            <a:lnSpc>
+              <a:spcPct val="90000"/>
+            </a:lnSpc>
+            <a:spcBef>
+              <a:spcPct val="0"/>
+            </a:spcBef>
+            <a:spcAft>
+              <a:spcPct val="35000"/>
+            </a:spcAft>
+            <a:buNone/>
+          </a:pPr>
+          <a:r>
+            <a:rPr lang="en-IN" sz="700" kern="1200" dirty="0"/>
+            <a:t>Model Training</a:t>
+          </a:r>
+        </a:p>
+      </dsp:txBody>
+      <dsp:txXfrm rot="-5400000">
+        <a:off x="1" y="2137547"/>
+        <a:ext cx="509456" cy="218339"/>
+      </dsp:txXfrm>
+    </dsp:sp>
+    <dsp:sp modelId="{639A82A5-CFCD-433F-A6B9-7094B4D3E57B}">
+      <dsp:nvSpPr>
+        <dsp:cNvPr id="0" name=""/>
+        <dsp:cNvSpPr/>
+      </dsp:nvSpPr>
+      <dsp:spPr>
+        <a:xfrm rot="5400000">
+          <a:off x="4048415" y="-1656138"/>
+          <a:ext cx="473067" cy="7550985"/>
+        </a:xfrm>
+        <a:prstGeom prst="round2SameRect">
+          <a:avLst/>
+        </a:prstGeom>
+        <a:solidFill>
+          <a:schemeClr val="lt1">
+            <a:alpha val="90000"/>
+            <a:hueOff val="0"/>
+            <a:satOff val="0"/>
+            <a:lumOff val="0"/>
+            <a:alphaOff val="0"/>
+          </a:schemeClr>
+        </a:solidFill>
+        <a:ln w="25400" cap="flat" cmpd="sng" algn="ctr">
+          <a:solidFill>
+            <a:schemeClr val="accent1">
+              <a:hueOff val="0"/>
+              <a:satOff val="0"/>
+              <a:lumOff val="0"/>
+              <a:alphaOff val="0"/>
+            </a:schemeClr>
+          </a:solidFill>
+          <a:prstDash val="solid"/>
+        </a:ln>
+        <a:effectLst/>
+      </dsp:spPr>
+      <dsp:style>
+        <a:lnRef idx="2">
+          <a:scrgbClr r="0" g="0" b="0"/>
+        </a:lnRef>
+        <a:fillRef idx="1">
+          <a:scrgbClr r="0" g="0" b="0"/>
+        </a:fillRef>
+        <a:effectRef idx="0">
+          <a:scrgbClr r="0" g="0" b="0"/>
+        </a:effectRef>
+        <a:fontRef idx="minor"/>
+      </dsp:style>
+      <dsp:txBody>
+        <a:bodyPr spcFirstLastPara="0" vert="horz" wrap="square" lIns="71120" tIns="6350" rIns="6350" bIns="6350" numCol="1" spcCol="1270" anchor="ctr" anchorCtr="0">
+          <a:noAutofit/>
+        </a:bodyPr>
+        <a:lstStyle/>
+        <a:p>
+          <a:pPr marL="57150" lvl="1" indent="-57150" algn="l" defTabSz="444500">
+            <a:lnSpc>
+              <a:spcPct val="90000"/>
+            </a:lnSpc>
+            <a:spcBef>
+              <a:spcPct val="0"/>
+            </a:spcBef>
+            <a:spcAft>
+              <a:spcPct val="15000"/>
+            </a:spcAft>
+            <a:buChar char="•"/>
+          </a:pPr>
+          <a:r>
+            <a:rPr lang="en-US" sz="1000" b="0" i="0" kern="1200" dirty="0"/>
+            <a:t>Train the selected machine learning model on the pre-processed data. This involves feeding the data into the model and allowing it to learn the relationships between the input features (date) and the target variable (stock prices).</a:t>
+          </a:r>
+          <a:endParaRPr lang="en-IN" sz="1000" kern="1200" dirty="0"/>
+        </a:p>
+      </dsp:txBody>
+      <dsp:txXfrm rot="-5400000">
+        <a:off x="509457" y="1905913"/>
+        <a:ext cx="7527892" cy="426881"/>
+      </dsp:txXfrm>
+    </dsp:sp>
+    <dsp:sp modelId="{B4052C43-955A-4094-99F3-014600A8E24A}">
+      <dsp:nvSpPr>
+        <dsp:cNvPr id="0" name=""/>
+        <dsp:cNvSpPr/>
+      </dsp:nvSpPr>
+      <dsp:spPr>
+        <a:xfrm rot="5400000">
+          <a:off x="-109169" y="2618952"/>
+          <a:ext cx="727795" cy="509456"/>
+        </a:xfrm>
+        <a:prstGeom prst="chevron">
+          <a:avLst/>
+        </a:prstGeom>
+        <a:solidFill>
+          <a:schemeClr val="accent1">
+            <a:hueOff val="0"/>
+            <a:satOff val="0"/>
+            <a:lumOff val="0"/>
+            <a:alphaOff val="0"/>
+          </a:schemeClr>
+        </a:solidFill>
+        <a:ln w="25400" cap="flat" cmpd="sng" algn="ctr">
+          <a:solidFill>
+            <a:schemeClr val="accent1">
+              <a:hueOff val="0"/>
+              <a:satOff val="0"/>
+              <a:lumOff val="0"/>
+              <a:alphaOff val="0"/>
+            </a:schemeClr>
+          </a:solidFill>
+          <a:prstDash val="solid"/>
+        </a:ln>
+        <a:effectLst/>
+      </dsp:spPr>
+      <dsp:style>
+        <a:lnRef idx="2">
+          <a:scrgbClr r="0" g="0" b="0"/>
+        </a:lnRef>
+        <a:fillRef idx="1">
+          <a:scrgbClr r="0" g="0" b="0"/>
+        </a:fillRef>
+        <a:effectRef idx="0">
+          <a:scrgbClr r="0" g="0" b="0"/>
+        </a:effectRef>
+        <a:fontRef idx="minor">
+          <a:schemeClr val="lt1"/>
+        </a:fontRef>
+      </dsp:style>
+      <dsp:txBody>
+        <a:bodyPr spcFirstLastPara="0" vert="horz" wrap="square" lIns="4445" tIns="4445" rIns="4445" bIns="4445" numCol="1" spcCol="1270" anchor="ctr" anchorCtr="0">
+          <a:noAutofit/>
+        </a:bodyPr>
+        <a:lstStyle/>
+        <a:p>
+          <a:pPr marL="0" lvl="0" indent="0" algn="ctr" defTabSz="311150">
+            <a:lnSpc>
+              <a:spcPct val="90000"/>
+            </a:lnSpc>
+            <a:spcBef>
+              <a:spcPct val="0"/>
+            </a:spcBef>
+            <a:spcAft>
+              <a:spcPct val="35000"/>
+            </a:spcAft>
+            <a:buNone/>
+          </a:pPr>
+          <a:r>
+            <a:rPr lang="en-IN" sz="700" kern="1200" dirty="0"/>
+            <a:t>Model Evaluation</a:t>
+          </a:r>
+        </a:p>
+      </dsp:txBody>
+      <dsp:txXfrm rot="-5400000">
+        <a:off x="1" y="2764510"/>
+        <a:ext cx="509456" cy="218339"/>
+      </dsp:txXfrm>
+    </dsp:sp>
+    <dsp:sp modelId="{98A083E4-1EC6-4676-8588-43F46BD7DFB3}">
+      <dsp:nvSpPr>
+        <dsp:cNvPr id="0" name=""/>
+        <dsp:cNvSpPr/>
+      </dsp:nvSpPr>
+      <dsp:spPr>
+        <a:xfrm rot="5400000">
+          <a:off x="4048415" y="-1029175"/>
+          <a:ext cx="473067" cy="7550985"/>
+        </a:xfrm>
+        <a:prstGeom prst="round2SameRect">
+          <a:avLst/>
+        </a:prstGeom>
+        <a:solidFill>
+          <a:schemeClr val="lt1">
+            <a:alpha val="90000"/>
+            <a:hueOff val="0"/>
+            <a:satOff val="0"/>
+            <a:lumOff val="0"/>
+            <a:alphaOff val="0"/>
+          </a:schemeClr>
+        </a:solidFill>
+        <a:ln w="25400" cap="flat" cmpd="sng" algn="ctr">
+          <a:solidFill>
+            <a:schemeClr val="accent1">
+              <a:hueOff val="0"/>
+              <a:satOff val="0"/>
+              <a:lumOff val="0"/>
+              <a:alphaOff val="0"/>
+            </a:schemeClr>
+          </a:solidFill>
+          <a:prstDash val="solid"/>
+        </a:ln>
+        <a:effectLst/>
+      </dsp:spPr>
+      <dsp:style>
+        <a:lnRef idx="2">
+          <a:scrgbClr r="0" g="0" b="0"/>
+        </a:lnRef>
+        <a:fillRef idx="1">
+          <a:scrgbClr r="0" g="0" b="0"/>
+        </a:fillRef>
+        <a:effectRef idx="0">
+          <a:scrgbClr r="0" g="0" b="0"/>
+        </a:effectRef>
+        <a:fontRef idx="minor"/>
+      </dsp:style>
+      <dsp:txBody>
+        <a:bodyPr spcFirstLastPara="0" vert="horz" wrap="square" lIns="71120" tIns="6350" rIns="6350" bIns="6350" numCol="1" spcCol="1270" anchor="ctr" anchorCtr="0">
+          <a:noAutofit/>
+        </a:bodyPr>
+        <a:lstStyle/>
+        <a:p>
+          <a:pPr marL="57150" lvl="1" indent="-57150" algn="l" defTabSz="444500">
+            <a:lnSpc>
+              <a:spcPct val="90000"/>
+            </a:lnSpc>
+            <a:spcBef>
+              <a:spcPct val="0"/>
+            </a:spcBef>
+            <a:spcAft>
+              <a:spcPct val="15000"/>
+            </a:spcAft>
+            <a:buChar char="•"/>
+          </a:pPr>
+          <a:r>
+            <a:rPr lang="en-US" sz="1000" b="0" i="0" kern="1200" dirty="0"/>
+            <a:t>Evaluate the performance of the trained model on a held-out test set. This helps to ensure that the model is not overfitting the training data.</a:t>
+          </a:r>
+          <a:endParaRPr lang="en-IN" sz="1000" kern="1200" dirty="0"/>
+        </a:p>
+      </dsp:txBody>
+      <dsp:txXfrm rot="-5400000">
+        <a:off x="509457" y="2532876"/>
+        <a:ext cx="7527892" cy="426881"/>
+      </dsp:txXfrm>
+    </dsp:sp>
+    <dsp:sp modelId="{22EA929C-6AE1-4D93-8560-0CF0E2289DE9}">
+      <dsp:nvSpPr>
+        <dsp:cNvPr id="0" name=""/>
+        <dsp:cNvSpPr/>
+      </dsp:nvSpPr>
+      <dsp:spPr>
+        <a:xfrm rot="5400000">
+          <a:off x="-109169" y="3245916"/>
+          <a:ext cx="727795" cy="509456"/>
+        </a:xfrm>
+        <a:prstGeom prst="chevron">
+          <a:avLst/>
+        </a:prstGeom>
+        <a:solidFill>
+          <a:schemeClr val="accent1">
+            <a:hueOff val="0"/>
+            <a:satOff val="0"/>
+            <a:lumOff val="0"/>
+            <a:alphaOff val="0"/>
+          </a:schemeClr>
+        </a:solidFill>
+        <a:ln w="25400" cap="flat" cmpd="sng" algn="ctr">
+          <a:solidFill>
+            <a:schemeClr val="accent1">
+              <a:hueOff val="0"/>
+              <a:satOff val="0"/>
+              <a:lumOff val="0"/>
+              <a:alphaOff val="0"/>
+            </a:schemeClr>
+          </a:solidFill>
+          <a:prstDash val="solid"/>
+        </a:ln>
+        <a:effectLst/>
+      </dsp:spPr>
+      <dsp:style>
+        <a:lnRef idx="2">
+          <a:scrgbClr r="0" g="0" b="0"/>
+        </a:lnRef>
+        <a:fillRef idx="1">
+          <a:scrgbClr r="0" g="0" b="0"/>
+        </a:fillRef>
+        <a:effectRef idx="0">
+          <a:scrgbClr r="0" g="0" b="0"/>
+        </a:effectRef>
+        <a:fontRef idx="minor">
+          <a:schemeClr val="lt1"/>
+        </a:fontRef>
+      </dsp:style>
+      <dsp:txBody>
+        <a:bodyPr spcFirstLastPara="0" vert="horz" wrap="square" lIns="4445" tIns="4445" rIns="4445" bIns="4445" numCol="1" spcCol="1270" anchor="ctr" anchorCtr="0">
+          <a:noAutofit/>
+        </a:bodyPr>
+        <a:lstStyle/>
+        <a:p>
+          <a:pPr marL="0" lvl="0" indent="0" algn="ctr" defTabSz="311150">
+            <a:lnSpc>
+              <a:spcPct val="90000"/>
+            </a:lnSpc>
+            <a:spcBef>
+              <a:spcPct val="0"/>
+            </a:spcBef>
+            <a:spcAft>
+              <a:spcPct val="35000"/>
+            </a:spcAft>
+            <a:buNone/>
+          </a:pPr>
+          <a:r>
+            <a:rPr lang="en-IN" sz="700" kern="1200" dirty="0"/>
+            <a:t>Model Utilization</a:t>
+          </a:r>
+        </a:p>
+      </dsp:txBody>
+      <dsp:txXfrm rot="-5400000">
+        <a:off x="1" y="3391474"/>
+        <a:ext cx="509456" cy="218339"/>
+      </dsp:txXfrm>
+    </dsp:sp>
+    <dsp:sp modelId="{10C485C8-5339-4719-BCBD-5F55C8E99A67}">
+      <dsp:nvSpPr>
+        <dsp:cNvPr id="0" name=""/>
+        <dsp:cNvSpPr/>
+      </dsp:nvSpPr>
+      <dsp:spPr>
+        <a:xfrm rot="5400000">
+          <a:off x="4048415" y="-477623"/>
+          <a:ext cx="473067" cy="7550985"/>
+        </a:xfrm>
+        <a:prstGeom prst="round2SameRect">
+          <a:avLst/>
+        </a:prstGeom>
+        <a:solidFill>
+          <a:schemeClr val="lt1">
+            <a:alpha val="90000"/>
+            <a:hueOff val="0"/>
+            <a:satOff val="0"/>
+            <a:lumOff val="0"/>
+            <a:alphaOff val="0"/>
+          </a:schemeClr>
+        </a:solidFill>
+        <a:ln w="25400" cap="flat" cmpd="sng" algn="ctr">
+          <a:solidFill>
+            <a:schemeClr val="accent1">
+              <a:hueOff val="0"/>
+              <a:satOff val="0"/>
+              <a:lumOff val="0"/>
+              <a:alphaOff val="0"/>
+            </a:schemeClr>
+          </a:solidFill>
+          <a:prstDash val="solid"/>
+        </a:ln>
+        <a:effectLst/>
+      </dsp:spPr>
+      <dsp:style>
+        <a:lnRef idx="2">
+          <a:scrgbClr r="0" g="0" b="0"/>
+        </a:lnRef>
+        <a:fillRef idx="1">
+          <a:scrgbClr r="0" g="0" b="0"/>
+        </a:fillRef>
+        <a:effectRef idx="0">
+          <a:scrgbClr r="0" g="0" b="0"/>
+        </a:effectRef>
+        <a:fontRef idx="minor"/>
+      </dsp:style>
+      <dsp:txBody>
+        <a:bodyPr spcFirstLastPara="0" vert="horz" wrap="square" lIns="71120" tIns="6350" rIns="6350" bIns="6350" numCol="1" spcCol="1270" anchor="ctr" anchorCtr="0">
+          <a:noAutofit/>
+        </a:bodyPr>
+        <a:lstStyle/>
+        <a:p>
+          <a:pPr marL="57150" lvl="1" indent="-57150" algn="l" defTabSz="444500">
+            <a:lnSpc>
+              <a:spcPct val="90000"/>
+            </a:lnSpc>
+            <a:spcBef>
+              <a:spcPct val="0"/>
+            </a:spcBef>
+            <a:spcAft>
+              <a:spcPct val="15000"/>
+            </a:spcAft>
+            <a:buChar char="•"/>
+          </a:pPr>
+          <a:r>
+            <a:rPr lang="en-US" sz="1000" b="0" i="0" kern="1200" dirty="0"/>
+            <a:t>Once the model has been trained and evaluated, it can be utilized to production. This involves making the model available to users so that they can generate predictions.</a:t>
+          </a:r>
+          <a:endParaRPr lang="en-IN" sz="1000" kern="1200" dirty="0"/>
+        </a:p>
+      </dsp:txBody>
+      <dsp:txXfrm rot="-5400000">
+        <a:off x="509457" y="3084428"/>
+        <a:ext cx="7527892" cy="426881"/>
+      </dsp:txXfrm>
+    </dsp:sp>
+  </dsp:spTree>
+</dsp:drawing>
+</file>
+
+<file path=ppt/diagrams/layout1.xml><?xml version="1.0" encoding="utf-8"?>
+<dgm:layoutDef xmlns:dgm="http://schemas.openxmlformats.org/drawingml/2006/diagram" xmlns:a="http://schemas.openxmlformats.org/drawingml/2006/main" uniqueId="urn:microsoft.com/office/officeart/2005/8/layout/chevron2">
+  <dgm:title val=""/>
+  <dgm:desc val=""/>
+  <dgm:catLst>
+    <dgm:cat type="process" pri="12000"/>
+    <dgm:cat type="list" pri="16000"/>
+    <dgm:cat type="convert" pri="11000"/>
+  </dgm:catLst>
+  <dgm:sampData>
+    <dgm:dataModel>
+      <dgm:ptLst>
+        <dgm:pt modelId="0" type="doc"/>
+        <dgm:pt modelId="1">
+          <dgm:prSet phldr="1"/>
+        </dgm:pt>
+        <dgm:pt modelId="11">
+          <dgm:prSet phldr="1"/>
+        </dgm:pt>
+        <dgm:pt modelId="12">
+          <dgm:prSet phldr="1"/>
+        </dgm:pt>
+        <dgm:pt modelId="2">
+          <dgm:prSet phldr="1"/>
+        </dgm:pt>
+        <dgm:pt modelId="21">
+          <dgm:prSet phldr="1"/>
+        </dgm:pt>
+        <dgm:pt modelId="22">
+          <dgm:prSet phldr="1"/>
+        </dgm:pt>
+        <dgm:pt modelId="3">
+          <dgm:prSet phldr="1"/>
+        </dgm:pt>
+        <dgm:pt modelId="31">
+          <dgm:prSet phldr="1"/>
+        </dgm:pt>
+        <dgm:pt modelId="32">
+          <dgm:prSet phldr="1"/>
+        </dgm:pt>
+      </dgm:ptLst>
+      <dgm:cxnLst>
+        <dgm:cxn modelId="4" srcId="0" destId="1" srcOrd="0" destOrd="0"/>
+        <dgm:cxn modelId="5" srcId="0" destId="2" srcOrd="1" destOrd="0"/>
+        <dgm:cxn modelId="6" srcId="0" destId="3" srcOrd="2" destOrd="0"/>
+        <dgm:cxn modelId="13" srcId="1" destId="11" srcOrd="0" destOrd="0"/>
+        <dgm:cxn modelId="14" srcId="1" destId="12" srcOrd="1" destOrd="0"/>
+        <dgm:cxn modelId="23" srcId="2" destId="21" srcOrd="0" destOrd="0"/>
+        <dgm:cxn modelId="24" srcId="2" destId="22" srcOrd="1" destOrd="0"/>
+        <dgm:cxn modelId="33" srcId="3" destId="31" srcOrd="0" destOrd="0"/>
+        <dgm:cxn modelId="34" srcId="3" destId="32" srcOrd="1" destOrd="0"/>
+      </dgm:cxnLst>
+      <dgm:bg/>
+      <dgm:whole/>
+    </dgm:dataModel>
+  </dgm:sampData>
+  <dgm:styleData>
+    <dgm:dataModel>
+      <dgm:ptLst>
+        <dgm:pt modelId="0" type="doc"/>
+        <dgm:pt modelId="1"/>
+      </dgm:ptLst>
+      <dgm:cxnLst>
+        <dgm:cxn modelId="4" srcId="0" destId="1" srcOrd="0" destOrd="0"/>
+      </dgm:cxnLst>
+      <dgm:bg/>
+      <dgm:whole/>
+    </dgm:dataModel>
+  </dgm:styleData>
+  <dgm:clrData>
+    <dgm:dataModel>
+      <dgm:ptLst>
+        <dgm:pt modelId="0" type="doc"/>
+        <dgm:pt modelId="1"/>
+        <dgm:pt modelId="11"/>
+        <dgm:pt modelId="2"/>
+        <dgm:pt modelId="21"/>
+        <dgm:pt modelId="3"/>
+        <dgm:pt modelId="31"/>
+        <dgm:pt modelId="4"/>
+        <dgm:pt modelId="41"/>
+      </dgm:ptLst>
+      <dgm:cxnLst>
+        <dgm:cxn modelId="5" srcId="0" destId="1" srcOrd="0" destOrd="0"/>
+        <dgm:cxn modelId="6" srcId="0" destId="2" srcOrd="1" destOrd="0"/>
+        <dgm:cxn modelId="7" srcId="0" destId="3" srcOrd="2" destOrd="0"/>
+        <dgm:cxn modelId="8" srcId="0" destId="4" srcOrd="3" destOrd="0"/>
+        <dgm:cxn modelId="13" srcId="1" destId="11" srcOrd="0" destOrd="0"/>
+        <dgm:cxn modelId="23" srcId="2" destId="21" srcOrd="0" destOrd="0"/>
+        <dgm:cxn modelId="33" srcId="3" destId="31" srcOrd="0" destOrd="0"/>
+        <dgm:cxn modelId="43" srcId="4" destId="41" srcOrd="0" destOrd="0"/>
+      </dgm:cxnLst>
+      <dgm:bg/>
+      <dgm:whole/>
+    </dgm:dataModel>
+  </dgm:clrData>
+  <dgm:layoutNode name="linearFlow">
+    <dgm:varLst>
+      <dgm:dir/>
+      <dgm:animLvl val="lvl"/>
+      <dgm:resizeHandles val="exact"/>
+    </dgm:varLst>
+    <dgm:alg type="lin">
+      <dgm:param type="linDir" val="fromT"/>
+      <dgm:param type="nodeHorzAlign" val="l"/>
+    </dgm:alg>
+    <dgm:shape xmlns:r="http://schemas.openxmlformats.org/officeDocument/2006/relationships" r:blip="">
+      <dgm:adjLst/>
+    </dgm:shape>
+    <dgm:presOf/>
+    <dgm:constrLst>
+      <dgm:constr type="h" for="ch" forName="composite" refType="h"/>
+      <dgm:constr type="w" for="ch" forName="composite" refType="w"/>
+      <dgm:constr type="h" for="des" forName="parentText" op="equ"/>
+      <dgm:constr type="h" for="ch" forName="sp" val="-14.88"/>
+      <dgm:constr type="h" for="ch" forName="sp" refType="w" refFor="des" refForName="parentText" op="gte" fact="-0.3"/>
+      <dgm:constr type="primFontSz" for="des" forName="parentText" op="equ" val="65"/>
+      <dgm:constr type="primFontSz" for="des" forName="descendantText" op="equ" val="65"/>
+    </dgm:constrLst>
+    <dgm:ruleLst/>
+    <dgm:forEach name="Name0" axis="ch" ptType="node">
+      <dgm:layoutNode name="composite">
+        <dgm:alg type="composite"/>
+        <dgm:shape xmlns:r="http://schemas.openxmlformats.org/officeDocument/2006/relationships" r:blip="">
+          <dgm:adjLst/>
+        </dgm:shape>
+        <dgm:presOf/>
+        <dgm:choose name="Name1">
+          <dgm:if name="Name2" func="var" arg="dir" op="equ" val="norm">
+            <dgm:constrLst>
+              <dgm:constr type="t" for="ch" forName="parentText"/>
+              <dgm:constr type="l" for="ch" forName="parentText"/>
+              <dgm:constr type="w" for="ch" forName="parentText" refType="w" fact="0.4"/>
+              <dgm:constr type="h" for="ch" forName="parentText" refType="h"/>
+              <dgm:constr type="w" for="ch" forName="parentText" refType="w" op="lte" fact="0.5"/>
+              <dgm:constr type="w" for="ch" forName="parentText" refType="h" refFor="ch" refForName="parentText" op="lte" fact="0.7"/>
+              <dgm:constr type="h" for="ch" forName="parentText" refType="w" refFor="ch" refForName="parentText" op="lte" fact="3"/>
+              <dgm:constr type="l" for="ch" forName="descendantText" refType="w" refFor="ch" refForName="parentText"/>
+              <dgm:constr type="w" for="ch" forName="descendantText" refType="w"/>
+              <dgm:constr type="wOff" for="ch" forName="descendantText" refType="w" refFor="ch" refForName="parentText" fact="-1"/>
+              <dgm:constr type="t" for="ch" forName="descendantText"/>
+              <dgm:constr type="b" for="ch" forName="descendantText" refType="h" refFor="ch" refForName="parentText"/>
+              <dgm:constr type="bOff" for="ch" forName="descendantText" refType="w" refFor="ch" refForName="parentText" fact="-0.5"/>
+            </dgm:constrLst>
+          </dgm:if>
+          <dgm:else name="Name3">
+            <dgm:constrLst>
+              <dgm:constr type="t" for="ch" forName="parentText"/>
+              <dgm:constr type="r" for="ch" forName="parentText" refType="w"/>
+              <dgm:constr type="w" for="ch" forName="parentText" refType="w" fact="0.4"/>
+              <dgm:constr type="h" for="ch" forName="parentText" refType="h"/>
+              <dgm:constr type="w" for="ch" forName="parentText" refType="w" op="lte" fact="0.5"/>
+              <dgm:constr type="w" for="ch" forName="parentText" refType="h" refFor="ch" refForName="parentText" op="lte" fact="0.7"/>
+              <dgm:constr type="h" for="ch" forName="parentText" refType="w" refFor="ch" refForName="parentText" op="lte" fact="3"/>
+              <dgm:constr type="l" for="ch" forName="descendantText"/>
+              <dgm:constr type="w" for="ch" forName="descendantText" refType="w"/>
+              <dgm:constr type="wOff" for="ch" forName="descendantText" refType="w" refFor="ch" refForName="parentText" fact="-1"/>
+              <dgm:constr type="t" for="ch" forName="descendantText"/>
+              <dgm:constr type="b" for="ch" forName="descendantText" refType="h" refFor="ch" refForName="parentText"/>
+              <dgm:constr type="bOff" for="ch" forName="descendantText" refType="w" refFor="ch" refForName="parentText" fact="-0.5"/>
+            </dgm:constrLst>
+          </dgm:else>
+        </dgm:choose>
+        <dgm:ruleLst/>
+        <dgm:layoutNode name="parentText" styleLbl="alignNode1">
+          <dgm:varLst>
+            <dgm:chMax val="1"/>
+            <dgm:bulletEnabled val="1"/>
+          </dgm:varLst>
+          <dgm:alg type="tx"/>
+          <dgm:shape xmlns:r="http://schemas.openxmlformats.org/officeDocument/2006/relationships" rot="90" type="chevron" r:blip="">
+            <dgm:adjLst/>
+          </dgm:shape>
+          <dgm:presOf axis="self" ptType="node"/>
+          <dgm:constrLst>
+            <dgm:constr type="lMarg" refType="primFontSz" fact="0.05"/>
+            <dgm:constr type="rMarg" refType="primFontSz" fact="0.05"/>
+            <dgm:constr type="tMarg" refType="primFontSz" fact="0.05"/>
+            <dgm:constr type="bMarg" refType="primFontSz" fact="0.05"/>
+          </dgm:constrLst>
+          <dgm:ruleLst>
+            <dgm:rule type="h" val="100" fact="NaN" max="NaN"/>
+            <dgm:rule type="primFontSz" val="24" fact="NaN" max="NaN"/>
+            <dgm:rule type="h" val="110" fact="NaN" max="NaN"/>
+            <dgm:rule type="primFontSz" val="18" fact="NaN" max="NaN"/>
+            <dgm:rule type="h" val="INF" fact="NaN" max="NaN"/>
+            <dgm:rule type="primFontSz" val="5" fact="NaN" max="NaN"/>
+          </dgm:ruleLst>
+        </dgm:layoutNode>
+        <dgm:layoutNode name="descendantText" styleLbl="alignAcc1">
+          <dgm:varLst>
+            <dgm:bulletEnabled val="1"/>
+          </dgm:varLst>
+          <dgm:choose name="Name4">
+            <dgm:if name="Name5" func="var" arg="dir" op="equ" val="norm">
+              <dgm:alg type="tx">
+                <dgm:param type="stBulletLvl" val="1"/>
+                <dgm:param type="txAnchorVertCh" val="mid"/>
+              </dgm:alg>
+              <dgm:shape xmlns:r="http://schemas.openxmlformats.org/officeDocument/2006/relationships" rot="90" type="round2SameRect" r:blip="">
+                <dgm:adjLst/>
+              </dgm:shape>
+            </dgm:if>
+            <dgm:else name="Name6">
+              <dgm:alg type="tx">
+                <dgm:param type="stBulletLvl" val="1"/>
+                <dgm:param type="txAnchorVertCh" val="mid"/>
+              </dgm:alg>
+              <dgm:shape xmlns:r="http://schemas.openxmlformats.org/officeDocument/2006/relationships" rot="-90" type="round2SameRect" r:blip="">
+                <dgm:adjLst/>
+              </dgm:shape>
+            </dgm:else>
+          </dgm:choose>
+          <dgm:presOf axis="des" ptType="node"/>
+          <dgm:choose name="Name7">
+            <dgm:if name="Name8" func="var" arg="dir" op="equ" val="norm">
+              <dgm:constrLst>
+                <dgm:constr type="secFontSz" refType="primFontSz"/>
+                <dgm:constr type="tMarg" refType="primFontSz" fact="0.05"/>
+                <dgm:constr type="bMarg" refType="primFontSz" fact="0.05"/>
+                <dgm:constr type="rMarg" refType="primFontSz" fact="0.05"/>
+              </dgm:constrLst>
+            </dgm:if>
+            <dgm:else name="Name9">
+              <dgm:constrLst>
+                <dgm:constr type="secFontSz" refType="primFontSz"/>
+                <dgm:constr type="tMarg" refType="primFontSz" fact="0.05"/>
+                <dgm:constr type="bMarg" refType="primFontSz" fact="0.05"/>
+                <dgm:constr type="lMarg" refType="primFontSz" fact="0.05"/>
+              </dgm:constrLst>
+            </dgm:else>
+          </dgm:choose>
+          <dgm:ruleLst>
+            <dgm:rule type="primFontSz" val="5" fact="NaN" max="NaN"/>
+          </dgm:ruleLst>
+        </dgm:layoutNode>
+      </dgm:layoutNode>
+      <dgm:forEach name="Name10" axis="followSib" ptType="sibTrans" cnt="1">
+        <dgm:layoutNode name="sp">
+          <dgm:alg type="sp"/>
+          <dgm:shape xmlns:r="http://schemas.openxmlformats.org/officeDocument/2006/relationships" r:blip="">
+            <dgm:adjLst/>
+          </dgm:shape>
+          <dgm:presOf axis="self"/>
+          <dgm:constrLst>
+            <dgm:constr type="w" val="1"/>
+            <dgm:constr type="h" val="37.5"/>
+          </dgm:constrLst>
+          <dgm:ruleLst/>
+        </dgm:layoutNode>
+      </dgm:forEach>
+    </dgm:forEach>
+  </dgm:layoutNode>
+</dgm:layoutDef>
+</file>
+
+<file path=ppt/diagrams/quickStyle1.xml><?xml version="1.0" encoding="utf-8"?>
+<dgm:styleDef xmlns:dgm="http://schemas.openxmlformats.org/drawingml/2006/diagram" xmlns:a="http://schemas.openxmlformats.org/drawingml/2006/main" uniqueId="urn:microsoft.com/office/officeart/2005/8/quickstyle/simple1">
+  <dgm:title val=""/>
+  <dgm:desc val=""/>
+  <dgm:catLst>
+    <dgm:cat type="simple" pri="10100"/>
+  </dgm:catLst>
+  <dgm:scene3d>
+    <a:camera prst="orthographicFront"/>
+    <a:lightRig rig="threePt" dir="t"/>
+  </dgm:scene3d>
+  <dgm:styleLbl name="node0">
+    <dgm:scene3d>
+      <a:camera prst="orthographicFront"/>
+      <a:lightRig rig="threePt" dir="t"/>
+    </dgm:scene3d>
+    <dgm:sp3d/>
+    <dgm:txPr/>
+    <dgm:style>
+      <a:lnRef idx="2">
+        <a:scrgbClr r="0" g="0" b="0"/>
+      </a:lnRef>
+      <a:fillRef idx="1">
+        <a:scrgbClr r="0" g="0" b="0"/>
+      </a:fillRef>
+      <a:effectRef idx="0">
+        <a:scrgbClr r="0" g="0" b="0"/>
+      </a:effectRef>
+      <a:fontRef idx="minor">
+        <a:schemeClr val="lt1"/>
+      </a:fontRef>
+    </dgm:style>
+  </dgm:styleLbl>
+  <dgm:styleLbl name="lnNode1">
+    <dgm:scene3d>
+      <a:camera prst="orthographicFront"/>
+      <a:lightRig rig="threePt" dir="t"/>
+    </dgm:scene3d>
+    <dgm:sp3d/>
+    <dgm:txPr/>
+    <dgm:style>
+      <a:lnRef idx="2">
+        <a:scrgbClr r="0" g="0" b="0"/>
+      </a:lnRef>
+      <a:fillRef idx="1">
+        <a:scrgbClr r="0" g="0" b="0"/>
+      </a:fillRef>
+      <a:effectRef idx="0">
+        <a:scrgbClr r="0" g="0" b="0"/>
+      </a:effectRef>
+      <a:fontRef idx="minor">
+        <a:schemeClr val="lt1"/>
+      </a:fontRef>
+    </dgm:style>
+  </dgm:styleLbl>
+  <dgm:styleLbl name="vennNode1">
+    <dgm:scene3d>
+      <a:camera prst="orthographicFront"/>
+      <a:lightRig rig="threePt" dir="t"/>
+    </dgm:scene3d>
+    <dgm:sp3d/>
+    <dgm:txPr/>
+    <dgm:style>
+      <a:lnRef idx="2">
+        <a:scrgbClr r="0" g="0" b="0"/>
+      </a:lnRef>
+      <a:fillRef idx="1">
+        <a:scrgbClr r="0" g="0" b="0"/>
+      </a:fillRef>
+      <a:effectRef idx="0">
+        <a:scrgbClr r="0" g="0" b="0"/>
+      </a:effectRef>
+      <a:fontRef idx="minor">
+        <a:schemeClr val="tx1"/>
+      </a:fontRef>
+    </dgm:style>
+  </dgm:styleLbl>
+  <dgm:styleLbl name="alignNode1">
+    <dgm:scene3d>
+      <a:camera prst="orthographicFront"/>
+      <a:lightRig rig="threePt" dir="t"/>
+    </dgm:scene3d>
+    <dgm:sp3d/>
+    <dgm:txPr/>
+    <dgm:style>
+      <a:lnRef idx="2">
+        <a:scrgbClr r="0" g="0" b="0"/>
+      </a:lnRef>
+      <a:fillRef idx="1">
+        <a:scrgbClr r="0" g="0" b="0"/>
+      </a:fillRef>
+      <a:effectRef idx="0">
+        <a:scrgbClr r="0" g="0" b="0"/>
+      </a:effectRef>
+      <a:fontRef idx="minor">
+        <a:schemeClr val="lt1"/>
+      </a:fontRef>
+    </dgm:style>
+  </dgm:styleLbl>
+  <dgm:styleLbl name="node1">
+    <dgm:scene3d>
+      <a:camera prst="orthographicFront"/>
+      <a:lightRig rig="threePt" dir="t"/>
+    </dgm:scene3d>
+    <dgm:sp3d/>
+    <dgm:txPr/>
+    <dgm:style>
+      <a:lnRef idx="2">
+        <a:scrgbClr r="0" g="0" b="0"/>
+      </a:lnRef>
+      <a:fillRef idx="1">
+        <a:scrgbClr r="0" g="0" b="0"/>
+      </a:fillRef>
+      <a:effectRef idx="0">
+        <a:scrgbClr r="0" g="0" b="0"/>
+      </a:effectRef>
+      <a:fontRef idx="minor">
+        <a:schemeClr val="lt1"/>
+      </a:fontRef>
+    </dgm:style>
+  </dgm:styleLbl>
+  <dgm:styleLbl name="node2">
+    <dgm:scene3d>
+      <a:camera prst="orthographicFront"/>
+      <a:lightRig rig="threePt" dir="t"/>
+    </dgm:scene3d>
+    <dgm:sp3d/>
+    <dgm:txPr/>
+    <dgm:style>
+      <a:lnRef idx="2">
+        <a:scrgbClr r="0" g="0" b="0"/>
+      </a:lnRef>
+      <a:fillRef idx="1">
+        <a:scrgbClr r="0" g="0" b="0"/>
+      </a:fillRef>
+      <a:effectRef idx="0">
+        <a:scrgbClr r="0" g="0" b="0"/>
+      </a:effectRef>
+      <a:fontRef idx="minor">
+        <a:schemeClr val="lt1"/>
+      </a:fontRef>
+    </dgm:style>
+  </dgm:styleLbl>
+  <dgm:styleLbl name="node3">
+    <dgm:scene3d>
+      <a:camera prst="orthographicFront"/>
+      <a:lightRig rig="threePt" dir="t"/>
+    </dgm:scene3d>
+    <dgm:sp3d/>
+    <dgm:txPr/>
+    <dgm:style>
+      <a:lnRef idx="2">
+        <a:scrgbClr r="0" g="0" b="0"/>
+      </a:lnRef>
+      <a:fillRef idx="1">
+        <a:scrgbClr r="0" g="0" b="0"/>
+      </a:fillRef>
+      <a:effectRef idx="0">
+        <a:scrgbClr r="0" g="0" b="0"/>
+      </a:effectRef>
+      <a:fontRef idx="minor">
+        <a:schemeClr val="lt1"/>
+      </a:fontRef>
+    </dgm:style>
+  </dgm:styleLbl>
+  <dgm:styleLbl name="node4">
+    <dgm:scene3d>
+      <a:camera prst="orthographicFront"/>
+      <a:lightRig rig="threePt" dir="t"/>
+    </dgm:scene3d>
+    <dgm:sp3d/>
+    <dgm:txPr/>
+    <dgm:style>
+      <a:lnRef idx="2">
+        <a:scrgbClr r="0" g="0" b="0"/>
+      </a:lnRef>
+      <a:fillRef idx="1">
+        <a:scrgbClr r="0" g="0" b="0"/>
+      </a:fillRef>
+      <a:effectRef idx="0">
+        <a:scrgbClr r="0" g="0" b="0"/>
+      </a:effectRef>
+      <a:fontRef idx="minor">
+        <a:schemeClr val="lt1"/>
+      </a:fontRef>
+    </dgm:style>
+  </dgm:styleLbl>
+  <dgm:styleLbl name="fgImgPlace1">
+    <dgm:scene3d>
+      <a:camera prst="orthographicFront"/>
+      <a:lightRig rig="threePt" dir="t"/>
+    </dgm:scene3d>
+    <dgm:sp3d/>
+    <dgm:txPr/>
+    <dgm:style>
+      <a:lnRef idx="2">
+        <a:scrgbClr r="0" g="0" b="0"/>
+      </a:lnRef>
+      <a:fillRef idx="1">
+        <a:scrgbClr r="0" g="0" b="0"/>
+      </a:fillRef>
+      <a:effectRef idx="0">
+        <a:scrgbClr r="0" g="0" b="0"/>
+      </a:effectRef>
+      <a:fontRef idx="minor"/>
+    </dgm:style>
+  </dgm:styleLbl>
+  <dgm:styleLbl name="alignImgPlace1">
+    <dgm:scene3d>
+      <a:camera prst="orthographicFront"/>
+      <a:lightRig rig="threePt" dir="t"/>
+    </dgm:scene3d>
+    <dgm:sp3d/>
+    <dgm:txPr/>
+    <dgm:style>
+      <a:lnRef idx="2">
+        <a:scrgbClr r="0" g="0" b="0"/>
+      </a:lnRef>
+      <a:fillRef idx="1">
+        <a:scrgbClr r="0" g="0" b="0"/>
+      </a:fillRef>
+      <a:effectRef idx="0">
+        <a:scrgbClr r="0" g="0" b="0"/>
+      </a:effectRef>
+      <a:fontRef idx="minor"/>
+    </dgm:style>
+  </dgm:styleLbl>
+  <dgm:styleLbl name="bgImgPlace1">
+    <dgm:scene3d>
+      <a:camera prst="orthographicFront"/>
+      <a:lightRig rig="threePt" dir="t"/>
+    </dgm:scene3d>
+    <dgm:sp3d/>
+    <dgm:txPr/>
+    <dgm:style>
+      <a:lnRef idx="2">
+        <a:scrgbClr r="0" g="0" b="0"/>
+      </a:lnRef>
+      <a:fillRef idx="1">
+        <a:scrgbClr r="0" g="0" b="0"/>
+      </a:fillRef>
+      <a:effectRef idx="0">
+        <a:scrgbClr r="0" g="0" b="0"/>
+      </a:effectRef>
+      <a:fontRef idx="minor"/>
+    </dgm:style>
+  </dgm:styleLbl>
+  <dgm:styleLbl name="sibTrans2D1">
+    <dgm:scene3d>
+      <a:camera prst="orthographicFront"/>
+      <a:lightRig rig="threePt" dir="t"/>
+    </dgm:scene3d>
+    <dgm:sp3d/>
+    <dgm:txPr/>
+    <dgm:style>
+      <a:lnRef idx="0">
+        <a:scrgbClr r="0" g="0" b="0"/>
+      </a:lnRef>
+      <a:fillRef idx="1">
+        <a:scrgbClr r="0" g="0" b="0"/>
+      </a:fillRef>
+      <a:effectRef idx="0">
+        <a:scrgbClr r="0" g="0" b="0"/>
+      </a:effectRef>
+      <a:fontRef idx="minor">
+        <a:schemeClr val="lt1"/>
+      </a:fontRef>
+    </dgm:style>
+  </dgm:styleLbl>
+  <dgm:styleLbl name="fgSibTrans2D1">
+    <dgm:scene3d>
+      <a:camera prst="orthographicFront"/>
+      <a:lightRig rig="threePt" dir="t"/>
+    </dgm:scene3d>
+    <dgm:sp3d/>
+    <dgm:txPr/>
+    <dgm:style>
+      <a:lnRef idx="0">
+        <a:scrgbClr r="0" g="0" b="0"/>
+      </a:lnRef>
+      <a:fillRef idx="1">
+        <a:scrgbClr r="0" g="0" b="0"/>
+      </a:fillRef>
+      <a:effectRef idx="0">
+        <a:scrgbClr r="0" g="0" b="0"/>
+      </a:effectRef>
+      <a:fontRef idx="minor">
+        <a:schemeClr val="lt1"/>
+      </a:fontRef>
+    </dgm:style>
+  </dgm:styleLbl>
+  <dgm:styleLbl name="bgSibTrans2D1">
+    <dgm:scene3d>
+      <a:camera prst="orthographicFront"/>
+      <a:lightRig rig="threePt" dir="t"/>
+    </dgm:scene3d>
+    <dgm:sp3d/>
+    <dgm:txPr/>
+    <dgm:style>
+      <a:lnRef idx="0">
+        <a:scrgbClr r="0" g="0" b="0"/>
+      </a:lnRef>
+      <a:fillRef idx="1">
+        <a:scrgbClr r="0" g="0" b="0"/>
+      </a:fillRef>
+      <a:effectRef idx="0">
+        <a:scrgbClr r="0" g="0" b="0"/>
+      </a:effectRef>
+      <a:fontRef idx="minor">
+        <a:schemeClr val="lt1"/>
+      </a:fontRef>
+    </dgm:style>
+  </dgm:styleLbl>
+  <dgm:styleLbl name="sibTrans1D1">
+    <dgm:scene3d>
+      <a:camera prst="orthographicFront"/>
+      <a:lightRig rig="threePt" dir="t"/>
+    </dgm:scene3d>
+    <dgm:sp3d/>
+    <dgm:txPr/>
+    <dgm:style>
+      <a:lnRef idx="1">
+        <a:scrgbClr r="0" g="0" b="0"/>
+      </a:lnRef>
+      <a:fillRef idx="0">
+        <a:scrgbClr r="0" g="0" b="0"/>
+      </a:fillRef>
+      <a:effectRef idx="0">
+        <a:scrgbClr r="0" g="0" b="0"/>
+      </a:effectRef>
+      <a:fontRef idx="minor"/>
+    </dgm:style>
+  </dgm:styleLbl>
+  <dgm:styleLbl name="callout">
+    <dgm:scene3d>
+      <a:camera prst="orthographicFront"/>
+      <a:lightRig rig="threePt" dir="t"/>
+    </dgm:scene3d>
+    <dgm:sp3d/>
+    <dgm:txPr/>
+    <dgm:style>
+      <a:lnRef idx="2">
+        <a:scrgbClr r="0" g="0" b="0"/>
+      </a:lnRef>
+      <a:fillRef idx="1">
+        <a:scrgbClr r="0" g="0" b="0"/>
+      </a:fillRef>
+      <a:effectRef idx="0">
+        <a:scrgbClr r="0" g="0" b="0"/>
+      </a:effectRef>
+      <a:fontRef idx="minor"/>
+    </dgm:style>
+  </dgm:styleLbl>
+  <dgm:styleLbl name="asst0">
+    <dgm:scene3d>
+      <a:camera prst="orthographicFront"/>
+      <a:lightRig rig="threePt" dir="t"/>
+    </dgm:scene3d>
+    <dgm:sp3d/>
+    <dgm:txPr/>
+    <dgm:style>
+      <a:lnRef idx="2">
+        <a:scrgbClr r="0" g="0" b="0"/>
+      </a:lnRef>
+      <a:fillRef idx="1">
+        <a:scrgbClr r="0" g="0" b="0"/>
+      </a:fillRef>
+      <a:effectRef idx="0">
+        <a:scrgbClr r="0" g="0" b="0"/>
+      </a:effectRef>
+      <a:fontRef idx="minor">
+        <a:schemeClr val="lt1"/>
+      </a:fontRef>
+    </dgm:style>
+  </dgm:styleLbl>
+  <dgm:styleLbl name="asst1">
+    <dgm:scene3d>
+      <a:camera prst="orthographicFront"/>
+      <a:lightRig rig="threePt" dir="t"/>
+    </dgm:scene3d>
+    <dgm:sp3d/>
+    <dgm:txPr/>
+    <dgm:style>
+      <a:lnRef idx="2">
+        <a:scrgbClr r="0" g="0" b="0"/>
+      </a:lnRef>
+      <a:fillRef idx="1">
+        <a:scrgbClr r="0" g="0" b="0"/>
+      </a:fillRef>
+      <a:effectRef idx="0">
+        <a:scrgbClr r="0" g="0" b="0"/>
+      </a:effectRef>
+      <a:fontRef idx="minor">
+        <a:schemeClr val="lt1"/>
+      </a:fontRef>
+    </dgm:style>
+  </dgm:styleLbl>
+  <dgm:styleLbl name="asst2">
+    <dgm:scene3d>
+      <a:camera prst="orthographicFront"/>
+      <a:lightRig rig="threePt" dir="t"/>
+    </dgm:scene3d>
+    <dgm:sp3d/>
+    <dgm:txPr/>
+    <dgm:style>
+      <a:lnRef idx="2">
+        <a:scrgbClr r="0" g="0" b="0"/>
+      </a:lnRef>
+      <a:fillRef idx="1">
+        <a:scrgbClr r="0" g="0" b="0"/>
+      </a:fillRef>
+      <a:effectRef idx="0">
+        <a:scrgbClr r="0" g="0" b="0"/>
+      </a:effectRef>
+      <a:fontRef idx="minor">
+        <a:schemeClr val="lt1"/>
+      </a:fontRef>
+    </dgm:style>
+  </dgm:styleLbl>
+  <dgm:styleLbl name="asst3">
+    <dgm:scene3d>
+      <a:camera prst="orthographicFront"/>
+      <a:lightRig rig="threePt" dir="t"/>
+    </dgm:scene3d>
+    <dgm:sp3d/>
+    <dgm:txPr/>
+    <dgm:style>
+      <a:lnRef idx="2">
+        <a:scrgbClr r="0" g="0" b="0"/>
+      </a:lnRef>
+      <a:fillRef idx="1">
+        <a:scrgbClr r="0" g="0" b="0"/>
+      </a:fillRef>
+      <a:effectRef idx="0">
+        <a:scrgbClr r="0" g="0" b="0"/>
+      </a:effectRef>
+      <a:fontRef idx="minor">
+        <a:schemeClr val="lt1"/>
+      </a:fontRef>
+    </dgm:style>
+  </dgm:styleLbl>
+  <dgm:styleLbl name="asst4">
+    <dgm:scene3d>
+      <a:camera prst="orthographicFront"/>
+      <a:lightRig rig="threePt" dir="t"/>
+    </dgm:scene3d>
+    <dgm:sp3d/>
+    <dgm:txPr/>
+    <dgm:style>
+      <a:lnRef idx="2">
+        <a:scrgbClr r="0" g="0" b="0"/>
+      </a:lnRef>
+      <a:fillRef idx="1">
+        <a:scrgbClr r="0" g="0" b="0"/>
+      </a:fillRef>
+      <a:effectRef idx="0">
+        <a:scrgbClr r="0" g="0" b="0"/>
+      </a:effectRef>
+      <a:fontRef idx="minor">
+        <a:schemeClr val="lt1"/>
+      </a:fontRef>
+    </dgm:style>
+  </dgm:styleLbl>
+  <dgm:styleLbl name="parChTrans2D1">
+    <dgm:scene3d>
+      <a:camera prst="orthographicFront"/>
+      <a:lightRig rig="threePt" dir="t"/>
+    </dgm:scene3d>
+    <dgm:sp3d/>
+    <dgm:txPr/>
+    <dgm:style>
+      <a:lnRef idx="2">
+        <a:scrgbClr r="0" g="0" b="0"/>
+      </a:lnRef>
+      <a:fillRef idx="1">
+        <a:scrgbClr r="0" g="0" b="0"/>
+      </a:fillRef>
+      <a:effectRef idx="0">
+        <a:scrgbClr r="0" g="0" b="0"/>
+      </a:effectRef>
+      <a:fontRef idx="minor">
+        <a:schemeClr val="lt1"/>
+      </a:fontRef>
+    </dgm:style>
+  </dgm:styleLbl>
+  <dgm:styleLbl name="parChTrans2D2">
+    <dgm:scene3d>
+      <a:camera prst="orthographicFront"/>
+      <a:lightRig rig="threePt" dir="t"/>
+    </dgm:scene3d>
+    <dgm:sp3d/>
+    <dgm:txPr/>
+    <dgm:style>
+      <a:lnRef idx="2">
+        <a:scrgbClr r="0" g="0" b="0"/>
+      </a:lnRef>
+      <a:fillRef idx="1">
+        <a:scrgbClr r="0" g="0" b="0"/>
+      </a:fillRef>
+      <a:effectRef idx="0">
+        <a:scrgbClr r="0" g="0" b="0"/>
+      </a:effectRef>
+      <a:fontRef idx="minor">
+        <a:schemeClr val="lt1"/>
+      </a:fontRef>
+    </dgm:style>
+  </dgm:styleLbl>
+  <dgm:styleLbl name="parChTrans2D3">
+    <dgm:scene3d>
+      <a:camera prst="orthographicFront"/>
+      <a:lightRig rig="threePt" dir="t"/>
+    </dgm:scene3d>
+    <dgm:sp3d/>
+    <dgm:txPr/>
+    <dgm:style>
+      <a:lnRef idx="2">
+        <a:scrgbClr r="0" g="0" b="0"/>
+      </a:lnRef>
+      <a:fillRef idx="1">
+        <a:scrgbClr r="0" g="0" b="0"/>
+      </a:fillRef>
+      <a:effectRef idx="0">
+        <a:scrgbClr r="0" g="0" b="0"/>
+      </a:effectRef>
+      <a:fontRef idx="minor">
+        <a:schemeClr val="lt1"/>
+      </a:fontRef>
+    </dgm:style>
+  </dgm:styleLbl>
+  <dgm:styleLbl name="parChTrans2D4">
+    <dgm:scene3d>
+      <a:camera prst="orthographicFront"/>
+      <a:lightRig rig="threePt" dir="t"/>
+    </dgm:scene3d>
+    <dgm:sp3d/>
+    <dgm:txPr/>
+    <dgm:style>
+      <a:lnRef idx="2">
+        <a:scrgbClr r="0" g="0" b="0"/>
+      </a:lnRef>
+      <a:fillRef idx="1">
+        <a:scrgbClr r="0" g="0" b="0"/>
+      </a:fillRef>
+      <a:effectRef idx="0">
+        <a:scrgbClr r="0" g="0" b="0"/>
+      </a:effectRef>
+      <a:fontRef idx="minor">
+        <a:schemeClr val="lt1"/>
+      </a:fontRef>
+    </dgm:style>
+  </dgm:styleLbl>
+  <dgm:styleLbl name="parChTrans1D1">
+    <dgm:scene3d>
+      <a:camera prst="orthographicFront"/>
+      <a:lightRig rig="threePt" dir="t"/>
+    </dgm:scene3d>
+    <dgm:sp3d/>
+    <dgm:txPr/>
+    <dgm:style>
+      <a:lnRef idx="2">
+        <a:scrgbClr r="0" g="0" b="0"/>
+      </a:lnRef>
+      <a:fillRef idx="0">
+        <a:scrgbClr r="0" g="0" b="0"/>
+      </a:fillRef>
+      <a:effectRef idx="0">
+        <a:scrgbClr r="0" g="0" b="0"/>
+      </a:effectRef>
+      <a:fontRef idx="minor"/>
+    </dgm:style>
+  </dgm:styleLbl>
+  <dgm:styleLbl name="parChTrans1D2">
+    <dgm:scene3d>
+      <a:camera prst="orthographicFront"/>
+      <a:lightRig rig="threePt" dir="t"/>
+    </dgm:scene3d>
+    <dgm:sp3d/>
+    <dgm:txPr/>
+    <dgm:style>
+      <a:lnRef idx="2">
+        <a:scrgbClr r="0" g="0" b="0"/>
+      </a:lnRef>
+      <a:fillRef idx="0">
+        <a:scrgbClr r="0" g="0" b="0"/>
+      </a:fillRef>
+      <a:effectRef idx="0">
+        <a:scrgbClr r="0" g="0" b="0"/>
+      </a:effectRef>
+      <a:fontRef idx="minor"/>
+    </dgm:style>
+  </dgm:styleLbl>
+  <dgm:styleLbl name="parChTrans1D3">
+    <dgm:scene3d>
+      <a:camera prst="orthographicFront"/>
+      <a:lightRig rig="threePt" dir="t"/>
+    </dgm:scene3d>
+    <dgm:sp3d/>
+    <dgm:txPr/>
+    <dgm:style>
+      <a:lnRef idx="2">
+        <a:scrgbClr r="0" g="0" b="0"/>
+      </a:lnRef>
+      <a:fillRef idx="0">
+        <a:scrgbClr r="0" g="0" b="0"/>
+      </a:fillRef>
+      <a:effectRef idx="0">
+        <a:scrgbClr r="0" g="0" b="0"/>
+      </a:effectRef>
+      <a:fontRef idx="minor"/>
+    </dgm:style>
+  </dgm:styleLbl>
+  <dgm:styleLbl name="parChTrans1D4">
+    <dgm:scene3d>
+      <a:camera prst="orthographicFront"/>
+      <a:lightRig rig="threePt" dir="t"/>
+    </dgm:scene3d>
+    <dgm:sp3d/>
+    <dgm:txPr/>
+    <dgm:style>
+      <a:lnRef idx="2">
+        <a:scrgbClr r="0" g="0" b="0"/>
+      </a:lnRef>
+      <a:fillRef idx="0">
+        <a:scrgbClr r="0" g="0" b="0"/>
+      </a:fillRef>
+      <a:effectRef idx="0">
+        <a:scrgbClr r="0" g="0" b="0"/>
+      </a:effectRef>
+      <a:fontRef idx="minor"/>
+    </dgm:style>
+  </dgm:styleLbl>
+  <dgm:styleLbl name="fgAcc1">
+    <dgm:scene3d>
+      <a:camera prst="orthographicFront"/>
+      <a:lightRig rig="threePt" dir="t"/>
+    </dgm:scene3d>
+    <dgm:sp3d/>
+    <dgm:txPr/>
+    <dgm:style>
+      <a:lnRef idx="2">
+        <a:scrgbClr r="0" g="0" b="0"/>
+      </a:lnRef>
+      <a:fillRef idx="1">
+        <a:scrgbClr r="0" g="0" b="0"/>
+      </a:fillRef>
+      <a:effectRef idx="0">
+        <a:scrgbClr r="0" g="0" b="0"/>
+      </a:effectRef>
+      <a:fontRef idx="minor"/>
+    </dgm:style>
+  </dgm:styleLbl>
+  <dgm:styleLbl name="conFgAcc1">
+    <dgm:scene3d>
+      <a:camera prst="orthographicFront"/>
+      <a:lightRig rig="threePt" dir="t"/>
+    </dgm:scene3d>
+    <dgm:sp3d/>
+    <dgm:txPr/>
+    <dgm:style>
+      <a:lnRef idx="2">
+        <a:scrgbClr r="0" g="0" b="0"/>
+      </a:lnRef>
+      <a:fillRef idx="1">
+        <a:scrgbClr r="0" g="0" b="0"/>
+      </a:fillRef>
+      <a:effectRef idx="0">
+        <a:scrgbClr r="0" g="0" b="0"/>
+      </a:effectRef>
+      <a:fontRef idx="minor"/>
+    </dgm:style>
+  </dgm:styleLbl>
+  <dgm:styleLbl name="alignAcc1">
+    <dgm:scene3d>
+      <a:camera prst="orthographicFront"/>
+      <a:lightRig rig="threePt" dir="t"/>
+    </dgm:scene3d>
+    <dgm:sp3d/>
+    <dgm:txPr/>
+    <dgm:style>
+      <a:lnRef idx="2">
+        <a:scrgbClr r="0" g="0" b="0"/>
+      </a:lnRef>
+      <a:fillRef idx="1">
+        <a:scrgbClr r="0" g="0" b="0"/>
+      </a:fillRef>
+      <a:effectRef idx="0">
+        <a:scrgbClr r="0" g="0" b="0"/>
+      </a:effectRef>
+      <a:fontRef idx="minor"/>
+    </dgm:style>
+  </dgm:styleLbl>
+  <dgm:styleLbl name="trAlignAcc1">
+    <dgm:scene3d>
+      <a:camera prst="orthographicFront"/>
+      <a:lightRig rig="threePt" dir="t"/>
+    </dgm:scene3d>
+    <dgm:sp3d/>
+    <dgm:txPr/>
+    <dgm:style>
+      <a:lnRef idx="1">
+        <a:scrgbClr r="0" g="0" b="0"/>
+      </a:lnRef>
+      <a:fillRef idx="1">
+        <a:scrgbClr r="0" g="0" b="0"/>
+      </a:fillRef>
+      <a:effectRef idx="0">
+        <a:scrgbClr r="0" g="0" b="0"/>
+      </a:effectRef>
+      <a:fontRef idx="minor"/>
+    </dgm:style>
+  </dgm:styleLbl>
+  <dgm:styleLbl name="bgAcc1">
+    <dgm:scene3d>
+      <a:camera prst="orthographicFront"/>
+      <a:lightRig rig="threePt" dir="t"/>
+    </dgm:scene3d>
+    <dgm:sp3d/>
+    <dgm:txPr/>
+    <dgm:style>
+      <a:lnRef idx="2">
+        <a:scrgbClr r="0" g="0" b="0"/>
+      </a:lnRef>
+      <a:fillRef idx="1">
+        <a:scrgbClr r="0" g="0" b="0"/>
+      </a:fillRef>
+      <a:effectRef idx="0">
+        <a:scrgbClr r="0" g="0" b="0"/>
+      </a:effectRef>
+      <a:fontRef idx="minor"/>
+    </dgm:style>
+  </dgm:styleLbl>
+  <dgm:styleLbl name="solidFgAcc1">
+    <dgm:scene3d>
+      <a:camera prst="orthographicFront"/>
+      <a:lightRig rig="threePt" dir="t"/>
+    </dgm:scene3d>
+    <dgm:sp3d/>
+    <dgm:txPr/>
+    <dgm:style>
+      <a:lnRef idx="2">
+        <a:scrgbClr r="0" g="0" b="0"/>
+      </a:lnRef>
+      <a:fillRef idx="1">
+        <a:scrgbClr r="0" g="0" b="0"/>
+      </a:fillRef>
+      <a:effectRef idx="0">
+        <a:scrgbClr r="0" g="0" b="0"/>
+      </a:effectRef>
+      <a:fontRef idx="minor"/>
+    </dgm:style>
+  </dgm:styleLbl>
+  <dgm:styleLbl name="solidAlignAcc1">
+    <dgm:scene3d>
+      <a:camera prst="orthographicFront"/>
+      <a:lightRig rig="threePt" dir="t"/>
+    </dgm:scene3d>
+    <dgm:sp3d/>
+    <dgm:txPr/>
+    <dgm:style>
+      <a:lnRef idx="2">
+        <a:scrgbClr r="0" g="0" b="0"/>
+      </a:lnRef>
+      <a:fillRef idx="1">
+        <a:scrgbClr r="0" g="0" b="0"/>
+      </a:fillRef>
+      <a:effectRef idx="0">
+        <a:scrgbClr r="0" g="0" b="0"/>
+      </a:effectRef>
+      <a:fontRef idx="minor"/>
+    </dgm:style>
+  </dgm:styleLbl>
+  <dgm:styleLbl name="solidBgAcc1">
+    <dgm:scene3d>
+      <a:camera prst="orthographicFront"/>
+      <a:lightRig rig="threePt" dir="t"/>
+    </dgm:scene3d>
+    <dgm:sp3d/>
+    <dgm:txPr/>
+    <dgm:style>
+      <a:lnRef idx="2">
+        <a:scrgbClr r="0" g="0" b="0"/>
+      </a:lnRef>
+      <a:fillRef idx="1">
+        <a:scrgbClr r="0" g="0" b="0"/>
+      </a:fillRef>
+      <a:effectRef idx="0">
+        <a:scrgbClr r="0" g="0" b="0"/>
+      </a:effectRef>
+      <a:fontRef idx="minor"/>
+    </dgm:style>
+  </dgm:styleLbl>
+  <dgm:styleLbl name="fgAccFollowNode1">
+    <dgm:scene3d>
+      <a:camera prst="orthographicFront"/>
+      <a:lightRig rig="threePt" dir="t"/>
+    </dgm:scene3d>
+    <dgm:sp3d/>
+    <dgm:txPr/>
+    <dgm:style>
+      <a:lnRef idx="2">
+        <a:scrgbClr r="0" g="0" b="0"/>
+      </a:lnRef>
+      <a:fillRef idx="1">
+        <a:scrgbClr r="0" g="0" b="0"/>
+      </a:fillRef>
+      <a:effectRef idx="0">
+        <a:scrgbClr r="0" g="0" b="0"/>
+      </a:effectRef>
+      <a:fontRef idx="minor"/>
+    </dgm:style>
+  </dgm:styleLbl>
+  <dgm:styleLbl name="alignAccFollowNode1">
+    <dgm:scene3d>
+      <a:camera prst="orthographicFront"/>
+      <a:lightRig rig="threePt" dir="t"/>
+    </dgm:scene3d>
+    <dgm:sp3d/>
+    <dgm:txPr/>
+    <dgm:style>
+      <a:lnRef idx="2">
+        <a:scrgbClr r="0" g="0" b="0"/>
+      </a:lnRef>
+      <a:fillRef idx="1">
+        <a:scrgbClr r="0" g="0" b="0"/>
+      </a:fillRef>
+      <a:effectRef idx="0">
+        <a:scrgbClr r="0" g="0" b="0"/>
+      </a:effectRef>
+      <a:fontRef idx="minor"/>
+    </dgm:style>
+  </dgm:styleLbl>
+  <dgm:styleLbl name="bgAccFollowNode1">
+    <dgm:scene3d>
+      <a:camera prst="orthographicFront"/>
+      <a:lightRig rig="threePt" dir="t"/>
+    </dgm:scene3d>
+    <dgm:sp3d/>
+    <dgm:txPr/>
+    <dgm:style>
+      <a:lnRef idx="2">
+        <a:scrgbClr r="0" g="0" b="0"/>
+      </a:lnRef>
+      <a:fillRef idx="1">
+        <a:scrgbClr r="0" g="0" b="0"/>
+      </a:fillRef>
+      <a:effectRef idx="0">
+        <a:scrgbClr r="0" g="0" b="0"/>
+      </a:effectRef>
+      <a:fontRef idx="minor"/>
+    </dgm:style>
+  </dgm:styleLbl>
+  <dgm:styleLbl name="fgAcc0">
+    <dgm:scene3d>
+      <a:camera prst="orthographicFront"/>
+      <a:lightRig rig="threePt" dir="t"/>
+    </dgm:scene3d>
+    <dgm:sp3d/>
+    <dgm:txPr/>
+    <dgm:style>
+      <a:lnRef idx="2">
+        <a:scrgbClr r="0" g="0" b="0"/>
+      </a:lnRef>
+      <a:fillRef idx="1">
+        <a:scrgbClr r="0" g="0" b="0"/>
+      </a:fillRef>
+      <a:effectRef idx="0">
+        <a:scrgbClr r="0" g="0" b="0"/>
+      </a:effectRef>
+      <a:fontRef idx="minor"/>
+    </dgm:style>
+  </dgm:styleLbl>
+  <dgm:styleLbl name="fgAcc2">
+    <dgm:scene3d>
+      <a:camera prst="orthographicFront"/>
+      <a:lightRig rig="threePt" dir="t"/>
+    </dgm:scene3d>
+    <dgm:sp3d/>
+    <dgm:txPr/>
+    <dgm:style>
+      <a:lnRef idx="2">
+        <a:scrgbClr r="0" g="0" b="0"/>
+      </a:lnRef>
+      <a:fillRef idx="1">
+        <a:scrgbClr r="0" g="0" b="0"/>
+      </a:fillRef>
+      <a:effectRef idx="0">
+        <a:scrgbClr r="0" g="0" b="0"/>
+      </a:effectRef>
+      <a:fontRef idx="minor"/>
+    </dgm:style>
+  </dgm:styleLbl>
+  <dgm:styleLbl name="fgAcc3">
+    <dgm:scene3d>
+      <a:camera prst="orthographicFront"/>
+      <a:lightRig rig="threePt" dir="t"/>
+    </dgm:scene3d>
+    <dgm:sp3d/>
+    <dgm:txPr/>
+    <dgm:style>
+      <a:lnRef idx="2">
+        <a:scrgbClr r="0" g="0" b="0"/>
+      </a:lnRef>
+      <a:fillRef idx="1">
+        <a:scrgbClr r="0" g="0" b="0"/>
+      </a:fillRef>
+      <a:effectRef idx="0">
+        <a:scrgbClr r="0" g="0" b="0"/>
+      </a:effectRef>
+      <a:fontRef idx="minor"/>
+    </dgm:style>
+  </dgm:styleLbl>
+  <dgm:styleLbl name="fgAcc4">
+    <dgm:scene3d>
+      <a:camera prst="orthographicFront"/>
+      <a:lightRig rig="threePt" dir="t"/>
+    </dgm:scene3d>
+    <dgm:sp3d/>
+    <dgm:txPr/>
+    <dgm:style>
+      <a:lnRef idx="2">
+        <a:scrgbClr r="0" g="0" b="0"/>
+      </a:lnRef>
+      <a:fillRef idx="1">
+        <a:scrgbClr r="0" g="0" b="0"/>
+      </a:fillRef>
+      <a:effectRef idx="0">
+        <a:scrgbClr r="0" g="0" b="0"/>
+      </a:effectRef>
+      <a:fontRef idx="minor"/>
+    </dgm:style>
+  </dgm:styleLbl>
+  <dgm:styleLbl name="bgShp">
+    <dgm:scene3d>
+      <a:camera prst="orthographicFront"/>
+      <a:lightRig rig="threePt" dir="t"/>
+    </dgm:scene3d>
+    <dgm:sp3d/>
+    <dgm:txPr/>
+    <dgm:style>
+      <a:lnRef idx="0">
+        <a:scrgbClr r="0" g="0" b="0"/>
+      </a:lnRef>
+      <a:fillRef idx="1">
+        <a:scrgbClr r="0" g="0" b="0"/>
+      </a:fillRef>
+      <a:effectRef idx="0">
+        <a:scrgbClr r="0" g="0" b="0"/>
+      </a:effectRef>
+      <a:fontRef idx="minor"/>
+    </dgm:style>
+  </dgm:styleLbl>
+  <dgm:styleLbl name="dkBgShp">
+    <dgm:scene3d>
+      <a:camera prst="orthographicFront"/>
+      <a:lightRig rig="threePt" dir="t"/>
+    </dgm:scene3d>
+    <dgm:sp3d/>
+    <dgm:txPr/>
+    <dgm:style>
+      <a:lnRef idx="0">
+        <a:scrgbClr r="0" g="0" b="0"/>
+      </a:lnRef>
+      <a:fillRef idx="1">
+        <a:scrgbClr r="0" g="0" b="0"/>
+      </a:fillRef>
+      <a:effectRef idx="0">
+        <a:scrgbClr r="0" g="0" b="0"/>
+      </a:effectRef>
+      <a:fontRef idx="minor"/>
+    </dgm:style>
+  </dgm:styleLbl>
+  <dgm:styleLbl name="trBgShp">
+    <dgm:scene3d>
+      <a:camera prst="orthographicFront"/>
+      <a:lightRig rig="threePt" dir="t"/>
+    </dgm:scene3d>
+    <dgm:sp3d/>
+    <dgm:txPr/>
+    <dgm:style>
+      <a:lnRef idx="0">
+        <a:scrgbClr r="0" g="0" b="0"/>
+      </a:lnRef>
+      <a:fillRef idx="1">
+        <a:scrgbClr r="0" g="0" b="0"/>
+      </a:fillRef>
+      <a:effectRef idx="0">
+        <a:scrgbClr r="0" g="0" b="0"/>
+      </a:effectRef>
+      <a:fontRef idx="minor"/>
+    </dgm:style>
+  </dgm:styleLbl>
+  <dgm:styleLbl name="fgShp">
+    <dgm:scene3d>
+      <a:camera prst="orthographicFront"/>
+      <a:lightRig rig="threePt" dir="t"/>
+    </dgm:scene3d>
+    <dgm:sp3d/>
+    <dgm:txPr/>
+    <dgm:style>
+      <a:lnRef idx="2">
+        <a:scrgbClr r="0" g="0" b="0"/>
+      </a:lnRef>
+      <a:fillRef idx="1">
+        <a:scrgbClr r="0" g="0" b="0"/>
+      </a:fillRef>
+      <a:effectRef idx="0">
+        <a:scrgbClr r="0" g="0" b="0"/>
+      </a:effectRef>
+      <a:fontRef idx="minor"/>
+    </dgm:style>
+  </dgm:styleLbl>
+  <dgm:styleLbl name="revTx">
+    <dgm:scene3d>
+      <a:camera prst="orthographicFront"/>
+      <a:lightRig rig="threePt" dir="t"/>
+    </dgm:scene3d>
+    <dgm:sp3d/>
+    <dgm:txPr/>
+    <dgm:style>
+      <a:lnRef idx="0">
+        <a:scrgbClr r="0" g="0" b="0"/>
+      </a:lnRef>
+      <a:fillRef idx="0">
+        <a:scrgbClr r="0" g="0" b="0"/>
+      </a:fillRef>
+      <a:effectRef idx="0">
+        <a:scrgbClr r="0" g="0" b="0"/>
+      </a:effectRef>
+      <a:fontRef idx="minor"/>
+    </dgm:style>
+  </dgm:styleLbl>
+</dgm:styleDef>
 </file>
 
 <file path=ppt/notesMasters/notesMaster1.xml><?xml version="1.0" encoding="utf-8"?>
@@ -1577,6 +5220,214 @@
   <p:cSld>
     <p:spTree>
       <p:nvGrpSpPr>
+        <p:cNvPr id="1" name="Shape 23"/>
+        <p:cNvGrpSpPr/>
+        <p:nvPr/>
+      </p:nvGrpSpPr>
+      <p:grpSpPr>
+        <a:xfrm>
+          <a:off x="0" y="0"/>
+          <a:ext cx="0" cy="0"/>
+          <a:chOff x="0" y="0"/>
+          <a:chExt cx="0" cy="0"/>
+        </a:xfrm>
+      </p:grpSpPr>
+      <p:sp>
+        <p:nvSpPr>
+          <p:cNvPr id="24" name="Google Shape;24;g263022418e4_0_12:notes"/>
+          <p:cNvSpPr txBox="1">
+            <a:spLocks noGrp="1"/>
+          </p:cNvSpPr>
+          <p:nvPr>
+            <p:ph type="body" idx="1"/>
+          </p:nvPr>
+        </p:nvSpPr>
+        <p:spPr>
+          <a:xfrm>
+            <a:off x="685800" y="4400550"/>
+            <a:ext cx="5486400" cy="3600600"/>
+          </a:xfrm>
+          <a:prstGeom prst="rect">
+            <a:avLst/>
+          </a:prstGeom>
+        </p:spPr>
+        <p:txBody>
+          <a:bodyPr spcFirstLastPara="1" wrap="square" lIns="91425" tIns="45700" rIns="91425" bIns="45700" anchor="t" anchorCtr="0">
+            <a:noAutofit/>
+          </a:bodyPr>
+          <a:lstStyle/>
+          <a:p>
+            <a:pPr marL="0" lvl="0" indent="0" algn="l" rtl="0">
+              <a:spcBef>
+                <a:spcPts val="0"/>
+              </a:spcBef>
+              <a:spcAft>
+                <a:spcPts val="0"/>
+              </a:spcAft>
+              <a:buNone/>
+            </a:pPr>
+            <a:endParaRPr/>
+          </a:p>
+        </p:txBody>
+      </p:sp>
+      <p:sp>
+        <p:nvSpPr>
+          <p:cNvPr id="25" name="Google Shape;25;g263022418e4_0_12:notes"/>
+          <p:cNvSpPr>
+            <a:spLocks noGrp="1" noRot="1" noChangeAspect="1"/>
+          </p:cNvSpPr>
+          <p:nvPr>
+            <p:ph type="sldImg" idx="2"/>
+          </p:nvPr>
+        </p:nvSpPr>
+        <p:spPr>
+          <a:xfrm>
+            <a:off x="685800" y="1143000"/>
+            <a:ext cx="5486400" cy="3086100"/>
+          </a:xfrm>
+          <a:custGeom>
+            <a:avLst/>
+            <a:gdLst/>
+            <a:ahLst/>
+            <a:cxnLst/>
+            <a:rect l="l" t="t" r="r" b="b"/>
+            <a:pathLst>
+              <a:path w="120000" h="120000" extrusionOk="0">
+                <a:moveTo>
+                  <a:pt x="0" y="0"/>
+                </a:moveTo>
+                <a:lnTo>
+                  <a:pt x="120000" y="0"/>
+                </a:lnTo>
+                <a:lnTo>
+                  <a:pt x="120000" y="120000"/>
+                </a:lnTo>
+                <a:lnTo>
+                  <a:pt x="0" y="120000"/>
+                </a:lnTo>
+                <a:close/>
+              </a:path>
+            </a:pathLst>
+          </a:custGeom>
+        </p:spPr>
+      </p:sp>
+    </p:spTree>
+  </p:cSld>
+  <p:clrMapOvr>
+    <a:masterClrMapping/>
+  </p:clrMapOvr>
+</p:notes>
+</file>
+
+<file path=ppt/notesSlides/notesSlide11.xml><?xml version="1.0" encoding="utf-8"?>
+<p:notes xmlns:a="http://schemas.openxmlformats.org/drawingml/2006/main" xmlns:r="http://schemas.openxmlformats.org/officeDocument/2006/relationships" xmlns:p="http://schemas.openxmlformats.org/presentationml/2006/main" showMasterSp="0" showMasterPhAnim="0">
+  <p:cSld>
+    <p:spTree>
+      <p:nvGrpSpPr>
+        <p:cNvPr id="1" name="Shape 33"/>
+        <p:cNvGrpSpPr/>
+        <p:nvPr/>
+      </p:nvGrpSpPr>
+      <p:grpSpPr>
+        <a:xfrm>
+          <a:off x="0" y="0"/>
+          <a:ext cx="0" cy="0"/>
+          <a:chOff x="0" y="0"/>
+          <a:chExt cx="0" cy="0"/>
+        </a:xfrm>
+      </p:grpSpPr>
+      <p:sp>
+        <p:nvSpPr>
+          <p:cNvPr id="34" name="Google Shape;34;g263022418e4_0_21:notes"/>
+          <p:cNvSpPr txBox="1">
+            <a:spLocks noGrp="1"/>
+          </p:cNvSpPr>
+          <p:nvPr>
+            <p:ph type="body" idx="1"/>
+          </p:nvPr>
+        </p:nvSpPr>
+        <p:spPr>
+          <a:xfrm>
+            <a:off x="685800" y="4400550"/>
+            <a:ext cx="5486400" cy="3600600"/>
+          </a:xfrm>
+          <a:prstGeom prst="rect">
+            <a:avLst/>
+          </a:prstGeom>
+        </p:spPr>
+        <p:txBody>
+          <a:bodyPr spcFirstLastPara="1" wrap="square" lIns="91425" tIns="45700" rIns="91425" bIns="45700" anchor="t" anchorCtr="0">
+            <a:noAutofit/>
+          </a:bodyPr>
+          <a:lstStyle/>
+          <a:p>
+            <a:pPr marL="0" lvl="0" indent="0" algn="l" rtl="0">
+              <a:spcBef>
+                <a:spcPts val="0"/>
+              </a:spcBef>
+              <a:spcAft>
+                <a:spcPts val="0"/>
+              </a:spcAft>
+              <a:buNone/>
+            </a:pPr>
+            <a:endParaRPr/>
+          </a:p>
+        </p:txBody>
+      </p:sp>
+      <p:sp>
+        <p:nvSpPr>
+          <p:cNvPr id="35" name="Google Shape;35;g263022418e4_0_21:notes"/>
+          <p:cNvSpPr>
+            <a:spLocks noGrp="1" noRot="1" noChangeAspect="1"/>
+          </p:cNvSpPr>
+          <p:nvPr>
+            <p:ph type="sldImg" idx="2"/>
+          </p:nvPr>
+        </p:nvSpPr>
+        <p:spPr>
+          <a:xfrm>
+            <a:off x="685800" y="1143000"/>
+            <a:ext cx="5486400" cy="3086100"/>
+          </a:xfrm>
+          <a:custGeom>
+            <a:avLst/>
+            <a:gdLst/>
+            <a:ahLst/>
+            <a:cxnLst/>
+            <a:rect l="l" t="t" r="r" b="b"/>
+            <a:pathLst>
+              <a:path w="120000" h="120000" extrusionOk="0">
+                <a:moveTo>
+                  <a:pt x="0" y="0"/>
+                </a:moveTo>
+                <a:lnTo>
+                  <a:pt x="120000" y="0"/>
+                </a:lnTo>
+                <a:lnTo>
+                  <a:pt x="120000" y="120000"/>
+                </a:lnTo>
+                <a:lnTo>
+                  <a:pt x="0" y="120000"/>
+                </a:lnTo>
+                <a:close/>
+              </a:path>
+            </a:pathLst>
+          </a:custGeom>
+        </p:spPr>
+      </p:sp>
+    </p:spTree>
+  </p:cSld>
+  <p:clrMapOvr>
+    <a:masterClrMapping/>
+  </p:clrMapOvr>
+</p:notes>
+</file>
+
+<file path=ppt/notesSlides/notesSlide12.xml><?xml version="1.0" encoding="utf-8"?>
+<p:notes xmlns:a="http://schemas.openxmlformats.org/drawingml/2006/main" xmlns:r="http://schemas.openxmlformats.org/officeDocument/2006/relationships" xmlns:p="http://schemas.openxmlformats.org/presentationml/2006/main" showMasterSp="0" showMasterPhAnim="0">
+  <p:cSld>
+    <p:spTree>
+      <p:nvGrpSpPr>
         <p:cNvPr id="1" name="Shape 93"/>
         <p:cNvGrpSpPr/>
         <p:nvPr/>
@@ -1676,7 +5527,7 @@
 </p:notes>
 </file>
 
-<file path=ppt/notesSlides/notesSlide11.xml><?xml version="1.0" encoding="utf-8"?>
+<file path=ppt/notesSlides/notesSlide13.xml><?xml version="1.0" encoding="utf-8"?>
 <p:notes xmlns:a="http://schemas.openxmlformats.org/drawingml/2006/main" xmlns:r="http://schemas.openxmlformats.org/officeDocument/2006/relationships" xmlns:p="http://schemas.openxmlformats.org/presentationml/2006/main" showMasterSp="0" showMasterPhAnim="0">
   <p:cSld>
     <p:spTree>
@@ -5737,7 +9588,7 @@
         </p:nvSpPr>
         <p:spPr>
           <a:xfrm>
-            <a:off x="1071154" y="1208162"/>
+            <a:off x="1061727" y="953639"/>
             <a:ext cx="9901002" cy="2154436"/>
           </a:xfrm>
           <a:prstGeom prst="rect">
@@ -5832,35 +9683,34 @@
           </a:p>
         </p:txBody>
       </p:sp>
-      <p:pic>
-        <p:nvPicPr>
-          <p:cNvPr id="4" name="Picture 3">
+      <p:graphicFrame>
+        <p:nvGraphicFramePr>
+          <p:cNvPr id="5" name="Diagram 4">
             <a:extLst>
               <a:ext uri="{FF2B5EF4-FFF2-40B4-BE49-F238E27FC236}">
-                <a16:creationId xmlns:a16="http://schemas.microsoft.com/office/drawing/2014/main" id="{68E6691D-CD04-DB7B-8261-63A3E2579AC4}"/>
+                <a16:creationId xmlns:a16="http://schemas.microsoft.com/office/drawing/2014/main" id="{04D01CEC-317A-507E-5C94-938BC33AE6B3}"/>
               </a:ext>
             </a:extLst>
           </p:cNvPr>
-          <p:cNvPicPr>
-            <a:picLocks noChangeAspect="1"/>
-          </p:cNvPicPr>
-          <p:nvPr/>
-        </p:nvPicPr>
-        <p:blipFill rotWithShape="1">
-          <a:blip r:embed="rId3"/>
-          <a:srcRect l="30258" t="6104" r="28647" b="8214"/>
-          <a:stretch/>
-        </p:blipFill>
-        <p:spPr>
-          <a:xfrm>
-            <a:off x="7475456" y="141818"/>
-            <a:ext cx="1960775" cy="6574363"/>
-          </a:xfrm>
-          <a:prstGeom prst="rect">
-            <a:avLst/>
-          </a:prstGeom>
-        </p:spPr>
-      </p:pic>
+          <p:cNvGraphicFramePr/>
+          <p:nvPr>
+            <p:extLst>
+              <p:ext uri="{D42A27DB-BD31-4B8C-83A1-F6EECF244321}">
+                <p14:modId xmlns:p14="http://schemas.microsoft.com/office/powerpoint/2010/main" val="1773108263"/>
+              </p:ext>
+            </p:extLst>
+          </p:nvPr>
+        </p:nvGraphicFramePr>
+        <p:xfrm>
+          <a:off x="2065779" y="2554664"/>
+          <a:ext cx="8060442" cy="3866473"/>
+        </p:xfrm>
+        <a:graphic>
+          <a:graphicData uri="http://schemas.openxmlformats.org/drawingml/2006/diagram">
+            <dgm:relIds xmlns:dgm="http://schemas.openxmlformats.org/drawingml/2006/diagram" xmlns:r="http://schemas.openxmlformats.org/officeDocument/2006/relationships" r:dm="rId3" r:lo="rId4" r:qs="rId5" r:cs="rId6"/>
+          </a:graphicData>
+        </a:graphic>
+      </p:graphicFrame>
     </p:spTree>
     <p:extLst>
       <p:ext uri="{BB962C8B-B14F-4D97-AF65-F5344CB8AC3E}">
@@ -5941,10 +9791,10 @@
       </p:sp>
       <p:sp>
         <p:nvSpPr>
-          <p:cNvPr id="3" name="TextBox 2">
+          <p:cNvPr id="11" name="TextBox 10">
             <a:extLst>
               <a:ext uri="{FF2B5EF4-FFF2-40B4-BE49-F238E27FC236}">
-                <a16:creationId xmlns:a16="http://schemas.microsoft.com/office/drawing/2014/main" id="{66168532-D141-4AB0-BD29-1663F2877B3E}"/>
+                <a16:creationId xmlns:a16="http://schemas.microsoft.com/office/drawing/2014/main" id="{C3F76B8E-CCEB-BC83-0DFD-AEBB6BBB0A7E}"/>
               </a:ext>
             </a:extLst>
           </p:cNvPr>
@@ -5953,8 +9803,8 @@
         </p:nvSpPr>
         <p:spPr>
           <a:xfrm>
-            <a:off x="1071154" y="1208162"/>
-            <a:ext cx="9901002" cy="1846659"/>
+            <a:off x="1259335" y="1231200"/>
+            <a:ext cx="3575759" cy="5078313"/>
           </a:xfrm>
           <a:prstGeom prst="rect">
             <a:avLst/>
@@ -5962,63 +9812,1950 @@
           <a:noFill/>
         </p:spPr>
         <p:txBody>
-          <a:bodyPr wrap="square" rtlCol="0">
+          <a:bodyPr wrap="square">
             <a:spAutoFit/>
           </a:bodyPr>
           <a:lstStyle/>
           <a:p>
             <a:r>
-              <a:rPr lang="en-US" sz="2000" dirty="0">
-                <a:solidFill>
-                  <a:srgbClr val="FF0000"/>
-                </a:solidFill>
-                <a:latin typeface="Arial" panose="020B0604020202020204" pitchFamily="34" charset="0"/>
-                <a:cs typeface="Arial" panose="020B0604020202020204" pitchFamily="34" charset="0"/>
-              </a:rPr>
-              <a:t>Working Module </a:t>
-            </a:r>
-          </a:p>
-          <a:p>
-            <a:endParaRPr lang="en-US" sz="2000" dirty="0">
-              <a:solidFill>
-                <a:srgbClr val="FF0000"/>
-              </a:solidFill>
-              <a:latin typeface="Arial" panose="020B0604020202020204" pitchFamily="34" charset="0"/>
-              <a:cs typeface="Arial" panose="020B0604020202020204" pitchFamily="34" charset="0"/>
-            </a:endParaRPr>
-          </a:p>
-          <a:p>
-            <a:r>
-              <a:rPr lang="en-US" sz="2000" dirty="0">
-                <a:solidFill>
-                  <a:srgbClr val="FF0000"/>
-                </a:solidFill>
-                <a:latin typeface="Arial" panose="020B0604020202020204" pitchFamily="34" charset="0"/>
-                <a:cs typeface="Arial" panose="020B0604020202020204" pitchFamily="34" charset="0"/>
-              </a:rPr>
-              <a:t>Attained Deliverable </a:t>
-            </a:r>
-          </a:p>
-          <a:p>
-            <a:endParaRPr lang="en-US" sz="2000" dirty="0">
-              <a:solidFill>
-                <a:srgbClr val="FF0000"/>
-              </a:solidFill>
-              <a:latin typeface="Arial" panose="020B0604020202020204" pitchFamily="34" charset="0"/>
-              <a:cs typeface="Arial" panose="020B0604020202020204" pitchFamily="34" charset="0"/>
-            </a:endParaRPr>
-          </a:p>
-          <a:p>
-            <a:endParaRPr lang="en-US" sz="2000" dirty="0">
-              <a:latin typeface="Arial" panose="020B0604020202020204" pitchFamily="34" charset="0"/>
-              <a:cs typeface="Arial" panose="020B0604020202020204" pitchFamily="34" charset="0"/>
-            </a:endParaRPr>
-          </a:p>
-          <a:p>
-            <a:endParaRPr lang="en-IN" dirty="0">
-              <a:latin typeface="Arial" panose="020B0604020202020204" pitchFamily="34" charset="0"/>
-              <a:cs typeface="Arial" panose="020B0604020202020204" pitchFamily="34" charset="0"/>
-            </a:endParaRPr>
+              <a:rPr lang="en-IN" sz="900" b="0" dirty="0">
+                <a:solidFill>
+                  <a:schemeClr val="tx1"/>
+                </a:solidFill>
+                <a:effectLst/>
+                <a:latin typeface="Consolas" panose="020B0609020204030204" pitchFamily="49" charset="0"/>
+              </a:rPr>
+              <a:t>//linear regression</a:t>
+            </a:r>
+          </a:p>
+          <a:p>
+            <a:r>
+              <a:rPr lang="en-IN" sz="900" b="0" dirty="0">
+                <a:solidFill>
+                  <a:schemeClr val="tx1"/>
+                </a:solidFill>
+                <a:effectLst/>
+                <a:latin typeface="Consolas" panose="020B0609020204030204" pitchFamily="49" charset="0"/>
+              </a:rPr>
+              <a:t>#include &lt;iostream&gt;</a:t>
+            </a:r>
+          </a:p>
+          <a:p>
+            <a:r>
+              <a:rPr lang="en-IN" sz="900" b="0" dirty="0">
+                <a:solidFill>
+                  <a:schemeClr val="tx1"/>
+                </a:solidFill>
+                <a:effectLst/>
+                <a:latin typeface="Consolas" panose="020B0609020204030204" pitchFamily="49" charset="0"/>
+              </a:rPr>
+              <a:t>#include &lt;</a:t>
+            </a:r>
+            <a:r>
+              <a:rPr lang="en-IN" sz="900" b="0" dirty="0" err="1">
+                <a:solidFill>
+                  <a:schemeClr val="tx1"/>
+                </a:solidFill>
+                <a:effectLst/>
+                <a:latin typeface="Consolas" panose="020B0609020204030204" pitchFamily="49" charset="0"/>
+              </a:rPr>
+              <a:t>stdio.h</a:t>
+            </a:r>
+            <a:r>
+              <a:rPr lang="en-IN" sz="900" b="0" dirty="0">
+                <a:solidFill>
+                  <a:schemeClr val="tx1"/>
+                </a:solidFill>
+                <a:effectLst/>
+                <a:latin typeface="Consolas" panose="020B0609020204030204" pitchFamily="49" charset="0"/>
+              </a:rPr>
+              <a:t>&gt;</a:t>
+            </a:r>
+          </a:p>
+          <a:p>
+            <a:r>
+              <a:rPr lang="en-IN" sz="900" b="0" dirty="0">
+                <a:solidFill>
+                  <a:schemeClr val="tx1"/>
+                </a:solidFill>
+                <a:effectLst/>
+                <a:latin typeface="Consolas" panose="020B0609020204030204" pitchFamily="49" charset="0"/>
+              </a:rPr>
+              <a:t>#include &lt;vector&gt;</a:t>
+            </a:r>
+          </a:p>
+          <a:p>
+            <a:r>
+              <a:rPr lang="en-IN" sz="900" b="0" dirty="0">
+                <a:solidFill>
+                  <a:schemeClr val="tx1"/>
+                </a:solidFill>
+                <a:effectLst/>
+                <a:latin typeface="Consolas" panose="020B0609020204030204" pitchFamily="49" charset="0"/>
+              </a:rPr>
+              <a:t>using namespace std;</a:t>
+            </a:r>
+          </a:p>
+          <a:p>
+            <a:r>
+              <a:rPr lang="en-IN" sz="900" b="0" dirty="0">
+                <a:solidFill>
+                  <a:schemeClr val="tx1"/>
+                </a:solidFill>
+                <a:effectLst/>
+                <a:latin typeface="Consolas" panose="020B0609020204030204" pitchFamily="49" charset="0"/>
+              </a:rPr>
+              <a:t>class regression {</a:t>
+            </a:r>
+          </a:p>
+          <a:p>
+            <a:r>
+              <a:rPr lang="en-IN" sz="900" b="0" dirty="0">
+                <a:solidFill>
+                  <a:schemeClr val="tx1"/>
+                </a:solidFill>
+                <a:effectLst/>
+                <a:latin typeface="Consolas" panose="020B0609020204030204" pitchFamily="49" charset="0"/>
+              </a:rPr>
+              <a:t>    vector&lt;float&gt; x;</a:t>
+            </a:r>
+            <a:br>
+              <a:rPr lang="en-IN" sz="900" b="0" dirty="0">
+                <a:solidFill>
+                  <a:schemeClr val="tx1"/>
+                </a:solidFill>
+                <a:effectLst/>
+                <a:latin typeface="Consolas" panose="020B0609020204030204" pitchFamily="49" charset="0"/>
+              </a:rPr>
+            </a:br>
+            <a:r>
+              <a:rPr lang="en-IN" sz="900" b="0" dirty="0">
+                <a:solidFill>
+                  <a:schemeClr val="tx1"/>
+                </a:solidFill>
+                <a:effectLst/>
+                <a:latin typeface="Consolas" panose="020B0609020204030204" pitchFamily="49" charset="0"/>
+              </a:rPr>
+              <a:t>    vector&lt;float&gt; y;</a:t>
+            </a:r>
+            <a:br>
+              <a:rPr lang="en-IN" sz="900" b="0" dirty="0">
+                <a:solidFill>
+                  <a:schemeClr val="tx1"/>
+                </a:solidFill>
+                <a:effectLst/>
+                <a:latin typeface="Consolas" panose="020B0609020204030204" pitchFamily="49" charset="0"/>
+              </a:rPr>
+            </a:br>
+            <a:r>
+              <a:rPr lang="en-IN" sz="900" b="0" dirty="0">
+                <a:solidFill>
+                  <a:schemeClr val="tx1"/>
+                </a:solidFill>
+                <a:effectLst/>
+                <a:latin typeface="Consolas" panose="020B0609020204030204" pitchFamily="49" charset="0"/>
+              </a:rPr>
+              <a:t>    float </a:t>
+            </a:r>
+            <a:r>
+              <a:rPr lang="en-IN" sz="900" b="0" dirty="0" err="1">
+                <a:solidFill>
+                  <a:schemeClr val="tx1"/>
+                </a:solidFill>
+                <a:effectLst/>
+                <a:latin typeface="Consolas" panose="020B0609020204030204" pitchFamily="49" charset="0"/>
+              </a:rPr>
+              <a:t>coeff</a:t>
+            </a:r>
+            <a:r>
+              <a:rPr lang="en-IN" sz="900" b="0" dirty="0">
+                <a:solidFill>
+                  <a:schemeClr val="tx1"/>
+                </a:solidFill>
+                <a:effectLst/>
+                <a:latin typeface="Consolas" panose="020B0609020204030204" pitchFamily="49" charset="0"/>
+              </a:rPr>
+              <a:t>;</a:t>
+            </a:r>
+            <a:br>
+              <a:rPr lang="en-IN" sz="900" b="0" dirty="0">
+                <a:solidFill>
+                  <a:schemeClr val="tx1"/>
+                </a:solidFill>
+                <a:effectLst/>
+                <a:latin typeface="Consolas" panose="020B0609020204030204" pitchFamily="49" charset="0"/>
+              </a:rPr>
+            </a:br>
+            <a:r>
+              <a:rPr lang="en-IN" sz="900" b="0" dirty="0">
+                <a:solidFill>
+                  <a:schemeClr val="tx1"/>
+                </a:solidFill>
+                <a:effectLst/>
+                <a:latin typeface="Consolas" panose="020B0609020204030204" pitchFamily="49" charset="0"/>
+              </a:rPr>
+              <a:t>    float </a:t>
+            </a:r>
+            <a:r>
+              <a:rPr lang="en-IN" sz="900" b="0" dirty="0" err="1">
+                <a:solidFill>
+                  <a:schemeClr val="tx1"/>
+                </a:solidFill>
+                <a:effectLst/>
+                <a:latin typeface="Consolas" panose="020B0609020204030204" pitchFamily="49" charset="0"/>
+              </a:rPr>
+              <a:t>constTerm</a:t>
+            </a:r>
+            <a:r>
+              <a:rPr lang="en-IN" sz="900" b="0" dirty="0">
+                <a:solidFill>
+                  <a:schemeClr val="tx1"/>
+                </a:solidFill>
+                <a:effectLst/>
+                <a:latin typeface="Consolas" panose="020B0609020204030204" pitchFamily="49" charset="0"/>
+              </a:rPr>
+              <a:t>;</a:t>
+            </a:r>
+            <a:br>
+              <a:rPr lang="en-IN" sz="900" b="0" dirty="0">
+                <a:solidFill>
+                  <a:schemeClr val="tx1"/>
+                </a:solidFill>
+                <a:effectLst/>
+                <a:latin typeface="Consolas" panose="020B0609020204030204" pitchFamily="49" charset="0"/>
+              </a:rPr>
+            </a:br>
+            <a:r>
+              <a:rPr lang="en-IN" sz="900" b="0" dirty="0">
+                <a:solidFill>
+                  <a:schemeClr val="tx1"/>
+                </a:solidFill>
+                <a:effectLst/>
+                <a:latin typeface="Consolas" panose="020B0609020204030204" pitchFamily="49" charset="0"/>
+              </a:rPr>
+              <a:t>    float </a:t>
+            </a:r>
+            <a:r>
+              <a:rPr lang="en-IN" sz="900" b="0" dirty="0" err="1">
+                <a:solidFill>
+                  <a:schemeClr val="tx1"/>
+                </a:solidFill>
+                <a:effectLst/>
+                <a:latin typeface="Consolas" panose="020B0609020204030204" pitchFamily="49" charset="0"/>
+              </a:rPr>
+              <a:t>sum_xy</a:t>
+            </a:r>
+            <a:r>
+              <a:rPr lang="en-IN" sz="900" b="0" dirty="0">
+                <a:solidFill>
+                  <a:schemeClr val="tx1"/>
+                </a:solidFill>
+                <a:effectLst/>
+                <a:latin typeface="Consolas" panose="020B0609020204030204" pitchFamily="49" charset="0"/>
+              </a:rPr>
+              <a:t>;</a:t>
+            </a:r>
+          </a:p>
+          <a:p>
+            <a:r>
+              <a:rPr lang="en-IN" sz="900" b="0" dirty="0">
+                <a:solidFill>
+                  <a:schemeClr val="tx1"/>
+                </a:solidFill>
+                <a:effectLst/>
+                <a:latin typeface="Consolas" panose="020B0609020204030204" pitchFamily="49" charset="0"/>
+              </a:rPr>
+              <a:t>    float </a:t>
+            </a:r>
+            <a:r>
+              <a:rPr lang="en-IN" sz="900" b="0" dirty="0" err="1">
+                <a:solidFill>
+                  <a:schemeClr val="tx1"/>
+                </a:solidFill>
+                <a:effectLst/>
+                <a:latin typeface="Consolas" panose="020B0609020204030204" pitchFamily="49" charset="0"/>
+              </a:rPr>
+              <a:t>sum_x</a:t>
+            </a:r>
+            <a:r>
+              <a:rPr lang="en-IN" sz="900" b="0" dirty="0">
+                <a:solidFill>
+                  <a:schemeClr val="tx1"/>
+                </a:solidFill>
+                <a:effectLst/>
+                <a:latin typeface="Consolas" panose="020B0609020204030204" pitchFamily="49" charset="0"/>
+              </a:rPr>
+              <a:t>;</a:t>
+            </a:r>
+          </a:p>
+          <a:p>
+            <a:r>
+              <a:rPr lang="en-IN" sz="900" b="0" dirty="0">
+                <a:solidFill>
+                  <a:schemeClr val="tx1"/>
+                </a:solidFill>
+                <a:effectLst/>
+                <a:latin typeface="Consolas" panose="020B0609020204030204" pitchFamily="49" charset="0"/>
+              </a:rPr>
+              <a:t>    float </a:t>
+            </a:r>
+            <a:r>
+              <a:rPr lang="en-IN" sz="900" b="0" dirty="0" err="1">
+                <a:solidFill>
+                  <a:schemeClr val="tx1"/>
+                </a:solidFill>
+                <a:effectLst/>
+                <a:latin typeface="Consolas" panose="020B0609020204030204" pitchFamily="49" charset="0"/>
+              </a:rPr>
+              <a:t>sum_y</a:t>
+            </a:r>
+            <a:r>
+              <a:rPr lang="en-IN" sz="900" b="0" dirty="0">
+                <a:solidFill>
+                  <a:schemeClr val="tx1"/>
+                </a:solidFill>
+                <a:effectLst/>
+                <a:latin typeface="Consolas" panose="020B0609020204030204" pitchFamily="49" charset="0"/>
+              </a:rPr>
+              <a:t>;</a:t>
+            </a:r>
+          </a:p>
+          <a:p>
+            <a:r>
+              <a:rPr lang="en-IN" sz="900" b="0" dirty="0">
+                <a:solidFill>
+                  <a:schemeClr val="tx1"/>
+                </a:solidFill>
+                <a:effectLst/>
+                <a:latin typeface="Consolas" panose="020B0609020204030204" pitchFamily="49" charset="0"/>
+              </a:rPr>
+              <a:t>    float </a:t>
+            </a:r>
+            <a:r>
+              <a:rPr lang="en-IN" sz="900" b="0" dirty="0" err="1">
+                <a:solidFill>
+                  <a:schemeClr val="tx1"/>
+                </a:solidFill>
+                <a:effectLst/>
+                <a:latin typeface="Consolas" panose="020B0609020204030204" pitchFamily="49" charset="0"/>
+              </a:rPr>
+              <a:t>sum_x_square</a:t>
+            </a:r>
+            <a:r>
+              <a:rPr lang="en-IN" sz="900" b="0" dirty="0">
+                <a:solidFill>
+                  <a:schemeClr val="tx1"/>
+                </a:solidFill>
+                <a:effectLst/>
+                <a:latin typeface="Consolas" panose="020B0609020204030204" pitchFamily="49" charset="0"/>
+              </a:rPr>
+              <a:t>;</a:t>
+            </a:r>
+          </a:p>
+          <a:p>
+            <a:r>
+              <a:rPr lang="en-IN" sz="900" b="0" dirty="0">
+                <a:solidFill>
+                  <a:schemeClr val="tx1"/>
+                </a:solidFill>
+                <a:effectLst/>
+                <a:latin typeface="Consolas" panose="020B0609020204030204" pitchFamily="49" charset="0"/>
+              </a:rPr>
+              <a:t>    float </a:t>
+            </a:r>
+            <a:r>
+              <a:rPr lang="en-IN" sz="900" b="0" dirty="0" err="1">
+                <a:solidFill>
+                  <a:schemeClr val="tx1"/>
+                </a:solidFill>
+                <a:effectLst/>
+                <a:latin typeface="Consolas" panose="020B0609020204030204" pitchFamily="49" charset="0"/>
+              </a:rPr>
+              <a:t>sum_y_square</a:t>
+            </a:r>
+            <a:r>
+              <a:rPr lang="en-IN" sz="900" b="0" dirty="0">
+                <a:solidFill>
+                  <a:schemeClr val="tx1"/>
+                </a:solidFill>
+                <a:effectLst/>
+                <a:latin typeface="Consolas" panose="020B0609020204030204" pitchFamily="49" charset="0"/>
+              </a:rPr>
+              <a:t>;</a:t>
+            </a:r>
+          </a:p>
+          <a:p>
+            <a:r>
+              <a:rPr lang="en-IN" sz="900" b="0" dirty="0">
+                <a:solidFill>
+                  <a:schemeClr val="tx1"/>
+                </a:solidFill>
+                <a:effectLst/>
+                <a:latin typeface="Consolas" panose="020B0609020204030204" pitchFamily="49" charset="0"/>
+              </a:rPr>
+              <a:t>public:</a:t>
+            </a:r>
+          </a:p>
+          <a:p>
+            <a:r>
+              <a:rPr lang="en-IN" sz="900" b="0" dirty="0">
+                <a:solidFill>
+                  <a:schemeClr val="tx1"/>
+                </a:solidFill>
+                <a:effectLst/>
+                <a:latin typeface="Consolas" panose="020B0609020204030204" pitchFamily="49" charset="0"/>
+              </a:rPr>
+              <a:t>    regression()</a:t>
+            </a:r>
+          </a:p>
+          <a:p>
+            <a:r>
+              <a:rPr lang="en-IN" sz="900" b="0" dirty="0">
+                <a:solidFill>
+                  <a:schemeClr val="tx1"/>
+                </a:solidFill>
+                <a:effectLst/>
+                <a:latin typeface="Consolas" panose="020B0609020204030204" pitchFamily="49" charset="0"/>
+              </a:rPr>
+              <a:t>    {</a:t>
+            </a:r>
+          </a:p>
+          <a:p>
+            <a:r>
+              <a:rPr lang="en-IN" sz="900" b="0" dirty="0">
+                <a:solidFill>
+                  <a:schemeClr val="tx1"/>
+                </a:solidFill>
+                <a:effectLst/>
+                <a:latin typeface="Consolas" panose="020B0609020204030204" pitchFamily="49" charset="0"/>
+              </a:rPr>
+              <a:t>        </a:t>
+            </a:r>
+            <a:r>
+              <a:rPr lang="en-IN" sz="900" b="0" dirty="0" err="1">
+                <a:solidFill>
+                  <a:schemeClr val="tx1"/>
+                </a:solidFill>
+                <a:effectLst/>
+                <a:latin typeface="Consolas" panose="020B0609020204030204" pitchFamily="49" charset="0"/>
+              </a:rPr>
+              <a:t>coeff</a:t>
+            </a:r>
+            <a:r>
+              <a:rPr lang="en-IN" sz="900" b="0" dirty="0">
+                <a:solidFill>
+                  <a:schemeClr val="tx1"/>
+                </a:solidFill>
+                <a:effectLst/>
+                <a:latin typeface="Consolas" panose="020B0609020204030204" pitchFamily="49" charset="0"/>
+              </a:rPr>
+              <a:t> = 0;</a:t>
+            </a:r>
+          </a:p>
+          <a:p>
+            <a:r>
+              <a:rPr lang="en-IN" sz="900" b="0" dirty="0">
+                <a:solidFill>
+                  <a:schemeClr val="tx1"/>
+                </a:solidFill>
+                <a:effectLst/>
+                <a:latin typeface="Consolas" panose="020B0609020204030204" pitchFamily="49" charset="0"/>
+              </a:rPr>
+              <a:t>        </a:t>
+            </a:r>
+            <a:r>
+              <a:rPr lang="en-IN" sz="900" b="0" dirty="0" err="1">
+                <a:solidFill>
+                  <a:schemeClr val="tx1"/>
+                </a:solidFill>
+                <a:effectLst/>
+                <a:latin typeface="Consolas" panose="020B0609020204030204" pitchFamily="49" charset="0"/>
+              </a:rPr>
+              <a:t>constTerm</a:t>
+            </a:r>
+            <a:r>
+              <a:rPr lang="en-IN" sz="900" b="0" dirty="0">
+                <a:solidFill>
+                  <a:schemeClr val="tx1"/>
+                </a:solidFill>
+                <a:effectLst/>
+                <a:latin typeface="Consolas" panose="020B0609020204030204" pitchFamily="49" charset="0"/>
+              </a:rPr>
+              <a:t> = 0;</a:t>
+            </a:r>
+          </a:p>
+          <a:p>
+            <a:r>
+              <a:rPr lang="en-IN" sz="900" b="0" dirty="0">
+                <a:solidFill>
+                  <a:schemeClr val="tx1"/>
+                </a:solidFill>
+                <a:effectLst/>
+                <a:latin typeface="Consolas" panose="020B0609020204030204" pitchFamily="49" charset="0"/>
+              </a:rPr>
+              <a:t>        </a:t>
+            </a:r>
+            <a:r>
+              <a:rPr lang="en-IN" sz="900" b="0" dirty="0" err="1">
+                <a:solidFill>
+                  <a:schemeClr val="tx1"/>
+                </a:solidFill>
+                <a:effectLst/>
+                <a:latin typeface="Consolas" panose="020B0609020204030204" pitchFamily="49" charset="0"/>
+              </a:rPr>
+              <a:t>sum_y</a:t>
+            </a:r>
+            <a:r>
+              <a:rPr lang="en-IN" sz="900" b="0" dirty="0">
+                <a:solidFill>
+                  <a:schemeClr val="tx1"/>
+                </a:solidFill>
+                <a:effectLst/>
+                <a:latin typeface="Consolas" panose="020B0609020204030204" pitchFamily="49" charset="0"/>
+              </a:rPr>
+              <a:t> = 0;</a:t>
+            </a:r>
+          </a:p>
+          <a:p>
+            <a:r>
+              <a:rPr lang="en-IN" sz="900" b="0" dirty="0">
+                <a:solidFill>
+                  <a:schemeClr val="tx1"/>
+                </a:solidFill>
+                <a:effectLst/>
+                <a:latin typeface="Consolas" panose="020B0609020204030204" pitchFamily="49" charset="0"/>
+              </a:rPr>
+              <a:t>        </a:t>
+            </a:r>
+            <a:r>
+              <a:rPr lang="en-IN" sz="900" b="0" dirty="0" err="1">
+                <a:solidFill>
+                  <a:schemeClr val="tx1"/>
+                </a:solidFill>
+                <a:effectLst/>
+                <a:latin typeface="Consolas" panose="020B0609020204030204" pitchFamily="49" charset="0"/>
+              </a:rPr>
+              <a:t>sum_y_square</a:t>
+            </a:r>
+            <a:r>
+              <a:rPr lang="en-IN" sz="900" b="0" dirty="0">
+                <a:solidFill>
+                  <a:schemeClr val="tx1"/>
+                </a:solidFill>
+                <a:effectLst/>
+                <a:latin typeface="Consolas" panose="020B0609020204030204" pitchFamily="49" charset="0"/>
+              </a:rPr>
+              <a:t> = 0;</a:t>
+            </a:r>
+          </a:p>
+          <a:p>
+            <a:r>
+              <a:rPr lang="en-IN" sz="900" b="0" dirty="0">
+                <a:solidFill>
+                  <a:schemeClr val="tx1"/>
+                </a:solidFill>
+                <a:effectLst/>
+                <a:latin typeface="Consolas" panose="020B0609020204030204" pitchFamily="49" charset="0"/>
+              </a:rPr>
+              <a:t>        </a:t>
+            </a:r>
+            <a:r>
+              <a:rPr lang="en-IN" sz="900" b="0" dirty="0" err="1">
+                <a:solidFill>
+                  <a:schemeClr val="tx1"/>
+                </a:solidFill>
+                <a:effectLst/>
+                <a:latin typeface="Consolas" panose="020B0609020204030204" pitchFamily="49" charset="0"/>
+              </a:rPr>
+              <a:t>sum_x_square</a:t>
+            </a:r>
+            <a:r>
+              <a:rPr lang="en-IN" sz="900" b="0" dirty="0">
+                <a:solidFill>
+                  <a:schemeClr val="tx1"/>
+                </a:solidFill>
+                <a:effectLst/>
+                <a:latin typeface="Consolas" panose="020B0609020204030204" pitchFamily="49" charset="0"/>
+              </a:rPr>
+              <a:t> = 0;</a:t>
+            </a:r>
+          </a:p>
+          <a:p>
+            <a:r>
+              <a:rPr lang="en-IN" sz="900" b="0" dirty="0">
+                <a:solidFill>
+                  <a:schemeClr val="tx1"/>
+                </a:solidFill>
+                <a:effectLst/>
+                <a:latin typeface="Consolas" panose="020B0609020204030204" pitchFamily="49" charset="0"/>
+              </a:rPr>
+              <a:t>        </a:t>
+            </a:r>
+            <a:r>
+              <a:rPr lang="en-IN" sz="900" b="0" dirty="0" err="1">
+                <a:solidFill>
+                  <a:schemeClr val="tx1"/>
+                </a:solidFill>
+                <a:effectLst/>
+                <a:latin typeface="Consolas" panose="020B0609020204030204" pitchFamily="49" charset="0"/>
+              </a:rPr>
+              <a:t>sum_x</a:t>
+            </a:r>
+            <a:r>
+              <a:rPr lang="en-IN" sz="900" b="0" dirty="0">
+                <a:solidFill>
+                  <a:schemeClr val="tx1"/>
+                </a:solidFill>
+                <a:effectLst/>
+                <a:latin typeface="Consolas" panose="020B0609020204030204" pitchFamily="49" charset="0"/>
+              </a:rPr>
+              <a:t> = 0;</a:t>
+            </a:r>
+          </a:p>
+          <a:p>
+            <a:r>
+              <a:rPr lang="en-IN" sz="900" b="0" dirty="0">
+                <a:solidFill>
+                  <a:schemeClr val="tx1"/>
+                </a:solidFill>
+                <a:effectLst/>
+                <a:latin typeface="Consolas" panose="020B0609020204030204" pitchFamily="49" charset="0"/>
+              </a:rPr>
+              <a:t>        </a:t>
+            </a:r>
+            <a:r>
+              <a:rPr lang="en-IN" sz="900" b="0" dirty="0" err="1">
+                <a:solidFill>
+                  <a:schemeClr val="tx1"/>
+                </a:solidFill>
+                <a:effectLst/>
+                <a:latin typeface="Consolas" panose="020B0609020204030204" pitchFamily="49" charset="0"/>
+              </a:rPr>
+              <a:t>sum_xy</a:t>
+            </a:r>
+            <a:r>
+              <a:rPr lang="en-IN" sz="900" b="0" dirty="0">
+                <a:solidFill>
+                  <a:schemeClr val="tx1"/>
+                </a:solidFill>
+                <a:effectLst/>
+                <a:latin typeface="Consolas" panose="020B0609020204030204" pitchFamily="49" charset="0"/>
+              </a:rPr>
+              <a:t> = 0;</a:t>
+            </a:r>
+          </a:p>
+          <a:p>
+            <a:r>
+              <a:rPr lang="en-IN" sz="900" b="0" dirty="0">
+                <a:solidFill>
+                  <a:schemeClr val="tx1"/>
+                </a:solidFill>
+                <a:effectLst/>
+                <a:latin typeface="Consolas" panose="020B0609020204030204" pitchFamily="49" charset="0"/>
+              </a:rPr>
+              <a:t>    }</a:t>
+            </a:r>
+          </a:p>
+          <a:p>
+            <a:br>
+              <a:rPr lang="en-IN" sz="900" b="0" dirty="0">
+                <a:solidFill>
+                  <a:schemeClr val="tx1"/>
+                </a:solidFill>
+                <a:effectLst/>
+                <a:latin typeface="Consolas" panose="020B0609020204030204" pitchFamily="49" charset="0"/>
+              </a:rPr>
+            </a:br>
+            <a:r>
+              <a:rPr lang="en-IN" sz="900" b="0" dirty="0">
+                <a:solidFill>
+                  <a:schemeClr val="tx1"/>
+                </a:solidFill>
+                <a:effectLst/>
+                <a:latin typeface="Consolas" panose="020B0609020204030204" pitchFamily="49" charset="0"/>
+              </a:rPr>
+              <a:t>    void </a:t>
+            </a:r>
+            <a:r>
+              <a:rPr lang="en-IN" sz="900" b="0" dirty="0" err="1">
+                <a:solidFill>
+                  <a:schemeClr val="tx1"/>
+                </a:solidFill>
+                <a:effectLst/>
+                <a:latin typeface="Consolas" panose="020B0609020204030204" pitchFamily="49" charset="0"/>
+              </a:rPr>
+              <a:t>calculateCoefficient</a:t>
+            </a:r>
+            <a:r>
+              <a:rPr lang="en-IN" sz="900" b="0" dirty="0">
+                <a:solidFill>
+                  <a:schemeClr val="tx1"/>
+                </a:solidFill>
+                <a:effectLst/>
+                <a:latin typeface="Consolas" panose="020B0609020204030204" pitchFamily="49" charset="0"/>
+              </a:rPr>
+              <a:t>()</a:t>
+            </a:r>
+          </a:p>
+          <a:p>
+            <a:r>
+              <a:rPr lang="en-IN" sz="900" b="0" dirty="0">
+                <a:solidFill>
+                  <a:schemeClr val="tx1"/>
+                </a:solidFill>
+                <a:effectLst/>
+                <a:latin typeface="Consolas" panose="020B0609020204030204" pitchFamily="49" charset="0"/>
+              </a:rPr>
+              <a:t>    {</a:t>
+            </a:r>
+          </a:p>
+          <a:p>
+            <a:r>
+              <a:rPr lang="en-IN" sz="900" b="0" dirty="0">
+                <a:solidFill>
+                  <a:schemeClr val="tx1"/>
+                </a:solidFill>
+                <a:effectLst/>
+                <a:latin typeface="Consolas" panose="020B0609020204030204" pitchFamily="49" charset="0"/>
+              </a:rPr>
+              <a:t>        float N = </a:t>
+            </a:r>
+            <a:r>
+              <a:rPr lang="en-IN" sz="900" b="0" dirty="0" err="1">
+                <a:solidFill>
+                  <a:schemeClr val="tx1"/>
+                </a:solidFill>
+                <a:effectLst/>
+                <a:latin typeface="Consolas" panose="020B0609020204030204" pitchFamily="49" charset="0"/>
+              </a:rPr>
+              <a:t>x.size</a:t>
+            </a:r>
+            <a:r>
+              <a:rPr lang="en-IN" sz="900" b="0" dirty="0">
+                <a:solidFill>
+                  <a:schemeClr val="tx1"/>
+                </a:solidFill>
+                <a:effectLst/>
+                <a:latin typeface="Consolas" panose="020B0609020204030204" pitchFamily="49" charset="0"/>
+              </a:rPr>
+              <a:t>();</a:t>
+            </a:r>
+          </a:p>
+          <a:p>
+            <a:r>
+              <a:rPr lang="en-IN" sz="900" b="0" dirty="0">
+                <a:solidFill>
+                  <a:schemeClr val="tx1"/>
+                </a:solidFill>
+                <a:effectLst/>
+                <a:latin typeface="Consolas" panose="020B0609020204030204" pitchFamily="49" charset="0"/>
+              </a:rPr>
+              <a:t>        float numerator</a:t>
+            </a:r>
+          </a:p>
+          <a:p>
+            <a:r>
+              <a:rPr lang="en-IN" sz="900" b="0" dirty="0">
+                <a:solidFill>
+                  <a:schemeClr val="tx1"/>
+                </a:solidFill>
+                <a:effectLst/>
+                <a:latin typeface="Consolas" panose="020B0609020204030204" pitchFamily="49" charset="0"/>
+              </a:rPr>
+              <a:t>            = (N * </a:t>
+            </a:r>
+            <a:r>
+              <a:rPr lang="en-IN" sz="900" b="0" dirty="0" err="1">
+                <a:solidFill>
+                  <a:schemeClr val="tx1"/>
+                </a:solidFill>
+                <a:effectLst/>
+                <a:latin typeface="Consolas" panose="020B0609020204030204" pitchFamily="49" charset="0"/>
+              </a:rPr>
+              <a:t>sum_xy</a:t>
+            </a:r>
+            <a:r>
+              <a:rPr lang="en-IN" sz="900" b="0" dirty="0">
+                <a:solidFill>
+                  <a:schemeClr val="tx1"/>
+                </a:solidFill>
+                <a:effectLst/>
+                <a:latin typeface="Consolas" panose="020B0609020204030204" pitchFamily="49" charset="0"/>
+              </a:rPr>
+              <a:t> - </a:t>
+            </a:r>
+            <a:r>
+              <a:rPr lang="en-IN" sz="900" b="0" dirty="0" err="1">
+                <a:solidFill>
+                  <a:schemeClr val="tx1"/>
+                </a:solidFill>
+                <a:effectLst/>
+                <a:latin typeface="Consolas" panose="020B0609020204030204" pitchFamily="49" charset="0"/>
+              </a:rPr>
+              <a:t>sum_x</a:t>
+            </a:r>
+            <a:r>
+              <a:rPr lang="en-IN" sz="900" b="0" dirty="0">
+                <a:solidFill>
+                  <a:schemeClr val="tx1"/>
+                </a:solidFill>
+                <a:effectLst/>
+                <a:latin typeface="Consolas" panose="020B0609020204030204" pitchFamily="49" charset="0"/>
+              </a:rPr>
+              <a:t> * </a:t>
+            </a:r>
+            <a:r>
+              <a:rPr lang="en-IN" sz="900" b="0" dirty="0" err="1">
+                <a:solidFill>
+                  <a:schemeClr val="tx1"/>
+                </a:solidFill>
+                <a:effectLst/>
+                <a:latin typeface="Consolas" panose="020B0609020204030204" pitchFamily="49" charset="0"/>
+              </a:rPr>
+              <a:t>sum_y</a:t>
+            </a:r>
+            <a:r>
+              <a:rPr lang="en-IN" sz="900" b="0" dirty="0">
+                <a:solidFill>
+                  <a:schemeClr val="tx1"/>
+                </a:solidFill>
+                <a:effectLst/>
+                <a:latin typeface="Consolas" panose="020B0609020204030204" pitchFamily="49" charset="0"/>
+              </a:rPr>
+              <a:t>);</a:t>
+            </a:r>
+          </a:p>
+          <a:p>
+            <a:r>
+              <a:rPr lang="en-IN" sz="900" b="0" dirty="0">
+                <a:solidFill>
+                  <a:schemeClr val="tx1"/>
+                </a:solidFill>
+                <a:effectLst/>
+                <a:latin typeface="Consolas" panose="020B0609020204030204" pitchFamily="49" charset="0"/>
+              </a:rPr>
+              <a:t>        float denominator</a:t>
+            </a:r>
+          </a:p>
+          <a:p>
+            <a:r>
+              <a:rPr lang="en-IN" sz="900" b="0" dirty="0">
+                <a:solidFill>
+                  <a:schemeClr val="tx1"/>
+                </a:solidFill>
+                <a:effectLst/>
+                <a:latin typeface="Consolas" panose="020B0609020204030204" pitchFamily="49" charset="0"/>
+              </a:rPr>
+              <a:t>            = (N * </a:t>
+            </a:r>
+            <a:r>
+              <a:rPr lang="en-IN" sz="900" b="0" dirty="0" err="1">
+                <a:solidFill>
+                  <a:schemeClr val="tx1"/>
+                </a:solidFill>
+                <a:effectLst/>
+                <a:latin typeface="Consolas" panose="020B0609020204030204" pitchFamily="49" charset="0"/>
+              </a:rPr>
+              <a:t>sum_x_square</a:t>
+            </a:r>
+            <a:r>
+              <a:rPr lang="en-IN" sz="900" b="0" dirty="0">
+                <a:solidFill>
+                  <a:schemeClr val="tx1"/>
+                </a:solidFill>
+                <a:effectLst/>
+                <a:latin typeface="Consolas" panose="020B0609020204030204" pitchFamily="49" charset="0"/>
+              </a:rPr>
+              <a:t> - </a:t>
+            </a:r>
+            <a:r>
+              <a:rPr lang="en-IN" sz="900" b="0" dirty="0" err="1">
+                <a:solidFill>
+                  <a:schemeClr val="tx1"/>
+                </a:solidFill>
+                <a:effectLst/>
+                <a:latin typeface="Consolas" panose="020B0609020204030204" pitchFamily="49" charset="0"/>
+              </a:rPr>
+              <a:t>sum_x</a:t>
+            </a:r>
+            <a:r>
+              <a:rPr lang="en-IN" sz="900" b="0" dirty="0">
+                <a:solidFill>
+                  <a:schemeClr val="tx1"/>
+                </a:solidFill>
+                <a:effectLst/>
+                <a:latin typeface="Consolas" panose="020B0609020204030204" pitchFamily="49" charset="0"/>
+              </a:rPr>
+              <a:t> * </a:t>
+            </a:r>
+            <a:r>
+              <a:rPr lang="en-IN" sz="900" b="0" dirty="0" err="1">
+                <a:solidFill>
+                  <a:schemeClr val="tx1"/>
+                </a:solidFill>
+                <a:effectLst/>
+                <a:latin typeface="Consolas" panose="020B0609020204030204" pitchFamily="49" charset="0"/>
+              </a:rPr>
+              <a:t>sum_x</a:t>
+            </a:r>
+            <a:r>
+              <a:rPr lang="en-IN" sz="900" b="0" dirty="0">
+                <a:solidFill>
+                  <a:schemeClr val="tx1"/>
+                </a:solidFill>
+                <a:effectLst/>
+                <a:latin typeface="Consolas" panose="020B0609020204030204" pitchFamily="49" charset="0"/>
+              </a:rPr>
+              <a:t>);</a:t>
+            </a:r>
+          </a:p>
+          <a:p>
+            <a:r>
+              <a:rPr lang="en-IN" sz="900" b="0" dirty="0">
+                <a:solidFill>
+                  <a:schemeClr val="tx1"/>
+                </a:solidFill>
+                <a:effectLst/>
+                <a:latin typeface="Consolas" panose="020B0609020204030204" pitchFamily="49" charset="0"/>
+              </a:rPr>
+              <a:t>        </a:t>
+            </a:r>
+            <a:r>
+              <a:rPr lang="en-IN" sz="900" b="0" dirty="0" err="1">
+                <a:solidFill>
+                  <a:schemeClr val="tx1"/>
+                </a:solidFill>
+                <a:effectLst/>
+                <a:latin typeface="Consolas" panose="020B0609020204030204" pitchFamily="49" charset="0"/>
+              </a:rPr>
+              <a:t>coeff</a:t>
+            </a:r>
+            <a:r>
+              <a:rPr lang="en-IN" sz="900" b="0" dirty="0">
+                <a:solidFill>
+                  <a:schemeClr val="tx1"/>
+                </a:solidFill>
+                <a:effectLst/>
+                <a:latin typeface="Consolas" panose="020B0609020204030204" pitchFamily="49" charset="0"/>
+              </a:rPr>
+              <a:t> = numerator / denominator;</a:t>
+            </a:r>
+          </a:p>
+          <a:p>
+            <a:r>
+              <a:rPr lang="en-IN" sz="900" b="0" dirty="0">
+                <a:solidFill>
+                  <a:schemeClr val="tx1"/>
+                </a:solidFill>
+                <a:effectLst/>
+                <a:latin typeface="Consolas" panose="020B0609020204030204" pitchFamily="49" charset="0"/>
+              </a:rPr>
+              <a:t>    }</a:t>
+            </a:r>
+          </a:p>
+        </p:txBody>
+      </p:sp>
+      <p:sp>
+        <p:nvSpPr>
+          <p:cNvPr id="18" name="TextBox 17">
+            <a:extLst>
+              <a:ext uri="{FF2B5EF4-FFF2-40B4-BE49-F238E27FC236}">
+                <a16:creationId xmlns:a16="http://schemas.microsoft.com/office/drawing/2014/main" id="{B2376578-3B66-E79C-9113-537813830667}"/>
+              </a:ext>
+            </a:extLst>
+          </p:cNvPr>
+          <p:cNvSpPr txBox="1"/>
+          <p:nvPr/>
+        </p:nvSpPr>
+        <p:spPr>
+          <a:xfrm>
+            <a:off x="6096000" y="1161949"/>
+            <a:ext cx="6094428" cy="5216813"/>
+          </a:xfrm>
+          <a:prstGeom prst="rect">
+            <a:avLst/>
+          </a:prstGeom>
+          <a:noFill/>
+        </p:spPr>
+        <p:txBody>
+          <a:bodyPr wrap="square">
+            <a:spAutoFit/>
+          </a:bodyPr>
+          <a:lstStyle/>
+          <a:p>
+            <a:r>
+              <a:rPr lang="en-IN" sz="900" b="0" dirty="0">
+                <a:solidFill>
+                  <a:schemeClr val="tx1"/>
+                </a:solidFill>
+                <a:effectLst/>
+                <a:latin typeface="Consolas" panose="020B0609020204030204" pitchFamily="49" charset="0"/>
+              </a:rPr>
+              <a:t>    void </a:t>
+            </a:r>
+            <a:r>
+              <a:rPr lang="en-IN" sz="900" b="0" dirty="0" err="1">
+                <a:solidFill>
+                  <a:schemeClr val="tx1"/>
+                </a:solidFill>
+                <a:effectLst/>
+                <a:latin typeface="Consolas" panose="020B0609020204030204" pitchFamily="49" charset="0"/>
+              </a:rPr>
+              <a:t>calculateConstantTerm</a:t>
+            </a:r>
+            <a:r>
+              <a:rPr lang="en-IN" sz="900" b="0" dirty="0">
+                <a:solidFill>
+                  <a:schemeClr val="tx1"/>
+                </a:solidFill>
+                <a:effectLst/>
+                <a:latin typeface="Consolas" panose="020B0609020204030204" pitchFamily="49" charset="0"/>
+              </a:rPr>
+              <a:t>()</a:t>
+            </a:r>
+          </a:p>
+          <a:p>
+            <a:r>
+              <a:rPr lang="en-IN" sz="900" b="0" dirty="0">
+                <a:solidFill>
+                  <a:schemeClr val="tx1"/>
+                </a:solidFill>
+                <a:effectLst/>
+                <a:latin typeface="Consolas" panose="020B0609020204030204" pitchFamily="49" charset="0"/>
+              </a:rPr>
+              <a:t>    {</a:t>
+            </a:r>
+          </a:p>
+          <a:p>
+            <a:r>
+              <a:rPr lang="en-IN" sz="900" b="0" dirty="0">
+                <a:solidFill>
+                  <a:schemeClr val="tx1"/>
+                </a:solidFill>
+                <a:effectLst/>
+                <a:latin typeface="Consolas" panose="020B0609020204030204" pitchFamily="49" charset="0"/>
+              </a:rPr>
+              <a:t>        float N = </a:t>
+            </a:r>
+            <a:r>
+              <a:rPr lang="en-IN" sz="900" b="0" dirty="0" err="1">
+                <a:solidFill>
+                  <a:schemeClr val="tx1"/>
+                </a:solidFill>
+                <a:effectLst/>
+                <a:latin typeface="Consolas" panose="020B0609020204030204" pitchFamily="49" charset="0"/>
+              </a:rPr>
+              <a:t>x.size</a:t>
+            </a:r>
+            <a:r>
+              <a:rPr lang="en-IN" sz="900" b="0" dirty="0">
+                <a:solidFill>
+                  <a:schemeClr val="tx1"/>
+                </a:solidFill>
+                <a:effectLst/>
+                <a:latin typeface="Consolas" panose="020B0609020204030204" pitchFamily="49" charset="0"/>
+              </a:rPr>
+              <a:t>();</a:t>
+            </a:r>
+          </a:p>
+          <a:p>
+            <a:r>
+              <a:rPr lang="en-IN" sz="900" b="0" dirty="0">
+                <a:solidFill>
+                  <a:schemeClr val="tx1"/>
+                </a:solidFill>
+                <a:effectLst/>
+                <a:latin typeface="Consolas" panose="020B0609020204030204" pitchFamily="49" charset="0"/>
+              </a:rPr>
+              <a:t>        float numerator</a:t>
+            </a:r>
+          </a:p>
+          <a:p>
+            <a:r>
+              <a:rPr lang="en-IN" sz="900" b="0" dirty="0">
+                <a:solidFill>
+                  <a:schemeClr val="tx1"/>
+                </a:solidFill>
+                <a:effectLst/>
+                <a:latin typeface="Consolas" panose="020B0609020204030204" pitchFamily="49" charset="0"/>
+              </a:rPr>
+              <a:t>            = (</a:t>
+            </a:r>
+            <a:r>
+              <a:rPr lang="en-IN" sz="900" b="0" dirty="0" err="1">
+                <a:solidFill>
+                  <a:schemeClr val="tx1"/>
+                </a:solidFill>
+                <a:effectLst/>
+                <a:latin typeface="Consolas" panose="020B0609020204030204" pitchFamily="49" charset="0"/>
+              </a:rPr>
+              <a:t>sum_y</a:t>
+            </a:r>
+            <a:r>
+              <a:rPr lang="en-IN" sz="900" b="0" dirty="0">
+                <a:solidFill>
+                  <a:schemeClr val="tx1"/>
+                </a:solidFill>
+                <a:effectLst/>
+                <a:latin typeface="Consolas" panose="020B0609020204030204" pitchFamily="49" charset="0"/>
+              </a:rPr>
+              <a:t> * </a:t>
+            </a:r>
+            <a:r>
+              <a:rPr lang="en-IN" sz="900" b="0" dirty="0" err="1">
+                <a:solidFill>
+                  <a:schemeClr val="tx1"/>
+                </a:solidFill>
+                <a:effectLst/>
+                <a:latin typeface="Consolas" panose="020B0609020204030204" pitchFamily="49" charset="0"/>
+              </a:rPr>
+              <a:t>sum_x_square</a:t>
+            </a:r>
+            <a:r>
+              <a:rPr lang="en-IN" sz="900" b="0" dirty="0">
+                <a:solidFill>
+                  <a:schemeClr val="tx1"/>
+                </a:solidFill>
+                <a:effectLst/>
+                <a:latin typeface="Consolas" panose="020B0609020204030204" pitchFamily="49" charset="0"/>
+              </a:rPr>
+              <a:t> - </a:t>
+            </a:r>
+            <a:r>
+              <a:rPr lang="en-IN" sz="900" b="0" dirty="0" err="1">
+                <a:solidFill>
+                  <a:schemeClr val="tx1"/>
+                </a:solidFill>
+                <a:effectLst/>
+                <a:latin typeface="Consolas" panose="020B0609020204030204" pitchFamily="49" charset="0"/>
+              </a:rPr>
+              <a:t>sum_x</a:t>
+            </a:r>
+            <a:r>
+              <a:rPr lang="en-IN" sz="900" b="0" dirty="0">
+                <a:solidFill>
+                  <a:schemeClr val="tx1"/>
+                </a:solidFill>
+                <a:effectLst/>
+                <a:latin typeface="Consolas" panose="020B0609020204030204" pitchFamily="49" charset="0"/>
+              </a:rPr>
+              <a:t> * </a:t>
+            </a:r>
+            <a:r>
+              <a:rPr lang="en-IN" sz="900" b="0" dirty="0" err="1">
+                <a:solidFill>
+                  <a:schemeClr val="tx1"/>
+                </a:solidFill>
+                <a:effectLst/>
+                <a:latin typeface="Consolas" panose="020B0609020204030204" pitchFamily="49" charset="0"/>
+              </a:rPr>
+              <a:t>sum_xy</a:t>
+            </a:r>
+            <a:r>
+              <a:rPr lang="en-IN" sz="900" b="0" dirty="0">
+                <a:solidFill>
+                  <a:schemeClr val="tx1"/>
+                </a:solidFill>
+                <a:effectLst/>
+                <a:latin typeface="Consolas" panose="020B0609020204030204" pitchFamily="49" charset="0"/>
+              </a:rPr>
+              <a:t>);</a:t>
+            </a:r>
+          </a:p>
+          <a:p>
+            <a:r>
+              <a:rPr lang="en-IN" sz="900" b="0" dirty="0">
+                <a:solidFill>
+                  <a:schemeClr val="tx1"/>
+                </a:solidFill>
+                <a:effectLst/>
+                <a:latin typeface="Consolas" panose="020B0609020204030204" pitchFamily="49" charset="0"/>
+              </a:rPr>
+              <a:t>        float denominator</a:t>
+            </a:r>
+          </a:p>
+          <a:p>
+            <a:r>
+              <a:rPr lang="en-IN" sz="900" b="0" dirty="0">
+                <a:solidFill>
+                  <a:schemeClr val="tx1"/>
+                </a:solidFill>
+                <a:effectLst/>
+                <a:latin typeface="Consolas" panose="020B0609020204030204" pitchFamily="49" charset="0"/>
+              </a:rPr>
+              <a:t>            = (N * </a:t>
+            </a:r>
+            <a:r>
+              <a:rPr lang="en-IN" sz="900" b="0" dirty="0" err="1">
+                <a:solidFill>
+                  <a:schemeClr val="tx1"/>
+                </a:solidFill>
+                <a:effectLst/>
+                <a:latin typeface="Consolas" panose="020B0609020204030204" pitchFamily="49" charset="0"/>
+              </a:rPr>
+              <a:t>sum_x_square</a:t>
+            </a:r>
+            <a:r>
+              <a:rPr lang="en-IN" sz="900" b="0" dirty="0">
+                <a:solidFill>
+                  <a:schemeClr val="tx1"/>
+                </a:solidFill>
+                <a:effectLst/>
+                <a:latin typeface="Consolas" panose="020B0609020204030204" pitchFamily="49" charset="0"/>
+              </a:rPr>
+              <a:t> - </a:t>
+            </a:r>
+            <a:r>
+              <a:rPr lang="en-IN" sz="900" b="0" dirty="0" err="1">
+                <a:solidFill>
+                  <a:schemeClr val="tx1"/>
+                </a:solidFill>
+                <a:effectLst/>
+                <a:latin typeface="Consolas" panose="020B0609020204030204" pitchFamily="49" charset="0"/>
+              </a:rPr>
+              <a:t>sum_x</a:t>
+            </a:r>
+            <a:r>
+              <a:rPr lang="en-IN" sz="900" b="0" dirty="0">
+                <a:solidFill>
+                  <a:schemeClr val="tx1"/>
+                </a:solidFill>
+                <a:effectLst/>
+                <a:latin typeface="Consolas" panose="020B0609020204030204" pitchFamily="49" charset="0"/>
+              </a:rPr>
+              <a:t> * </a:t>
+            </a:r>
+            <a:r>
+              <a:rPr lang="en-IN" sz="900" b="0" dirty="0" err="1">
+                <a:solidFill>
+                  <a:schemeClr val="tx1"/>
+                </a:solidFill>
+                <a:effectLst/>
+                <a:latin typeface="Consolas" panose="020B0609020204030204" pitchFamily="49" charset="0"/>
+              </a:rPr>
+              <a:t>sum_x</a:t>
+            </a:r>
+            <a:r>
+              <a:rPr lang="en-IN" sz="900" b="0" dirty="0">
+                <a:solidFill>
+                  <a:schemeClr val="tx1"/>
+                </a:solidFill>
+                <a:effectLst/>
+                <a:latin typeface="Consolas" panose="020B0609020204030204" pitchFamily="49" charset="0"/>
+              </a:rPr>
+              <a:t>);</a:t>
+            </a:r>
+          </a:p>
+          <a:p>
+            <a:r>
+              <a:rPr lang="en-IN" sz="900" b="0" dirty="0">
+                <a:solidFill>
+                  <a:schemeClr val="tx1"/>
+                </a:solidFill>
+                <a:effectLst/>
+                <a:latin typeface="Consolas" panose="020B0609020204030204" pitchFamily="49" charset="0"/>
+              </a:rPr>
+              <a:t>        </a:t>
+            </a:r>
+            <a:r>
+              <a:rPr lang="en-IN" sz="900" b="0" dirty="0" err="1">
+                <a:solidFill>
+                  <a:schemeClr val="tx1"/>
+                </a:solidFill>
+                <a:effectLst/>
+                <a:latin typeface="Consolas" panose="020B0609020204030204" pitchFamily="49" charset="0"/>
+              </a:rPr>
+              <a:t>constTerm</a:t>
+            </a:r>
+            <a:r>
+              <a:rPr lang="en-IN" sz="900" b="0" dirty="0">
+                <a:solidFill>
+                  <a:schemeClr val="tx1"/>
+                </a:solidFill>
+                <a:effectLst/>
+                <a:latin typeface="Consolas" panose="020B0609020204030204" pitchFamily="49" charset="0"/>
+              </a:rPr>
+              <a:t> = numerator / denominator;</a:t>
+            </a:r>
+          </a:p>
+          <a:p>
+            <a:r>
+              <a:rPr lang="en-IN" sz="900" b="0" dirty="0">
+                <a:solidFill>
+                  <a:schemeClr val="tx1"/>
+                </a:solidFill>
+                <a:effectLst/>
+                <a:latin typeface="Consolas" panose="020B0609020204030204" pitchFamily="49" charset="0"/>
+              </a:rPr>
+              <a:t>    }</a:t>
+            </a:r>
+          </a:p>
+          <a:p>
+            <a:r>
+              <a:rPr lang="en-IN" sz="900" b="0" dirty="0">
+                <a:solidFill>
+                  <a:schemeClr val="tx1"/>
+                </a:solidFill>
+                <a:effectLst/>
+                <a:latin typeface="Consolas" panose="020B0609020204030204" pitchFamily="49" charset="0"/>
+              </a:rPr>
+              <a:t>    int </a:t>
+            </a:r>
+            <a:r>
+              <a:rPr lang="en-IN" sz="900" b="0" dirty="0" err="1">
+                <a:solidFill>
+                  <a:schemeClr val="tx1"/>
+                </a:solidFill>
+                <a:effectLst/>
+                <a:latin typeface="Consolas" panose="020B0609020204030204" pitchFamily="49" charset="0"/>
+              </a:rPr>
+              <a:t>sizeOfData</a:t>
+            </a:r>
+            <a:r>
+              <a:rPr lang="en-IN" sz="900" b="0" dirty="0">
+                <a:solidFill>
+                  <a:schemeClr val="tx1"/>
+                </a:solidFill>
+                <a:effectLst/>
+                <a:latin typeface="Consolas" panose="020B0609020204030204" pitchFamily="49" charset="0"/>
+              </a:rPr>
+              <a:t>()</a:t>
+            </a:r>
+          </a:p>
+          <a:p>
+            <a:r>
+              <a:rPr lang="en-IN" sz="900" b="0" dirty="0">
+                <a:solidFill>
+                  <a:schemeClr val="tx1"/>
+                </a:solidFill>
+                <a:effectLst/>
+                <a:latin typeface="Consolas" panose="020B0609020204030204" pitchFamily="49" charset="0"/>
+              </a:rPr>
+              <a:t>    {</a:t>
+            </a:r>
+          </a:p>
+          <a:p>
+            <a:r>
+              <a:rPr lang="en-IN" sz="900" b="0" dirty="0">
+                <a:solidFill>
+                  <a:schemeClr val="tx1"/>
+                </a:solidFill>
+                <a:effectLst/>
+                <a:latin typeface="Consolas" panose="020B0609020204030204" pitchFamily="49" charset="0"/>
+              </a:rPr>
+              <a:t>        return </a:t>
+            </a:r>
+            <a:r>
+              <a:rPr lang="en-IN" sz="900" b="0" dirty="0" err="1">
+                <a:solidFill>
+                  <a:schemeClr val="tx1"/>
+                </a:solidFill>
+                <a:effectLst/>
+                <a:latin typeface="Consolas" panose="020B0609020204030204" pitchFamily="49" charset="0"/>
+              </a:rPr>
+              <a:t>x.size</a:t>
+            </a:r>
+            <a:r>
+              <a:rPr lang="en-IN" sz="900" b="0" dirty="0">
+                <a:solidFill>
+                  <a:schemeClr val="tx1"/>
+                </a:solidFill>
+                <a:effectLst/>
+                <a:latin typeface="Consolas" panose="020B0609020204030204" pitchFamily="49" charset="0"/>
+              </a:rPr>
+              <a:t>();</a:t>
+            </a:r>
+          </a:p>
+          <a:p>
+            <a:r>
+              <a:rPr lang="en-IN" sz="900" b="0" dirty="0">
+                <a:solidFill>
+                  <a:schemeClr val="tx1"/>
+                </a:solidFill>
+                <a:effectLst/>
+                <a:latin typeface="Consolas" panose="020B0609020204030204" pitchFamily="49" charset="0"/>
+              </a:rPr>
+              <a:t>    }</a:t>
+            </a:r>
+          </a:p>
+          <a:p>
+            <a:br>
+              <a:rPr lang="en-IN" sz="900" b="0" dirty="0">
+                <a:solidFill>
+                  <a:schemeClr val="tx1"/>
+                </a:solidFill>
+                <a:effectLst/>
+                <a:latin typeface="Consolas" panose="020B0609020204030204" pitchFamily="49" charset="0"/>
+              </a:rPr>
+            </a:br>
+            <a:r>
+              <a:rPr lang="en-IN" sz="900" b="0" dirty="0">
+                <a:solidFill>
+                  <a:schemeClr val="tx1"/>
+                </a:solidFill>
+                <a:effectLst/>
+                <a:latin typeface="Consolas" panose="020B0609020204030204" pitchFamily="49" charset="0"/>
+              </a:rPr>
+              <a:t>    float coefficient()</a:t>
+            </a:r>
+          </a:p>
+          <a:p>
+            <a:r>
+              <a:rPr lang="en-IN" sz="900" b="0" dirty="0">
+                <a:solidFill>
+                  <a:schemeClr val="tx1"/>
+                </a:solidFill>
+                <a:effectLst/>
+                <a:latin typeface="Consolas" panose="020B0609020204030204" pitchFamily="49" charset="0"/>
+              </a:rPr>
+              <a:t>    {</a:t>
+            </a:r>
+          </a:p>
+          <a:p>
+            <a:r>
+              <a:rPr lang="en-IN" sz="900" b="0" dirty="0">
+                <a:solidFill>
+                  <a:schemeClr val="tx1"/>
+                </a:solidFill>
+                <a:effectLst/>
+                <a:latin typeface="Consolas" panose="020B0609020204030204" pitchFamily="49" charset="0"/>
+              </a:rPr>
+              <a:t>        if (</a:t>
+            </a:r>
+            <a:r>
+              <a:rPr lang="en-IN" sz="900" b="0" dirty="0" err="1">
+                <a:solidFill>
+                  <a:schemeClr val="tx1"/>
+                </a:solidFill>
+                <a:effectLst/>
+                <a:latin typeface="Consolas" panose="020B0609020204030204" pitchFamily="49" charset="0"/>
+              </a:rPr>
+              <a:t>coeff</a:t>
+            </a:r>
+            <a:r>
+              <a:rPr lang="en-IN" sz="900" b="0" dirty="0">
+                <a:solidFill>
+                  <a:schemeClr val="tx1"/>
+                </a:solidFill>
+                <a:effectLst/>
+                <a:latin typeface="Consolas" panose="020B0609020204030204" pitchFamily="49" charset="0"/>
+              </a:rPr>
+              <a:t> == 0)</a:t>
+            </a:r>
+          </a:p>
+          <a:p>
+            <a:r>
+              <a:rPr lang="en-IN" sz="900" b="0" dirty="0">
+                <a:solidFill>
+                  <a:schemeClr val="tx1"/>
+                </a:solidFill>
+                <a:effectLst/>
+                <a:latin typeface="Consolas" panose="020B0609020204030204" pitchFamily="49" charset="0"/>
+              </a:rPr>
+              <a:t>            </a:t>
+            </a:r>
+            <a:r>
+              <a:rPr lang="en-IN" sz="900" b="0" dirty="0" err="1">
+                <a:solidFill>
+                  <a:schemeClr val="tx1"/>
+                </a:solidFill>
+                <a:effectLst/>
+                <a:latin typeface="Consolas" panose="020B0609020204030204" pitchFamily="49" charset="0"/>
+              </a:rPr>
+              <a:t>calculateCoefficient</a:t>
+            </a:r>
+            <a:r>
+              <a:rPr lang="en-IN" sz="900" b="0" dirty="0">
+                <a:solidFill>
+                  <a:schemeClr val="tx1"/>
+                </a:solidFill>
+                <a:effectLst/>
+                <a:latin typeface="Consolas" panose="020B0609020204030204" pitchFamily="49" charset="0"/>
+              </a:rPr>
+              <a:t>();</a:t>
+            </a:r>
+          </a:p>
+          <a:p>
+            <a:r>
+              <a:rPr lang="en-IN" sz="900" b="0" dirty="0">
+                <a:solidFill>
+                  <a:schemeClr val="tx1"/>
+                </a:solidFill>
+                <a:effectLst/>
+                <a:latin typeface="Consolas" panose="020B0609020204030204" pitchFamily="49" charset="0"/>
+              </a:rPr>
+              <a:t>        return </a:t>
+            </a:r>
+            <a:r>
+              <a:rPr lang="en-IN" sz="900" b="0" dirty="0" err="1">
+                <a:solidFill>
+                  <a:schemeClr val="tx1"/>
+                </a:solidFill>
+                <a:effectLst/>
+                <a:latin typeface="Consolas" panose="020B0609020204030204" pitchFamily="49" charset="0"/>
+              </a:rPr>
+              <a:t>coeff</a:t>
+            </a:r>
+            <a:r>
+              <a:rPr lang="en-IN" sz="900" b="0" dirty="0">
+                <a:solidFill>
+                  <a:schemeClr val="tx1"/>
+                </a:solidFill>
+                <a:effectLst/>
+                <a:latin typeface="Consolas" panose="020B0609020204030204" pitchFamily="49" charset="0"/>
+              </a:rPr>
+              <a:t>;</a:t>
+            </a:r>
+          </a:p>
+          <a:p>
+            <a:r>
+              <a:rPr lang="en-IN" sz="900" b="0" dirty="0">
+                <a:solidFill>
+                  <a:schemeClr val="tx1"/>
+                </a:solidFill>
+                <a:effectLst/>
+                <a:latin typeface="Consolas" panose="020B0609020204030204" pitchFamily="49" charset="0"/>
+              </a:rPr>
+              <a:t>    }</a:t>
+            </a:r>
+          </a:p>
+          <a:p>
+            <a:br>
+              <a:rPr lang="en-IN" sz="900" b="0" dirty="0">
+                <a:solidFill>
+                  <a:schemeClr val="tx1"/>
+                </a:solidFill>
+                <a:effectLst/>
+                <a:latin typeface="Consolas" panose="020B0609020204030204" pitchFamily="49" charset="0"/>
+              </a:rPr>
+            </a:br>
+            <a:r>
+              <a:rPr lang="en-IN" sz="900" b="0" dirty="0">
+                <a:solidFill>
+                  <a:schemeClr val="tx1"/>
+                </a:solidFill>
+                <a:effectLst/>
+                <a:latin typeface="Consolas" panose="020B0609020204030204" pitchFamily="49" charset="0"/>
+              </a:rPr>
+              <a:t>    float constant()</a:t>
+            </a:r>
+          </a:p>
+          <a:p>
+            <a:r>
+              <a:rPr lang="en-IN" sz="900" b="0" dirty="0">
+                <a:solidFill>
+                  <a:schemeClr val="tx1"/>
+                </a:solidFill>
+                <a:effectLst/>
+                <a:latin typeface="Consolas" panose="020B0609020204030204" pitchFamily="49" charset="0"/>
+              </a:rPr>
+              <a:t>    {</a:t>
+            </a:r>
+          </a:p>
+          <a:p>
+            <a:r>
+              <a:rPr lang="en-IN" sz="900" b="0" dirty="0">
+                <a:solidFill>
+                  <a:schemeClr val="tx1"/>
+                </a:solidFill>
+                <a:effectLst/>
+                <a:latin typeface="Consolas" panose="020B0609020204030204" pitchFamily="49" charset="0"/>
+              </a:rPr>
+              <a:t>        if (</a:t>
+            </a:r>
+            <a:r>
+              <a:rPr lang="en-IN" sz="900" b="0" dirty="0" err="1">
+                <a:solidFill>
+                  <a:schemeClr val="tx1"/>
+                </a:solidFill>
+                <a:effectLst/>
+                <a:latin typeface="Consolas" panose="020B0609020204030204" pitchFamily="49" charset="0"/>
+              </a:rPr>
+              <a:t>constTerm</a:t>
+            </a:r>
+            <a:r>
+              <a:rPr lang="en-IN" sz="900" b="0" dirty="0">
+                <a:solidFill>
+                  <a:schemeClr val="tx1"/>
+                </a:solidFill>
+                <a:effectLst/>
+                <a:latin typeface="Consolas" panose="020B0609020204030204" pitchFamily="49" charset="0"/>
+              </a:rPr>
+              <a:t> == 0)</a:t>
+            </a:r>
+          </a:p>
+          <a:p>
+            <a:r>
+              <a:rPr lang="en-IN" sz="900" b="0" dirty="0">
+                <a:solidFill>
+                  <a:schemeClr val="tx1"/>
+                </a:solidFill>
+                <a:effectLst/>
+                <a:latin typeface="Consolas" panose="020B0609020204030204" pitchFamily="49" charset="0"/>
+              </a:rPr>
+              <a:t>            </a:t>
+            </a:r>
+            <a:r>
+              <a:rPr lang="en-IN" sz="900" b="0" dirty="0" err="1">
+                <a:solidFill>
+                  <a:schemeClr val="tx1"/>
+                </a:solidFill>
+                <a:effectLst/>
+                <a:latin typeface="Consolas" panose="020B0609020204030204" pitchFamily="49" charset="0"/>
+              </a:rPr>
+              <a:t>calculateConstantTerm</a:t>
+            </a:r>
+            <a:r>
+              <a:rPr lang="en-IN" sz="900" b="0" dirty="0">
+                <a:solidFill>
+                  <a:schemeClr val="tx1"/>
+                </a:solidFill>
+                <a:effectLst/>
+                <a:latin typeface="Consolas" panose="020B0609020204030204" pitchFamily="49" charset="0"/>
+              </a:rPr>
+              <a:t>();</a:t>
+            </a:r>
+          </a:p>
+          <a:p>
+            <a:r>
+              <a:rPr lang="en-IN" sz="900" b="0" dirty="0">
+                <a:solidFill>
+                  <a:schemeClr val="tx1"/>
+                </a:solidFill>
+                <a:effectLst/>
+                <a:latin typeface="Consolas" panose="020B0609020204030204" pitchFamily="49" charset="0"/>
+              </a:rPr>
+              <a:t>        return </a:t>
+            </a:r>
+            <a:r>
+              <a:rPr lang="en-IN" sz="900" b="0" dirty="0" err="1">
+                <a:solidFill>
+                  <a:schemeClr val="tx1"/>
+                </a:solidFill>
+                <a:effectLst/>
+                <a:latin typeface="Consolas" panose="020B0609020204030204" pitchFamily="49" charset="0"/>
+              </a:rPr>
+              <a:t>constTerm</a:t>
+            </a:r>
+            <a:r>
+              <a:rPr lang="en-IN" sz="900" b="0" dirty="0">
+                <a:solidFill>
+                  <a:schemeClr val="tx1"/>
+                </a:solidFill>
+                <a:effectLst/>
+                <a:latin typeface="Consolas" panose="020B0609020204030204" pitchFamily="49" charset="0"/>
+              </a:rPr>
+              <a:t>;</a:t>
+            </a:r>
+          </a:p>
+          <a:p>
+            <a:r>
+              <a:rPr lang="en-IN" sz="900" b="0" dirty="0">
+                <a:solidFill>
+                  <a:schemeClr val="tx1"/>
+                </a:solidFill>
+                <a:effectLst/>
+                <a:latin typeface="Consolas" panose="020B0609020204030204" pitchFamily="49" charset="0"/>
+              </a:rPr>
+              <a:t>    }</a:t>
+            </a:r>
+          </a:p>
+          <a:p>
+            <a:br>
+              <a:rPr lang="en-IN" sz="900" b="0" dirty="0">
+                <a:solidFill>
+                  <a:schemeClr val="tx1"/>
+                </a:solidFill>
+                <a:effectLst/>
+                <a:latin typeface="Consolas" panose="020B0609020204030204" pitchFamily="49" charset="0"/>
+              </a:rPr>
+            </a:br>
+            <a:r>
+              <a:rPr lang="en-IN" sz="900" b="0" dirty="0">
+                <a:solidFill>
+                  <a:schemeClr val="tx1"/>
+                </a:solidFill>
+                <a:effectLst/>
+                <a:latin typeface="Consolas" panose="020B0609020204030204" pitchFamily="49" charset="0"/>
+              </a:rPr>
+              <a:t>    void </a:t>
+            </a:r>
+            <a:r>
+              <a:rPr lang="en-IN" sz="900" b="0" dirty="0" err="1">
+                <a:solidFill>
+                  <a:schemeClr val="tx1"/>
+                </a:solidFill>
+                <a:effectLst/>
+                <a:latin typeface="Consolas" panose="020B0609020204030204" pitchFamily="49" charset="0"/>
+              </a:rPr>
+              <a:t>PrintBestFittingLine</a:t>
+            </a:r>
+            <a:r>
+              <a:rPr lang="en-IN" sz="900" b="0" dirty="0">
+                <a:solidFill>
+                  <a:schemeClr val="tx1"/>
+                </a:solidFill>
+                <a:effectLst/>
+                <a:latin typeface="Consolas" panose="020B0609020204030204" pitchFamily="49" charset="0"/>
+              </a:rPr>
+              <a:t>()</a:t>
+            </a:r>
+          </a:p>
+          <a:p>
+            <a:r>
+              <a:rPr lang="en-IN" sz="900" b="0" dirty="0">
+                <a:solidFill>
+                  <a:schemeClr val="tx1"/>
+                </a:solidFill>
+                <a:effectLst/>
+                <a:latin typeface="Consolas" panose="020B0609020204030204" pitchFamily="49" charset="0"/>
+              </a:rPr>
+              <a:t>    {</a:t>
+            </a:r>
+          </a:p>
+          <a:p>
+            <a:r>
+              <a:rPr lang="en-IN" sz="900" b="0" dirty="0">
+                <a:solidFill>
+                  <a:schemeClr val="tx1"/>
+                </a:solidFill>
+                <a:effectLst/>
+                <a:latin typeface="Consolas" panose="020B0609020204030204" pitchFamily="49" charset="0"/>
+              </a:rPr>
+              <a:t>        if (</a:t>
+            </a:r>
+            <a:r>
+              <a:rPr lang="en-IN" sz="900" b="0" dirty="0" err="1">
+                <a:solidFill>
+                  <a:schemeClr val="tx1"/>
+                </a:solidFill>
+                <a:effectLst/>
+                <a:latin typeface="Consolas" panose="020B0609020204030204" pitchFamily="49" charset="0"/>
+              </a:rPr>
+              <a:t>coeff</a:t>
+            </a:r>
+            <a:r>
+              <a:rPr lang="en-IN" sz="900" b="0" dirty="0">
+                <a:solidFill>
+                  <a:schemeClr val="tx1"/>
+                </a:solidFill>
+                <a:effectLst/>
+                <a:latin typeface="Consolas" panose="020B0609020204030204" pitchFamily="49" charset="0"/>
+              </a:rPr>
+              <a:t> == 0 &amp;&amp; </a:t>
+            </a:r>
+            <a:r>
+              <a:rPr lang="en-IN" sz="900" b="0" dirty="0" err="1">
+                <a:solidFill>
+                  <a:schemeClr val="tx1"/>
+                </a:solidFill>
+                <a:effectLst/>
+                <a:latin typeface="Consolas" panose="020B0609020204030204" pitchFamily="49" charset="0"/>
+              </a:rPr>
+              <a:t>constTerm</a:t>
+            </a:r>
+            <a:r>
+              <a:rPr lang="en-IN" sz="900" b="0" dirty="0">
+                <a:solidFill>
+                  <a:schemeClr val="tx1"/>
+                </a:solidFill>
+                <a:effectLst/>
+                <a:latin typeface="Consolas" panose="020B0609020204030204" pitchFamily="49" charset="0"/>
+              </a:rPr>
+              <a:t> == 0) {</a:t>
+            </a:r>
+          </a:p>
+          <a:p>
+            <a:r>
+              <a:rPr lang="en-IN" sz="900" b="0" dirty="0">
+                <a:solidFill>
+                  <a:schemeClr val="tx1"/>
+                </a:solidFill>
+                <a:effectLst/>
+                <a:latin typeface="Consolas" panose="020B0609020204030204" pitchFamily="49" charset="0"/>
+              </a:rPr>
+              <a:t>            </a:t>
+            </a:r>
+            <a:r>
+              <a:rPr lang="en-IN" sz="900" b="0" dirty="0" err="1">
+                <a:solidFill>
+                  <a:schemeClr val="tx1"/>
+                </a:solidFill>
+                <a:effectLst/>
+                <a:latin typeface="Consolas" panose="020B0609020204030204" pitchFamily="49" charset="0"/>
+              </a:rPr>
+              <a:t>calculateCoefficient</a:t>
+            </a:r>
+            <a:r>
+              <a:rPr lang="en-IN" sz="900" b="0" dirty="0">
+                <a:solidFill>
+                  <a:schemeClr val="tx1"/>
+                </a:solidFill>
+                <a:effectLst/>
+                <a:latin typeface="Consolas" panose="020B0609020204030204" pitchFamily="49" charset="0"/>
+              </a:rPr>
+              <a:t>();</a:t>
+            </a:r>
+          </a:p>
+          <a:p>
+            <a:r>
+              <a:rPr lang="en-IN" sz="900" b="0" dirty="0">
+                <a:solidFill>
+                  <a:schemeClr val="tx1"/>
+                </a:solidFill>
+                <a:effectLst/>
+                <a:latin typeface="Consolas" panose="020B0609020204030204" pitchFamily="49" charset="0"/>
+              </a:rPr>
+              <a:t>            </a:t>
+            </a:r>
+            <a:r>
+              <a:rPr lang="en-IN" sz="900" b="0" dirty="0" err="1">
+                <a:solidFill>
+                  <a:schemeClr val="tx1"/>
+                </a:solidFill>
+                <a:effectLst/>
+                <a:latin typeface="Consolas" panose="020B0609020204030204" pitchFamily="49" charset="0"/>
+              </a:rPr>
+              <a:t>calculateConstantTerm</a:t>
+            </a:r>
+            <a:r>
+              <a:rPr lang="en-IN" sz="900" b="0" dirty="0">
+                <a:solidFill>
+                  <a:schemeClr val="tx1"/>
+                </a:solidFill>
+                <a:effectLst/>
+                <a:latin typeface="Consolas" panose="020B0609020204030204" pitchFamily="49" charset="0"/>
+              </a:rPr>
+              <a:t>();</a:t>
+            </a:r>
+          </a:p>
+          <a:p>
+            <a:r>
+              <a:rPr lang="en-IN" sz="900" b="0" dirty="0">
+                <a:solidFill>
+                  <a:schemeClr val="tx1"/>
+                </a:solidFill>
+                <a:effectLst/>
+                <a:latin typeface="Consolas" panose="020B0609020204030204" pitchFamily="49" charset="0"/>
+              </a:rPr>
+              <a:t>        }</a:t>
+            </a:r>
+          </a:p>
+          <a:p>
+            <a:r>
+              <a:rPr lang="en-IN" sz="900" b="0" dirty="0">
+                <a:solidFill>
+                  <a:schemeClr val="tx1"/>
+                </a:solidFill>
+                <a:effectLst/>
+                <a:latin typeface="Consolas" panose="020B0609020204030204" pitchFamily="49" charset="0"/>
+              </a:rPr>
+              <a:t>        </a:t>
+            </a:r>
+            <a:r>
+              <a:rPr lang="en-IN" sz="900" b="0" dirty="0" err="1">
+                <a:solidFill>
+                  <a:schemeClr val="tx1"/>
+                </a:solidFill>
+                <a:effectLst/>
+                <a:latin typeface="Consolas" panose="020B0609020204030204" pitchFamily="49" charset="0"/>
+              </a:rPr>
+              <a:t>cout</a:t>
+            </a:r>
+            <a:r>
+              <a:rPr lang="en-IN" sz="900" b="0" dirty="0">
+                <a:solidFill>
+                  <a:schemeClr val="tx1"/>
+                </a:solidFill>
+                <a:effectLst/>
+                <a:latin typeface="Consolas" panose="020B0609020204030204" pitchFamily="49" charset="0"/>
+              </a:rPr>
+              <a:t> &lt;&lt; "The best fitting line is y = "</a:t>
+            </a:r>
+          </a:p>
+          <a:p>
+            <a:r>
+              <a:rPr lang="en-IN" sz="900" b="0" dirty="0">
+                <a:solidFill>
+                  <a:schemeClr val="tx1"/>
+                </a:solidFill>
+                <a:effectLst/>
+                <a:latin typeface="Consolas" panose="020B0609020204030204" pitchFamily="49" charset="0"/>
+              </a:rPr>
+              <a:t>            &lt;&lt; </a:t>
+            </a:r>
+            <a:r>
+              <a:rPr lang="en-IN" sz="900" b="0" dirty="0" err="1">
+                <a:solidFill>
+                  <a:schemeClr val="tx1"/>
+                </a:solidFill>
+                <a:effectLst/>
+                <a:latin typeface="Consolas" panose="020B0609020204030204" pitchFamily="49" charset="0"/>
+              </a:rPr>
+              <a:t>coeff</a:t>
+            </a:r>
+            <a:r>
+              <a:rPr lang="en-IN" sz="900" b="0" dirty="0">
+                <a:solidFill>
+                  <a:schemeClr val="tx1"/>
+                </a:solidFill>
+                <a:effectLst/>
+                <a:latin typeface="Consolas" panose="020B0609020204030204" pitchFamily="49" charset="0"/>
+              </a:rPr>
+              <a:t> &lt;&lt; "x + " &lt;&lt; </a:t>
+            </a:r>
+            <a:r>
+              <a:rPr lang="en-IN" sz="900" b="0" dirty="0" err="1">
+                <a:solidFill>
+                  <a:schemeClr val="tx1"/>
+                </a:solidFill>
+                <a:effectLst/>
+                <a:latin typeface="Consolas" panose="020B0609020204030204" pitchFamily="49" charset="0"/>
+              </a:rPr>
+              <a:t>constTerm</a:t>
+            </a:r>
+            <a:r>
+              <a:rPr lang="en-IN" sz="900" b="0" dirty="0">
+                <a:solidFill>
+                  <a:schemeClr val="tx1"/>
+                </a:solidFill>
+                <a:effectLst/>
+                <a:latin typeface="Consolas" panose="020B0609020204030204" pitchFamily="49" charset="0"/>
+              </a:rPr>
+              <a:t> &lt;&lt; </a:t>
+            </a:r>
+            <a:r>
+              <a:rPr lang="en-IN" sz="900" b="0" dirty="0" err="1">
+                <a:solidFill>
+                  <a:schemeClr val="tx1"/>
+                </a:solidFill>
+                <a:effectLst/>
+                <a:latin typeface="Consolas" panose="020B0609020204030204" pitchFamily="49" charset="0"/>
+              </a:rPr>
+              <a:t>endl</a:t>
+            </a:r>
+            <a:r>
+              <a:rPr lang="en-IN" sz="900" b="0" dirty="0">
+                <a:solidFill>
+                  <a:schemeClr val="tx1"/>
+                </a:solidFill>
+                <a:effectLst/>
+                <a:latin typeface="Consolas" panose="020B0609020204030204" pitchFamily="49" charset="0"/>
+              </a:rPr>
+              <a:t>;</a:t>
+            </a:r>
+          </a:p>
+          <a:p>
+            <a:r>
+              <a:rPr lang="en-IN" sz="900" b="0" dirty="0">
+                <a:solidFill>
+                  <a:schemeClr val="tx1"/>
+                </a:solidFill>
+                <a:effectLst/>
+                <a:latin typeface="Consolas" panose="020B0609020204030204" pitchFamily="49" charset="0"/>
+              </a:rPr>
+              <a:t>    }</a:t>
+            </a:r>
           </a:p>
         </p:txBody>
       </p:sp>
@@ -6081,24 +11818,31 @@
           <a:lstStyle/>
           <a:p>
             <a:r>
-              <a:rPr lang="en-IN" sz="3200" b="1" dirty="0">
+              <a:rPr lang="en-US" sz="3200" b="1" dirty="0">
                 <a:solidFill>
                   <a:srgbClr val="46B0FA"/>
                 </a:solidFill>
                 <a:latin typeface="Arial" panose="020B0604020202020204" pitchFamily="34" charset="0"/>
                 <a:cs typeface="Arial" panose="020B0604020202020204" pitchFamily="34" charset="0"/>
               </a:rPr>
-              <a:t>Results</a:t>
-            </a:r>
+              <a:t>Working Model</a:t>
+            </a:r>
+            <a:endParaRPr lang="en-IN" sz="3200" b="1" dirty="0">
+              <a:solidFill>
+                <a:srgbClr val="46B0FA"/>
+              </a:solidFill>
+              <a:latin typeface="Arial" panose="020B0604020202020204" pitchFamily="34" charset="0"/>
+              <a:cs typeface="Arial" panose="020B0604020202020204" pitchFamily="34" charset="0"/>
+            </a:endParaRPr>
           </a:p>
         </p:txBody>
       </p:sp>
       <p:sp>
         <p:nvSpPr>
-          <p:cNvPr id="3" name="TextBox 2">
+          <p:cNvPr id="11" name="TextBox 10">
             <a:extLst>
               <a:ext uri="{FF2B5EF4-FFF2-40B4-BE49-F238E27FC236}">
-                <a16:creationId xmlns:a16="http://schemas.microsoft.com/office/drawing/2014/main" id="{66168532-D141-4AB0-BD29-1663F2877B3E}"/>
+                <a16:creationId xmlns:a16="http://schemas.microsoft.com/office/drawing/2014/main" id="{C3F76B8E-CCEB-BC83-0DFD-AEBB6BBB0A7E}"/>
               </a:ext>
             </a:extLst>
           </p:cNvPr>
@@ -6107,8 +11851,8 @@
         </p:nvSpPr>
         <p:spPr>
           <a:xfrm>
-            <a:off x="822959" y="1312664"/>
-            <a:ext cx="9901002" cy="1908215"/>
+            <a:off x="1646547" y="1225689"/>
+            <a:ext cx="3575759" cy="5632311"/>
           </a:xfrm>
           <a:prstGeom prst="rect">
             <a:avLst/>
@@ -6116,76 +11860,2578 @@
           <a:noFill/>
         </p:spPr>
         <p:txBody>
-          <a:bodyPr wrap="square" rtlCol="0">
+          <a:bodyPr wrap="square">
             <a:spAutoFit/>
           </a:bodyPr>
           <a:lstStyle/>
           <a:p>
             <a:r>
-              <a:rPr lang="en-US" sz="2000" dirty="0">
-                <a:solidFill>
-                  <a:srgbClr val="AE36FF"/>
-                </a:solidFill>
-                <a:latin typeface="Arial" panose="020B0604020202020204" pitchFamily="34" charset="0"/>
-                <a:cs typeface="Arial" panose="020B0604020202020204" pitchFamily="34" charset="0"/>
-              </a:rPr>
-              <a:t>Tests Cases</a:t>
-            </a:r>
-          </a:p>
-          <a:p>
-            <a:endParaRPr lang="en-US" sz="2000" dirty="0">
+              <a:rPr lang="en-IN" sz="900" b="0" dirty="0">
+                <a:solidFill>
+                  <a:schemeClr val="tx1"/>
+                </a:solidFill>
+                <a:effectLst/>
+                <a:latin typeface="Consolas" panose="020B0609020204030204" pitchFamily="49" charset="0"/>
+              </a:rPr>
+              <a:t>    void </a:t>
+            </a:r>
+            <a:r>
+              <a:rPr lang="en-IN" sz="900" b="0" dirty="0" err="1">
+                <a:solidFill>
+                  <a:schemeClr val="tx1"/>
+                </a:solidFill>
+                <a:effectLst/>
+                <a:latin typeface="Consolas" panose="020B0609020204030204" pitchFamily="49" charset="0"/>
+              </a:rPr>
+              <a:t>takeInput</a:t>
+            </a:r>
+            <a:r>
+              <a:rPr lang="en-IN" sz="900" b="0" dirty="0">
+                <a:solidFill>
+                  <a:schemeClr val="tx1"/>
+                </a:solidFill>
+                <a:effectLst/>
+                <a:latin typeface="Consolas" panose="020B0609020204030204" pitchFamily="49" charset="0"/>
+              </a:rPr>
+              <a:t>(int n)</a:t>
+            </a:r>
+          </a:p>
+          <a:p>
+            <a:r>
+              <a:rPr lang="en-IN" sz="900" b="0" dirty="0">
+                <a:solidFill>
+                  <a:schemeClr val="tx1"/>
+                </a:solidFill>
+                <a:effectLst/>
+                <a:latin typeface="Consolas" panose="020B0609020204030204" pitchFamily="49" charset="0"/>
+              </a:rPr>
+              <a:t>    {</a:t>
+            </a:r>
+          </a:p>
+          <a:p>
+            <a:r>
+              <a:rPr lang="en-IN" sz="900" b="0" dirty="0">
+                <a:solidFill>
+                  <a:schemeClr val="tx1"/>
+                </a:solidFill>
+                <a:effectLst/>
+                <a:latin typeface="Consolas" panose="020B0609020204030204" pitchFamily="49" charset="0"/>
+              </a:rPr>
+              <a:t>        for (int </a:t>
+            </a:r>
+            <a:r>
+              <a:rPr lang="en-IN" sz="900" b="0" dirty="0" err="1">
+                <a:solidFill>
+                  <a:schemeClr val="tx1"/>
+                </a:solidFill>
+                <a:effectLst/>
+                <a:latin typeface="Consolas" panose="020B0609020204030204" pitchFamily="49" charset="0"/>
+              </a:rPr>
+              <a:t>i</a:t>
+            </a:r>
+            <a:r>
+              <a:rPr lang="en-IN" sz="900" b="0" dirty="0">
+                <a:solidFill>
+                  <a:schemeClr val="tx1"/>
+                </a:solidFill>
+                <a:effectLst/>
+                <a:latin typeface="Consolas" panose="020B0609020204030204" pitchFamily="49" charset="0"/>
+              </a:rPr>
+              <a:t> = 0; </a:t>
+            </a:r>
+            <a:r>
+              <a:rPr lang="en-IN" sz="900" b="0" dirty="0" err="1">
+                <a:solidFill>
+                  <a:schemeClr val="tx1"/>
+                </a:solidFill>
+                <a:effectLst/>
+                <a:latin typeface="Consolas" panose="020B0609020204030204" pitchFamily="49" charset="0"/>
+              </a:rPr>
+              <a:t>i</a:t>
+            </a:r>
+            <a:r>
+              <a:rPr lang="en-IN" sz="900" b="0" dirty="0">
+                <a:solidFill>
+                  <a:schemeClr val="tx1"/>
+                </a:solidFill>
+                <a:effectLst/>
+                <a:latin typeface="Consolas" panose="020B0609020204030204" pitchFamily="49" charset="0"/>
+              </a:rPr>
+              <a:t> &lt; n; </a:t>
+            </a:r>
+            <a:r>
+              <a:rPr lang="en-IN" sz="900" b="0" dirty="0" err="1">
+                <a:solidFill>
+                  <a:schemeClr val="tx1"/>
+                </a:solidFill>
+                <a:effectLst/>
+                <a:latin typeface="Consolas" panose="020B0609020204030204" pitchFamily="49" charset="0"/>
+              </a:rPr>
+              <a:t>i</a:t>
+            </a:r>
+            <a:r>
+              <a:rPr lang="en-IN" sz="900" b="0" dirty="0">
+                <a:solidFill>
+                  <a:schemeClr val="tx1"/>
+                </a:solidFill>
+                <a:effectLst/>
+                <a:latin typeface="Consolas" panose="020B0609020204030204" pitchFamily="49" charset="0"/>
+              </a:rPr>
+              <a:t>++) {</a:t>
+            </a:r>
+          </a:p>
+          <a:p>
+            <a:r>
+              <a:rPr lang="en-IN" sz="900" b="0" dirty="0">
+                <a:solidFill>
+                  <a:schemeClr val="tx1"/>
+                </a:solidFill>
+                <a:effectLst/>
+                <a:latin typeface="Consolas" panose="020B0609020204030204" pitchFamily="49" charset="0"/>
+              </a:rPr>
+              <a:t>            char comma;</a:t>
+            </a:r>
+          </a:p>
+          <a:p>
+            <a:r>
+              <a:rPr lang="en-IN" sz="900" b="0" dirty="0">
+                <a:solidFill>
+                  <a:schemeClr val="tx1"/>
+                </a:solidFill>
+                <a:effectLst/>
+                <a:latin typeface="Consolas" panose="020B0609020204030204" pitchFamily="49" charset="0"/>
+              </a:rPr>
+              <a:t>            float xi;</a:t>
+            </a:r>
+          </a:p>
+          <a:p>
+            <a:r>
+              <a:rPr lang="en-IN" sz="900" b="0" dirty="0">
+                <a:solidFill>
+                  <a:schemeClr val="tx1"/>
+                </a:solidFill>
+                <a:effectLst/>
+                <a:latin typeface="Consolas" panose="020B0609020204030204" pitchFamily="49" charset="0"/>
+              </a:rPr>
+              <a:t>            float </a:t>
+            </a:r>
+            <a:r>
+              <a:rPr lang="en-IN" sz="900" b="0" dirty="0" err="1">
+                <a:solidFill>
+                  <a:schemeClr val="tx1"/>
+                </a:solidFill>
+                <a:effectLst/>
+                <a:latin typeface="Consolas" panose="020B0609020204030204" pitchFamily="49" charset="0"/>
+              </a:rPr>
+              <a:t>yi</a:t>
+            </a:r>
+            <a:r>
+              <a:rPr lang="en-IN" sz="900" b="0" dirty="0">
+                <a:solidFill>
+                  <a:schemeClr val="tx1"/>
+                </a:solidFill>
+                <a:effectLst/>
+                <a:latin typeface="Consolas" panose="020B0609020204030204" pitchFamily="49" charset="0"/>
+              </a:rPr>
+              <a:t>;</a:t>
+            </a:r>
+          </a:p>
+          <a:p>
+            <a:r>
+              <a:rPr lang="en-IN" sz="900" b="0" dirty="0">
+                <a:solidFill>
+                  <a:schemeClr val="tx1"/>
+                </a:solidFill>
+                <a:effectLst/>
+                <a:latin typeface="Consolas" panose="020B0609020204030204" pitchFamily="49" charset="0"/>
+              </a:rPr>
+              <a:t>            </a:t>
+            </a:r>
+            <a:r>
+              <a:rPr lang="en-IN" sz="900" b="0" dirty="0" err="1">
+                <a:solidFill>
+                  <a:schemeClr val="tx1"/>
+                </a:solidFill>
+                <a:effectLst/>
+                <a:latin typeface="Consolas" panose="020B0609020204030204" pitchFamily="49" charset="0"/>
+              </a:rPr>
+              <a:t>cin</a:t>
+            </a:r>
+            <a:r>
+              <a:rPr lang="en-IN" sz="900" b="0" dirty="0">
+                <a:solidFill>
+                  <a:schemeClr val="tx1"/>
+                </a:solidFill>
+                <a:effectLst/>
+                <a:latin typeface="Consolas" panose="020B0609020204030204" pitchFamily="49" charset="0"/>
+              </a:rPr>
+              <a:t> &gt;&gt; xi &gt;&gt; comma &gt;&gt; </a:t>
+            </a:r>
+            <a:r>
+              <a:rPr lang="en-IN" sz="900" b="0" dirty="0" err="1">
+                <a:solidFill>
+                  <a:schemeClr val="tx1"/>
+                </a:solidFill>
+                <a:effectLst/>
+                <a:latin typeface="Consolas" panose="020B0609020204030204" pitchFamily="49" charset="0"/>
+              </a:rPr>
+              <a:t>yi</a:t>
+            </a:r>
+            <a:r>
+              <a:rPr lang="en-IN" sz="900" b="0" dirty="0">
+                <a:solidFill>
+                  <a:schemeClr val="tx1"/>
+                </a:solidFill>
+                <a:effectLst/>
+                <a:latin typeface="Consolas" panose="020B0609020204030204" pitchFamily="49" charset="0"/>
+              </a:rPr>
+              <a:t>;</a:t>
+            </a:r>
+          </a:p>
+          <a:p>
+            <a:r>
+              <a:rPr lang="en-IN" sz="900" b="0" dirty="0">
+                <a:solidFill>
+                  <a:schemeClr val="tx1"/>
+                </a:solidFill>
+                <a:effectLst/>
+                <a:latin typeface="Consolas" panose="020B0609020204030204" pitchFamily="49" charset="0"/>
+              </a:rPr>
+              <a:t>            </a:t>
+            </a:r>
+            <a:r>
+              <a:rPr lang="en-IN" sz="900" b="0" dirty="0" err="1">
+                <a:solidFill>
+                  <a:schemeClr val="tx1"/>
+                </a:solidFill>
+                <a:effectLst/>
+                <a:latin typeface="Consolas" panose="020B0609020204030204" pitchFamily="49" charset="0"/>
+              </a:rPr>
+              <a:t>sum_xy</a:t>
+            </a:r>
+            <a:r>
+              <a:rPr lang="en-IN" sz="900" b="0" dirty="0">
+                <a:solidFill>
+                  <a:schemeClr val="tx1"/>
+                </a:solidFill>
+                <a:effectLst/>
+                <a:latin typeface="Consolas" panose="020B0609020204030204" pitchFamily="49" charset="0"/>
+              </a:rPr>
+              <a:t> += xi * </a:t>
+            </a:r>
+            <a:r>
+              <a:rPr lang="en-IN" sz="900" b="0" dirty="0" err="1">
+                <a:solidFill>
+                  <a:schemeClr val="tx1"/>
+                </a:solidFill>
+                <a:effectLst/>
+                <a:latin typeface="Consolas" panose="020B0609020204030204" pitchFamily="49" charset="0"/>
+              </a:rPr>
+              <a:t>yi</a:t>
+            </a:r>
+            <a:r>
+              <a:rPr lang="en-IN" sz="900" b="0" dirty="0">
+                <a:solidFill>
+                  <a:schemeClr val="tx1"/>
+                </a:solidFill>
+                <a:effectLst/>
+                <a:latin typeface="Consolas" panose="020B0609020204030204" pitchFamily="49" charset="0"/>
+              </a:rPr>
+              <a:t>;</a:t>
+            </a:r>
+          </a:p>
+          <a:p>
+            <a:r>
+              <a:rPr lang="en-IN" sz="900" b="0" dirty="0">
+                <a:solidFill>
+                  <a:schemeClr val="tx1"/>
+                </a:solidFill>
+                <a:effectLst/>
+                <a:latin typeface="Consolas" panose="020B0609020204030204" pitchFamily="49" charset="0"/>
+              </a:rPr>
+              <a:t>            </a:t>
+            </a:r>
+            <a:r>
+              <a:rPr lang="en-IN" sz="900" b="0" dirty="0" err="1">
+                <a:solidFill>
+                  <a:schemeClr val="tx1"/>
+                </a:solidFill>
+                <a:effectLst/>
+                <a:latin typeface="Consolas" panose="020B0609020204030204" pitchFamily="49" charset="0"/>
+              </a:rPr>
+              <a:t>sum_x</a:t>
+            </a:r>
+            <a:r>
+              <a:rPr lang="en-IN" sz="900" b="0" dirty="0">
+                <a:solidFill>
+                  <a:schemeClr val="tx1"/>
+                </a:solidFill>
+                <a:effectLst/>
+                <a:latin typeface="Consolas" panose="020B0609020204030204" pitchFamily="49" charset="0"/>
+              </a:rPr>
+              <a:t> += xi;</a:t>
+            </a:r>
+          </a:p>
+          <a:p>
+            <a:r>
+              <a:rPr lang="en-IN" sz="900" b="0" dirty="0">
+                <a:solidFill>
+                  <a:schemeClr val="tx1"/>
+                </a:solidFill>
+                <a:effectLst/>
+                <a:latin typeface="Consolas" panose="020B0609020204030204" pitchFamily="49" charset="0"/>
+              </a:rPr>
+              <a:t>            </a:t>
+            </a:r>
+            <a:r>
+              <a:rPr lang="en-IN" sz="900" b="0" dirty="0" err="1">
+                <a:solidFill>
+                  <a:schemeClr val="tx1"/>
+                </a:solidFill>
+                <a:effectLst/>
+                <a:latin typeface="Consolas" panose="020B0609020204030204" pitchFamily="49" charset="0"/>
+              </a:rPr>
+              <a:t>sum_y</a:t>
+            </a:r>
+            <a:r>
+              <a:rPr lang="en-IN" sz="900" b="0" dirty="0">
+                <a:solidFill>
+                  <a:schemeClr val="tx1"/>
+                </a:solidFill>
+                <a:effectLst/>
+                <a:latin typeface="Consolas" panose="020B0609020204030204" pitchFamily="49" charset="0"/>
+              </a:rPr>
+              <a:t> += </a:t>
+            </a:r>
+            <a:r>
+              <a:rPr lang="en-IN" sz="900" b="0" dirty="0" err="1">
+                <a:solidFill>
+                  <a:schemeClr val="tx1"/>
+                </a:solidFill>
+                <a:effectLst/>
+                <a:latin typeface="Consolas" panose="020B0609020204030204" pitchFamily="49" charset="0"/>
+              </a:rPr>
+              <a:t>yi</a:t>
+            </a:r>
+            <a:r>
+              <a:rPr lang="en-IN" sz="900" b="0" dirty="0">
+                <a:solidFill>
+                  <a:schemeClr val="tx1"/>
+                </a:solidFill>
+                <a:effectLst/>
+                <a:latin typeface="Consolas" panose="020B0609020204030204" pitchFamily="49" charset="0"/>
+              </a:rPr>
+              <a:t>;</a:t>
+            </a:r>
+          </a:p>
+          <a:p>
+            <a:r>
+              <a:rPr lang="en-IN" sz="900" b="0" dirty="0">
+                <a:solidFill>
+                  <a:schemeClr val="tx1"/>
+                </a:solidFill>
+                <a:effectLst/>
+                <a:latin typeface="Consolas" panose="020B0609020204030204" pitchFamily="49" charset="0"/>
+              </a:rPr>
+              <a:t>            </a:t>
+            </a:r>
+            <a:r>
+              <a:rPr lang="en-IN" sz="900" b="0" dirty="0" err="1">
+                <a:solidFill>
+                  <a:schemeClr val="tx1"/>
+                </a:solidFill>
+                <a:effectLst/>
+                <a:latin typeface="Consolas" panose="020B0609020204030204" pitchFamily="49" charset="0"/>
+              </a:rPr>
+              <a:t>sum_x_square</a:t>
+            </a:r>
+            <a:r>
+              <a:rPr lang="en-IN" sz="900" b="0" dirty="0">
+                <a:solidFill>
+                  <a:schemeClr val="tx1"/>
+                </a:solidFill>
+                <a:effectLst/>
+                <a:latin typeface="Consolas" panose="020B0609020204030204" pitchFamily="49" charset="0"/>
+              </a:rPr>
+              <a:t> += xi * xi;</a:t>
+            </a:r>
+          </a:p>
+          <a:p>
+            <a:r>
+              <a:rPr lang="en-IN" sz="900" b="0" dirty="0">
+                <a:solidFill>
+                  <a:schemeClr val="tx1"/>
+                </a:solidFill>
+                <a:effectLst/>
+                <a:latin typeface="Consolas" panose="020B0609020204030204" pitchFamily="49" charset="0"/>
+              </a:rPr>
+              <a:t>            </a:t>
+            </a:r>
+            <a:r>
+              <a:rPr lang="en-IN" sz="900" b="0" dirty="0" err="1">
+                <a:solidFill>
+                  <a:schemeClr val="tx1"/>
+                </a:solidFill>
+                <a:effectLst/>
+                <a:latin typeface="Consolas" panose="020B0609020204030204" pitchFamily="49" charset="0"/>
+              </a:rPr>
+              <a:t>sum_y_square</a:t>
+            </a:r>
+            <a:r>
+              <a:rPr lang="en-IN" sz="900" b="0" dirty="0">
+                <a:solidFill>
+                  <a:schemeClr val="tx1"/>
+                </a:solidFill>
+                <a:effectLst/>
+                <a:latin typeface="Consolas" panose="020B0609020204030204" pitchFamily="49" charset="0"/>
+              </a:rPr>
+              <a:t> += </a:t>
+            </a:r>
+            <a:r>
+              <a:rPr lang="en-IN" sz="900" b="0" dirty="0" err="1">
+                <a:solidFill>
+                  <a:schemeClr val="tx1"/>
+                </a:solidFill>
+                <a:effectLst/>
+                <a:latin typeface="Consolas" panose="020B0609020204030204" pitchFamily="49" charset="0"/>
+              </a:rPr>
+              <a:t>yi</a:t>
+            </a:r>
+            <a:r>
+              <a:rPr lang="en-IN" sz="900" b="0" dirty="0">
+                <a:solidFill>
+                  <a:schemeClr val="tx1"/>
+                </a:solidFill>
+                <a:effectLst/>
+                <a:latin typeface="Consolas" panose="020B0609020204030204" pitchFamily="49" charset="0"/>
+              </a:rPr>
+              <a:t> * </a:t>
+            </a:r>
+            <a:r>
+              <a:rPr lang="en-IN" sz="900" b="0" dirty="0" err="1">
+                <a:solidFill>
+                  <a:schemeClr val="tx1"/>
+                </a:solidFill>
+                <a:effectLst/>
+                <a:latin typeface="Consolas" panose="020B0609020204030204" pitchFamily="49" charset="0"/>
+              </a:rPr>
+              <a:t>yi</a:t>
+            </a:r>
+            <a:r>
+              <a:rPr lang="en-IN" sz="900" b="0" dirty="0">
+                <a:solidFill>
+                  <a:schemeClr val="tx1"/>
+                </a:solidFill>
+                <a:effectLst/>
+                <a:latin typeface="Consolas" panose="020B0609020204030204" pitchFamily="49" charset="0"/>
+              </a:rPr>
+              <a:t>;</a:t>
+            </a:r>
+          </a:p>
+          <a:p>
+            <a:r>
+              <a:rPr lang="en-IN" sz="900" b="0" dirty="0">
+                <a:solidFill>
+                  <a:schemeClr val="tx1"/>
+                </a:solidFill>
+                <a:effectLst/>
+                <a:latin typeface="Consolas" panose="020B0609020204030204" pitchFamily="49" charset="0"/>
+              </a:rPr>
+              <a:t>            </a:t>
+            </a:r>
+            <a:r>
+              <a:rPr lang="en-IN" sz="900" b="0" dirty="0" err="1">
+                <a:solidFill>
+                  <a:schemeClr val="tx1"/>
+                </a:solidFill>
+                <a:effectLst/>
+                <a:latin typeface="Consolas" panose="020B0609020204030204" pitchFamily="49" charset="0"/>
+              </a:rPr>
+              <a:t>x.push_back</a:t>
+            </a:r>
+            <a:r>
+              <a:rPr lang="en-IN" sz="900" b="0" dirty="0">
+                <a:solidFill>
+                  <a:schemeClr val="tx1"/>
+                </a:solidFill>
+                <a:effectLst/>
+                <a:latin typeface="Consolas" panose="020B0609020204030204" pitchFamily="49" charset="0"/>
+              </a:rPr>
+              <a:t>(xi);</a:t>
+            </a:r>
+          </a:p>
+          <a:p>
+            <a:r>
+              <a:rPr lang="en-IN" sz="900" b="0" dirty="0">
+                <a:solidFill>
+                  <a:schemeClr val="tx1"/>
+                </a:solidFill>
+                <a:effectLst/>
+                <a:latin typeface="Consolas" panose="020B0609020204030204" pitchFamily="49" charset="0"/>
+              </a:rPr>
+              <a:t>            </a:t>
+            </a:r>
+            <a:r>
+              <a:rPr lang="en-IN" sz="900" b="0" dirty="0" err="1">
+                <a:solidFill>
+                  <a:schemeClr val="tx1"/>
+                </a:solidFill>
+                <a:effectLst/>
+                <a:latin typeface="Consolas" panose="020B0609020204030204" pitchFamily="49" charset="0"/>
+              </a:rPr>
+              <a:t>y.push_back</a:t>
+            </a:r>
+            <a:r>
+              <a:rPr lang="en-IN" sz="900" b="0" dirty="0">
+                <a:solidFill>
+                  <a:schemeClr val="tx1"/>
+                </a:solidFill>
+                <a:effectLst/>
+                <a:latin typeface="Consolas" panose="020B0609020204030204" pitchFamily="49" charset="0"/>
+              </a:rPr>
+              <a:t>(</a:t>
+            </a:r>
+            <a:r>
+              <a:rPr lang="en-IN" sz="900" b="0" dirty="0" err="1">
+                <a:solidFill>
+                  <a:schemeClr val="tx1"/>
+                </a:solidFill>
+                <a:effectLst/>
+                <a:latin typeface="Consolas" panose="020B0609020204030204" pitchFamily="49" charset="0"/>
+              </a:rPr>
+              <a:t>yi</a:t>
+            </a:r>
+            <a:r>
+              <a:rPr lang="en-IN" sz="900" b="0" dirty="0">
+                <a:solidFill>
+                  <a:schemeClr val="tx1"/>
+                </a:solidFill>
+                <a:effectLst/>
+                <a:latin typeface="Consolas" panose="020B0609020204030204" pitchFamily="49" charset="0"/>
+              </a:rPr>
+              <a:t>);</a:t>
+            </a:r>
+          </a:p>
+          <a:p>
+            <a:r>
+              <a:rPr lang="en-IN" sz="900" b="0" dirty="0">
+                <a:solidFill>
+                  <a:schemeClr val="tx1"/>
+                </a:solidFill>
+                <a:effectLst/>
+                <a:latin typeface="Consolas" panose="020B0609020204030204" pitchFamily="49" charset="0"/>
+              </a:rPr>
+              <a:t>        }</a:t>
+            </a:r>
+          </a:p>
+          <a:p>
+            <a:r>
+              <a:rPr lang="en-IN" sz="900" b="0" dirty="0">
+                <a:solidFill>
+                  <a:schemeClr val="tx1"/>
+                </a:solidFill>
+                <a:effectLst/>
+                <a:latin typeface="Consolas" panose="020B0609020204030204" pitchFamily="49" charset="0"/>
+              </a:rPr>
+              <a:t>    }</a:t>
+            </a:r>
+          </a:p>
+          <a:p>
+            <a:r>
+              <a:rPr lang="en-IN" sz="900" b="0" dirty="0">
+                <a:solidFill>
+                  <a:schemeClr val="tx1"/>
+                </a:solidFill>
+                <a:effectLst/>
+                <a:latin typeface="Consolas" panose="020B0609020204030204" pitchFamily="49" charset="0"/>
+              </a:rPr>
+              <a:t>    int </a:t>
+            </a:r>
+            <a:r>
+              <a:rPr lang="en-IN" sz="900" b="0" dirty="0" err="1">
+                <a:solidFill>
+                  <a:schemeClr val="tx1"/>
+                </a:solidFill>
+                <a:effectLst/>
+                <a:latin typeface="Consolas" panose="020B0609020204030204" pitchFamily="49" charset="0"/>
+              </a:rPr>
+              <a:t>showData</a:t>
+            </a:r>
+            <a:r>
+              <a:rPr lang="en-IN" sz="900" b="0" dirty="0">
+                <a:solidFill>
+                  <a:schemeClr val="tx1"/>
+                </a:solidFill>
+                <a:effectLst/>
+                <a:latin typeface="Consolas" panose="020B0609020204030204" pitchFamily="49" charset="0"/>
+              </a:rPr>
+              <a:t>()</a:t>
+            </a:r>
+          </a:p>
+          <a:p>
+            <a:r>
+              <a:rPr lang="en-IN" sz="900" b="0" dirty="0">
+                <a:solidFill>
+                  <a:schemeClr val="tx1"/>
+                </a:solidFill>
+                <a:effectLst/>
+                <a:latin typeface="Consolas" panose="020B0609020204030204" pitchFamily="49" charset="0"/>
+              </a:rPr>
+              <a:t>    {</a:t>
+            </a:r>
+          </a:p>
+          <a:p>
+            <a:r>
+              <a:rPr lang="en-IN" sz="900" b="0" dirty="0">
+                <a:solidFill>
+                  <a:schemeClr val="tx1"/>
+                </a:solidFill>
+                <a:effectLst/>
+                <a:latin typeface="Consolas" panose="020B0609020204030204" pitchFamily="49" charset="0"/>
+              </a:rPr>
+              <a:t>        for (int </a:t>
+            </a:r>
+            <a:r>
+              <a:rPr lang="en-IN" sz="900" b="0" dirty="0" err="1">
+                <a:solidFill>
+                  <a:schemeClr val="tx1"/>
+                </a:solidFill>
+                <a:effectLst/>
+                <a:latin typeface="Consolas" panose="020B0609020204030204" pitchFamily="49" charset="0"/>
+              </a:rPr>
+              <a:t>i</a:t>
+            </a:r>
+            <a:r>
+              <a:rPr lang="en-IN" sz="900" b="0" dirty="0">
+                <a:solidFill>
+                  <a:schemeClr val="tx1"/>
+                </a:solidFill>
+                <a:effectLst/>
+                <a:latin typeface="Consolas" panose="020B0609020204030204" pitchFamily="49" charset="0"/>
+              </a:rPr>
+              <a:t> = 0; </a:t>
+            </a:r>
+            <a:r>
+              <a:rPr lang="en-IN" sz="900" b="0" dirty="0" err="1">
+                <a:solidFill>
+                  <a:schemeClr val="tx1"/>
+                </a:solidFill>
+                <a:effectLst/>
+                <a:latin typeface="Consolas" panose="020B0609020204030204" pitchFamily="49" charset="0"/>
+              </a:rPr>
+              <a:t>i</a:t>
+            </a:r>
+            <a:r>
+              <a:rPr lang="en-IN" sz="900" b="0" dirty="0">
+                <a:solidFill>
+                  <a:schemeClr val="tx1"/>
+                </a:solidFill>
+                <a:effectLst/>
+                <a:latin typeface="Consolas" panose="020B0609020204030204" pitchFamily="49" charset="0"/>
+              </a:rPr>
+              <a:t> &lt; 62; </a:t>
+            </a:r>
+            <a:r>
+              <a:rPr lang="en-IN" sz="900" b="0" dirty="0" err="1">
+                <a:solidFill>
+                  <a:schemeClr val="tx1"/>
+                </a:solidFill>
+                <a:effectLst/>
+                <a:latin typeface="Consolas" panose="020B0609020204030204" pitchFamily="49" charset="0"/>
+              </a:rPr>
+              <a:t>i</a:t>
+            </a:r>
+            <a:r>
+              <a:rPr lang="en-IN" sz="900" b="0" dirty="0">
+                <a:solidFill>
+                  <a:schemeClr val="tx1"/>
+                </a:solidFill>
+                <a:effectLst/>
+                <a:latin typeface="Consolas" panose="020B0609020204030204" pitchFamily="49" charset="0"/>
+              </a:rPr>
+              <a:t>++) {</a:t>
+            </a:r>
+          </a:p>
+          <a:p>
+            <a:r>
+              <a:rPr lang="en-IN" sz="900" b="0" dirty="0">
+                <a:solidFill>
+                  <a:schemeClr val="tx1"/>
+                </a:solidFill>
+                <a:effectLst/>
+                <a:latin typeface="Consolas" panose="020B0609020204030204" pitchFamily="49" charset="0"/>
+              </a:rPr>
+              <a:t>            </a:t>
+            </a:r>
+            <a:r>
+              <a:rPr lang="en-IN" sz="900" b="0" dirty="0" err="1">
+                <a:solidFill>
+                  <a:schemeClr val="tx1"/>
+                </a:solidFill>
+                <a:effectLst/>
+                <a:latin typeface="Consolas" panose="020B0609020204030204" pitchFamily="49" charset="0"/>
+              </a:rPr>
+              <a:t>printf</a:t>
+            </a:r>
+            <a:r>
+              <a:rPr lang="en-IN" sz="900" b="0" dirty="0">
+                <a:solidFill>
+                  <a:schemeClr val="tx1"/>
+                </a:solidFill>
+                <a:effectLst/>
+                <a:latin typeface="Consolas" panose="020B0609020204030204" pitchFamily="49" charset="0"/>
+              </a:rPr>
+              <a:t>("_");</a:t>
+            </a:r>
+          </a:p>
+          <a:p>
+            <a:r>
+              <a:rPr lang="en-IN" sz="900" b="0" dirty="0">
+                <a:solidFill>
+                  <a:schemeClr val="tx1"/>
+                </a:solidFill>
+                <a:effectLst/>
+                <a:latin typeface="Consolas" panose="020B0609020204030204" pitchFamily="49" charset="0"/>
+              </a:rPr>
+              <a:t>        }</a:t>
+            </a:r>
+          </a:p>
+          <a:p>
+            <a:r>
+              <a:rPr lang="en-IN" sz="900" b="0" dirty="0">
+                <a:solidFill>
+                  <a:schemeClr val="tx1"/>
+                </a:solidFill>
+                <a:effectLst/>
+                <a:latin typeface="Consolas" panose="020B0609020204030204" pitchFamily="49" charset="0"/>
+              </a:rPr>
+              <a:t>        </a:t>
+            </a:r>
+            <a:r>
+              <a:rPr lang="en-IN" sz="900" b="0" dirty="0" err="1">
+                <a:solidFill>
+                  <a:schemeClr val="tx1"/>
+                </a:solidFill>
+                <a:effectLst/>
+                <a:latin typeface="Consolas" panose="020B0609020204030204" pitchFamily="49" charset="0"/>
+              </a:rPr>
+              <a:t>printf</a:t>
+            </a:r>
+            <a:r>
+              <a:rPr lang="en-IN" sz="900" b="0" dirty="0">
+                <a:solidFill>
+                  <a:schemeClr val="tx1"/>
+                </a:solidFill>
+                <a:effectLst/>
+                <a:latin typeface="Consolas" panose="020B0609020204030204" pitchFamily="49" charset="0"/>
+              </a:rPr>
+              <a:t>("\n\n");</a:t>
+            </a:r>
+          </a:p>
+          <a:p>
+            <a:r>
+              <a:rPr lang="en-IN" sz="900" b="0" dirty="0">
+                <a:solidFill>
+                  <a:schemeClr val="tx1"/>
+                </a:solidFill>
+                <a:effectLst/>
+                <a:latin typeface="Consolas" panose="020B0609020204030204" pitchFamily="49" charset="0"/>
+              </a:rPr>
+              <a:t>        </a:t>
+            </a:r>
+            <a:r>
+              <a:rPr lang="en-IN" sz="900" b="0" dirty="0" err="1">
+                <a:solidFill>
+                  <a:schemeClr val="tx1"/>
+                </a:solidFill>
+                <a:effectLst/>
+                <a:latin typeface="Consolas" panose="020B0609020204030204" pitchFamily="49" charset="0"/>
+              </a:rPr>
+              <a:t>printf</a:t>
+            </a:r>
+            <a:r>
+              <a:rPr lang="en-IN" sz="900" b="0" dirty="0">
+                <a:solidFill>
+                  <a:schemeClr val="tx1"/>
+                </a:solidFill>
+                <a:effectLst/>
+                <a:latin typeface="Consolas" panose="020B0609020204030204" pitchFamily="49" charset="0"/>
+              </a:rPr>
+              <a:t>("|%15s%5s %15s%5s%20s\n",</a:t>
+            </a:r>
+          </a:p>
+          <a:p>
+            <a:r>
+              <a:rPr lang="en-IN" sz="900" b="0" dirty="0">
+                <a:solidFill>
+                  <a:schemeClr val="tx1"/>
+                </a:solidFill>
+                <a:effectLst/>
+                <a:latin typeface="Consolas" panose="020B0609020204030204" pitchFamily="49" charset="0"/>
+              </a:rPr>
+              <a:t>            "X", "", "Y", "", "|");</a:t>
+            </a:r>
+          </a:p>
+          <a:p>
+            <a:br>
+              <a:rPr lang="en-IN" sz="900" b="0" dirty="0">
+                <a:solidFill>
+                  <a:schemeClr val="tx1"/>
+                </a:solidFill>
+                <a:effectLst/>
+                <a:latin typeface="Consolas" panose="020B0609020204030204" pitchFamily="49" charset="0"/>
+              </a:rPr>
+            </a:br>
+            <a:r>
+              <a:rPr lang="en-IN" sz="900" b="0" dirty="0">
+                <a:solidFill>
+                  <a:schemeClr val="tx1"/>
+                </a:solidFill>
+                <a:effectLst/>
+                <a:latin typeface="Consolas" panose="020B0609020204030204" pitchFamily="49" charset="0"/>
+              </a:rPr>
+              <a:t>        for (int </a:t>
+            </a:r>
+            <a:r>
+              <a:rPr lang="en-IN" sz="900" b="0" dirty="0" err="1">
+                <a:solidFill>
+                  <a:schemeClr val="tx1"/>
+                </a:solidFill>
+                <a:effectLst/>
+                <a:latin typeface="Consolas" panose="020B0609020204030204" pitchFamily="49" charset="0"/>
+              </a:rPr>
+              <a:t>i</a:t>
+            </a:r>
+            <a:r>
+              <a:rPr lang="en-IN" sz="900" b="0" dirty="0">
+                <a:solidFill>
+                  <a:schemeClr val="tx1"/>
+                </a:solidFill>
+                <a:effectLst/>
+                <a:latin typeface="Consolas" panose="020B0609020204030204" pitchFamily="49" charset="0"/>
+              </a:rPr>
+              <a:t> = 0; </a:t>
+            </a:r>
+            <a:r>
+              <a:rPr lang="en-IN" sz="900" b="0" dirty="0" err="1">
+                <a:solidFill>
+                  <a:schemeClr val="tx1"/>
+                </a:solidFill>
+                <a:effectLst/>
+                <a:latin typeface="Consolas" panose="020B0609020204030204" pitchFamily="49" charset="0"/>
+              </a:rPr>
+              <a:t>i</a:t>
+            </a:r>
+            <a:r>
+              <a:rPr lang="en-IN" sz="900" b="0" dirty="0">
+                <a:solidFill>
+                  <a:schemeClr val="tx1"/>
+                </a:solidFill>
+                <a:effectLst/>
+                <a:latin typeface="Consolas" panose="020B0609020204030204" pitchFamily="49" charset="0"/>
+              </a:rPr>
+              <a:t> &lt; </a:t>
+            </a:r>
+            <a:r>
+              <a:rPr lang="en-IN" sz="900" b="0" dirty="0" err="1">
+                <a:solidFill>
+                  <a:schemeClr val="tx1"/>
+                </a:solidFill>
+                <a:effectLst/>
+                <a:latin typeface="Consolas" panose="020B0609020204030204" pitchFamily="49" charset="0"/>
+              </a:rPr>
+              <a:t>x.size</a:t>
+            </a:r>
+            <a:r>
+              <a:rPr lang="en-IN" sz="900" b="0" dirty="0">
+                <a:solidFill>
+                  <a:schemeClr val="tx1"/>
+                </a:solidFill>
+                <a:effectLst/>
+                <a:latin typeface="Consolas" panose="020B0609020204030204" pitchFamily="49" charset="0"/>
+              </a:rPr>
+              <a:t>(); </a:t>
+            </a:r>
+            <a:r>
+              <a:rPr lang="en-IN" sz="900" b="0" dirty="0" err="1">
+                <a:solidFill>
+                  <a:schemeClr val="tx1"/>
+                </a:solidFill>
+                <a:effectLst/>
+                <a:latin typeface="Consolas" panose="020B0609020204030204" pitchFamily="49" charset="0"/>
+              </a:rPr>
+              <a:t>i</a:t>
+            </a:r>
+            <a:r>
+              <a:rPr lang="en-IN" sz="900" b="0" dirty="0">
+                <a:solidFill>
+                  <a:schemeClr val="tx1"/>
+                </a:solidFill>
+                <a:effectLst/>
+                <a:latin typeface="Consolas" panose="020B0609020204030204" pitchFamily="49" charset="0"/>
+              </a:rPr>
+              <a:t>++) {</a:t>
+            </a:r>
+          </a:p>
+          <a:p>
+            <a:r>
+              <a:rPr lang="en-IN" sz="900" b="0" dirty="0">
+                <a:solidFill>
+                  <a:schemeClr val="tx1"/>
+                </a:solidFill>
+                <a:effectLst/>
+                <a:latin typeface="Consolas" panose="020B0609020204030204" pitchFamily="49" charset="0"/>
+              </a:rPr>
+              <a:t>            </a:t>
+            </a:r>
+            <a:r>
+              <a:rPr lang="en-IN" sz="900" b="0" dirty="0" err="1">
+                <a:solidFill>
+                  <a:schemeClr val="tx1"/>
+                </a:solidFill>
+                <a:effectLst/>
+                <a:latin typeface="Consolas" panose="020B0609020204030204" pitchFamily="49" charset="0"/>
+              </a:rPr>
+              <a:t>printf</a:t>
+            </a:r>
+            <a:r>
+              <a:rPr lang="en-IN" sz="900" b="0" dirty="0">
+                <a:solidFill>
+                  <a:schemeClr val="tx1"/>
+                </a:solidFill>
+                <a:effectLst/>
+                <a:latin typeface="Consolas" panose="020B0609020204030204" pitchFamily="49" charset="0"/>
+              </a:rPr>
+              <a:t>("|%20f %20f%20s\n",</a:t>
+            </a:r>
+          </a:p>
+          <a:p>
+            <a:r>
+              <a:rPr lang="en-IN" sz="900" b="0" dirty="0">
+                <a:solidFill>
+                  <a:schemeClr val="tx1"/>
+                </a:solidFill>
+                <a:effectLst/>
+                <a:latin typeface="Consolas" panose="020B0609020204030204" pitchFamily="49" charset="0"/>
+              </a:rPr>
+              <a:t>                x[</a:t>
+            </a:r>
+            <a:r>
+              <a:rPr lang="en-IN" sz="900" b="0" dirty="0" err="1">
+                <a:solidFill>
+                  <a:schemeClr val="tx1"/>
+                </a:solidFill>
+                <a:effectLst/>
+                <a:latin typeface="Consolas" panose="020B0609020204030204" pitchFamily="49" charset="0"/>
+              </a:rPr>
+              <a:t>i</a:t>
+            </a:r>
+            <a:r>
+              <a:rPr lang="en-IN" sz="900" b="0" dirty="0">
+                <a:solidFill>
+                  <a:schemeClr val="tx1"/>
+                </a:solidFill>
+                <a:effectLst/>
+                <a:latin typeface="Consolas" panose="020B0609020204030204" pitchFamily="49" charset="0"/>
+              </a:rPr>
+              <a:t>], y[</a:t>
+            </a:r>
+            <a:r>
+              <a:rPr lang="en-IN" sz="900" b="0" dirty="0" err="1">
+                <a:solidFill>
+                  <a:schemeClr val="tx1"/>
+                </a:solidFill>
+                <a:effectLst/>
+                <a:latin typeface="Consolas" panose="020B0609020204030204" pitchFamily="49" charset="0"/>
+              </a:rPr>
+              <a:t>i</a:t>
+            </a:r>
+            <a:r>
+              <a:rPr lang="en-IN" sz="900" b="0" dirty="0">
+                <a:solidFill>
+                  <a:schemeClr val="tx1"/>
+                </a:solidFill>
+                <a:effectLst/>
+                <a:latin typeface="Consolas" panose="020B0609020204030204" pitchFamily="49" charset="0"/>
+              </a:rPr>
+              <a:t>], "|");</a:t>
+            </a:r>
+          </a:p>
+          <a:p>
+            <a:r>
+              <a:rPr lang="en-IN" sz="900" b="0" dirty="0">
+                <a:solidFill>
+                  <a:schemeClr val="tx1"/>
+                </a:solidFill>
+                <a:effectLst/>
+                <a:latin typeface="Consolas" panose="020B0609020204030204" pitchFamily="49" charset="0"/>
+              </a:rPr>
+              <a:t>        }</a:t>
+            </a:r>
+          </a:p>
+          <a:p>
+            <a:br>
+              <a:rPr lang="en-IN" sz="900" b="0" dirty="0">
+                <a:solidFill>
+                  <a:schemeClr val="tx1"/>
+                </a:solidFill>
+                <a:effectLst/>
+                <a:latin typeface="Consolas" panose="020B0609020204030204" pitchFamily="49" charset="0"/>
+              </a:rPr>
+            </a:br>
+            <a:r>
+              <a:rPr lang="en-IN" sz="900" b="0" dirty="0">
+                <a:solidFill>
+                  <a:schemeClr val="tx1"/>
+                </a:solidFill>
+                <a:effectLst/>
+                <a:latin typeface="Consolas" panose="020B0609020204030204" pitchFamily="49" charset="0"/>
+              </a:rPr>
+              <a:t>        for (int </a:t>
+            </a:r>
+            <a:r>
+              <a:rPr lang="en-IN" sz="900" b="0" dirty="0" err="1">
+                <a:solidFill>
+                  <a:schemeClr val="tx1"/>
+                </a:solidFill>
+                <a:effectLst/>
+                <a:latin typeface="Consolas" panose="020B0609020204030204" pitchFamily="49" charset="0"/>
+              </a:rPr>
+              <a:t>i</a:t>
+            </a:r>
+            <a:r>
+              <a:rPr lang="en-IN" sz="900" b="0" dirty="0">
+                <a:solidFill>
+                  <a:schemeClr val="tx1"/>
+                </a:solidFill>
+                <a:effectLst/>
+                <a:latin typeface="Consolas" panose="020B0609020204030204" pitchFamily="49" charset="0"/>
+              </a:rPr>
+              <a:t> = 0; </a:t>
+            </a:r>
+            <a:r>
+              <a:rPr lang="en-IN" sz="900" b="0" dirty="0" err="1">
+                <a:solidFill>
+                  <a:schemeClr val="tx1"/>
+                </a:solidFill>
+                <a:effectLst/>
+                <a:latin typeface="Consolas" panose="020B0609020204030204" pitchFamily="49" charset="0"/>
+              </a:rPr>
+              <a:t>i</a:t>
+            </a:r>
+            <a:r>
+              <a:rPr lang="en-IN" sz="900" b="0" dirty="0">
+                <a:solidFill>
+                  <a:schemeClr val="tx1"/>
+                </a:solidFill>
+                <a:effectLst/>
+                <a:latin typeface="Consolas" panose="020B0609020204030204" pitchFamily="49" charset="0"/>
+              </a:rPr>
+              <a:t> &lt; 62; </a:t>
+            </a:r>
+            <a:r>
+              <a:rPr lang="en-IN" sz="900" b="0" dirty="0" err="1">
+                <a:solidFill>
+                  <a:schemeClr val="tx1"/>
+                </a:solidFill>
+                <a:effectLst/>
+                <a:latin typeface="Consolas" panose="020B0609020204030204" pitchFamily="49" charset="0"/>
+              </a:rPr>
+              <a:t>i</a:t>
+            </a:r>
+            <a:r>
+              <a:rPr lang="en-IN" sz="900" b="0" dirty="0">
+                <a:solidFill>
+                  <a:schemeClr val="tx1"/>
+                </a:solidFill>
+                <a:effectLst/>
+                <a:latin typeface="Consolas" panose="020B0609020204030204" pitchFamily="49" charset="0"/>
+              </a:rPr>
+              <a:t>++) {</a:t>
+            </a:r>
+          </a:p>
+          <a:p>
+            <a:r>
+              <a:rPr lang="en-IN" sz="900" b="0" dirty="0">
+                <a:solidFill>
+                  <a:schemeClr val="tx1"/>
+                </a:solidFill>
+                <a:effectLst/>
+                <a:latin typeface="Consolas" panose="020B0609020204030204" pitchFamily="49" charset="0"/>
+              </a:rPr>
+              <a:t>            </a:t>
+            </a:r>
+            <a:r>
+              <a:rPr lang="en-IN" sz="900" b="0" dirty="0" err="1">
+                <a:solidFill>
+                  <a:schemeClr val="tx1"/>
+                </a:solidFill>
+                <a:effectLst/>
+                <a:latin typeface="Consolas" panose="020B0609020204030204" pitchFamily="49" charset="0"/>
+              </a:rPr>
+              <a:t>printf</a:t>
+            </a:r>
+            <a:r>
+              <a:rPr lang="en-IN" sz="900" b="0" dirty="0">
+                <a:solidFill>
+                  <a:schemeClr val="tx1"/>
+                </a:solidFill>
+                <a:effectLst/>
+                <a:latin typeface="Consolas" panose="020B0609020204030204" pitchFamily="49" charset="0"/>
+              </a:rPr>
+              <a:t>("_");</a:t>
+            </a:r>
+          </a:p>
+          <a:p>
+            <a:r>
+              <a:rPr lang="en-IN" sz="900" b="0" dirty="0">
+                <a:solidFill>
+                  <a:schemeClr val="tx1"/>
+                </a:solidFill>
+                <a:effectLst/>
+                <a:latin typeface="Consolas" panose="020B0609020204030204" pitchFamily="49" charset="0"/>
+              </a:rPr>
+              <a:t>        }</a:t>
+            </a:r>
+          </a:p>
+          <a:p>
+            <a:r>
+              <a:rPr lang="en-IN" sz="900" b="0" dirty="0">
+                <a:solidFill>
+                  <a:schemeClr val="tx1"/>
+                </a:solidFill>
+                <a:effectLst/>
+                <a:latin typeface="Consolas" panose="020B0609020204030204" pitchFamily="49" charset="0"/>
+              </a:rPr>
+              <a:t>        </a:t>
+            </a:r>
+            <a:r>
+              <a:rPr lang="en-IN" sz="900" b="0" dirty="0" err="1">
+                <a:solidFill>
+                  <a:schemeClr val="tx1"/>
+                </a:solidFill>
+                <a:effectLst/>
+                <a:latin typeface="Consolas" panose="020B0609020204030204" pitchFamily="49" charset="0"/>
+              </a:rPr>
+              <a:t>printf</a:t>
+            </a:r>
+            <a:r>
+              <a:rPr lang="en-IN" sz="900" b="0" dirty="0">
+                <a:solidFill>
+                  <a:schemeClr val="tx1"/>
+                </a:solidFill>
+                <a:effectLst/>
+                <a:latin typeface="Consolas" panose="020B0609020204030204" pitchFamily="49" charset="0"/>
+              </a:rPr>
+              <a:t>("\n");</a:t>
+            </a:r>
+          </a:p>
+          <a:p>
+            <a:r>
+              <a:rPr lang="en-IN" sz="900" b="0" dirty="0">
+                <a:solidFill>
+                  <a:schemeClr val="tx1"/>
+                </a:solidFill>
+                <a:effectLst/>
+                <a:latin typeface="Consolas" panose="020B0609020204030204" pitchFamily="49" charset="0"/>
+              </a:rPr>
+              <a:t>    }</a:t>
+            </a:r>
+          </a:p>
+          <a:p>
+            <a:r>
+              <a:rPr lang="en-IN" sz="900" b="0" dirty="0">
+                <a:solidFill>
+                  <a:schemeClr val="tx1"/>
+                </a:solidFill>
+                <a:effectLst/>
+                <a:latin typeface="Consolas" panose="020B0609020204030204" pitchFamily="49" charset="0"/>
+              </a:rPr>
+              <a:t>    float predict(float x)</a:t>
+            </a:r>
+          </a:p>
+          <a:p>
+            <a:r>
+              <a:rPr lang="en-IN" sz="900" b="0" dirty="0">
+                <a:solidFill>
+                  <a:schemeClr val="tx1"/>
+                </a:solidFill>
+                <a:effectLst/>
+                <a:latin typeface="Consolas" panose="020B0609020204030204" pitchFamily="49" charset="0"/>
+              </a:rPr>
+              <a:t>    {</a:t>
+            </a:r>
+          </a:p>
+          <a:p>
+            <a:r>
+              <a:rPr lang="en-IN" sz="900" b="0" dirty="0">
+                <a:solidFill>
+                  <a:schemeClr val="tx1"/>
+                </a:solidFill>
+                <a:effectLst/>
+                <a:latin typeface="Consolas" panose="020B0609020204030204" pitchFamily="49" charset="0"/>
+              </a:rPr>
+              <a:t>        return </a:t>
+            </a:r>
+            <a:r>
+              <a:rPr lang="en-IN" sz="900" b="0" dirty="0" err="1">
+                <a:solidFill>
+                  <a:schemeClr val="tx1"/>
+                </a:solidFill>
+                <a:effectLst/>
+                <a:latin typeface="Consolas" panose="020B0609020204030204" pitchFamily="49" charset="0"/>
+              </a:rPr>
+              <a:t>coeff</a:t>
+            </a:r>
+            <a:r>
+              <a:rPr lang="en-IN" sz="900" b="0" dirty="0">
+                <a:solidFill>
+                  <a:schemeClr val="tx1"/>
+                </a:solidFill>
+                <a:effectLst/>
+                <a:latin typeface="Consolas" panose="020B0609020204030204" pitchFamily="49" charset="0"/>
+              </a:rPr>
+              <a:t> * x + </a:t>
+            </a:r>
+            <a:r>
+              <a:rPr lang="en-IN" sz="900" b="0" dirty="0" err="1">
+                <a:solidFill>
+                  <a:schemeClr val="tx1"/>
+                </a:solidFill>
+                <a:effectLst/>
+                <a:latin typeface="Consolas" panose="020B0609020204030204" pitchFamily="49" charset="0"/>
+              </a:rPr>
+              <a:t>constTerm</a:t>
+            </a:r>
+            <a:r>
+              <a:rPr lang="en-IN" sz="900" b="0" dirty="0">
+                <a:solidFill>
+                  <a:schemeClr val="tx1"/>
+                </a:solidFill>
+                <a:effectLst/>
+                <a:latin typeface="Consolas" panose="020B0609020204030204" pitchFamily="49" charset="0"/>
+              </a:rPr>
+              <a:t>;</a:t>
+            </a:r>
+          </a:p>
+          <a:p>
+            <a:r>
+              <a:rPr lang="en-IN" sz="900" b="0" dirty="0">
+                <a:solidFill>
+                  <a:schemeClr val="tx1"/>
+                </a:solidFill>
+                <a:effectLst/>
+                <a:latin typeface="Consolas" panose="020B0609020204030204" pitchFamily="49" charset="0"/>
+              </a:rPr>
+              <a:t>    }</a:t>
+            </a:r>
+          </a:p>
+          <a:p>
+            <a:endParaRPr lang="en-IN" sz="900" b="0" dirty="0">
               <a:solidFill>
-                <a:srgbClr val="AE36FF"/>
+                <a:schemeClr val="tx1"/>
               </a:solidFill>
-              <a:latin typeface="Arial" panose="020B0604020202020204" pitchFamily="34" charset="0"/>
-              <a:cs typeface="Arial" panose="020B0604020202020204" pitchFamily="34" charset="0"/>
+              <a:effectLst/>
+              <a:latin typeface="Consolas" panose="020B0609020204030204" pitchFamily="49" charset="0"/>
             </a:endParaRPr>
           </a:p>
-          <a:p>
-            <a:r>
-              <a:rPr lang="en-US" sz="2000" dirty="0">
-                <a:solidFill>
-                  <a:srgbClr val="AE36FF"/>
-                </a:solidFill>
-                <a:latin typeface="Arial" panose="020B0604020202020204" pitchFamily="34" charset="0"/>
-                <a:cs typeface="Arial" panose="020B0604020202020204" pitchFamily="34" charset="0"/>
-              </a:rPr>
-              <a:t>Outcome Graphs</a:t>
-            </a:r>
-          </a:p>
-          <a:p>
-            <a:endParaRPr lang="en-US" sz="2000" dirty="0">
-              <a:solidFill>
-                <a:srgbClr val="AE36FF"/>
-              </a:solidFill>
-              <a:latin typeface="Arial" panose="020B0604020202020204" pitchFamily="34" charset="0"/>
-              <a:cs typeface="Arial" panose="020B0604020202020204" pitchFamily="34" charset="0"/>
-            </a:endParaRPr>
-          </a:p>
-          <a:p>
-            <a:r>
-              <a:rPr lang="en-US" sz="2000" dirty="0">
-                <a:solidFill>
-                  <a:srgbClr val="AE36FF"/>
-                </a:solidFill>
-                <a:latin typeface="Arial" panose="020B0604020202020204" pitchFamily="34" charset="0"/>
-                <a:cs typeface="Arial" panose="020B0604020202020204" pitchFamily="34" charset="0"/>
-              </a:rPr>
-              <a:t>Comparative Studies</a:t>
-            </a:r>
-          </a:p>
-          <a:p>
-            <a:endParaRPr lang="en-IN" dirty="0">
-              <a:latin typeface="Arial" panose="020B0604020202020204" pitchFamily="34" charset="0"/>
-              <a:cs typeface="Arial" panose="020B0604020202020204" pitchFamily="34" charset="0"/>
-            </a:endParaRPr>
+        </p:txBody>
+      </p:sp>
+      <p:sp>
+        <p:nvSpPr>
+          <p:cNvPr id="17" name="TextBox 16">
+            <a:extLst>
+              <a:ext uri="{FF2B5EF4-FFF2-40B4-BE49-F238E27FC236}">
+                <a16:creationId xmlns:a16="http://schemas.microsoft.com/office/drawing/2014/main" id="{355A7C72-5F27-1690-338D-333D8C125287}"/>
+              </a:ext>
+            </a:extLst>
+          </p:cNvPr>
+          <p:cNvSpPr txBox="1"/>
+          <p:nvPr/>
+        </p:nvSpPr>
+        <p:spPr>
+          <a:xfrm>
+            <a:off x="6097572" y="478554"/>
+            <a:ext cx="6094428" cy="6324808"/>
+          </a:xfrm>
+          <a:prstGeom prst="rect">
+            <a:avLst/>
+          </a:prstGeom>
+          <a:noFill/>
+        </p:spPr>
+        <p:txBody>
+          <a:bodyPr wrap="square">
+            <a:spAutoFit/>
+          </a:bodyPr>
+          <a:lstStyle/>
+          <a:p>
+            <a:r>
+              <a:rPr lang="en-IN" sz="900" b="0" dirty="0">
+                <a:solidFill>
+                  <a:schemeClr val="tx1"/>
+                </a:solidFill>
+                <a:effectLst/>
+                <a:latin typeface="Consolas" panose="020B0609020204030204" pitchFamily="49" charset="0"/>
+              </a:rPr>
+              <a:t>    float </a:t>
+            </a:r>
+            <a:r>
+              <a:rPr lang="en-IN" sz="900" b="0" dirty="0" err="1">
+                <a:solidFill>
+                  <a:schemeClr val="tx1"/>
+                </a:solidFill>
+                <a:effectLst/>
+                <a:latin typeface="Consolas" panose="020B0609020204030204" pitchFamily="49" charset="0"/>
+              </a:rPr>
+              <a:t>errorSquare</a:t>
+            </a:r>
+            <a:r>
+              <a:rPr lang="en-IN" sz="900" b="0" dirty="0">
+                <a:solidFill>
+                  <a:schemeClr val="tx1"/>
+                </a:solidFill>
+                <a:effectLst/>
+                <a:latin typeface="Consolas" panose="020B0609020204030204" pitchFamily="49" charset="0"/>
+              </a:rPr>
+              <a:t>()</a:t>
+            </a:r>
+          </a:p>
+          <a:p>
+            <a:r>
+              <a:rPr lang="en-IN" sz="900" b="0" dirty="0">
+                <a:solidFill>
+                  <a:schemeClr val="tx1"/>
+                </a:solidFill>
+                <a:effectLst/>
+                <a:latin typeface="Consolas" panose="020B0609020204030204" pitchFamily="49" charset="0"/>
+              </a:rPr>
+              <a:t>    {</a:t>
+            </a:r>
+          </a:p>
+          <a:p>
+            <a:r>
+              <a:rPr lang="en-IN" sz="900" b="0" dirty="0">
+                <a:solidFill>
+                  <a:schemeClr val="tx1"/>
+                </a:solidFill>
+                <a:effectLst/>
+                <a:latin typeface="Consolas" panose="020B0609020204030204" pitchFamily="49" charset="0"/>
+              </a:rPr>
+              <a:t>        float </a:t>
+            </a:r>
+            <a:r>
+              <a:rPr lang="en-IN" sz="900" b="0" dirty="0" err="1">
+                <a:solidFill>
+                  <a:schemeClr val="tx1"/>
+                </a:solidFill>
+                <a:effectLst/>
+                <a:latin typeface="Consolas" panose="020B0609020204030204" pitchFamily="49" charset="0"/>
+              </a:rPr>
+              <a:t>ans</a:t>
+            </a:r>
+            <a:r>
+              <a:rPr lang="en-IN" sz="900" b="0" dirty="0">
+                <a:solidFill>
+                  <a:schemeClr val="tx1"/>
+                </a:solidFill>
+                <a:effectLst/>
+                <a:latin typeface="Consolas" panose="020B0609020204030204" pitchFamily="49" charset="0"/>
+              </a:rPr>
+              <a:t> = 0;</a:t>
+            </a:r>
+          </a:p>
+          <a:p>
+            <a:r>
+              <a:rPr lang="en-IN" sz="900" b="0" dirty="0">
+                <a:solidFill>
+                  <a:schemeClr val="tx1"/>
+                </a:solidFill>
+                <a:effectLst/>
+                <a:latin typeface="Consolas" panose="020B0609020204030204" pitchFamily="49" charset="0"/>
+              </a:rPr>
+              <a:t>        for (int </a:t>
+            </a:r>
+            <a:r>
+              <a:rPr lang="en-IN" sz="900" b="0" dirty="0" err="1">
+                <a:solidFill>
+                  <a:schemeClr val="tx1"/>
+                </a:solidFill>
+                <a:effectLst/>
+                <a:latin typeface="Consolas" panose="020B0609020204030204" pitchFamily="49" charset="0"/>
+              </a:rPr>
+              <a:t>i</a:t>
+            </a:r>
+            <a:r>
+              <a:rPr lang="en-IN" sz="900" b="0" dirty="0">
+                <a:solidFill>
+                  <a:schemeClr val="tx1"/>
+                </a:solidFill>
+                <a:effectLst/>
+                <a:latin typeface="Consolas" panose="020B0609020204030204" pitchFamily="49" charset="0"/>
+              </a:rPr>
+              <a:t> = 0;</a:t>
+            </a:r>
+          </a:p>
+          <a:p>
+            <a:r>
+              <a:rPr lang="en-IN" sz="900" b="0" dirty="0">
+                <a:solidFill>
+                  <a:schemeClr val="tx1"/>
+                </a:solidFill>
+                <a:effectLst/>
+                <a:latin typeface="Consolas" panose="020B0609020204030204" pitchFamily="49" charset="0"/>
+              </a:rPr>
+              <a:t>            </a:t>
+            </a:r>
+            <a:r>
+              <a:rPr lang="en-IN" sz="900" b="0" dirty="0" err="1">
+                <a:solidFill>
+                  <a:schemeClr val="tx1"/>
+                </a:solidFill>
+                <a:effectLst/>
+                <a:latin typeface="Consolas" panose="020B0609020204030204" pitchFamily="49" charset="0"/>
+              </a:rPr>
+              <a:t>i</a:t>
+            </a:r>
+            <a:r>
+              <a:rPr lang="en-IN" sz="900" b="0" dirty="0">
+                <a:solidFill>
+                  <a:schemeClr val="tx1"/>
+                </a:solidFill>
+                <a:effectLst/>
+                <a:latin typeface="Consolas" panose="020B0609020204030204" pitchFamily="49" charset="0"/>
+              </a:rPr>
+              <a:t> &lt; </a:t>
+            </a:r>
+            <a:r>
+              <a:rPr lang="en-IN" sz="900" b="0" dirty="0" err="1">
+                <a:solidFill>
+                  <a:schemeClr val="tx1"/>
+                </a:solidFill>
+                <a:effectLst/>
+                <a:latin typeface="Consolas" panose="020B0609020204030204" pitchFamily="49" charset="0"/>
+              </a:rPr>
+              <a:t>x.size</a:t>
+            </a:r>
+            <a:r>
+              <a:rPr lang="en-IN" sz="900" b="0" dirty="0">
+                <a:solidFill>
+                  <a:schemeClr val="tx1"/>
+                </a:solidFill>
+                <a:effectLst/>
+                <a:latin typeface="Consolas" panose="020B0609020204030204" pitchFamily="49" charset="0"/>
+              </a:rPr>
+              <a:t>(); </a:t>
+            </a:r>
+            <a:r>
+              <a:rPr lang="en-IN" sz="900" b="0" dirty="0" err="1">
+                <a:solidFill>
+                  <a:schemeClr val="tx1"/>
+                </a:solidFill>
+                <a:effectLst/>
+                <a:latin typeface="Consolas" panose="020B0609020204030204" pitchFamily="49" charset="0"/>
+              </a:rPr>
+              <a:t>i</a:t>
+            </a:r>
+            <a:r>
+              <a:rPr lang="en-IN" sz="900" b="0" dirty="0">
+                <a:solidFill>
+                  <a:schemeClr val="tx1"/>
+                </a:solidFill>
+                <a:effectLst/>
+                <a:latin typeface="Consolas" panose="020B0609020204030204" pitchFamily="49" charset="0"/>
+              </a:rPr>
+              <a:t>++) {</a:t>
+            </a:r>
+          </a:p>
+          <a:p>
+            <a:r>
+              <a:rPr lang="en-IN" sz="900" b="0" dirty="0">
+                <a:solidFill>
+                  <a:schemeClr val="tx1"/>
+                </a:solidFill>
+                <a:effectLst/>
+                <a:latin typeface="Consolas" panose="020B0609020204030204" pitchFamily="49" charset="0"/>
+              </a:rPr>
+              <a:t>            </a:t>
+            </a:r>
+            <a:r>
+              <a:rPr lang="en-IN" sz="900" b="0" dirty="0" err="1">
+                <a:solidFill>
+                  <a:schemeClr val="tx1"/>
+                </a:solidFill>
+                <a:effectLst/>
+                <a:latin typeface="Consolas" panose="020B0609020204030204" pitchFamily="49" charset="0"/>
+              </a:rPr>
+              <a:t>ans</a:t>
+            </a:r>
+            <a:r>
+              <a:rPr lang="en-IN" sz="900" b="0" dirty="0">
+                <a:solidFill>
+                  <a:schemeClr val="tx1"/>
+                </a:solidFill>
+                <a:effectLst/>
+                <a:latin typeface="Consolas" panose="020B0609020204030204" pitchFamily="49" charset="0"/>
+              </a:rPr>
+              <a:t> += ((predict(x[</a:t>
+            </a:r>
+            <a:r>
+              <a:rPr lang="en-IN" sz="900" b="0" dirty="0" err="1">
+                <a:solidFill>
+                  <a:schemeClr val="tx1"/>
+                </a:solidFill>
+                <a:effectLst/>
+                <a:latin typeface="Consolas" panose="020B0609020204030204" pitchFamily="49" charset="0"/>
+              </a:rPr>
+              <a:t>i</a:t>
+            </a:r>
+            <a:r>
+              <a:rPr lang="en-IN" sz="900" b="0" dirty="0">
+                <a:solidFill>
+                  <a:schemeClr val="tx1"/>
+                </a:solidFill>
+                <a:effectLst/>
+                <a:latin typeface="Consolas" panose="020B0609020204030204" pitchFamily="49" charset="0"/>
+              </a:rPr>
+              <a:t>]) - y[</a:t>
+            </a:r>
+            <a:r>
+              <a:rPr lang="en-IN" sz="900" b="0" dirty="0" err="1">
+                <a:solidFill>
+                  <a:schemeClr val="tx1"/>
+                </a:solidFill>
+                <a:effectLst/>
+                <a:latin typeface="Consolas" panose="020B0609020204030204" pitchFamily="49" charset="0"/>
+              </a:rPr>
+              <a:t>i</a:t>
+            </a:r>
+            <a:r>
+              <a:rPr lang="en-IN" sz="900" b="0" dirty="0">
+                <a:solidFill>
+                  <a:schemeClr val="tx1"/>
+                </a:solidFill>
+                <a:effectLst/>
+                <a:latin typeface="Consolas" panose="020B0609020204030204" pitchFamily="49" charset="0"/>
+              </a:rPr>
+              <a:t>])</a:t>
+            </a:r>
+          </a:p>
+          <a:p>
+            <a:r>
+              <a:rPr lang="en-IN" sz="900" b="0" dirty="0">
+                <a:solidFill>
+                  <a:schemeClr val="tx1"/>
+                </a:solidFill>
+                <a:effectLst/>
+                <a:latin typeface="Consolas" panose="020B0609020204030204" pitchFamily="49" charset="0"/>
+              </a:rPr>
+              <a:t>                    * (predict(x[</a:t>
+            </a:r>
+            <a:r>
+              <a:rPr lang="en-IN" sz="900" b="0" dirty="0" err="1">
+                <a:solidFill>
+                  <a:schemeClr val="tx1"/>
+                </a:solidFill>
+                <a:effectLst/>
+                <a:latin typeface="Consolas" panose="020B0609020204030204" pitchFamily="49" charset="0"/>
+              </a:rPr>
+              <a:t>i</a:t>
+            </a:r>
+            <a:r>
+              <a:rPr lang="en-IN" sz="900" b="0" dirty="0">
+                <a:solidFill>
+                  <a:schemeClr val="tx1"/>
+                </a:solidFill>
+                <a:effectLst/>
+                <a:latin typeface="Consolas" panose="020B0609020204030204" pitchFamily="49" charset="0"/>
+              </a:rPr>
+              <a:t>]) - y[</a:t>
+            </a:r>
+            <a:r>
+              <a:rPr lang="en-IN" sz="900" b="0" dirty="0" err="1">
+                <a:solidFill>
+                  <a:schemeClr val="tx1"/>
+                </a:solidFill>
+                <a:effectLst/>
+                <a:latin typeface="Consolas" panose="020B0609020204030204" pitchFamily="49" charset="0"/>
+              </a:rPr>
+              <a:t>i</a:t>
+            </a:r>
+            <a:r>
+              <a:rPr lang="en-IN" sz="900" b="0" dirty="0">
+                <a:solidFill>
+                  <a:schemeClr val="tx1"/>
+                </a:solidFill>
+                <a:effectLst/>
+                <a:latin typeface="Consolas" panose="020B0609020204030204" pitchFamily="49" charset="0"/>
+              </a:rPr>
+              <a:t>]));</a:t>
+            </a:r>
+          </a:p>
+          <a:p>
+            <a:r>
+              <a:rPr lang="en-IN" sz="900" b="0" dirty="0">
+                <a:solidFill>
+                  <a:schemeClr val="tx1"/>
+                </a:solidFill>
+                <a:effectLst/>
+                <a:latin typeface="Consolas" panose="020B0609020204030204" pitchFamily="49" charset="0"/>
+              </a:rPr>
+              <a:t>        }</a:t>
+            </a:r>
+          </a:p>
+          <a:p>
+            <a:r>
+              <a:rPr lang="en-IN" sz="900" b="0" dirty="0">
+                <a:solidFill>
+                  <a:schemeClr val="tx1"/>
+                </a:solidFill>
+                <a:effectLst/>
+                <a:latin typeface="Consolas" panose="020B0609020204030204" pitchFamily="49" charset="0"/>
+              </a:rPr>
+              <a:t>        return </a:t>
+            </a:r>
+            <a:r>
+              <a:rPr lang="en-IN" sz="900" b="0" dirty="0" err="1">
+                <a:solidFill>
+                  <a:schemeClr val="tx1"/>
+                </a:solidFill>
+                <a:effectLst/>
+                <a:latin typeface="Consolas" panose="020B0609020204030204" pitchFamily="49" charset="0"/>
+              </a:rPr>
+              <a:t>ans</a:t>
+            </a:r>
+            <a:r>
+              <a:rPr lang="en-IN" sz="900" b="0" dirty="0">
+                <a:solidFill>
+                  <a:schemeClr val="tx1"/>
+                </a:solidFill>
+                <a:effectLst/>
+                <a:latin typeface="Consolas" panose="020B0609020204030204" pitchFamily="49" charset="0"/>
+              </a:rPr>
+              <a:t>;</a:t>
+            </a:r>
+          </a:p>
+          <a:p>
+            <a:r>
+              <a:rPr lang="en-IN" sz="900" b="0" dirty="0">
+                <a:solidFill>
+                  <a:schemeClr val="tx1"/>
+                </a:solidFill>
+                <a:effectLst/>
+                <a:latin typeface="Consolas" panose="020B0609020204030204" pitchFamily="49" charset="0"/>
+              </a:rPr>
+              <a:t>    }</a:t>
+            </a:r>
+          </a:p>
+          <a:p>
+            <a:br>
+              <a:rPr lang="en-IN" sz="900" b="0" dirty="0">
+                <a:solidFill>
+                  <a:schemeClr val="tx1"/>
+                </a:solidFill>
+                <a:effectLst/>
+                <a:latin typeface="Consolas" panose="020B0609020204030204" pitchFamily="49" charset="0"/>
+              </a:rPr>
+            </a:br>
+            <a:r>
+              <a:rPr lang="en-IN" sz="900" b="0" dirty="0">
+                <a:solidFill>
+                  <a:schemeClr val="tx1"/>
+                </a:solidFill>
+                <a:effectLst/>
+                <a:latin typeface="Consolas" panose="020B0609020204030204" pitchFamily="49" charset="0"/>
+              </a:rPr>
+              <a:t>    float </a:t>
+            </a:r>
+            <a:r>
+              <a:rPr lang="en-IN" sz="900" b="0" dirty="0" err="1">
+                <a:solidFill>
+                  <a:schemeClr val="tx1"/>
+                </a:solidFill>
+                <a:effectLst/>
+                <a:latin typeface="Consolas" panose="020B0609020204030204" pitchFamily="49" charset="0"/>
+              </a:rPr>
+              <a:t>errorIn</a:t>
+            </a:r>
+            <a:r>
+              <a:rPr lang="en-IN" sz="900" b="0" dirty="0">
+                <a:solidFill>
+                  <a:schemeClr val="tx1"/>
+                </a:solidFill>
+                <a:effectLst/>
+                <a:latin typeface="Consolas" panose="020B0609020204030204" pitchFamily="49" charset="0"/>
+              </a:rPr>
+              <a:t>(float </a:t>
+            </a:r>
+            <a:r>
+              <a:rPr lang="en-IN" sz="900" b="0" dirty="0" err="1">
+                <a:solidFill>
+                  <a:schemeClr val="tx1"/>
+                </a:solidFill>
+                <a:effectLst/>
+                <a:latin typeface="Consolas" panose="020B0609020204030204" pitchFamily="49" charset="0"/>
+              </a:rPr>
+              <a:t>num</a:t>
+            </a:r>
+            <a:r>
+              <a:rPr lang="en-IN" sz="900" b="0" dirty="0">
+                <a:solidFill>
+                  <a:schemeClr val="tx1"/>
+                </a:solidFill>
+                <a:effectLst/>
+                <a:latin typeface="Consolas" panose="020B0609020204030204" pitchFamily="49" charset="0"/>
+              </a:rPr>
+              <a:t>)</a:t>
+            </a:r>
+          </a:p>
+          <a:p>
+            <a:r>
+              <a:rPr lang="en-IN" sz="900" b="0" dirty="0">
+                <a:solidFill>
+                  <a:schemeClr val="tx1"/>
+                </a:solidFill>
+                <a:effectLst/>
+                <a:latin typeface="Consolas" panose="020B0609020204030204" pitchFamily="49" charset="0"/>
+              </a:rPr>
+              <a:t>    {</a:t>
+            </a:r>
+          </a:p>
+          <a:p>
+            <a:r>
+              <a:rPr lang="en-IN" sz="900" b="0" dirty="0">
+                <a:solidFill>
+                  <a:schemeClr val="tx1"/>
+                </a:solidFill>
+                <a:effectLst/>
+                <a:latin typeface="Consolas" panose="020B0609020204030204" pitchFamily="49" charset="0"/>
+              </a:rPr>
+              <a:t>        for (int </a:t>
+            </a:r>
+            <a:r>
+              <a:rPr lang="en-IN" sz="900" b="0" dirty="0" err="1">
+                <a:solidFill>
+                  <a:schemeClr val="tx1"/>
+                </a:solidFill>
+                <a:effectLst/>
+                <a:latin typeface="Consolas" panose="020B0609020204030204" pitchFamily="49" charset="0"/>
+              </a:rPr>
+              <a:t>i</a:t>
+            </a:r>
+            <a:r>
+              <a:rPr lang="en-IN" sz="900" b="0" dirty="0">
+                <a:solidFill>
+                  <a:schemeClr val="tx1"/>
+                </a:solidFill>
+                <a:effectLst/>
+                <a:latin typeface="Consolas" panose="020B0609020204030204" pitchFamily="49" charset="0"/>
+              </a:rPr>
+              <a:t> = 0;</a:t>
+            </a:r>
+          </a:p>
+          <a:p>
+            <a:r>
+              <a:rPr lang="en-IN" sz="900" b="0" dirty="0">
+                <a:solidFill>
+                  <a:schemeClr val="tx1"/>
+                </a:solidFill>
+                <a:effectLst/>
+                <a:latin typeface="Consolas" panose="020B0609020204030204" pitchFamily="49" charset="0"/>
+              </a:rPr>
+              <a:t>            </a:t>
+            </a:r>
+            <a:r>
+              <a:rPr lang="en-IN" sz="900" b="0" dirty="0" err="1">
+                <a:solidFill>
+                  <a:schemeClr val="tx1"/>
+                </a:solidFill>
+                <a:effectLst/>
+                <a:latin typeface="Consolas" panose="020B0609020204030204" pitchFamily="49" charset="0"/>
+              </a:rPr>
+              <a:t>i</a:t>
+            </a:r>
+            <a:r>
+              <a:rPr lang="en-IN" sz="900" b="0" dirty="0">
+                <a:solidFill>
+                  <a:schemeClr val="tx1"/>
+                </a:solidFill>
+                <a:effectLst/>
+                <a:latin typeface="Consolas" panose="020B0609020204030204" pitchFamily="49" charset="0"/>
+              </a:rPr>
+              <a:t> &lt; </a:t>
+            </a:r>
+            <a:r>
+              <a:rPr lang="en-IN" sz="900" b="0" dirty="0" err="1">
+                <a:solidFill>
+                  <a:schemeClr val="tx1"/>
+                </a:solidFill>
+                <a:effectLst/>
+                <a:latin typeface="Consolas" panose="020B0609020204030204" pitchFamily="49" charset="0"/>
+              </a:rPr>
+              <a:t>x.size</a:t>
+            </a:r>
+            <a:r>
+              <a:rPr lang="en-IN" sz="900" b="0" dirty="0">
+                <a:solidFill>
+                  <a:schemeClr val="tx1"/>
+                </a:solidFill>
+                <a:effectLst/>
+                <a:latin typeface="Consolas" panose="020B0609020204030204" pitchFamily="49" charset="0"/>
+              </a:rPr>
+              <a:t>(); </a:t>
+            </a:r>
+            <a:r>
+              <a:rPr lang="en-IN" sz="900" b="0" dirty="0" err="1">
+                <a:solidFill>
+                  <a:schemeClr val="tx1"/>
+                </a:solidFill>
+                <a:effectLst/>
+                <a:latin typeface="Consolas" panose="020B0609020204030204" pitchFamily="49" charset="0"/>
+              </a:rPr>
+              <a:t>i</a:t>
+            </a:r>
+            <a:r>
+              <a:rPr lang="en-IN" sz="900" b="0" dirty="0">
+                <a:solidFill>
+                  <a:schemeClr val="tx1"/>
+                </a:solidFill>
+                <a:effectLst/>
+                <a:latin typeface="Consolas" panose="020B0609020204030204" pitchFamily="49" charset="0"/>
+              </a:rPr>
+              <a:t>++) {</a:t>
+            </a:r>
+          </a:p>
+          <a:p>
+            <a:r>
+              <a:rPr lang="en-IN" sz="900" b="0" dirty="0">
+                <a:solidFill>
+                  <a:schemeClr val="tx1"/>
+                </a:solidFill>
+                <a:effectLst/>
+                <a:latin typeface="Consolas" panose="020B0609020204030204" pitchFamily="49" charset="0"/>
+              </a:rPr>
+              <a:t>            if (</a:t>
+            </a:r>
+            <a:r>
+              <a:rPr lang="en-IN" sz="900" b="0" dirty="0" err="1">
+                <a:solidFill>
+                  <a:schemeClr val="tx1"/>
+                </a:solidFill>
+                <a:effectLst/>
+                <a:latin typeface="Consolas" panose="020B0609020204030204" pitchFamily="49" charset="0"/>
+              </a:rPr>
+              <a:t>num</a:t>
+            </a:r>
+            <a:r>
+              <a:rPr lang="en-IN" sz="900" b="0" dirty="0">
+                <a:solidFill>
+                  <a:schemeClr val="tx1"/>
+                </a:solidFill>
+                <a:effectLst/>
+                <a:latin typeface="Consolas" panose="020B0609020204030204" pitchFamily="49" charset="0"/>
+              </a:rPr>
+              <a:t> == x[</a:t>
+            </a:r>
+            <a:r>
+              <a:rPr lang="en-IN" sz="900" b="0" dirty="0" err="1">
+                <a:solidFill>
+                  <a:schemeClr val="tx1"/>
+                </a:solidFill>
+                <a:effectLst/>
+                <a:latin typeface="Consolas" panose="020B0609020204030204" pitchFamily="49" charset="0"/>
+              </a:rPr>
+              <a:t>i</a:t>
+            </a:r>
+            <a:r>
+              <a:rPr lang="en-IN" sz="900" b="0" dirty="0">
+                <a:solidFill>
+                  <a:schemeClr val="tx1"/>
+                </a:solidFill>
+                <a:effectLst/>
+                <a:latin typeface="Consolas" panose="020B0609020204030204" pitchFamily="49" charset="0"/>
+              </a:rPr>
+              <a:t>]) {</a:t>
+            </a:r>
+          </a:p>
+          <a:p>
+            <a:r>
+              <a:rPr lang="en-IN" sz="900" b="0" dirty="0">
+                <a:solidFill>
+                  <a:schemeClr val="tx1"/>
+                </a:solidFill>
+                <a:effectLst/>
+                <a:latin typeface="Consolas" panose="020B0609020204030204" pitchFamily="49" charset="0"/>
+              </a:rPr>
+              <a:t>                return (y[</a:t>
+            </a:r>
+            <a:r>
+              <a:rPr lang="en-IN" sz="900" b="0" dirty="0" err="1">
+                <a:solidFill>
+                  <a:schemeClr val="tx1"/>
+                </a:solidFill>
+                <a:effectLst/>
+                <a:latin typeface="Consolas" panose="020B0609020204030204" pitchFamily="49" charset="0"/>
+              </a:rPr>
+              <a:t>i</a:t>
+            </a:r>
+            <a:r>
+              <a:rPr lang="en-IN" sz="900" b="0" dirty="0">
+                <a:solidFill>
+                  <a:schemeClr val="tx1"/>
+                </a:solidFill>
+                <a:effectLst/>
+                <a:latin typeface="Consolas" panose="020B0609020204030204" pitchFamily="49" charset="0"/>
+              </a:rPr>
+              <a:t>] - predict(x[</a:t>
+            </a:r>
+            <a:r>
+              <a:rPr lang="en-IN" sz="900" b="0" dirty="0" err="1">
+                <a:solidFill>
+                  <a:schemeClr val="tx1"/>
+                </a:solidFill>
+                <a:effectLst/>
+                <a:latin typeface="Consolas" panose="020B0609020204030204" pitchFamily="49" charset="0"/>
+              </a:rPr>
+              <a:t>i</a:t>
+            </a:r>
+            <a:r>
+              <a:rPr lang="en-IN" sz="900" b="0" dirty="0">
+                <a:solidFill>
+                  <a:schemeClr val="tx1"/>
+                </a:solidFill>
+                <a:effectLst/>
+                <a:latin typeface="Consolas" panose="020B0609020204030204" pitchFamily="49" charset="0"/>
+              </a:rPr>
+              <a:t>]));</a:t>
+            </a:r>
+          </a:p>
+          <a:p>
+            <a:r>
+              <a:rPr lang="en-IN" sz="900" b="0" dirty="0">
+                <a:solidFill>
+                  <a:schemeClr val="tx1"/>
+                </a:solidFill>
+                <a:effectLst/>
+                <a:latin typeface="Consolas" panose="020B0609020204030204" pitchFamily="49" charset="0"/>
+              </a:rPr>
+              <a:t>            }</a:t>
+            </a:r>
+          </a:p>
+          <a:p>
+            <a:r>
+              <a:rPr lang="en-IN" sz="900" b="0" dirty="0">
+                <a:solidFill>
+                  <a:schemeClr val="tx1"/>
+                </a:solidFill>
+                <a:effectLst/>
+                <a:latin typeface="Consolas" panose="020B0609020204030204" pitchFamily="49" charset="0"/>
+              </a:rPr>
+              <a:t>        }</a:t>
+            </a:r>
+          </a:p>
+          <a:p>
+            <a:r>
+              <a:rPr lang="en-IN" sz="900" b="0" dirty="0">
+                <a:solidFill>
+                  <a:schemeClr val="tx1"/>
+                </a:solidFill>
+                <a:effectLst/>
+                <a:latin typeface="Consolas" panose="020B0609020204030204" pitchFamily="49" charset="0"/>
+              </a:rPr>
+              <a:t>        return 0;</a:t>
+            </a:r>
+          </a:p>
+          <a:p>
+            <a:r>
+              <a:rPr lang="en-IN" sz="900" b="0" dirty="0">
+                <a:solidFill>
+                  <a:schemeClr val="tx1"/>
+                </a:solidFill>
+                <a:effectLst/>
+                <a:latin typeface="Consolas" panose="020B0609020204030204" pitchFamily="49" charset="0"/>
+              </a:rPr>
+              <a:t>    }</a:t>
+            </a:r>
+          </a:p>
+          <a:p>
+            <a:r>
+              <a:rPr lang="en-IN" sz="900" b="0" dirty="0">
+                <a:solidFill>
+                  <a:schemeClr val="tx1"/>
+                </a:solidFill>
+                <a:effectLst/>
+                <a:latin typeface="Consolas" panose="020B0609020204030204" pitchFamily="49" charset="0"/>
+              </a:rPr>
+              <a:t>};</a:t>
+            </a:r>
+          </a:p>
+          <a:p>
+            <a:br>
+              <a:rPr lang="en-IN" sz="900" b="0" dirty="0">
+                <a:solidFill>
+                  <a:schemeClr val="tx1"/>
+                </a:solidFill>
+                <a:effectLst/>
+                <a:latin typeface="Consolas" panose="020B0609020204030204" pitchFamily="49" charset="0"/>
+              </a:rPr>
+            </a:br>
+            <a:r>
+              <a:rPr lang="en-IN" sz="900" b="0" dirty="0">
+                <a:solidFill>
+                  <a:schemeClr val="tx1"/>
+                </a:solidFill>
+                <a:effectLst/>
+                <a:latin typeface="Consolas" panose="020B0609020204030204" pitchFamily="49" charset="0"/>
+              </a:rPr>
+              <a:t>// Driver code</a:t>
+            </a:r>
+          </a:p>
+          <a:p>
+            <a:r>
+              <a:rPr lang="en-IN" sz="900" b="0" dirty="0">
+                <a:solidFill>
+                  <a:schemeClr val="tx1"/>
+                </a:solidFill>
+                <a:effectLst/>
+                <a:latin typeface="Consolas" panose="020B0609020204030204" pitchFamily="49" charset="0"/>
+              </a:rPr>
+              <a:t>int main()</a:t>
+            </a:r>
+          </a:p>
+          <a:p>
+            <a:r>
+              <a:rPr lang="en-IN" sz="900" b="0" dirty="0">
+                <a:solidFill>
+                  <a:schemeClr val="tx1"/>
+                </a:solidFill>
+                <a:effectLst/>
+                <a:latin typeface="Consolas" panose="020B0609020204030204" pitchFamily="49" charset="0"/>
+              </a:rPr>
+              <a:t>{</a:t>
+            </a:r>
+          </a:p>
+          <a:p>
+            <a:r>
+              <a:rPr lang="en-IN" sz="900" b="0" dirty="0">
+                <a:solidFill>
+                  <a:schemeClr val="tx1"/>
+                </a:solidFill>
+                <a:effectLst/>
+                <a:latin typeface="Consolas" panose="020B0609020204030204" pitchFamily="49" charset="0"/>
+              </a:rPr>
+              <a:t>    </a:t>
+            </a:r>
+            <a:r>
+              <a:rPr lang="en-IN" sz="900" b="0" dirty="0" err="1">
+                <a:solidFill>
+                  <a:schemeClr val="tx1"/>
+                </a:solidFill>
+                <a:effectLst/>
+                <a:latin typeface="Consolas" panose="020B0609020204030204" pitchFamily="49" charset="0"/>
+              </a:rPr>
+              <a:t>freopen</a:t>
+            </a:r>
+            <a:r>
+              <a:rPr lang="en-IN" sz="900" b="0" dirty="0">
+                <a:solidFill>
+                  <a:schemeClr val="tx1"/>
+                </a:solidFill>
+                <a:effectLst/>
+                <a:latin typeface="Consolas" panose="020B0609020204030204" pitchFamily="49" charset="0"/>
+              </a:rPr>
+              <a:t>("Data2.txt", "</a:t>
+            </a:r>
+            <a:r>
+              <a:rPr lang="en-IN" sz="900" b="0" dirty="0" err="1">
+                <a:solidFill>
+                  <a:schemeClr val="tx1"/>
+                </a:solidFill>
+                <a:effectLst/>
+                <a:latin typeface="Consolas" panose="020B0609020204030204" pitchFamily="49" charset="0"/>
+              </a:rPr>
+              <a:t>r",stdin</a:t>
+            </a:r>
+            <a:r>
+              <a:rPr lang="en-IN" sz="900" b="0" dirty="0">
+                <a:solidFill>
+                  <a:schemeClr val="tx1"/>
+                </a:solidFill>
+                <a:effectLst/>
+                <a:latin typeface="Consolas" panose="020B0609020204030204" pitchFamily="49" charset="0"/>
+              </a:rPr>
+              <a:t>);</a:t>
+            </a:r>
+          </a:p>
+          <a:p>
+            <a:r>
+              <a:rPr lang="en-IN" sz="900" b="0" dirty="0">
+                <a:solidFill>
+                  <a:schemeClr val="tx1"/>
+                </a:solidFill>
+                <a:effectLst/>
+                <a:latin typeface="Consolas" panose="020B0609020204030204" pitchFamily="49" charset="0"/>
+              </a:rPr>
+              <a:t>    regression reg;</a:t>
+            </a:r>
+          </a:p>
+          <a:p>
+            <a:br>
+              <a:rPr lang="en-IN" sz="900" b="0" dirty="0">
+                <a:solidFill>
+                  <a:schemeClr val="tx1"/>
+                </a:solidFill>
+                <a:effectLst/>
+                <a:latin typeface="Consolas" panose="020B0609020204030204" pitchFamily="49" charset="0"/>
+              </a:rPr>
+            </a:br>
+            <a:r>
+              <a:rPr lang="en-IN" sz="900" b="0" dirty="0">
+                <a:solidFill>
+                  <a:schemeClr val="tx1"/>
+                </a:solidFill>
+                <a:effectLst/>
+                <a:latin typeface="Consolas" panose="020B0609020204030204" pitchFamily="49" charset="0"/>
+              </a:rPr>
+              <a:t>    </a:t>
+            </a:r>
+          </a:p>
+          <a:p>
+            <a:r>
+              <a:rPr lang="en-IN" sz="900" b="0" dirty="0">
+                <a:solidFill>
+                  <a:schemeClr val="tx1"/>
+                </a:solidFill>
+                <a:effectLst/>
+                <a:latin typeface="Consolas" panose="020B0609020204030204" pitchFamily="49" charset="0"/>
+              </a:rPr>
+              <a:t>    int n;</a:t>
+            </a:r>
+          </a:p>
+          <a:p>
+            <a:r>
+              <a:rPr lang="en-IN" sz="900" b="0" dirty="0">
+                <a:solidFill>
+                  <a:schemeClr val="tx1"/>
+                </a:solidFill>
+                <a:effectLst/>
+                <a:latin typeface="Consolas" panose="020B0609020204030204" pitchFamily="49" charset="0"/>
+              </a:rPr>
+              <a:t>    </a:t>
+            </a:r>
+            <a:r>
+              <a:rPr lang="en-IN" sz="900" b="0" dirty="0" err="1">
+                <a:solidFill>
+                  <a:schemeClr val="tx1"/>
+                </a:solidFill>
+                <a:effectLst/>
+                <a:latin typeface="Consolas" panose="020B0609020204030204" pitchFamily="49" charset="0"/>
+              </a:rPr>
+              <a:t>cin</a:t>
+            </a:r>
+            <a:r>
+              <a:rPr lang="en-IN" sz="900" b="0" dirty="0">
+                <a:solidFill>
+                  <a:schemeClr val="tx1"/>
+                </a:solidFill>
+                <a:effectLst/>
+                <a:latin typeface="Consolas" panose="020B0609020204030204" pitchFamily="49" charset="0"/>
+              </a:rPr>
+              <a:t> &gt;&gt; n;</a:t>
+            </a:r>
+          </a:p>
+          <a:p>
+            <a:br>
+              <a:rPr lang="en-IN" sz="900" b="0" dirty="0">
+                <a:solidFill>
+                  <a:schemeClr val="tx1"/>
+                </a:solidFill>
+                <a:effectLst/>
+                <a:latin typeface="Consolas" panose="020B0609020204030204" pitchFamily="49" charset="0"/>
+              </a:rPr>
+            </a:br>
+            <a:r>
+              <a:rPr lang="en-IN" sz="900" b="0" dirty="0">
+                <a:solidFill>
+                  <a:schemeClr val="tx1"/>
+                </a:solidFill>
+                <a:effectLst/>
+                <a:latin typeface="Consolas" panose="020B0609020204030204" pitchFamily="49" charset="0"/>
+              </a:rPr>
+              <a:t>    </a:t>
+            </a:r>
+          </a:p>
+          <a:p>
+            <a:r>
+              <a:rPr lang="en-IN" sz="900" b="0" dirty="0">
+                <a:solidFill>
+                  <a:schemeClr val="tx1"/>
+                </a:solidFill>
+                <a:effectLst/>
+                <a:latin typeface="Consolas" panose="020B0609020204030204" pitchFamily="49" charset="0"/>
+              </a:rPr>
+              <a:t>    </a:t>
+            </a:r>
+            <a:r>
+              <a:rPr lang="en-IN" sz="900" b="0" dirty="0" err="1">
+                <a:solidFill>
+                  <a:schemeClr val="tx1"/>
+                </a:solidFill>
+                <a:effectLst/>
+                <a:latin typeface="Consolas" panose="020B0609020204030204" pitchFamily="49" charset="0"/>
+              </a:rPr>
+              <a:t>reg.takeInput</a:t>
+            </a:r>
+            <a:r>
+              <a:rPr lang="en-IN" sz="900" b="0" dirty="0">
+                <a:solidFill>
+                  <a:schemeClr val="tx1"/>
+                </a:solidFill>
+                <a:effectLst/>
+                <a:latin typeface="Consolas" panose="020B0609020204030204" pitchFamily="49" charset="0"/>
+              </a:rPr>
+              <a:t>(n);</a:t>
+            </a:r>
+          </a:p>
+          <a:p>
+            <a:br>
+              <a:rPr lang="en-IN" sz="900" b="0" dirty="0">
+                <a:solidFill>
+                  <a:schemeClr val="tx1"/>
+                </a:solidFill>
+                <a:effectLst/>
+                <a:latin typeface="Consolas" panose="020B0609020204030204" pitchFamily="49" charset="0"/>
+              </a:rPr>
+            </a:br>
+            <a:br>
+              <a:rPr lang="en-IN" sz="900" b="0" dirty="0">
+                <a:solidFill>
+                  <a:schemeClr val="tx1"/>
+                </a:solidFill>
+                <a:effectLst/>
+                <a:latin typeface="Consolas" panose="020B0609020204030204" pitchFamily="49" charset="0"/>
+              </a:rPr>
+            </a:br>
+            <a:r>
+              <a:rPr lang="en-IN" sz="900" b="0" dirty="0">
+                <a:solidFill>
+                  <a:schemeClr val="tx1"/>
+                </a:solidFill>
+                <a:effectLst/>
+                <a:latin typeface="Consolas" panose="020B0609020204030204" pitchFamily="49" charset="0"/>
+              </a:rPr>
+              <a:t>    </a:t>
+            </a:r>
+            <a:r>
+              <a:rPr lang="en-IN" sz="900" b="0" dirty="0" err="1">
+                <a:solidFill>
+                  <a:schemeClr val="tx1"/>
+                </a:solidFill>
+                <a:effectLst/>
+                <a:latin typeface="Consolas" panose="020B0609020204030204" pitchFamily="49" charset="0"/>
+              </a:rPr>
+              <a:t>reg.PrintBestFittingLine</a:t>
+            </a:r>
+            <a:r>
+              <a:rPr lang="en-IN" sz="900" b="0" dirty="0">
+                <a:solidFill>
+                  <a:schemeClr val="tx1"/>
+                </a:solidFill>
+                <a:effectLst/>
+                <a:latin typeface="Consolas" panose="020B0609020204030204" pitchFamily="49" charset="0"/>
+              </a:rPr>
+              <a:t>();</a:t>
+            </a:r>
+          </a:p>
+          <a:p>
+            <a:r>
+              <a:rPr lang="en-IN" sz="900" b="0" dirty="0">
+                <a:solidFill>
+                  <a:schemeClr val="tx1"/>
+                </a:solidFill>
+                <a:effectLst/>
+                <a:latin typeface="Consolas" panose="020B0609020204030204" pitchFamily="49" charset="0"/>
+              </a:rPr>
+              <a:t>    </a:t>
+            </a:r>
+            <a:r>
+              <a:rPr lang="en-IN" sz="900" b="0" dirty="0" err="1">
+                <a:solidFill>
+                  <a:schemeClr val="tx1"/>
+                </a:solidFill>
+                <a:effectLst/>
+                <a:latin typeface="Consolas" panose="020B0609020204030204" pitchFamily="49" charset="0"/>
+              </a:rPr>
+              <a:t>cout</a:t>
+            </a:r>
+            <a:r>
+              <a:rPr lang="en-IN" sz="900" b="0" dirty="0">
+                <a:solidFill>
+                  <a:schemeClr val="tx1"/>
+                </a:solidFill>
+                <a:effectLst/>
+                <a:latin typeface="Consolas" panose="020B0609020204030204" pitchFamily="49" charset="0"/>
+              </a:rPr>
+              <a:t> &lt;&lt; "Predicted value at 2010.0316 = "</a:t>
+            </a:r>
+          </a:p>
+          <a:p>
+            <a:r>
+              <a:rPr lang="en-IN" sz="900" b="0" dirty="0">
+                <a:solidFill>
+                  <a:schemeClr val="tx1"/>
+                </a:solidFill>
+                <a:effectLst/>
+                <a:latin typeface="Consolas" panose="020B0609020204030204" pitchFamily="49" charset="0"/>
+              </a:rPr>
+              <a:t>        &lt;&lt; </a:t>
+            </a:r>
+            <a:r>
+              <a:rPr lang="en-IN" sz="900" b="0" dirty="0" err="1">
+                <a:solidFill>
+                  <a:schemeClr val="tx1"/>
+                </a:solidFill>
+                <a:effectLst/>
+                <a:latin typeface="Consolas" panose="020B0609020204030204" pitchFamily="49" charset="0"/>
+              </a:rPr>
+              <a:t>reg.predict</a:t>
+            </a:r>
+            <a:r>
+              <a:rPr lang="en-IN" sz="900" b="0" dirty="0">
+                <a:solidFill>
+                  <a:schemeClr val="tx1"/>
+                </a:solidFill>
+                <a:effectLst/>
+                <a:latin typeface="Consolas" panose="020B0609020204030204" pitchFamily="49" charset="0"/>
+              </a:rPr>
+              <a:t>(2014.01) &lt;&lt; </a:t>
+            </a:r>
+            <a:r>
+              <a:rPr lang="en-IN" sz="900" b="0" dirty="0" err="1">
+                <a:solidFill>
+                  <a:schemeClr val="tx1"/>
+                </a:solidFill>
+                <a:effectLst/>
+                <a:latin typeface="Consolas" panose="020B0609020204030204" pitchFamily="49" charset="0"/>
+              </a:rPr>
+              <a:t>endl</a:t>
+            </a:r>
+            <a:r>
+              <a:rPr lang="en-IN" sz="900" b="0" dirty="0">
+                <a:solidFill>
+                  <a:schemeClr val="tx1"/>
+                </a:solidFill>
+                <a:effectLst/>
+                <a:latin typeface="Consolas" panose="020B0609020204030204" pitchFamily="49" charset="0"/>
+              </a:rPr>
+              <a:t>;</a:t>
+            </a:r>
+          </a:p>
+          <a:p>
+            <a:r>
+              <a:rPr lang="en-IN" sz="900" b="0" dirty="0">
+                <a:solidFill>
+                  <a:schemeClr val="tx1"/>
+                </a:solidFill>
+                <a:effectLst/>
+                <a:latin typeface="Consolas" panose="020B0609020204030204" pitchFamily="49" charset="0"/>
+              </a:rPr>
+              <a:t>    </a:t>
+            </a:r>
+            <a:r>
+              <a:rPr lang="en-IN" sz="900" b="0" dirty="0" err="1">
+                <a:solidFill>
+                  <a:schemeClr val="tx1"/>
+                </a:solidFill>
+                <a:effectLst/>
+                <a:latin typeface="Consolas" panose="020B0609020204030204" pitchFamily="49" charset="0"/>
+              </a:rPr>
+              <a:t>cout</a:t>
+            </a:r>
+            <a:r>
+              <a:rPr lang="en-IN" sz="900" b="0" dirty="0">
+                <a:solidFill>
+                  <a:schemeClr val="tx1"/>
+                </a:solidFill>
+                <a:effectLst/>
+                <a:latin typeface="Consolas" panose="020B0609020204030204" pitchFamily="49" charset="0"/>
+              </a:rPr>
+              <a:t> &lt;&lt; "The </a:t>
+            </a:r>
+            <a:r>
+              <a:rPr lang="en-IN" sz="900" b="0" dirty="0" err="1">
+                <a:solidFill>
+                  <a:schemeClr val="tx1"/>
+                </a:solidFill>
+                <a:effectLst/>
+                <a:latin typeface="Consolas" panose="020B0609020204030204" pitchFamily="49" charset="0"/>
+              </a:rPr>
+              <a:t>errorSquared</a:t>
+            </a:r>
+            <a:r>
+              <a:rPr lang="en-IN" sz="900" b="0" dirty="0">
+                <a:solidFill>
+                  <a:schemeClr val="tx1"/>
+                </a:solidFill>
+                <a:effectLst/>
+                <a:latin typeface="Consolas" panose="020B0609020204030204" pitchFamily="49" charset="0"/>
+              </a:rPr>
+              <a:t> = "</a:t>
+            </a:r>
+          </a:p>
+          <a:p>
+            <a:r>
+              <a:rPr lang="en-IN" sz="900" b="0" dirty="0">
+                <a:solidFill>
+                  <a:schemeClr val="tx1"/>
+                </a:solidFill>
+                <a:effectLst/>
+                <a:latin typeface="Consolas" panose="020B0609020204030204" pitchFamily="49" charset="0"/>
+              </a:rPr>
+              <a:t>        &lt;&lt; </a:t>
+            </a:r>
+            <a:r>
+              <a:rPr lang="en-IN" sz="900" b="0" dirty="0" err="1">
+                <a:solidFill>
+                  <a:schemeClr val="tx1"/>
+                </a:solidFill>
+                <a:effectLst/>
+                <a:latin typeface="Consolas" panose="020B0609020204030204" pitchFamily="49" charset="0"/>
+              </a:rPr>
+              <a:t>reg.errorSquare</a:t>
+            </a:r>
+            <a:r>
+              <a:rPr lang="en-IN" sz="900" b="0" dirty="0">
+                <a:solidFill>
+                  <a:schemeClr val="tx1"/>
+                </a:solidFill>
+                <a:effectLst/>
+                <a:latin typeface="Consolas" panose="020B0609020204030204" pitchFamily="49" charset="0"/>
+              </a:rPr>
+              <a:t>() &lt;&lt; </a:t>
+            </a:r>
+            <a:r>
+              <a:rPr lang="en-IN" sz="900" b="0" dirty="0" err="1">
+                <a:solidFill>
+                  <a:schemeClr val="tx1"/>
+                </a:solidFill>
+                <a:effectLst/>
+                <a:latin typeface="Consolas" panose="020B0609020204030204" pitchFamily="49" charset="0"/>
+              </a:rPr>
+              <a:t>endl</a:t>
+            </a:r>
+            <a:r>
+              <a:rPr lang="en-IN" sz="900" b="0" dirty="0">
+                <a:solidFill>
+                  <a:schemeClr val="tx1"/>
+                </a:solidFill>
+                <a:effectLst/>
+                <a:latin typeface="Consolas" panose="020B0609020204030204" pitchFamily="49" charset="0"/>
+              </a:rPr>
+              <a:t>;</a:t>
+            </a:r>
+          </a:p>
+          <a:p>
+            <a:r>
+              <a:rPr lang="en-IN" sz="900" b="0" dirty="0">
+                <a:solidFill>
+                  <a:schemeClr val="tx1"/>
+                </a:solidFill>
+                <a:effectLst/>
+                <a:latin typeface="Consolas" panose="020B0609020204030204" pitchFamily="49" charset="0"/>
+              </a:rPr>
+              <a:t>    </a:t>
+            </a:r>
+            <a:r>
+              <a:rPr lang="en-IN" sz="900" b="0" dirty="0" err="1">
+                <a:solidFill>
+                  <a:schemeClr val="tx1"/>
+                </a:solidFill>
+                <a:effectLst/>
+                <a:latin typeface="Consolas" panose="020B0609020204030204" pitchFamily="49" charset="0"/>
+              </a:rPr>
+              <a:t>cout</a:t>
+            </a:r>
+            <a:r>
+              <a:rPr lang="en-IN" sz="900" b="0" dirty="0">
+                <a:solidFill>
+                  <a:schemeClr val="tx1"/>
+                </a:solidFill>
+                <a:effectLst/>
+                <a:latin typeface="Consolas" panose="020B0609020204030204" pitchFamily="49" charset="0"/>
+              </a:rPr>
+              <a:t> &lt;&lt; "Error in 2010.0316 = "</a:t>
+            </a:r>
+          </a:p>
+          <a:p>
+            <a:r>
+              <a:rPr lang="en-IN" sz="900" b="0" dirty="0">
+                <a:solidFill>
+                  <a:schemeClr val="tx1"/>
+                </a:solidFill>
+                <a:effectLst/>
+                <a:latin typeface="Consolas" panose="020B0609020204030204" pitchFamily="49" charset="0"/>
+              </a:rPr>
+              <a:t>        &lt;&lt; </a:t>
+            </a:r>
+            <a:r>
+              <a:rPr lang="en-IN" sz="900" b="0" dirty="0" err="1">
+                <a:solidFill>
+                  <a:schemeClr val="tx1"/>
+                </a:solidFill>
+                <a:effectLst/>
+                <a:latin typeface="Consolas" panose="020B0609020204030204" pitchFamily="49" charset="0"/>
+              </a:rPr>
+              <a:t>reg.errorIn</a:t>
+            </a:r>
+            <a:r>
+              <a:rPr lang="en-IN" sz="900" b="0" dirty="0">
+                <a:solidFill>
+                  <a:schemeClr val="tx1"/>
+                </a:solidFill>
+                <a:effectLst/>
+                <a:latin typeface="Consolas" panose="020B0609020204030204" pitchFamily="49" charset="0"/>
+              </a:rPr>
+              <a:t>(2014.01) &lt;&lt; </a:t>
+            </a:r>
+            <a:r>
+              <a:rPr lang="en-IN" sz="900" b="0" dirty="0" err="1">
+                <a:solidFill>
+                  <a:schemeClr val="tx1"/>
+                </a:solidFill>
+                <a:effectLst/>
+                <a:latin typeface="Consolas" panose="020B0609020204030204" pitchFamily="49" charset="0"/>
+              </a:rPr>
+              <a:t>endl</a:t>
+            </a:r>
+            <a:r>
+              <a:rPr lang="en-IN" sz="900" b="0" dirty="0">
+                <a:solidFill>
+                  <a:schemeClr val="tx1"/>
+                </a:solidFill>
+                <a:effectLst/>
+                <a:latin typeface="Consolas" panose="020B0609020204030204" pitchFamily="49" charset="0"/>
+              </a:rPr>
+              <a:t>;</a:t>
+            </a:r>
+          </a:p>
+          <a:p>
+            <a:r>
+              <a:rPr lang="en-IN" sz="900" b="0" dirty="0">
+                <a:solidFill>
+                  <a:schemeClr val="tx1"/>
+                </a:solidFill>
+                <a:effectLst/>
+                <a:latin typeface="Consolas" panose="020B0609020204030204" pitchFamily="49" charset="0"/>
+              </a:rPr>
+              <a:t>}</a:t>
+            </a:r>
           </a:p>
         </p:txBody>
       </p:sp>
     </p:spTree>
     <p:extLst>
       <p:ext uri="{BB962C8B-B14F-4D97-AF65-F5344CB8AC3E}">
-        <p14:creationId xmlns:p14="http://schemas.microsoft.com/office/powerpoint/2010/main" val="2743588701"/>
+        <p14:creationId xmlns:p14="http://schemas.microsoft.com/office/powerpoint/2010/main" val="1655205304"/>
       </p:ext>
     </p:extLst>
   </p:cSld>
@@ -6200,7 +14446,7 @@
   <p:cSld>
     <p:spTree>
       <p:nvGrpSpPr>
-        <p:cNvPr id="1" name=""/>
+        <p:cNvPr id="1" name="Shape 26"/>
         <p:cNvGrpSpPr/>
         <p:nvPr/>
       </p:nvGrpSpPr>
@@ -6214,119 +14460,263 @@
       </p:grpSpPr>
       <p:sp>
         <p:nvSpPr>
-          <p:cNvPr id="2" name="TextBox 1">
-            <a:extLst>
-              <a:ext uri="{FF2B5EF4-FFF2-40B4-BE49-F238E27FC236}">
-                <a16:creationId xmlns:a16="http://schemas.microsoft.com/office/drawing/2014/main" id="{B2EC635B-D8A3-4A72-8304-20FFBA5D21A3}"/>
-              </a:ext>
-            </a:extLst>
-          </p:cNvPr>
+          <p:cNvPr id="27" name="Google Shape;27;p5"/>
           <p:cNvSpPr txBox="1"/>
           <p:nvPr/>
         </p:nvSpPr>
         <p:spPr>
           <a:xfrm>
-            <a:off x="325927" y="222501"/>
-            <a:ext cx="7530363" cy="584775"/>
+            <a:off x="325927" y="248626"/>
+            <a:ext cx="7530300" cy="585000"/>
           </a:xfrm>
           <a:prstGeom prst="rect">
             <a:avLst/>
           </a:prstGeom>
           <a:noFill/>
+          <a:ln>
+            <a:noFill/>
+          </a:ln>
         </p:spPr>
         <p:txBody>
-          <a:bodyPr wrap="square" rtlCol="0">
+          <a:bodyPr spcFirstLastPara="1" wrap="square" lIns="91425" tIns="45700" rIns="91425" bIns="45700" anchor="t" anchorCtr="0">
             <a:spAutoFit/>
           </a:bodyPr>
           <a:lstStyle/>
           <a:p>
-            <a:r>
-              <a:rPr lang="en-IN" sz="3200" b="1" dirty="0">
+            <a:pPr marL="0" marR="0" lvl="0" indent="0" algn="l" rtl="0">
+              <a:lnSpc>
+                <a:spcPct val="100000"/>
+              </a:lnSpc>
+              <a:spcBef>
+                <a:spcPts val="0"/>
+              </a:spcBef>
+              <a:spcAft>
+                <a:spcPts val="0"/>
+              </a:spcAft>
+              <a:buNone/>
+            </a:pPr>
+            <a:r>
+              <a:rPr lang="en-US" sz="3200" b="1" i="0" u="none" strike="noStrike" cap="none">
                 <a:solidFill>
                   <a:srgbClr val="46B0FA"/>
                 </a:solidFill>
-                <a:latin typeface="Arial" panose="020B0604020202020204" pitchFamily="34" charset="0"/>
-                <a:cs typeface="Arial" panose="020B0604020202020204" pitchFamily="34" charset="0"/>
-              </a:rPr>
-              <a:t>Conclusion</a:t>
-            </a:r>
+                <a:latin typeface="Arial"/>
+                <a:ea typeface="Arial"/>
+                <a:cs typeface="Arial"/>
+                <a:sym typeface="Arial"/>
+              </a:rPr>
+              <a:t>Results</a:t>
+            </a:r>
+            <a:endParaRPr/>
           </a:p>
         </p:txBody>
       </p:sp>
       <p:sp>
         <p:nvSpPr>
-          <p:cNvPr id="3" name="TextBox 2">
-            <a:extLst>
-              <a:ext uri="{FF2B5EF4-FFF2-40B4-BE49-F238E27FC236}">
-                <a16:creationId xmlns:a16="http://schemas.microsoft.com/office/drawing/2014/main" id="{66168532-D141-4AB0-BD29-1663F2877B3E}"/>
-              </a:ext>
-            </a:extLst>
-          </p:cNvPr>
+          <p:cNvPr id="28" name="Google Shape;28;p5"/>
           <p:cNvSpPr txBox="1"/>
           <p:nvPr/>
         </p:nvSpPr>
         <p:spPr>
           <a:xfrm>
-            <a:off x="822959" y="1312664"/>
-            <a:ext cx="9901002" cy="1323439"/>
+            <a:off x="822959" y="1196031"/>
+            <a:ext cx="9900900" cy="307800"/>
           </a:xfrm>
           <a:prstGeom prst="rect">
             <a:avLst/>
           </a:prstGeom>
           <a:noFill/>
+          <a:ln>
+            <a:noFill/>
+          </a:ln>
         </p:spPr>
         <p:txBody>
-          <a:bodyPr wrap="square" rtlCol="0">
+          <a:bodyPr spcFirstLastPara="1" wrap="square" lIns="91425" tIns="45700" rIns="91425" bIns="45700" anchor="t" anchorCtr="0">
             <a:spAutoFit/>
           </a:bodyPr>
           <a:lstStyle/>
           <a:p>
-            <a:r>
-              <a:rPr lang="en-US" sz="2000" dirty="0">
-                <a:solidFill>
-                  <a:srgbClr val="AE36FF"/>
-                </a:solidFill>
-                <a:latin typeface="Arial" panose="020B0604020202020204" pitchFamily="34" charset="0"/>
-                <a:cs typeface="Arial" panose="020B0604020202020204" pitchFamily="34" charset="0"/>
-              </a:rPr>
-              <a:t>Justification of Objectives</a:t>
-            </a:r>
-          </a:p>
-          <a:p>
-            <a:endParaRPr lang="en-US" sz="2000" dirty="0">
+            <a:pPr marL="0" marR="0" lvl="0" indent="0" algn="l" rtl="0">
+              <a:lnSpc>
+                <a:spcPct val="100000"/>
+              </a:lnSpc>
+              <a:spcBef>
+                <a:spcPts val="0"/>
+              </a:spcBef>
+              <a:spcAft>
+                <a:spcPts val="0"/>
+              </a:spcAft>
+              <a:buNone/>
+            </a:pPr>
+            <a:endParaRPr sz="1400" b="0" i="0" u="none" strike="noStrike" cap="none">
               <a:solidFill>
-                <a:srgbClr val="AE36FF"/>
+                <a:srgbClr val="000000"/>
               </a:solidFill>
-              <a:latin typeface="Arial" panose="020B0604020202020204" pitchFamily="34" charset="0"/>
-              <a:cs typeface="Arial" panose="020B0604020202020204" pitchFamily="34" charset="0"/>
-            </a:endParaRPr>
-          </a:p>
-          <a:p>
-            <a:r>
-              <a:rPr lang="en-US" sz="2000" dirty="0">
-                <a:solidFill>
-                  <a:srgbClr val="AE36FF"/>
-                </a:solidFill>
-                <a:latin typeface="Arial" panose="020B0604020202020204" pitchFamily="34" charset="0"/>
-                <a:cs typeface="Arial" panose="020B0604020202020204" pitchFamily="34" charset="0"/>
-              </a:rPr>
-              <a:t>Future Scope</a:t>
-            </a:r>
-          </a:p>
-          <a:p>
-            <a:endParaRPr lang="en-US" sz="2000" dirty="0">
-              <a:latin typeface="Arial" panose="020B0604020202020204" pitchFamily="34" charset="0"/>
-              <a:cs typeface="Arial" panose="020B0604020202020204" pitchFamily="34" charset="0"/>
+              <a:latin typeface="Arial"/>
+              <a:ea typeface="Arial"/>
+              <a:cs typeface="Arial"/>
+              <a:sym typeface="Arial"/>
             </a:endParaRPr>
           </a:p>
         </p:txBody>
       </p:sp>
+      <p:pic>
+        <p:nvPicPr>
+          <p:cNvPr id="29" name="Google Shape;29;p5"/>
+          <p:cNvPicPr preferRelativeResize="0"/>
+          <p:nvPr/>
+        </p:nvPicPr>
+        <p:blipFill>
+          <a:blip r:embed="rId3">
+            <a:alphaModFix/>
+          </a:blip>
+          <a:stretch>
+            <a:fillRect/>
+          </a:stretch>
+        </p:blipFill>
+        <p:spPr>
+          <a:xfrm>
+            <a:off x="1260425" y="4661050"/>
+            <a:ext cx="5300200" cy="831000"/>
+          </a:xfrm>
+          <a:prstGeom prst="rect">
+            <a:avLst/>
+          </a:prstGeom>
+          <a:noFill/>
+          <a:ln>
+            <a:noFill/>
+          </a:ln>
+        </p:spPr>
+      </p:pic>
+      <p:sp>
+        <p:nvSpPr>
+          <p:cNvPr id="30" name="Google Shape;30;p5"/>
+          <p:cNvSpPr txBox="1"/>
+          <p:nvPr/>
+        </p:nvSpPr>
+        <p:spPr>
+          <a:xfrm>
+            <a:off x="1170200" y="1701017"/>
+            <a:ext cx="8144700" cy="554100"/>
+          </a:xfrm>
+          <a:prstGeom prst="rect">
+            <a:avLst/>
+          </a:prstGeom>
+          <a:noFill/>
+          <a:ln>
+            <a:noFill/>
+          </a:ln>
+        </p:spPr>
+        <p:txBody>
+          <a:bodyPr spcFirstLastPara="1" wrap="square" lIns="91425" tIns="91425" rIns="91425" bIns="91425" anchor="t" anchorCtr="0">
+            <a:spAutoFit/>
+          </a:bodyPr>
+          <a:lstStyle/>
+          <a:p>
+            <a:pPr marL="0" lvl="0" indent="0" algn="l" rtl="0">
+              <a:spcBef>
+                <a:spcPts val="0"/>
+              </a:spcBef>
+              <a:spcAft>
+                <a:spcPts val="0"/>
+              </a:spcAft>
+              <a:buNone/>
+            </a:pPr>
+            <a:r>
+              <a:rPr lang="en-US" sz="2400">
+                <a:solidFill>
+                  <a:schemeClr val="dk1"/>
+                </a:solidFill>
+              </a:rPr>
+              <a:t>Before Mid-Sem</a:t>
+            </a:r>
+            <a:endParaRPr sz="2400">
+              <a:solidFill>
+                <a:schemeClr val="dk1"/>
+              </a:solidFill>
+            </a:endParaRPr>
+          </a:p>
+        </p:txBody>
+      </p:sp>
+      <p:sp>
+        <p:nvSpPr>
+          <p:cNvPr id="31" name="Google Shape;31;p5"/>
+          <p:cNvSpPr txBox="1"/>
+          <p:nvPr/>
+        </p:nvSpPr>
+        <p:spPr>
+          <a:xfrm>
+            <a:off x="1170200" y="3992742"/>
+            <a:ext cx="8144700" cy="554100"/>
+          </a:xfrm>
+          <a:prstGeom prst="rect">
+            <a:avLst/>
+          </a:prstGeom>
+          <a:noFill/>
+          <a:ln>
+            <a:noFill/>
+          </a:ln>
+        </p:spPr>
+        <p:txBody>
+          <a:bodyPr spcFirstLastPara="1" wrap="square" lIns="91425" tIns="91425" rIns="91425" bIns="91425" anchor="t" anchorCtr="0">
+            <a:spAutoFit/>
+          </a:bodyPr>
+          <a:lstStyle/>
+          <a:p>
+            <a:pPr marL="0" lvl="0" indent="0" algn="l" rtl="0">
+              <a:spcBef>
+                <a:spcPts val="0"/>
+              </a:spcBef>
+              <a:spcAft>
+                <a:spcPts val="0"/>
+              </a:spcAft>
+              <a:buNone/>
+            </a:pPr>
+            <a:r>
+              <a:rPr lang="en-US" sz="2400">
+                <a:solidFill>
+                  <a:schemeClr val="dk1"/>
+                </a:solidFill>
+              </a:rPr>
+              <a:t>After Mid-Sem</a:t>
+            </a:r>
+            <a:endParaRPr sz="2400">
+              <a:solidFill>
+                <a:schemeClr val="dk1"/>
+              </a:solidFill>
+            </a:endParaRPr>
+          </a:p>
+        </p:txBody>
+      </p:sp>
+      <p:pic>
+        <p:nvPicPr>
+          <p:cNvPr id="32" name="Google Shape;32;p5"/>
+          <p:cNvPicPr preferRelativeResize="0"/>
+          <p:nvPr/>
+        </p:nvPicPr>
+        <p:blipFill>
+          <a:blip r:embed="rId4">
+            <a:alphaModFix/>
+          </a:blip>
+          <a:stretch>
+            <a:fillRect/>
+          </a:stretch>
+        </p:blipFill>
+        <p:spPr>
+          <a:xfrm>
+            <a:off x="1260425" y="2617800"/>
+            <a:ext cx="5239250" cy="1012275"/>
+          </a:xfrm>
+          <a:prstGeom prst="rect">
+            <a:avLst/>
+          </a:prstGeom>
+          <a:noFill/>
+          <a:ln>
+            <a:noFill/>
+          </a:ln>
+        </p:spPr>
+      </p:pic>
     </p:spTree>
-    <p:extLst>
-      <p:ext uri="{BB962C8B-B14F-4D97-AF65-F5344CB8AC3E}">
-        <p14:creationId xmlns:p14="http://schemas.microsoft.com/office/powerpoint/2010/main" val="3871416134"/>
-      </p:ext>
-    </p:extLst>
   </p:cSld>
   <p:clrMapOvr>
     <a:masterClrMapping/>
@@ -6335,6 +14725,290 @@
 </file>
 
 <file path=ppt/slides/slide15.xml><?xml version="1.0" encoding="utf-8"?>
+<p:sld xmlns:a="http://schemas.openxmlformats.org/drawingml/2006/main" xmlns:r="http://schemas.openxmlformats.org/officeDocument/2006/relationships" xmlns:p="http://schemas.openxmlformats.org/presentationml/2006/main">
+  <p:cSld>
+    <p:spTree>
+      <p:nvGrpSpPr>
+        <p:cNvPr id="1" name="Shape 36"/>
+        <p:cNvGrpSpPr/>
+        <p:nvPr/>
+      </p:nvGrpSpPr>
+      <p:grpSpPr>
+        <a:xfrm>
+          <a:off x="0" y="0"/>
+          <a:ext cx="0" cy="0"/>
+          <a:chOff x="0" y="0"/>
+          <a:chExt cx="0" cy="0"/>
+        </a:xfrm>
+      </p:grpSpPr>
+      <p:sp>
+        <p:nvSpPr>
+          <p:cNvPr id="37" name="Google Shape;37;p6"/>
+          <p:cNvSpPr txBox="1"/>
+          <p:nvPr/>
+        </p:nvSpPr>
+        <p:spPr>
+          <a:xfrm>
+            <a:off x="520327" y="611276"/>
+            <a:ext cx="7530300" cy="585000"/>
+          </a:xfrm>
+          <a:prstGeom prst="rect">
+            <a:avLst/>
+          </a:prstGeom>
+          <a:noFill/>
+          <a:ln>
+            <a:noFill/>
+          </a:ln>
+        </p:spPr>
+        <p:txBody>
+          <a:bodyPr spcFirstLastPara="1" wrap="square" lIns="91425" tIns="45700" rIns="91425" bIns="45700" anchor="t" anchorCtr="0">
+            <a:spAutoFit/>
+          </a:bodyPr>
+          <a:lstStyle/>
+          <a:p>
+            <a:pPr marL="0" marR="0" lvl="0" indent="0" algn="l" rtl="0">
+              <a:lnSpc>
+                <a:spcPct val="100000"/>
+              </a:lnSpc>
+              <a:spcBef>
+                <a:spcPts val="0"/>
+              </a:spcBef>
+              <a:spcAft>
+                <a:spcPts val="0"/>
+              </a:spcAft>
+              <a:buNone/>
+            </a:pPr>
+            <a:r>
+              <a:rPr lang="en-US" sz="3200" b="1" i="0" u="none" strike="noStrike" cap="none">
+                <a:solidFill>
+                  <a:srgbClr val="46B0FA"/>
+                </a:solidFill>
+                <a:latin typeface="Arial"/>
+                <a:ea typeface="Arial"/>
+                <a:cs typeface="Arial"/>
+                <a:sym typeface="Arial"/>
+              </a:rPr>
+              <a:t>Conclusion</a:t>
+            </a:r>
+            <a:endParaRPr/>
+          </a:p>
+        </p:txBody>
+      </p:sp>
+      <p:sp>
+        <p:nvSpPr>
+          <p:cNvPr id="38" name="Google Shape;38;p6"/>
+          <p:cNvSpPr txBox="1"/>
+          <p:nvPr/>
+        </p:nvSpPr>
+        <p:spPr>
+          <a:xfrm>
+            <a:off x="822959" y="1312664"/>
+            <a:ext cx="9900900" cy="615600"/>
+          </a:xfrm>
+          <a:prstGeom prst="rect">
+            <a:avLst/>
+          </a:prstGeom>
+          <a:noFill/>
+          <a:ln>
+            <a:noFill/>
+          </a:ln>
+        </p:spPr>
+        <p:txBody>
+          <a:bodyPr spcFirstLastPara="1" wrap="square" lIns="91425" tIns="45700" rIns="91425" bIns="45700" anchor="t" anchorCtr="0">
+            <a:spAutoFit/>
+          </a:bodyPr>
+          <a:lstStyle/>
+          <a:p>
+            <a:pPr marL="0" marR="0" lvl="0" indent="0" algn="l" rtl="0">
+              <a:lnSpc>
+                <a:spcPct val="100000"/>
+              </a:lnSpc>
+              <a:spcBef>
+                <a:spcPts val="0"/>
+              </a:spcBef>
+              <a:spcAft>
+                <a:spcPts val="0"/>
+              </a:spcAft>
+              <a:buNone/>
+            </a:pPr>
+            <a:endParaRPr/>
+          </a:p>
+          <a:p>
+            <a:pPr marL="0" marR="0" lvl="0" indent="0" algn="l" rtl="0">
+              <a:lnSpc>
+                <a:spcPct val="100000"/>
+              </a:lnSpc>
+              <a:spcBef>
+                <a:spcPts val="0"/>
+              </a:spcBef>
+              <a:spcAft>
+                <a:spcPts val="0"/>
+              </a:spcAft>
+              <a:buNone/>
+            </a:pPr>
+            <a:endParaRPr sz="2000" b="0" i="0" u="none" strike="noStrike" cap="none">
+              <a:solidFill>
+                <a:srgbClr val="000000"/>
+              </a:solidFill>
+              <a:latin typeface="Arial"/>
+              <a:ea typeface="Arial"/>
+              <a:cs typeface="Arial"/>
+              <a:sym typeface="Arial"/>
+            </a:endParaRPr>
+          </a:p>
+        </p:txBody>
+      </p:sp>
+      <p:sp>
+        <p:nvSpPr>
+          <p:cNvPr id="39" name="Google Shape;39;p6"/>
+          <p:cNvSpPr txBox="1"/>
+          <p:nvPr/>
+        </p:nvSpPr>
+        <p:spPr>
+          <a:xfrm>
+            <a:off x="1145550" y="1620464"/>
+            <a:ext cx="9900900" cy="2616600"/>
+          </a:xfrm>
+          <a:prstGeom prst="rect">
+            <a:avLst/>
+          </a:prstGeom>
+          <a:noFill/>
+          <a:ln>
+            <a:noFill/>
+          </a:ln>
+        </p:spPr>
+        <p:txBody>
+          <a:bodyPr spcFirstLastPara="1" wrap="square" lIns="91425" tIns="91425" rIns="91425" bIns="91425" anchor="t" anchorCtr="0">
+            <a:spAutoFit/>
+          </a:bodyPr>
+          <a:lstStyle/>
+          <a:p>
+            <a:pPr marL="0" lvl="0" indent="0" algn="l" rtl="0">
+              <a:spcBef>
+                <a:spcPts val="0"/>
+              </a:spcBef>
+              <a:spcAft>
+                <a:spcPts val="0"/>
+              </a:spcAft>
+              <a:buNone/>
+            </a:pPr>
+            <a:r>
+              <a:rPr lang="en-US" sz="2400" dirty="0">
+                <a:solidFill>
+                  <a:schemeClr val="dk1"/>
+                </a:solidFill>
+              </a:rPr>
+              <a:t>The model for stock market prediction implemented using linear regression model involved various steps including dataset collection and its preprocessing. The model worked well on the preprocessed dataset than the actual dataset.</a:t>
+            </a:r>
+            <a:endParaRPr sz="2400" dirty="0">
+              <a:solidFill>
+                <a:schemeClr val="dk1"/>
+              </a:solidFill>
+            </a:endParaRPr>
+          </a:p>
+          <a:p>
+            <a:pPr marL="0" lvl="0" indent="0" algn="l" rtl="0">
+              <a:spcBef>
+                <a:spcPts val="0"/>
+              </a:spcBef>
+              <a:spcAft>
+                <a:spcPts val="0"/>
+              </a:spcAft>
+              <a:buNone/>
+            </a:pPr>
+            <a:r>
+              <a:rPr lang="en-US" sz="2400" dirty="0">
+                <a:solidFill>
+                  <a:schemeClr val="dk1"/>
+                </a:solidFill>
+              </a:rPr>
+              <a:t>We understood the working on preprocessed dataset and how it helped the model in getting the best fit line.</a:t>
+            </a:r>
+            <a:endParaRPr sz="2400" dirty="0">
+              <a:solidFill>
+                <a:schemeClr val="dk1"/>
+              </a:solidFill>
+            </a:endParaRPr>
+          </a:p>
+          <a:p>
+            <a:pPr marL="0" lvl="0" indent="0" algn="l" rtl="0">
+              <a:spcBef>
+                <a:spcPts val="0"/>
+              </a:spcBef>
+              <a:spcAft>
+                <a:spcPts val="0"/>
+              </a:spcAft>
+              <a:buNone/>
+            </a:pPr>
+            <a:endParaRPr dirty="0"/>
+          </a:p>
+        </p:txBody>
+      </p:sp>
+      <p:pic>
+        <p:nvPicPr>
+          <p:cNvPr id="40" name="Google Shape;40;p6"/>
+          <p:cNvPicPr preferRelativeResize="0"/>
+          <p:nvPr/>
+        </p:nvPicPr>
+        <p:blipFill>
+          <a:blip r:embed="rId3">
+            <a:alphaModFix/>
+          </a:blip>
+          <a:stretch>
+            <a:fillRect/>
+          </a:stretch>
+        </p:blipFill>
+        <p:spPr>
+          <a:xfrm>
+            <a:off x="1114425" y="4764286"/>
+            <a:ext cx="4981575" cy="781050"/>
+          </a:xfrm>
+          <a:prstGeom prst="rect">
+            <a:avLst/>
+          </a:prstGeom>
+          <a:noFill/>
+          <a:ln>
+            <a:noFill/>
+          </a:ln>
+        </p:spPr>
+      </p:pic>
+      <p:pic>
+        <p:nvPicPr>
+          <p:cNvPr id="41" name="Google Shape;41;p6"/>
+          <p:cNvPicPr preferRelativeResize="0"/>
+          <p:nvPr/>
+        </p:nvPicPr>
+        <p:blipFill>
+          <a:blip r:embed="rId4">
+            <a:alphaModFix/>
+          </a:blip>
+          <a:stretch>
+            <a:fillRect/>
+          </a:stretch>
+        </p:blipFill>
+        <p:spPr>
+          <a:xfrm>
+            <a:off x="6096000" y="4764286"/>
+            <a:ext cx="5239250" cy="781050"/>
+          </a:xfrm>
+          <a:prstGeom prst="rect">
+            <a:avLst/>
+          </a:prstGeom>
+          <a:noFill/>
+          <a:ln>
+            <a:noFill/>
+          </a:ln>
+        </p:spPr>
+      </p:pic>
+    </p:spTree>
+  </p:cSld>
+  <p:clrMapOvr>
+    <a:masterClrMapping/>
+  </p:clrMapOvr>
+</p:sld>
+</file>
+
+<file path=ppt/slides/slide16.xml><?xml version="1.0" encoding="utf-8"?>
 <p:sld xmlns:a="http://schemas.openxmlformats.org/drawingml/2006/main" xmlns:r="http://schemas.openxmlformats.org/officeDocument/2006/relationships" xmlns:p="http://schemas.openxmlformats.org/presentationml/2006/main">
   <p:cSld>
     <p:spTree>
@@ -6629,7 +15303,7 @@
 </p:sld>
 </file>
 
-<file path=ppt/slides/slide16.xml><?xml version="1.0" encoding="utf-8"?>
+<file path=ppt/slides/slide17.xml><?xml version="1.0" encoding="utf-8"?>
 <p:sld xmlns:a="http://schemas.openxmlformats.org/drawingml/2006/main" xmlns:r="http://schemas.openxmlformats.org/officeDocument/2006/relationships" xmlns:p="http://schemas.openxmlformats.org/presentationml/2006/main">
   <p:cSld>
     <p:spTree>
@@ -6880,6 +15554,10 @@
           </a:bodyPr>
           <a:lstStyle/>
           <a:p>
+            <a:pPr marL="457200" indent="-457200">
+              <a:buFont typeface="+mj-lt"/>
+              <a:buAutoNum type="arabicPeriod"/>
+            </a:pPr>
             <a:r>
               <a:rPr lang="en-US" sz="2000" dirty="0">
                 <a:latin typeface="Arial" panose="020B0604020202020204" pitchFamily="34" charset="0"/>
@@ -6889,12 +15567,20 @@
             </a:r>
           </a:p>
           <a:p>
+            <a:pPr marL="457200" indent="-457200">
+              <a:buFont typeface="+mj-lt"/>
+              <a:buAutoNum type="arabicPeriod"/>
+            </a:pPr>
             <a:endParaRPr lang="en-US" sz="2000" dirty="0">
               <a:latin typeface="Arial" panose="020B0604020202020204" pitchFamily="34" charset="0"/>
               <a:cs typeface="Arial" panose="020B0604020202020204" pitchFamily="34" charset="0"/>
             </a:endParaRPr>
           </a:p>
           <a:p>
+            <a:pPr marL="457200" indent="-457200">
+              <a:buFont typeface="+mj-lt"/>
+              <a:buAutoNum type="arabicPeriod"/>
+            </a:pPr>
             <a:r>
               <a:rPr lang="en-US" sz="2000" dirty="0">
                 <a:latin typeface="Arial" panose="020B0604020202020204" pitchFamily="34" charset="0"/>
@@ -6904,12 +15590,20 @@
             </a:r>
           </a:p>
           <a:p>
+            <a:pPr marL="457200" indent="-457200">
+              <a:buFont typeface="+mj-lt"/>
+              <a:buAutoNum type="arabicPeriod"/>
+            </a:pPr>
             <a:endParaRPr lang="en-US" sz="2000" dirty="0">
               <a:latin typeface="Arial" panose="020B0604020202020204" pitchFamily="34" charset="0"/>
               <a:cs typeface="Arial" panose="020B0604020202020204" pitchFamily="34" charset="0"/>
             </a:endParaRPr>
           </a:p>
           <a:p>
+            <a:pPr marL="457200" indent="-457200">
+              <a:buFont typeface="+mj-lt"/>
+              <a:buAutoNum type="arabicPeriod"/>
+            </a:pPr>
             <a:r>
               <a:rPr lang="en-US" sz="2000" dirty="0">
                 <a:latin typeface="Arial" panose="020B0604020202020204" pitchFamily="34" charset="0"/>
@@ -6919,12 +15613,20 @@
             </a:r>
           </a:p>
           <a:p>
+            <a:pPr marL="457200" indent="-457200">
+              <a:buFont typeface="+mj-lt"/>
+              <a:buAutoNum type="arabicPeriod"/>
+            </a:pPr>
             <a:endParaRPr lang="en-US" sz="2000" dirty="0">
               <a:latin typeface="Arial" panose="020B0604020202020204" pitchFamily="34" charset="0"/>
               <a:cs typeface="Arial" panose="020B0604020202020204" pitchFamily="34" charset="0"/>
             </a:endParaRPr>
           </a:p>
           <a:p>
+            <a:pPr marL="457200" indent="-457200">
+              <a:buFont typeface="+mj-lt"/>
+              <a:buAutoNum type="arabicPeriod"/>
+            </a:pPr>
             <a:r>
               <a:rPr lang="en-US" sz="2000" dirty="0">
                 <a:latin typeface="Arial" panose="020B0604020202020204" pitchFamily="34" charset="0"/>
@@ -6934,12 +15636,20 @@
             </a:r>
           </a:p>
           <a:p>
+            <a:pPr marL="457200" indent="-457200">
+              <a:buFont typeface="+mj-lt"/>
+              <a:buAutoNum type="arabicPeriod"/>
+            </a:pPr>
             <a:endParaRPr lang="en-US" sz="2000" dirty="0">
               <a:latin typeface="Arial" panose="020B0604020202020204" pitchFamily="34" charset="0"/>
               <a:cs typeface="Arial" panose="020B0604020202020204" pitchFamily="34" charset="0"/>
             </a:endParaRPr>
           </a:p>
           <a:p>
+            <a:pPr marL="457200" indent="-457200">
+              <a:buFont typeface="+mj-lt"/>
+              <a:buAutoNum type="arabicPeriod"/>
+            </a:pPr>
             <a:r>
               <a:rPr lang="en-US" sz="2000" dirty="0">
                 <a:latin typeface="Arial" panose="020B0604020202020204" pitchFamily="34" charset="0"/>
@@ -6949,12 +15659,20 @@
             </a:r>
           </a:p>
           <a:p>
+            <a:pPr marL="457200" indent="-457200">
+              <a:buFont typeface="+mj-lt"/>
+              <a:buAutoNum type="arabicPeriod"/>
+            </a:pPr>
             <a:endParaRPr lang="en-US" sz="2000" dirty="0">
               <a:latin typeface="Arial" panose="020B0604020202020204" pitchFamily="34" charset="0"/>
               <a:cs typeface="Arial" panose="020B0604020202020204" pitchFamily="34" charset="0"/>
             </a:endParaRPr>
           </a:p>
           <a:p>
+            <a:pPr marL="457200" indent="-457200">
+              <a:buFont typeface="+mj-lt"/>
+              <a:buAutoNum type="arabicPeriod"/>
+            </a:pPr>
             <a:r>
               <a:rPr lang="en-US" sz="2000" dirty="0">
                 <a:latin typeface="Arial" panose="020B0604020202020204" pitchFamily="34" charset="0"/>
@@ -6964,12 +15682,20 @@
             </a:r>
           </a:p>
           <a:p>
+            <a:pPr marL="457200" indent="-457200">
+              <a:buFont typeface="+mj-lt"/>
+              <a:buAutoNum type="arabicPeriod"/>
+            </a:pPr>
             <a:endParaRPr lang="en-US" sz="2000" dirty="0">
               <a:latin typeface="Arial" panose="020B0604020202020204" pitchFamily="34" charset="0"/>
               <a:cs typeface="Arial" panose="020B0604020202020204" pitchFamily="34" charset="0"/>
             </a:endParaRPr>
           </a:p>
           <a:p>
+            <a:pPr marL="457200" indent="-457200">
+              <a:buFont typeface="+mj-lt"/>
+              <a:buAutoNum type="arabicPeriod"/>
+            </a:pPr>
             <a:r>
               <a:rPr lang="en-US" sz="2000" dirty="0">
                 <a:latin typeface="Arial" panose="020B0604020202020204" pitchFamily="34" charset="0"/>
@@ -6979,12 +15705,20 @@
             </a:r>
           </a:p>
           <a:p>
+            <a:pPr marL="457200" indent="-457200">
+              <a:buFont typeface="+mj-lt"/>
+              <a:buAutoNum type="arabicPeriod"/>
+            </a:pPr>
             <a:endParaRPr lang="en-US" sz="2000" dirty="0">
               <a:latin typeface="Arial" panose="020B0604020202020204" pitchFamily="34" charset="0"/>
               <a:cs typeface="Arial" panose="020B0604020202020204" pitchFamily="34" charset="0"/>
             </a:endParaRPr>
           </a:p>
           <a:p>
+            <a:pPr marL="457200" indent="-457200">
+              <a:buFont typeface="+mj-lt"/>
+              <a:buAutoNum type="arabicPeriod"/>
+            </a:pPr>
             <a:r>
               <a:rPr lang="en-US" sz="2000" dirty="0">
                 <a:latin typeface="Arial" panose="020B0604020202020204" pitchFamily="34" charset="0"/>
@@ -6994,6 +15728,10 @@
             </a:r>
           </a:p>
           <a:p>
+            <a:pPr marL="342900" indent="-342900">
+              <a:buFont typeface="+mj-lt"/>
+              <a:buAutoNum type="arabicPeriod"/>
+            </a:pPr>
             <a:endParaRPr lang="en-IN" dirty="0">
               <a:latin typeface="Arial" panose="020B0604020202020204" pitchFamily="34" charset="0"/>
               <a:cs typeface="Arial" panose="020B0604020202020204" pitchFamily="34" charset="0"/>
@@ -7098,7 +15836,7 @@
         <p:spPr>
           <a:xfrm>
             <a:off x="304652" y="1360532"/>
-            <a:ext cx="11582700" cy="5427086"/>
+            <a:ext cx="11582700" cy="4565312"/>
           </a:xfrm>
           <a:prstGeom prst="rect">
             <a:avLst/>
@@ -7113,38 +15851,6 @@
             <a:spAutoFit/>
           </a:bodyPr>
           <a:lstStyle/>
-          <a:p>
-            <a:r>
-              <a:rPr lang="en-US" sz="2800" dirty="0">
-                <a:solidFill>
-                  <a:srgbClr val="AE36FF"/>
-                </a:solidFill>
-                <a:latin typeface="Arial" panose="020B0604020202020204" pitchFamily="34" charset="0"/>
-                <a:cs typeface="Arial" panose="020B0604020202020204" pitchFamily="34" charset="0"/>
-              </a:rPr>
-              <a:t>Technical background of project</a:t>
-            </a:r>
-          </a:p>
-          <a:p>
-            <a:pPr marL="0" marR="0" lvl="0" indent="0" algn="l" rtl="0">
-              <a:spcBef>
-                <a:spcPts val="0"/>
-              </a:spcBef>
-              <a:spcAft>
-                <a:spcPts val="0"/>
-              </a:spcAft>
-              <a:buNone/>
-            </a:pPr>
-            <a:endParaRPr lang="en-US" sz="2800" dirty="0">
-              <a:solidFill>
-                <a:srgbClr val="FF0000"/>
-              </a:solidFill>
-              <a:latin typeface="Arial"/>
-              <a:ea typeface="Arial"/>
-              <a:cs typeface="Arial"/>
-              <a:sym typeface="Arial"/>
-            </a:endParaRPr>
-          </a:p>
           <a:p>
             <a:pPr marL="0" marR="0" lvl="0" indent="0" algn="l" rtl="0">
               <a:spcBef>
